--- a/documents/presentation/data understanding.pptx
+++ b/documents/presentation/data understanding.pptx
@@ -8,6 +8,11 @@
     <p:sldId id="256" r:id="rId2"/>
     <p:sldId id="257" r:id="rId3"/>
     <p:sldId id="258" r:id="rId4"/>
+    <p:sldId id="259" r:id="rId5"/>
+    <p:sldId id="260" r:id="rId6"/>
+    <p:sldId id="261" r:id="rId7"/>
+    <p:sldId id="263" r:id="rId8"/>
+    <p:sldId id="262" r:id="rId9"/>
   </p:sldIdLst>
   <p:sldSz cx="12192000" cy="6858000"/>
   <p:notesSz cx="6858000" cy="9144000"/>
@@ -114,6 +119,6826 @@
 </p:presentation>
 </file>
 
+<file path=ppt/diagrams/colors1.xml><?xml version="1.0" encoding="utf-8"?>
+<dgm:colorsDef xmlns:dgm="http://schemas.openxmlformats.org/drawingml/2006/diagram" xmlns:a="http://schemas.openxmlformats.org/drawingml/2006/main" uniqueId="urn:microsoft.com/office/officeart/2018/5/colors/Iconchunking_neutralbg_colorful1">
+  <dgm:title val=""/>
+  <dgm:desc val=""/>
+  <dgm:catLst>
+    <dgm:cat type="colorful" pri="10100"/>
+  </dgm:catLst>
+  <dgm:styleLbl name="node0">
+    <dgm:fillClrLst meth="repeat">
+      <a:schemeClr val="accent1"/>
+    </dgm:fillClrLst>
+    <dgm:linClrLst meth="repeat">
+      <a:schemeClr val="lt1"/>
+    </dgm:linClrLst>
+    <dgm:effectClrLst/>
+    <dgm:txLinClrLst/>
+    <dgm:txFillClrLst/>
+    <dgm:txEffectClrLst/>
+  </dgm:styleLbl>
+  <dgm:styleLbl name="node1">
+    <dgm:fillClrLst meth="repeat">
+      <a:schemeClr val="accent2"/>
+      <a:schemeClr val="accent3"/>
+      <a:schemeClr val="accent4"/>
+      <a:schemeClr val="accent5"/>
+      <a:schemeClr val="accent6"/>
+    </dgm:fillClrLst>
+    <dgm:linClrLst meth="repeat">
+      <a:schemeClr val="lt1">
+        <a:alpha val="0"/>
+      </a:schemeClr>
+    </dgm:linClrLst>
+    <dgm:effectClrLst/>
+    <dgm:txLinClrLst/>
+    <dgm:txFillClrLst/>
+    <dgm:txEffectClrLst/>
+  </dgm:styleLbl>
+  <dgm:styleLbl name="alignNode1">
+    <dgm:fillClrLst meth="repeat">
+      <a:schemeClr val="accent2"/>
+      <a:schemeClr val="accent3"/>
+      <a:schemeClr val="accent4"/>
+      <a:schemeClr val="accent5"/>
+      <a:schemeClr val="accent6"/>
+    </dgm:fillClrLst>
+    <dgm:linClrLst meth="repeat">
+      <a:schemeClr val="accent2"/>
+      <a:schemeClr val="accent3"/>
+      <a:schemeClr val="accent4"/>
+      <a:schemeClr val="accent5"/>
+      <a:schemeClr val="accent6"/>
+    </dgm:linClrLst>
+    <dgm:effectClrLst/>
+    <dgm:txLinClrLst/>
+    <dgm:txFillClrLst/>
+    <dgm:txEffectClrLst/>
+  </dgm:styleLbl>
+  <dgm:styleLbl name="lnNode1">
+    <dgm:fillClrLst meth="repeat">
+      <a:schemeClr val="accent2"/>
+      <a:schemeClr val="accent3"/>
+      <a:schemeClr val="accent4"/>
+      <a:schemeClr val="accent5"/>
+      <a:schemeClr val="accent6"/>
+    </dgm:fillClrLst>
+    <dgm:linClrLst meth="repeat">
+      <a:schemeClr val="lt1"/>
+    </dgm:linClrLst>
+    <dgm:effectClrLst/>
+    <dgm:txLinClrLst/>
+    <dgm:txFillClrLst/>
+    <dgm:txEffectClrLst/>
+  </dgm:styleLbl>
+  <dgm:styleLbl name="vennNode1">
+    <dgm:fillClrLst meth="repeat">
+      <a:schemeClr val="accent2">
+        <a:alpha val="50000"/>
+      </a:schemeClr>
+      <a:schemeClr val="accent3">
+        <a:alpha val="50000"/>
+      </a:schemeClr>
+      <a:schemeClr val="accent4">
+        <a:alpha val="50000"/>
+      </a:schemeClr>
+      <a:schemeClr val="accent5">
+        <a:alpha val="50000"/>
+      </a:schemeClr>
+      <a:schemeClr val="accent6">
+        <a:alpha val="50000"/>
+      </a:schemeClr>
+    </dgm:fillClrLst>
+    <dgm:linClrLst meth="repeat">
+      <a:schemeClr val="lt1"/>
+    </dgm:linClrLst>
+    <dgm:effectClrLst/>
+    <dgm:txLinClrLst/>
+    <dgm:txFillClrLst/>
+    <dgm:txEffectClrLst/>
+  </dgm:styleLbl>
+  <dgm:styleLbl name="node2">
+    <dgm:fillClrLst>
+      <a:schemeClr val="accent2"/>
+    </dgm:fillClrLst>
+    <dgm:linClrLst meth="repeat">
+      <a:schemeClr val="lt1"/>
+    </dgm:linClrLst>
+    <dgm:effectClrLst/>
+    <dgm:txLinClrLst/>
+    <dgm:txFillClrLst/>
+    <dgm:txEffectClrLst/>
+  </dgm:styleLbl>
+  <dgm:styleLbl name="node3">
+    <dgm:fillClrLst>
+      <a:schemeClr val="accent3"/>
+    </dgm:fillClrLst>
+    <dgm:linClrLst meth="repeat">
+      <a:schemeClr val="lt1"/>
+    </dgm:linClrLst>
+    <dgm:effectClrLst/>
+    <dgm:txLinClrLst/>
+    <dgm:txFillClrLst/>
+    <dgm:txEffectClrLst/>
+  </dgm:styleLbl>
+  <dgm:styleLbl name="node4">
+    <dgm:fillClrLst>
+      <a:schemeClr val="accent4"/>
+    </dgm:fillClrLst>
+    <dgm:linClrLst meth="repeat">
+      <a:schemeClr val="lt1"/>
+    </dgm:linClrLst>
+    <dgm:effectClrLst/>
+    <dgm:txLinClrLst/>
+    <dgm:txFillClrLst/>
+    <dgm:txEffectClrLst/>
+  </dgm:styleLbl>
+  <dgm:styleLbl name="fgImgPlace1">
+    <dgm:fillClrLst meth="repeat">
+      <a:schemeClr val="accent2">
+        <a:tint val="50000"/>
+      </a:schemeClr>
+      <a:schemeClr val="accent3">
+        <a:tint val="50000"/>
+      </a:schemeClr>
+      <a:schemeClr val="accent4">
+        <a:tint val="50000"/>
+      </a:schemeClr>
+      <a:schemeClr val="accent5">
+        <a:tint val="50000"/>
+      </a:schemeClr>
+      <a:schemeClr val="accent6">
+        <a:tint val="50000"/>
+      </a:schemeClr>
+    </dgm:fillClrLst>
+    <dgm:linClrLst meth="repeat">
+      <a:schemeClr val="lt1"/>
+    </dgm:linClrLst>
+    <dgm:effectClrLst/>
+    <dgm:txLinClrLst/>
+    <dgm:txFillClrLst meth="repeat">
+      <a:schemeClr val="lt1"/>
+    </dgm:txFillClrLst>
+    <dgm:txEffectClrLst/>
+  </dgm:styleLbl>
+  <dgm:styleLbl name="alignImgPlace1">
+    <dgm:fillClrLst>
+      <a:schemeClr val="accent1">
+        <a:tint val="50000"/>
+      </a:schemeClr>
+      <a:schemeClr val="accent2">
+        <a:tint val="20000"/>
+      </a:schemeClr>
+    </dgm:fillClrLst>
+    <dgm:linClrLst meth="repeat">
+      <a:schemeClr val="lt1"/>
+    </dgm:linClrLst>
+    <dgm:effectClrLst/>
+    <dgm:txLinClrLst/>
+    <dgm:txFillClrLst meth="repeat">
+      <a:schemeClr val="lt1"/>
+    </dgm:txFillClrLst>
+    <dgm:txEffectClrLst/>
+  </dgm:styleLbl>
+  <dgm:styleLbl name="bgImgPlace1">
+    <dgm:fillClrLst>
+      <a:schemeClr val="accent1">
+        <a:tint val="50000"/>
+      </a:schemeClr>
+      <a:schemeClr val="accent2">
+        <a:tint val="20000"/>
+      </a:schemeClr>
+    </dgm:fillClrLst>
+    <dgm:linClrLst meth="repeat">
+      <a:schemeClr val="lt1"/>
+    </dgm:linClrLst>
+    <dgm:effectClrLst/>
+    <dgm:txLinClrLst/>
+    <dgm:txFillClrLst meth="repeat">
+      <a:schemeClr val="lt1"/>
+    </dgm:txFillClrLst>
+    <dgm:txEffectClrLst/>
+  </dgm:styleLbl>
+  <dgm:styleLbl name="sibTrans2D1">
+    <dgm:fillClrLst meth="repeat">
+      <a:schemeClr val="accent2"/>
+      <a:schemeClr val="accent3"/>
+      <a:schemeClr val="accent4"/>
+      <a:schemeClr val="accent5"/>
+      <a:schemeClr val="accent6"/>
+    </dgm:fillClrLst>
+    <dgm:linClrLst meth="cycle">
+      <a:schemeClr val="lt1"/>
+    </dgm:linClrLst>
+    <dgm:effectClrLst/>
+    <dgm:txLinClrLst/>
+    <dgm:txFillClrLst/>
+    <dgm:txEffectClrLst/>
+  </dgm:styleLbl>
+  <dgm:styleLbl name="fgSibTrans2D1">
+    <dgm:fillClrLst meth="repeat">
+      <a:schemeClr val="accent2"/>
+      <a:schemeClr val="accent3"/>
+      <a:schemeClr val="accent4"/>
+      <a:schemeClr val="accent5"/>
+      <a:schemeClr val="accent6"/>
+    </dgm:fillClrLst>
+    <dgm:linClrLst meth="cycle">
+      <a:schemeClr val="lt1"/>
+    </dgm:linClrLst>
+    <dgm:effectClrLst/>
+    <dgm:txLinClrLst/>
+    <dgm:txFillClrLst meth="repeat">
+      <a:schemeClr val="lt1"/>
+    </dgm:txFillClrLst>
+    <dgm:txEffectClrLst/>
+  </dgm:styleLbl>
+  <dgm:styleLbl name="bgSibTrans2D1">
+    <dgm:fillClrLst meth="repeat">
+      <a:schemeClr val="accent2"/>
+      <a:schemeClr val="accent3"/>
+      <a:schemeClr val="accent4"/>
+      <a:schemeClr val="accent5"/>
+      <a:schemeClr val="accent6"/>
+    </dgm:fillClrLst>
+    <dgm:linClrLst meth="cycle">
+      <a:schemeClr val="lt1"/>
+    </dgm:linClrLst>
+    <dgm:effectClrLst/>
+    <dgm:txLinClrLst/>
+    <dgm:txFillClrLst meth="repeat">
+      <a:schemeClr val="lt1"/>
+    </dgm:txFillClrLst>
+    <dgm:txEffectClrLst/>
+  </dgm:styleLbl>
+  <dgm:styleLbl name="sibTrans1D1">
+    <dgm:fillClrLst meth="repeat">
+      <a:schemeClr val="accent2"/>
+      <a:schemeClr val="accent3"/>
+      <a:schemeClr val="accent4"/>
+      <a:schemeClr val="accent5"/>
+      <a:schemeClr val="accent6"/>
+    </dgm:fillClrLst>
+    <dgm:linClrLst meth="repeat">
+      <a:schemeClr val="accent2"/>
+      <a:schemeClr val="accent3"/>
+      <a:schemeClr val="accent4"/>
+      <a:schemeClr val="accent5"/>
+      <a:schemeClr val="accent6"/>
+    </dgm:linClrLst>
+    <dgm:effectClrLst/>
+    <dgm:txLinClrLst/>
+    <dgm:txFillClrLst meth="repeat">
+      <a:schemeClr val="tx1"/>
+    </dgm:txFillClrLst>
+    <dgm:txEffectClrLst/>
+  </dgm:styleLbl>
+  <dgm:styleLbl name="callout">
+    <dgm:fillClrLst meth="repeat">
+      <a:schemeClr val="accent2"/>
+    </dgm:fillClrLst>
+    <dgm:linClrLst meth="repeat">
+      <a:schemeClr val="accent2">
+        <a:tint val="50000"/>
+      </a:schemeClr>
+    </dgm:linClrLst>
+    <dgm:effectClrLst/>
+    <dgm:txLinClrLst/>
+    <dgm:txFillClrLst meth="repeat">
+      <a:schemeClr val="tx1"/>
+    </dgm:txFillClrLst>
+    <dgm:txEffectClrLst/>
+  </dgm:styleLbl>
+  <dgm:styleLbl name="asst0">
+    <dgm:fillClrLst meth="repeat">
+      <a:schemeClr val="accent1"/>
+    </dgm:fillClrLst>
+    <dgm:linClrLst meth="repeat">
+      <a:schemeClr val="lt1"/>
+    </dgm:linClrLst>
+    <dgm:effectClrLst/>
+    <dgm:txLinClrLst/>
+    <dgm:txFillClrLst/>
+    <dgm:txEffectClrLst/>
+  </dgm:styleLbl>
+  <dgm:styleLbl name="asst1">
+    <dgm:fillClrLst meth="repeat">
+      <a:schemeClr val="accent2"/>
+    </dgm:fillClrLst>
+    <dgm:linClrLst meth="repeat">
+      <a:schemeClr val="lt1"/>
+    </dgm:linClrLst>
+    <dgm:effectClrLst/>
+    <dgm:txLinClrLst/>
+    <dgm:txFillClrLst/>
+    <dgm:txEffectClrLst/>
+  </dgm:styleLbl>
+  <dgm:styleLbl name="asst2">
+    <dgm:fillClrLst>
+      <a:schemeClr val="accent3"/>
+    </dgm:fillClrLst>
+    <dgm:linClrLst meth="repeat">
+      <a:schemeClr val="lt1"/>
+    </dgm:linClrLst>
+    <dgm:effectClrLst/>
+    <dgm:txLinClrLst/>
+    <dgm:txFillClrLst/>
+    <dgm:txEffectClrLst/>
+  </dgm:styleLbl>
+  <dgm:styleLbl name="asst3">
+    <dgm:fillClrLst>
+      <a:schemeClr val="accent4"/>
+    </dgm:fillClrLst>
+    <dgm:linClrLst meth="repeat">
+      <a:schemeClr val="lt1"/>
+    </dgm:linClrLst>
+    <dgm:effectClrLst/>
+    <dgm:txLinClrLst/>
+    <dgm:txFillClrLst/>
+    <dgm:txEffectClrLst/>
+  </dgm:styleLbl>
+  <dgm:styleLbl name="asst4">
+    <dgm:fillClrLst>
+      <a:schemeClr val="accent5"/>
+    </dgm:fillClrLst>
+    <dgm:linClrLst meth="repeat">
+      <a:schemeClr val="lt1"/>
+    </dgm:linClrLst>
+    <dgm:effectClrLst/>
+    <dgm:txLinClrLst/>
+    <dgm:txFillClrLst/>
+    <dgm:txEffectClrLst/>
+  </dgm:styleLbl>
+  <dgm:styleLbl name="parChTrans2D1">
+    <dgm:fillClrLst meth="repeat">
+      <a:schemeClr val="accent2"/>
+    </dgm:fillClrLst>
+    <dgm:linClrLst meth="repeat">
+      <a:schemeClr val="lt1"/>
+    </dgm:linClrLst>
+    <dgm:effectClrLst/>
+    <dgm:txLinClrLst/>
+    <dgm:txFillClrLst meth="repeat">
+      <a:schemeClr val="lt1"/>
+    </dgm:txFillClrLst>
+    <dgm:txEffectClrLst/>
+  </dgm:styleLbl>
+  <dgm:styleLbl name="parChTrans2D2">
+    <dgm:fillClrLst meth="repeat">
+      <a:schemeClr val="accent3"/>
+    </dgm:fillClrLst>
+    <dgm:linClrLst meth="repeat">
+      <a:schemeClr val="lt1"/>
+    </dgm:linClrLst>
+    <dgm:effectClrLst/>
+    <dgm:txLinClrLst/>
+    <dgm:txFillClrLst/>
+    <dgm:txEffectClrLst/>
+  </dgm:styleLbl>
+  <dgm:styleLbl name="parChTrans2D3">
+    <dgm:fillClrLst meth="repeat">
+      <a:schemeClr val="accent4"/>
+    </dgm:fillClrLst>
+    <dgm:linClrLst meth="repeat">
+      <a:schemeClr val="lt1"/>
+    </dgm:linClrLst>
+    <dgm:effectClrLst/>
+    <dgm:txLinClrLst/>
+    <dgm:txFillClrLst/>
+    <dgm:txEffectClrLst/>
+  </dgm:styleLbl>
+  <dgm:styleLbl name="parChTrans2D4">
+    <dgm:fillClrLst meth="repeat">
+      <a:schemeClr val="accent5"/>
+    </dgm:fillClrLst>
+    <dgm:linClrLst meth="repeat">
+      <a:schemeClr val="lt1"/>
+    </dgm:linClrLst>
+    <dgm:effectClrLst/>
+    <dgm:txLinClrLst/>
+    <dgm:txFillClrLst meth="repeat">
+      <a:schemeClr val="lt1"/>
+    </dgm:txFillClrLst>
+    <dgm:txEffectClrLst/>
+  </dgm:styleLbl>
+  <dgm:styleLbl name="parChTrans1D1">
+    <dgm:fillClrLst meth="repeat">
+      <a:schemeClr val="accent2"/>
+    </dgm:fillClrLst>
+    <dgm:linClrLst meth="repeat">
+      <a:schemeClr val="accent1"/>
+    </dgm:linClrLst>
+    <dgm:effectClrLst/>
+    <dgm:txLinClrLst/>
+    <dgm:txFillClrLst meth="repeat">
+      <a:schemeClr val="tx1"/>
+    </dgm:txFillClrLst>
+    <dgm:txEffectClrLst/>
+  </dgm:styleLbl>
+  <dgm:styleLbl name="parChTrans1D2">
+    <dgm:fillClrLst meth="repeat">
+      <a:schemeClr val="accent3">
+        <a:tint val="90000"/>
+      </a:schemeClr>
+    </dgm:fillClrLst>
+    <dgm:linClrLst meth="repeat">
+      <a:schemeClr val="accent2"/>
+    </dgm:linClrLst>
+    <dgm:effectClrLst/>
+    <dgm:txLinClrLst/>
+    <dgm:txFillClrLst meth="repeat">
+      <a:schemeClr val="tx1"/>
+    </dgm:txFillClrLst>
+    <dgm:txEffectClrLst/>
+  </dgm:styleLbl>
+  <dgm:styleLbl name="parChTrans1D3">
+    <dgm:fillClrLst meth="repeat">
+      <a:schemeClr val="accent4">
+        <a:tint val="70000"/>
+      </a:schemeClr>
+    </dgm:fillClrLst>
+    <dgm:linClrLst meth="repeat">
+      <a:schemeClr val="accent3"/>
+    </dgm:linClrLst>
+    <dgm:effectClrLst/>
+    <dgm:txLinClrLst/>
+    <dgm:txFillClrLst meth="repeat">
+      <a:schemeClr val="tx1"/>
+    </dgm:txFillClrLst>
+    <dgm:txEffectClrLst/>
+  </dgm:styleLbl>
+  <dgm:styleLbl name="parChTrans1D4">
+    <dgm:fillClrLst meth="repeat">
+      <a:schemeClr val="accent5">
+        <a:tint val="50000"/>
+      </a:schemeClr>
+    </dgm:fillClrLst>
+    <dgm:linClrLst meth="repeat">
+      <a:schemeClr val="accent4"/>
+    </dgm:linClrLst>
+    <dgm:effectClrLst/>
+    <dgm:txLinClrLst/>
+    <dgm:txFillClrLst meth="repeat">
+      <a:schemeClr val="tx1"/>
+    </dgm:txFillClrLst>
+    <dgm:txEffectClrLst/>
+  </dgm:styleLbl>
+  <dgm:styleLbl name="fgAcc1">
+    <dgm:fillClrLst meth="repeat">
+      <a:schemeClr val="lt1">
+        <a:alpha val="90000"/>
+      </a:schemeClr>
+    </dgm:fillClrLst>
+    <dgm:linClrLst meth="repeat">
+      <a:schemeClr val="accent2"/>
+      <a:schemeClr val="accent3"/>
+      <a:schemeClr val="accent4"/>
+      <a:schemeClr val="accent5"/>
+      <a:schemeClr val="accent6"/>
+    </dgm:linClrLst>
+    <dgm:effectClrLst/>
+    <dgm:txLinClrLst/>
+    <dgm:txFillClrLst meth="repeat">
+      <a:schemeClr val="dk1"/>
+    </dgm:txFillClrLst>
+    <dgm:txEffectClrLst/>
+  </dgm:styleLbl>
+  <dgm:styleLbl name="conFgAcc1">
+    <dgm:fillClrLst meth="repeat">
+      <a:schemeClr val="lt1">
+        <a:alpha val="90000"/>
+      </a:schemeClr>
+    </dgm:fillClrLst>
+    <dgm:linClrLst meth="repeat">
+      <a:schemeClr val="accent2"/>
+      <a:schemeClr val="accent3"/>
+      <a:schemeClr val="accent4"/>
+      <a:schemeClr val="accent5"/>
+      <a:schemeClr val="accent6"/>
+    </dgm:linClrLst>
+    <dgm:effectClrLst/>
+    <dgm:txLinClrLst/>
+    <dgm:txFillClrLst meth="repeat">
+      <a:schemeClr val="dk1"/>
+    </dgm:txFillClrLst>
+    <dgm:txEffectClrLst/>
+  </dgm:styleLbl>
+  <dgm:styleLbl name="alignAcc1">
+    <dgm:fillClrLst meth="repeat">
+      <a:schemeClr val="lt1">
+        <a:alpha val="90000"/>
+      </a:schemeClr>
+    </dgm:fillClrLst>
+    <dgm:linClrLst meth="repeat">
+      <a:schemeClr val="accent2"/>
+      <a:schemeClr val="accent3"/>
+      <a:schemeClr val="accent4"/>
+      <a:schemeClr val="accent5"/>
+      <a:schemeClr val="accent6"/>
+    </dgm:linClrLst>
+    <dgm:effectClrLst/>
+    <dgm:txLinClrLst/>
+    <dgm:txFillClrLst meth="repeat">
+      <a:schemeClr val="dk1"/>
+    </dgm:txFillClrLst>
+    <dgm:txEffectClrLst/>
+  </dgm:styleLbl>
+  <dgm:styleLbl name="trAlignAcc1">
+    <dgm:fillClrLst meth="repeat">
+      <a:schemeClr val="lt1">
+        <a:alpha val="40000"/>
+      </a:schemeClr>
+    </dgm:fillClrLst>
+    <dgm:linClrLst meth="repeat">
+      <a:schemeClr val="accent1"/>
+    </dgm:linClrLst>
+    <dgm:effectClrLst/>
+    <dgm:txLinClrLst/>
+    <dgm:txFillClrLst meth="repeat">
+      <a:schemeClr val="dk1"/>
+    </dgm:txFillClrLst>
+    <dgm:txEffectClrLst/>
+  </dgm:styleLbl>
+  <dgm:styleLbl name="bgAcc1">
+    <dgm:fillClrLst meth="repeat">
+      <a:schemeClr val="lt1">
+        <a:alpha val="90000"/>
+      </a:schemeClr>
+    </dgm:fillClrLst>
+    <dgm:linClrLst meth="repeat">
+      <a:schemeClr val="accent2"/>
+      <a:schemeClr val="accent3"/>
+      <a:schemeClr val="accent4"/>
+      <a:schemeClr val="accent5"/>
+      <a:schemeClr val="accent6"/>
+    </dgm:linClrLst>
+    <dgm:effectClrLst/>
+    <dgm:txLinClrLst/>
+    <dgm:txFillClrLst meth="repeat">
+      <a:schemeClr val="dk1"/>
+    </dgm:txFillClrLst>
+    <dgm:txEffectClrLst/>
+  </dgm:styleLbl>
+  <dgm:styleLbl name="solidFgAcc1">
+    <dgm:fillClrLst meth="repeat">
+      <a:schemeClr val="lt1"/>
+    </dgm:fillClrLst>
+    <dgm:linClrLst meth="repeat">
+      <a:schemeClr val="accent2"/>
+      <a:schemeClr val="accent3"/>
+      <a:schemeClr val="accent4"/>
+      <a:schemeClr val="accent5"/>
+      <a:schemeClr val="accent6"/>
+    </dgm:linClrLst>
+    <dgm:effectClrLst/>
+    <dgm:txLinClrLst/>
+    <dgm:txFillClrLst meth="repeat">
+      <a:schemeClr val="dk1"/>
+    </dgm:txFillClrLst>
+    <dgm:txEffectClrLst/>
+  </dgm:styleLbl>
+  <dgm:styleLbl name="solidAlignAcc1">
+    <dgm:fillClrLst meth="repeat">
+      <a:schemeClr val="lt1"/>
+    </dgm:fillClrLst>
+    <dgm:linClrLst meth="repeat">
+      <a:schemeClr val="accent2"/>
+      <a:schemeClr val="accent3"/>
+      <a:schemeClr val="accent4"/>
+      <a:schemeClr val="accent5"/>
+      <a:schemeClr val="accent6"/>
+    </dgm:linClrLst>
+    <dgm:effectClrLst/>
+    <dgm:txLinClrLst/>
+    <dgm:txFillClrLst meth="repeat">
+      <a:schemeClr val="dk1"/>
+    </dgm:txFillClrLst>
+    <dgm:txEffectClrLst/>
+  </dgm:styleLbl>
+  <dgm:styleLbl name="solidBgAcc1">
+    <dgm:fillClrLst meth="repeat">
+      <a:schemeClr val="lt1"/>
+    </dgm:fillClrLst>
+    <dgm:linClrLst meth="repeat">
+      <a:schemeClr val="accent2"/>
+      <a:schemeClr val="accent3"/>
+      <a:schemeClr val="accent4"/>
+      <a:schemeClr val="accent5"/>
+      <a:schemeClr val="accent6"/>
+    </dgm:linClrLst>
+    <dgm:effectClrLst/>
+    <dgm:txLinClrLst/>
+    <dgm:txFillClrLst meth="repeat">
+      <a:schemeClr val="dk1"/>
+    </dgm:txFillClrLst>
+    <dgm:txEffectClrLst/>
+  </dgm:styleLbl>
+  <dgm:styleLbl name="fgAccFollowNode1">
+    <dgm:fillClrLst meth="repeat">
+      <a:schemeClr val="accent2">
+        <a:tint val="40000"/>
+        <a:alpha val="90000"/>
+      </a:schemeClr>
+      <a:schemeClr val="accent3">
+        <a:tint val="40000"/>
+        <a:alpha val="90000"/>
+      </a:schemeClr>
+      <a:schemeClr val="accent4">
+        <a:tint val="40000"/>
+        <a:alpha val="90000"/>
+      </a:schemeClr>
+      <a:schemeClr val="accent5">
+        <a:tint val="40000"/>
+        <a:alpha val="90000"/>
+      </a:schemeClr>
+      <a:schemeClr val="accent6">
+        <a:tint val="40000"/>
+        <a:alpha val="90000"/>
+      </a:schemeClr>
+    </dgm:fillClrLst>
+    <dgm:linClrLst meth="repeat">
+      <a:schemeClr val="accent2">
+        <a:tint val="40000"/>
+        <a:alpha val="90000"/>
+      </a:schemeClr>
+      <a:schemeClr val="accent3">
+        <a:tint val="40000"/>
+        <a:alpha val="90000"/>
+      </a:schemeClr>
+      <a:schemeClr val="accent4">
+        <a:tint val="40000"/>
+        <a:alpha val="90000"/>
+      </a:schemeClr>
+      <a:schemeClr val="accent5">
+        <a:tint val="40000"/>
+        <a:alpha val="90000"/>
+      </a:schemeClr>
+      <a:schemeClr val="accent6">
+        <a:tint val="40000"/>
+        <a:alpha val="90000"/>
+      </a:schemeClr>
+    </dgm:linClrLst>
+    <dgm:effectClrLst/>
+    <dgm:txLinClrLst/>
+    <dgm:txFillClrLst meth="repeat">
+      <a:schemeClr val="dk1"/>
+    </dgm:txFillClrLst>
+    <dgm:txEffectClrLst/>
+  </dgm:styleLbl>
+  <dgm:styleLbl name="alignAccFollowNode1">
+    <dgm:fillClrLst meth="repeat">
+      <a:schemeClr val="accent2">
+        <a:tint val="40000"/>
+        <a:alpha val="90000"/>
+      </a:schemeClr>
+      <a:schemeClr val="accent3">
+        <a:tint val="40000"/>
+        <a:alpha val="90000"/>
+      </a:schemeClr>
+      <a:schemeClr val="accent4">
+        <a:tint val="40000"/>
+        <a:alpha val="90000"/>
+      </a:schemeClr>
+      <a:schemeClr val="accent5">
+        <a:tint val="40000"/>
+        <a:alpha val="90000"/>
+      </a:schemeClr>
+      <a:schemeClr val="accent6">
+        <a:tint val="40000"/>
+        <a:alpha val="90000"/>
+      </a:schemeClr>
+    </dgm:fillClrLst>
+    <dgm:linClrLst meth="repeat">
+      <a:schemeClr val="accent2">
+        <a:tint val="40000"/>
+        <a:alpha val="90000"/>
+      </a:schemeClr>
+      <a:schemeClr val="accent3">
+        <a:tint val="40000"/>
+        <a:alpha val="90000"/>
+      </a:schemeClr>
+      <a:schemeClr val="accent4">
+        <a:tint val="40000"/>
+        <a:alpha val="90000"/>
+      </a:schemeClr>
+      <a:schemeClr val="accent5">
+        <a:tint val="40000"/>
+        <a:alpha val="90000"/>
+      </a:schemeClr>
+      <a:schemeClr val="accent6">
+        <a:tint val="40000"/>
+        <a:alpha val="90000"/>
+      </a:schemeClr>
+    </dgm:linClrLst>
+    <dgm:effectClrLst/>
+    <dgm:txLinClrLst/>
+    <dgm:txFillClrLst meth="repeat">
+      <a:schemeClr val="dk1"/>
+    </dgm:txFillClrLst>
+    <dgm:txEffectClrLst/>
+  </dgm:styleLbl>
+  <dgm:styleLbl name="bgAccFollowNode1">
+    <dgm:fillClrLst meth="repeat">
+      <a:schemeClr val="accent2">
+        <a:tint val="40000"/>
+        <a:alpha val="90000"/>
+      </a:schemeClr>
+      <a:schemeClr val="accent3">
+        <a:tint val="40000"/>
+        <a:alpha val="90000"/>
+      </a:schemeClr>
+      <a:schemeClr val="accent4">
+        <a:tint val="40000"/>
+        <a:alpha val="90000"/>
+      </a:schemeClr>
+      <a:schemeClr val="accent5">
+        <a:tint val="40000"/>
+        <a:alpha val="90000"/>
+      </a:schemeClr>
+      <a:schemeClr val="accent6">
+        <a:tint val="40000"/>
+        <a:alpha val="90000"/>
+      </a:schemeClr>
+    </dgm:fillClrLst>
+    <dgm:linClrLst meth="repeat">
+      <a:schemeClr val="accent2">
+        <a:tint val="40000"/>
+        <a:alpha val="90000"/>
+      </a:schemeClr>
+      <a:schemeClr val="accent3">
+        <a:tint val="40000"/>
+        <a:alpha val="90000"/>
+      </a:schemeClr>
+      <a:schemeClr val="accent4">
+        <a:tint val="40000"/>
+        <a:alpha val="90000"/>
+      </a:schemeClr>
+      <a:schemeClr val="accent5">
+        <a:tint val="40000"/>
+        <a:alpha val="90000"/>
+      </a:schemeClr>
+      <a:schemeClr val="accent6">
+        <a:tint val="40000"/>
+        <a:alpha val="90000"/>
+      </a:schemeClr>
+    </dgm:linClrLst>
+    <dgm:effectClrLst/>
+    <dgm:txLinClrLst/>
+    <dgm:txFillClrLst meth="repeat">
+      <a:schemeClr val="dk1"/>
+    </dgm:txFillClrLst>
+    <dgm:txEffectClrLst/>
+  </dgm:styleLbl>
+  <dgm:styleLbl name="fgAcc0">
+    <dgm:fillClrLst meth="repeat">
+      <a:schemeClr val="lt1">
+        <a:alpha val="90000"/>
+      </a:schemeClr>
+    </dgm:fillClrLst>
+    <dgm:linClrLst>
+      <a:schemeClr val="accent1"/>
+    </dgm:linClrLst>
+    <dgm:effectClrLst/>
+    <dgm:txLinClrLst/>
+    <dgm:txFillClrLst meth="repeat">
+      <a:schemeClr val="dk1"/>
+    </dgm:txFillClrLst>
+    <dgm:txEffectClrLst/>
+  </dgm:styleLbl>
+  <dgm:styleLbl name="fgAcc2">
+    <dgm:fillClrLst meth="repeat">
+      <a:schemeClr val="lt1">
+        <a:alpha val="90000"/>
+      </a:schemeClr>
+    </dgm:fillClrLst>
+    <dgm:linClrLst>
+      <a:schemeClr val="accent2"/>
+    </dgm:linClrLst>
+    <dgm:effectClrLst/>
+    <dgm:txLinClrLst/>
+    <dgm:txFillClrLst meth="repeat">
+      <a:schemeClr val="dk1"/>
+    </dgm:txFillClrLst>
+    <dgm:txEffectClrLst/>
+  </dgm:styleLbl>
+  <dgm:styleLbl name="fgAcc3">
+    <dgm:fillClrLst meth="repeat">
+      <a:schemeClr val="lt1">
+        <a:alpha val="90000"/>
+      </a:schemeClr>
+    </dgm:fillClrLst>
+    <dgm:linClrLst>
+      <a:schemeClr val="accent3"/>
+    </dgm:linClrLst>
+    <dgm:effectClrLst/>
+    <dgm:txLinClrLst/>
+    <dgm:txFillClrLst meth="repeat">
+      <a:schemeClr val="dk1"/>
+    </dgm:txFillClrLst>
+    <dgm:txEffectClrLst/>
+  </dgm:styleLbl>
+  <dgm:styleLbl name="fgAcc4">
+    <dgm:fillClrLst meth="repeat">
+      <a:schemeClr val="lt1">
+        <a:alpha val="90000"/>
+      </a:schemeClr>
+    </dgm:fillClrLst>
+    <dgm:linClrLst>
+      <a:schemeClr val="accent4"/>
+    </dgm:linClrLst>
+    <dgm:effectClrLst/>
+    <dgm:txLinClrLst/>
+    <dgm:txFillClrLst meth="repeat">
+      <a:schemeClr val="dk1"/>
+    </dgm:txFillClrLst>
+    <dgm:txEffectClrLst/>
+  </dgm:styleLbl>
+  <dgm:styleLbl name="bgShp">
+    <dgm:fillClrLst meth="repeat">
+      <a:schemeClr val="bg1">
+        <a:lumMod val="95000"/>
+      </a:schemeClr>
+    </dgm:fillClrLst>
+    <dgm:linClrLst meth="repeat">
+      <a:schemeClr val="dk1"/>
+    </dgm:linClrLst>
+    <dgm:effectClrLst/>
+    <dgm:txLinClrLst/>
+    <dgm:txFillClrLst meth="repeat">
+      <a:schemeClr val="dk1"/>
+    </dgm:txFillClrLst>
+    <dgm:txEffectClrLst/>
+  </dgm:styleLbl>
+  <dgm:styleLbl name="dkBgShp">
+    <dgm:fillClrLst meth="repeat">
+      <a:schemeClr val="accent2">
+        <a:shade val="90000"/>
+      </a:schemeClr>
+    </dgm:fillClrLst>
+    <dgm:linClrLst meth="repeat">
+      <a:schemeClr val="dk1"/>
+    </dgm:linClrLst>
+    <dgm:effectClrLst/>
+    <dgm:txLinClrLst/>
+    <dgm:txFillClrLst meth="repeat">
+      <a:schemeClr val="lt1"/>
+    </dgm:txFillClrLst>
+    <dgm:txEffectClrLst/>
+  </dgm:styleLbl>
+  <dgm:styleLbl name="trBgShp">
+    <dgm:fillClrLst meth="repeat">
+      <a:schemeClr val="accent1">
+        <a:tint val="50000"/>
+        <a:alpha val="40000"/>
+      </a:schemeClr>
+    </dgm:fillClrLst>
+    <dgm:linClrLst meth="repeat">
+      <a:schemeClr val="accent2"/>
+    </dgm:linClrLst>
+    <dgm:effectClrLst/>
+    <dgm:txLinClrLst/>
+    <dgm:txFillClrLst meth="repeat">
+      <a:schemeClr val="lt1"/>
+    </dgm:txFillClrLst>
+    <dgm:txEffectClrLst/>
+  </dgm:styleLbl>
+  <dgm:styleLbl name="fgShp">
+    <dgm:fillClrLst meth="repeat">
+      <a:schemeClr val="accent2">
+        <a:tint val="40000"/>
+      </a:schemeClr>
+    </dgm:fillClrLst>
+    <dgm:linClrLst meth="repeat">
+      <a:schemeClr val="lt1"/>
+    </dgm:linClrLst>
+    <dgm:effectClrLst/>
+    <dgm:txLinClrLst/>
+    <dgm:txFillClrLst meth="repeat">
+      <a:schemeClr val="dk1"/>
+    </dgm:txFillClrLst>
+    <dgm:txEffectClrLst/>
+  </dgm:styleLbl>
+  <dgm:styleLbl name="revTx">
+    <dgm:fillClrLst meth="repeat">
+      <a:schemeClr val="lt1">
+        <a:alpha val="0"/>
+      </a:schemeClr>
+    </dgm:fillClrLst>
+    <dgm:linClrLst meth="repeat">
+      <a:schemeClr val="dk1">
+        <a:alpha val="0"/>
+      </a:schemeClr>
+    </dgm:linClrLst>
+    <dgm:effectClrLst/>
+    <dgm:txLinClrLst/>
+    <dgm:txFillClrLst meth="repeat">
+      <a:schemeClr val="tx1"/>
+    </dgm:txFillClrLst>
+    <dgm:txEffectClrLst/>
+  </dgm:styleLbl>
+</dgm:colorsDef>
+</file>
+
+<file path=ppt/diagrams/colors2.xml><?xml version="1.0" encoding="utf-8"?>
+<dgm:colorsDef xmlns:dgm="http://schemas.openxmlformats.org/drawingml/2006/diagram" xmlns:a="http://schemas.openxmlformats.org/drawingml/2006/main" uniqueId="urn:microsoft.com/office/officeart/2005/8/colors/colorful5">
+  <dgm:title val=""/>
+  <dgm:desc val=""/>
+  <dgm:catLst>
+    <dgm:cat type="colorful" pri="10500"/>
+  </dgm:catLst>
+  <dgm:styleLbl name="node0">
+    <dgm:fillClrLst meth="repeat">
+      <a:schemeClr val="accent4"/>
+    </dgm:fillClrLst>
+    <dgm:linClrLst meth="repeat">
+      <a:schemeClr val="lt1"/>
+    </dgm:linClrLst>
+    <dgm:effectClrLst/>
+    <dgm:txLinClrLst/>
+    <dgm:txFillClrLst/>
+    <dgm:txEffectClrLst/>
+  </dgm:styleLbl>
+  <dgm:styleLbl name="node1">
+    <dgm:fillClrLst>
+      <a:schemeClr val="accent5"/>
+      <a:schemeClr val="accent6"/>
+    </dgm:fillClrLst>
+    <dgm:linClrLst meth="repeat">
+      <a:schemeClr val="lt1"/>
+    </dgm:linClrLst>
+    <dgm:effectClrLst/>
+    <dgm:txLinClrLst/>
+    <dgm:txFillClrLst/>
+    <dgm:txEffectClrLst/>
+  </dgm:styleLbl>
+  <dgm:styleLbl name="alignNode1">
+    <dgm:fillClrLst>
+      <a:schemeClr val="accent5"/>
+      <a:schemeClr val="accent6"/>
+    </dgm:fillClrLst>
+    <dgm:linClrLst>
+      <a:schemeClr val="accent5"/>
+      <a:schemeClr val="accent6"/>
+    </dgm:linClrLst>
+    <dgm:effectClrLst/>
+    <dgm:txLinClrLst/>
+    <dgm:txFillClrLst/>
+    <dgm:txEffectClrLst/>
+  </dgm:styleLbl>
+  <dgm:styleLbl name="lnNode1">
+    <dgm:fillClrLst>
+      <a:schemeClr val="accent5"/>
+      <a:schemeClr val="accent6"/>
+    </dgm:fillClrLst>
+    <dgm:linClrLst meth="repeat">
+      <a:schemeClr val="lt1"/>
+    </dgm:linClrLst>
+    <dgm:effectClrLst/>
+    <dgm:txLinClrLst/>
+    <dgm:txFillClrLst/>
+    <dgm:txEffectClrLst/>
+  </dgm:styleLbl>
+  <dgm:styleLbl name="vennNode1">
+    <dgm:fillClrLst>
+      <a:schemeClr val="accent5">
+        <a:alpha val="50000"/>
+      </a:schemeClr>
+      <a:schemeClr val="accent6">
+        <a:alpha val="50000"/>
+      </a:schemeClr>
+    </dgm:fillClrLst>
+    <dgm:linClrLst meth="repeat">
+      <a:schemeClr val="lt1"/>
+    </dgm:linClrLst>
+    <dgm:effectClrLst/>
+    <dgm:txLinClrLst/>
+    <dgm:txFillClrLst/>
+    <dgm:txEffectClrLst/>
+  </dgm:styleLbl>
+  <dgm:styleLbl name="node2">
+    <dgm:fillClrLst>
+      <a:schemeClr val="accent6"/>
+    </dgm:fillClrLst>
+    <dgm:linClrLst meth="repeat">
+      <a:schemeClr val="lt1"/>
+    </dgm:linClrLst>
+    <dgm:effectClrLst/>
+    <dgm:txLinClrLst/>
+    <dgm:txFillClrLst/>
+    <dgm:txEffectClrLst/>
+  </dgm:styleLbl>
+  <dgm:styleLbl name="node3">
+    <dgm:fillClrLst>
+      <a:schemeClr val="accent1"/>
+    </dgm:fillClrLst>
+    <dgm:linClrLst meth="repeat">
+      <a:schemeClr val="lt1"/>
+    </dgm:linClrLst>
+    <dgm:effectClrLst/>
+    <dgm:txLinClrLst/>
+    <dgm:txFillClrLst/>
+    <dgm:txEffectClrLst/>
+  </dgm:styleLbl>
+  <dgm:styleLbl name="node4">
+    <dgm:fillClrLst>
+      <a:schemeClr val="accent2"/>
+    </dgm:fillClrLst>
+    <dgm:linClrLst meth="repeat">
+      <a:schemeClr val="lt1"/>
+    </dgm:linClrLst>
+    <dgm:effectClrLst/>
+    <dgm:txLinClrLst/>
+    <dgm:txFillClrLst/>
+    <dgm:txEffectClrLst/>
+  </dgm:styleLbl>
+  <dgm:styleLbl name="fgImgPlace1">
+    <dgm:fillClrLst>
+      <a:schemeClr val="accent5">
+        <a:tint val="50000"/>
+      </a:schemeClr>
+      <a:schemeClr val="accent6">
+        <a:tint val="50000"/>
+      </a:schemeClr>
+    </dgm:fillClrLst>
+    <dgm:linClrLst meth="repeat">
+      <a:schemeClr val="lt1"/>
+    </dgm:linClrLst>
+    <dgm:effectClrLst/>
+    <dgm:txLinClrLst/>
+    <dgm:txFillClrLst meth="repeat">
+      <a:schemeClr val="lt1"/>
+    </dgm:txFillClrLst>
+    <dgm:txEffectClrLst/>
+  </dgm:styleLbl>
+  <dgm:styleLbl name="alignImgPlace1">
+    <dgm:fillClrLst>
+      <a:schemeClr val="accent5">
+        <a:tint val="50000"/>
+      </a:schemeClr>
+      <a:schemeClr val="accent6">
+        <a:tint val="20000"/>
+      </a:schemeClr>
+    </dgm:fillClrLst>
+    <dgm:linClrLst meth="repeat">
+      <a:schemeClr val="lt1"/>
+    </dgm:linClrLst>
+    <dgm:effectClrLst/>
+    <dgm:txLinClrLst/>
+    <dgm:txFillClrLst meth="repeat">
+      <a:schemeClr val="lt1"/>
+    </dgm:txFillClrLst>
+    <dgm:txEffectClrLst/>
+  </dgm:styleLbl>
+  <dgm:styleLbl name="bgImgPlace1">
+    <dgm:fillClrLst>
+      <a:schemeClr val="accent5">
+        <a:tint val="50000"/>
+      </a:schemeClr>
+      <a:schemeClr val="accent6">
+        <a:tint val="20000"/>
+      </a:schemeClr>
+    </dgm:fillClrLst>
+    <dgm:linClrLst meth="repeat">
+      <a:schemeClr val="lt1"/>
+    </dgm:linClrLst>
+    <dgm:effectClrLst/>
+    <dgm:txLinClrLst/>
+    <dgm:txFillClrLst meth="repeat">
+      <a:schemeClr val="lt1"/>
+    </dgm:txFillClrLst>
+    <dgm:txEffectClrLst/>
+  </dgm:styleLbl>
+  <dgm:styleLbl name="sibTrans2D1">
+    <dgm:fillClrLst>
+      <a:schemeClr val="accent5"/>
+      <a:schemeClr val="accent6"/>
+    </dgm:fillClrLst>
+    <dgm:linClrLst meth="repeat">
+      <a:schemeClr val="lt1"/>
+    </dgm:linClrLst>
+    <dgm:effectClrLst/>
+    <dgm:txLinClrLst/>
+    <dgm:txFillClrLst/>
+    <dgm:txEffectClrLst/>
+  </dgm:styleLbl>
+  <dgm:styleLbl name="fgSibTrans2D1">
+    <dgm:fillClrLst>
+      <a:schemeClr val="accent5"/>
+      <a:schemeClr val="accent6"/>
+    </dgm:fillClrLst>
+    <dgm:linClrLst meth="repeat">
+      <a:schemeClr val="lt1"/>
+    </dgm:linClrLst>
+    <dgm:effectClrLst/>
+    <dgm:txLinClrLst/>
+    <dgm:txFillClrLst meth="repeat">
+      <a:schemeClr val="lt1"/>
+    </dgm:txFillClrLst>
+    <dgm:txEffectClrLst/>
+  </dgm:styleLbl>
+  <dgm:styleLbl name="bgSibTrans2D1">
+    <dgm:fillClrLst>
+      <a:schemeClr val="accent5"/>
+      <a:schemeClr val="accent6"/>
+    </dgm:fillClrLst>
+    <dgm:linClrLst meth="repeat">
+      <a:schemeClr val="lt1"/>
+    </dgm:linClrLst>
+    <dgm:effectClrLst/>
+    <dgm:txLinClrLst/>
+    <dgm:txFillClrLst meth="repeat">
+      <a:schemeClr val="lt1"/>
+    </dgm:txFillClrLst>
+    <dgm:txEffectClrLst/>
+  </dgm:styleLbl>
+  <dgm:styleLbl name="sibTrans1D1">
+    <dgm:fillClrLst/>
+    <dgm:linClrLst>
+      <a:schemeClr val="accent5"/>
+      <a:schemeClr val="accent6"/>
+    </dgm:linClrLst>
+    <dgm:effectClrLst/>
+    <dgm:txLinClrLst/>
+    <dgm:txFillClrLst meth="repeat">
+      <a:schemeClr val="tx1"/>
+    </dgm:txFillClrLst>
+    <dgm:txEffectClrLst/>
+  </dgm:styleLbl>
+  <dgm:styleLbl name="callout">
+    <dgm:fillClrLst meth="repeat">
+      <a:schemeClr val="accent5"/>
+    </dgm:fillClrLst>
+    <dgm:linClrLst meth="repeat">
+      <a:schemeClr val="accent5">
+        <a:tint val="50000"/>
+      </a:schemeClr>
+    </dgm:linClrLst>
+    <dgm:effectClrLst/>
+    <dgm:txLinClrLst/>
+    <dgm:txFillClrLst meth="repeat">
+      <a:schemeClr val="tx1"/>
+    </dgm:txFillClrLst>
+    <dgm:txEffectClrLst/>
+  </dgm:styleLbl>
+  <dgm:styleLbl name="asst0">
+    <dgm:fillClrLst meth="repeat">
+      <a:schemeClr val="accent5"/>
+    </dgm:fillClrLst>
+    <dgm:linClrLst meth="repeat">
+      <a:schemeClr val="lt1">
+        <a:shade val="80000"/>
+      </a:schemeClr>
+    </dgm:linClrLst>
+    <dgm:effectClrLst/>
+    <dgm:txLinClrLst/>
+    <dgm:txFillClrLst/>
+    <dgm:txEffectClrLst/>
+  </dgm:styleLbl>
+  <dgm:styleLbl name="asst1">
+    <dgm:fillClrLst meth="repeat">
+      <a:schemeClr val="accent6"/>
+    </dgm:fillClrLst>
+    <dgm:linClrLst meth="repeat">
+      <a:schemeClr val="lt1">
+        <a:shade val="80000"/>
+      </a:schemeClr>
+    </dgm:linClrLst>
+    <dgm:effectClrLst/>
+    <dgm:txLinClrLst/>
+    <dgm:txFillClrLst/>
+    <dgm:txEffectClrLst/>
+  </dgm:styleLbl>
+  <dgm:styleLbl name="asst2">
+    <dgm:fillClrLst>
+      <a:schemeClr val="accent1"/>
+    </dgm:fillClrLst>
+    <dgm:linClrLst meth="repeat">
+      <a:schemeClr val="lt1"/>
+    </dgm:linClrLst>
+    <dgm:effectClrLst/>
+    <dgm:txLinClrLst/>
+    <dgm:txFillClrLst/>
+    <dgm:txEffectClrLst/>
+  </dgm:styleLbl>
+  <dgm:styleLbl name="asst3">
+    <dgm:fillClrLst>
+      <a:schemeClr val="accent2"/>
+    </dgm:fillClrLst>
+    <dgm:linClrLst meth="repeat">
+      <a:schemeClr val="lt1"/>
+    </dgm:linClrLst>
+    <dgm:effectClrLst/>
+    <dgm:txLinClrLst/>
+    <dgm:txFillClrLst/>
+    <dgm:txEffectClrLst/>
+  </dgm:styleLbl>
+  <dgm:styleLbl name="asst4">
+    <dgm:fillClrLst>
+      <a:schemeClr val="accent3"/>
+    </dgm:fillClrLst>
+    <dgm:linClrLst meth="repeat">
+      <a:schemeClr val="lt1"/>
+    </dgm:linClrLst>
+    <dgm:effectClrLst/>
+    <dgm:txLinClrLst/>
+    <dgm:txFillClrLst/>
+    <dgm:txEffectClrLst/>
+  </dgm:styleLbl>
+  <dgm:styleLbl name="parChTrans2D1">
+    <dgm:fillClrLst meth="repeat">
+      <a:schemeClr val="accent5"/>
+    </dgm:fillClrLst>
+    <dgm:linClrLst meth="repeat">
+      <a:schemeClr val="lt1"/>
+    </dgm:linClrLst>
+    <dgm:effectClrLst/>
+    <dgm:txLinClrLst/>
+    <dgm:txFillClrLst meth="repeat">
+      <a:schemeClr val="lt1"/>
+    </dgm:txFillClrLst>
+    <dgm:txEffectClrLst/>
+  </dgm:styleLbl>
+  <dgm:styleLbl name="parChTrans2D2">
+    <dgm:fillClrLst meth="repeat">
+      <a:schemeClr val="accent6"/>
+    </dgm:fillClrLst>
+    <dgm:linClrLst meth="repeat">
+      <a:schemeClr val="lt1"/>
+    </dgm:linClrLst>
+    <dgm:effectClrLst/>
+    <dgm:txLinClrLst/>
+    <dgm:txFillClrLst/>
+    <dgm:txEffectClrLst/>
+  </dgm:styleLbl>
+  <dgm:styleLbl name="parChTrans2D3">
+    <dgm:fillClrLst meth="repeat">
+      <a:schemeClr val="accent6"/>
+    </dgm:fillClrLst>
+    <dgm:linClrLst meth="repeat">
+      <a:schemeClr val="lt1"/>
+    </dgm:linClrLst>
+    <dgm:effectClrLst/>
+    <dgm:txLinClrLst/>
+    <dgm:txFillClrLst/>
+    <dgm:txEffectClrLst/>
+  </dgm:styleLbl>
+  <dgm:styleLbl name="parChTrans2D4">
+    <dgm:fillClrLst meth="repeat">
+      <a:schemeClr val="accent1"/>
+    </dgm:fillClrLst>
+    <dgm:linClrLst meth="repeat">
+      <a:schemeClr val="lt1"/>
+    </dgm:linClrLst>
+    <dgm:effectClrLst/>
+    <dgm:txLinClrLst/>
+    <dgm:txFillClrLst meth="repeat">
+      <a:schemeClr val="lt1"/>
+    </dgm:txFillClrLst>
+    <dgm:txEffectClrLst/>
+  </dgm:styleLbl>
+  <dgm:styleLbl name="parChTrans1D1">
+    <dgm:fillClrLst meth="repeat">
+      <a:schemeClr val="accent5"/>
+    </dgm:fillClrLst>
+    <dgm:linClrLst meth="repeat">
+      <a:schemeClr val="accent5"/>
+    </dgm:linClrLst>
+    <dgm:effectClrLst/>
+    <dgm:txLinClrLst/>
+    <dgm:txFillClrLst meth="repeat">
+      <a:schemeClr val="tx1"/>
+    </dgm:txFillClrLst>
+    <dgm:txEffectClrLst/>
+  </dgm:styleLbl>
+  <dgm:styleLbl name="parChTrans1D2">
+    <dgm:fillClrLst meth="repeat">
+      <a:schemeClr val="accent6">
+        <a:tint val="90000"/>
+      </a:schemeClr>
+    </dgm:fillClrLst>
+    <dgm:linClrLst meth="repeat">
+      <a:schemeClr val="accent6"/>
+    </dgm:linClrLst>
+    <dgm:effectClrLst/>
+    <dgm:txLinClrLst/>
+    <dgm:txFillClrLst meth="repeat">
+      <a:schemeClr val="tx1"/>
+    </dgm:txFillClrLst>
+    <dgm:txEffectClrLst/>
+  </dgm:styleLbl>
+  <dgm:styleLbl name="parChTrans1D3">
+    <dgm:fillClrLst meth="repeat">
+      <a:schemeClr val="accent6">
+        <a:tint val="70000"/>
+      </a:schemeClr>
+    </dgm:fillClrLst>
+    <dgm:linClrLst meth="repeat">
+      <a:schemeClr val="accent1"/>
+    </dgm:linClrLst>
+    <dgm:effectClrLst/>
+    <dgm:txLinClrLst/>
+    <dgm:txFillClrLst meth="repeat">
+      <a:schemeClr val="tx1"/>
+    </dgm:txFillClrLst>
+    <dgm:txEffectClrLst/>
+  </dgm:styleLbl>
+  <dgm:styleLbl name="parChTrans1D4">
+    <dgm:fillClrLst meth="repeat">
+      <a:schemeClr val="accent6">
+        <a:tint val="50000"/>
+      </a:schemeClr>
+    </dgm:fillClrLst>
+    <dgm:linClrLst meth="repeat">
+      <a:schemeClr val="accent2"/>
+    </dgm:linClrLst>
+    <dgm:effectClrLst/>
+    <dgm:txLinClrLst/>
+    <dgm:txFillClrLst meth="repeat">
+      <a:schemeClr val="tx1"/>
+    </dgm:txFillClrLst>
+    <dgm:txEffectClrLst/>
+  </dgm:styleLbl>
+  <dgm:styleLbl name="fgAcc1">
+    <dgm:fillClrLst meth="repeat">
+      <a:schemeClr val="lt1">
+        <a:alpha val="90000"/>
+      </a:schemeClr>
+    </dgm:fillClrLst>
+    <dgm:linClrLst>
+      <a:schemeClr val="accent5"/>
+      <a:schemeClr val="accent6"/>
+    </dgm:linClrLst>
+    <dgm:effectClrLst/>
+    <dgm:txLinClrLst/>
+    <dgm:txFillClrLst meth="repeat">
+      <a:schemeClr val="dk1"/>
+    </dgm:txFillClrLst>
+    <dgm:txEffectClrLst/>
+  </dgm:styleLbl>
+  <dgm:styleLbl name="conFgAcc1">
+    <dgm:fillClrLst meth="repeat">
+      <a:schemeClr val="lt1">
+        <a:alpha val="90000"/>
+      </a:schemeClr>
+    </dgm:fillClrLst>
+    <dgm:linClrLst>
+      <a:schemeClr val="accent5"/>
+      <a:schemeClr val="accent6"/>
+    </dgm:linClrLst>
+    <dgm:effectClrLst/>
+    <dgm:txLinClrLst/>
+    <dgm:txFillClrLst meth="repeat">
+      <a:schemeClr val="dk1"/>
+    </dgm:txFillClrLst>
+    <dgm:txEffectClrLst/>
+  </dgm:styleLbl>
+  <dgm:styleLbl name="alignAcc1">
+    <dgm:fillClrLst meth="repeat">
+      <a:schemeClr val="lt1">
+        <a:alpha val="90000"/>
+      </a:schemeClr>
+    </dgm:fillClrLst>
+    <dgm:linClrLst>
+      <a:schemeClr val="accent5"/>
+      <a:schemeClr val="accent6"/>
+    </dgm:linClrLst>
+    <dgm:effectClrLst/>
+    <dgm:txLinClrLst/>
+    <dgm:txFillClrLst meth="repeat">
+      <a:schemeClr val="dk1"/>
+    </dgm:txFillClrLst>
+    <dgm:txEffectClrLst/>
+  </dgm:styleLbl>
+  <dgm:styleLbl name="trAlignAcc1">
+    <dgm:fillClrLst meth="repeat">
+      <a:schemeClr val="lt1">
+        <a:alpha val="40000"/>
+      </a:schemeClr>
+    </dgm:fillClrLst>
+    <dgm:linClrLst meth="repeat">
+      <a:schemeClr val="accent5"/>
+    </dgm:linClrLst>
+    <dgm:effectClrLst/>
+    <dgm:txLinClrLst/>
+    <dgm:txFillClrLst meth="repeat">
+      <a:schemeClr val="dk1"/>
+    </dgm:txFillClrLst>
+    <dgm:txEffectClrLst/>
+  </dgm:styleLbl>
+  <dgm:styleLbl name="bgAcc1">
+    <dgm:fillClrLst meth="repeat">
+      <a:schemeClr val="lt1">
+        <a:alpha val="90000"/>
+      </a:schemeClr>
+    </dgm:fillClrLst>
+    <dgm:linClrLst>
+      <a:schemeClr val="accent5"/>
+      <a:schemeClr val="accent6"/>
+    </dgm:linClrLst>
+    <dgm:effectClrLst/>
+    <dgm:txLinClrLst/>
+    <dgm:txFillClrLst meth="repeat">
+      <a:schemeClr val="dk1"/>
+    </dgm:txFillClrLst>
+    <dgm:txEffectClrLst/>
+  </dgm:styleLbl>
+  <dgm:styleLbl name="solidFgAcc1">
+    <dgm:fillClrLst meth="repeat">
+      <a:schemeClr val="lt1"/>
+    </dgm:fillClrLst>
+    <dgm:linClrLst>
+      <a:schemeClr val="accent5"/>
+      <a:schemeClr val="accent6"/>
+    </dgm:linClrLst>
+    <dgm:effectClrLst/>
+    <dgm:txLinClrLst/>
+    <dgm:txFillClrLst meth="repeat">
+      <a:schemeClr val="dk1"/>
+    </dgm:txFillClrLst>
+    <dgm:txEffectClrLst/>
+  </dgm:styleLbl>
+  <dgm:styleLbl name="solidAlignAcc1">
+    <dgm:fillClrLst meth="repeat">
+      <a:schemeClr val="lt1"/>
+    </dgm:fillClrLst>
+    <dgm:linClrLst>
+      <a:schemeClr val="accent5"/>
+      <a:schemeClr val="accent6"/>
+    </dgm:linClrLst>
+    <dgm:effectClrLst/>
+    <dgm:txLinClrLst/>
+    <dgm:txFillClrLst meth="repeat">
+      <a:schemeClr val="dk1"/>
+    </dgm:txFillClrLst>
+    <dgm:txEffectClrLst/>
+  </dgm:styleLbl>
+  <dgm:styleLbl name="solidBgAcc1">
+    <dgm:fillClrLst meth="repeat">
+      <a:schemeClr val="lt1"/>
+    </dgm:fillClrLst>
+    <dgm:linClrLst>
+      <a:schemeClr val="accent5"/>
+      <a:schemeClr val="accent6"/>
+    </dgm:linClrLst>
+    <dgm:effectClrLst/>
+    <dgm:txLinClrLst/>
+    <dgm:txFillClrLst meth="repeat">
+      <a:schemeClr val="dk1"/>
+    </dgm:txFillClrLst>
+    <dgm:txEffectClrLst/>
+  </dgm:styleLbl>
+  <dgm:styleLbl name="fgAccFollowNode1">
+    <dgm:fillClrLst>
+      <a:schemeClr val="accent5">
+        <a:tint val="40000"/>
+        <a:alpha val="90000"/>
+      </a:schemeClr>
+      <a:schemeClr val="accent6">
+        <a:tint val="40000"/>
+        <a:alpha val="90000"/>
+      </a:schemeClr>
+    </dgm:fillClrLst>
+    <dgm:linClrLst>
+      <a:schemeClr val="accent5">
+        <a:tint val="40000"/>
+        <a:alpha val="90000"/>
+      </a:schemeClr>
+      <a:schemeClr val="accent5">
+        <a:tint val="40000"/>
+        <a:alpha val="90000"/>
+      </a:schemeClr>
+    </dgm:linClrLst>
+    <dgm:effectClrLst/>
+    <dgm:txLinClrLst/>
+    <dgm:txFillClrLst meth="repeat">
+      <a:schemeClr val="dk1"/>
+    </dgm:txFillClrLst>
+    <dgm:txEffectClrLst/>
+  </dgm:styleLbl>
+  <dgm:styleLbl name="alignAccFollowNode1">
+    <dgm:fillClrLst>
+      <a:schemeClr val="accent5">
+        <a:tint val="40000"/>
+        <a:alpha val="90000"/>
+      </a:schemeClr>
+      <a:schemeClr val="accent6">
+        <a:tint val="40000"/>
+        <a:alpha val="90000"/>
+      </a:schemeClr>
+    </dgm:fillClrLst>
+    <dgm:linClrLst>
+      <a:schemeClr val="accent5">
+        <a:tint val="40000"/>
+        <a:alpha val="90000"/>
+      </a:schemeClr>
+      <a:schemeClr val="accent6">
+        <a:tint val="40000"/>
+        <a:alpha val="90000"/>
+      </a:schemeClr>
+    </dgm:linClrLst>
+    <dgm:effectClrLst/>
+    <dgm:txLinClrLst/>
+    <dgm:txFillClrLst meth="repeat">
+      <a:schemeClr val="dk1"/>
+    </dgm:txFillClrLst>
+    <dgm:txEffectClrLst/>
+  </dgm:styleLbl>
+  <dgm:styleLbl name="bgAccFollowNode1">
+    <dgm:fillClrLst>
+      <a:schemeClr val="accent5">
+        <a:tint val="40000"/>
+        <a:alpha val="90000"/>
+      </a:schemeClr>
+      <a:schemeClr val="accent6">
+        <a:tint val="40000"/>
+        <a:alpha val="90000"/>
+      </a:schemeClr>
+    </dgm:fillClrLst>
+    <dgm:linClrLst>
+      <a:schemeClr val="accent5">
+        <a:tint val="40000"/>
+        <a:alpha val="90000"/>
+      </a:schemeClr>
+      <a:schemeClr val="accent6">
+        <a:tint val="40000"/>
+        <a:alpha val="90000"/>
+      </a:schemeClr>
+    </dgm:linClrLst>
+    <dgm:effectClrLst/>
+    <dgm:txLinClrLst/>
+    <dgm:txFillClrLst meth="repeat">
+      <a:schemeClr val="dk1"/>
+    </dgm:txFillClrLst>
+    <dgm:txEffectClrLst/>
+  </dgm:styleLbl>
+  <dgm:styleLbl name="fgAcc0">
+    <dgm:fillClrLst meth="repeat">
+      <a:schemeClr val="lt1">
+        <a:alpha val="90000"/>
+      </a:schemeClr>
+    </dgm:fillClrLst>
+    <dgm:linClrLst>
+      <a:schemeClr val="accent4"/>
+    </dgm:linClrLst>
+    <dgm:effectClrLst/>
+    <dgm:txLinClrLst/>
+    <dgm:txFillClrLst meth="repeat">
+      <a:schemeClr val="dk1"/>
+    </dgm:txFillClrLst>
+    <dgm:txEffectClrLst/>
+  </dgm:styleLbl>
+  <dgm:styleLbl name="fgAcc2">
+    <dgm:fillClrLst meth="repeat">
+      <a:schemeClr val="lt1">
+        <a:alpha val="90000"/>
+      </a:schemeClr>
+    </dgm:fillClrLst>
+    <dgm:linClrLst>
+      <a:schemeClr val="accent6"/>
+    </dgm:linClrLst>
+    <dgm:effectClrLst/>
+    <dgm:txLinClrLst/>
+    <dgm:txFillClrLst meth="repeat">
+      <a:schemeClr val="dk1"/>
+    </dgm:txFillClrLst>
+    <dgm:txEffectClrLst/>
+  </dgm:styleLbl>
+  <dgm:styleLbl name="fgAcc3">
+    <dgm:fillClrLst meth="repeat">
+      <a:schemeClr val="lt1">
+        <a:alpha val="90000"/>
+      </a:schemeClr>
+    </dgm:fillClrLst>
+    <dgm:linClrLst>
+      <a:schemeClr val="accent1"/>
+    </dgm:linClrLst>
+    <dgm:effectClrLst/>
+    <dgm:txLinClrLst/>
+    <dgm:txFillClrLst meth="repeat">
+      <a:schemeClr val="dk1"/>
+    </dgm:txFillClrLst>
+    <dgm:txEffectClrLst/>
+  </dgm:styleLbl>
+  <dgm:styleLbl name="fgAcc4">
+    <dgm:fillClrLst meth="repeat">
+      <a:schemeClr val="lt1">
+        <a:alpha val="90000"/>
+      </a:schemeClr>
+    </dgm:fillClrLst>
+    <dgm:linClrLst>
+      <a:schemeClr val="accent2"/>
+    </dgm:linClrLst>
+    <dgm:effectClrLst/>
+    <dgm:txLinClrLst/>
+    <dgm:txFillClrLst meth="repeat">
+      <a:schemeClr val="dk1"/>
+    </dgm:txFillClrLst>
+    <dgm:txEffectClrLst/>
+  </dgm:styleLbl>
+  <dgm:styleLbl name="bgShp">
+    <dgm:fillClrLst meth="repeat">
+      <a:schemeClr val="accent5">
+        <a:tint val="40000"/>
+      </a:schemeClr>
+    </dgm:fillClrLst>
+    <dgm:linClrLst meth="repeat">
+      <a:schemeClr val="dk1"/>
+    </dgm:linClrLst>
+    <dgm:effectClrLst/>
+    <dgm:txLinClrLst/>
+    <dgm:txFillClrLst meth="repeat">
+      <a:schemeClr val="dk1"/>
+    </dgm:txFillClrLst>
+    <dgm:txEffectClrLst/>
+  </dgm:styleLbl>
+  <dgm:styleLbl name="dkBgShp">
+    <dgm:fillClrLst meth="repeat">
+      <a:schemeClr val="accent5">
+        <a:shade val="90000"/>
+      </a:schemeClr>
+    </dgm:fillClrLst>
+    <dgm:linClrLst meth="repeat">
+      <a:schemeClr val="dk1"/>
+    </dgm:linClrLst>
+    <dgm:effectClrLst/>
+    <dgm:txLinClrLst/>
+    <dgm:txFillClrLst meth="repeat">
+      <a:schemeClr val="lt1"/>
+    </dgm:txFillClrLst>
+    <dgm:txEffectClrLst/>
+  </dgm:styleLbl>
+  <dgm:styleLbl name="trBgShp">
+    <dgm:fillClrLst meth="repeat">
+      <a:schemeClr val="accent5">
+        <a:tint val="50000"/>
+        <a:alpha val="40000"/>
+      </a:schemeClr>
+    </dgm:fillClrLst>
+    <dgm:linClrLst meth="repeat">
+      <a:schemeClr val="accent5"/>
+    </dgm:linClrLst>
+    <dgm:effectClrLst/>
+    <dgm:txLinClrLst/>
+    <dgm:txFillClrLst meth="repeat">
+      <a:schemeClr val="lt1"/>
+    </dgm:txFillClrLst>
+    <dgm:txEffectClrLst/>
+  </dgm:styleLbl>
+  <dgm:styleLbl name="fgShp">
+    <dgm:fillClrLst meth="repeat">
+      <a:schemeClr val="accent5">
+        <a:tint val="40000"/>
+      </a:schemeClr>
+    </dgm:fillClrLst>
+    <dgm:linClrLst meth="repeat">
+      <a:schemeClr val="lt1"/>
+    </dgm:linClrLst>
+    <dgm:effectClrLst/>
+    <dgm:txLinClrLst/>
+    <dgm:txFillClrLst meth="repeat">
+      <a:schemeClr val="dk1"/>
+    </dgm:txFillClrLst>
+    <dgm:txEffectClrLst/>
+  </dgm:styleLbl>
+  <dgm:styleLbl name="revTx">
+    <dgm:fillClrLst meth="repeat">
+      <a:schemeClr val="lt1">
+        <a:alpha val="0"/>
+      </a:schemeClr>
+    </dgm:fillClrLst>
+    <dgm:linClrLst meth="repeat">
+      <a:schemeClr val="dk1">
+        <a:alpha val="0"/>
+      </a:schemeClr>
+    </dgm:linClrLst>
+    <dgm:effectClrLst/>
+    <dgm:txLinClrLst/>
+    <dgm:txFillClrLst meth="repeat">
+      <a:schemeClr val="tx1"/>
+    </dgm:txFillClrLst>
+    <dgm:txEffectClrLst/>
+  </dgm:styleLbl>
+</dgm:colorsDef>
+</file>
+
+<file path=ppt/diagrams/data1.xml><?xml version="1.0" encoding="utf-8"?>
+<dgm:dataModel xmlns:dgm="http://schemas.openxmlformats.org/drawingml/2006/diagram" xmlns:a="http://schemas.openxmlformats.org/drawingml/2006/main">
+  <dgm:ptLst>
+    <dgm:pt modelId="{EEFD96EC-6676-4D42-9B55-62549EFFB7ED}" type="doc">
+      <dgm:prSet loTypeId="urn:microsoft.com/office/officeart/2018/2/layout/IconVerticalSolidList" loCatId="icon" qsTypeId="urn:microsoft.com/office/officeart/2005/8/quickstyle/simple1" qsCatId="simple" csTypeId="urn:microsoft.com/office/officeart/2018/5/colors/Iconchunking_neutralbg_colorful1" csCatId="colorful" phldr="1"/>
+      <dgm:spPr/>
+      <dgm:t>
+        <a:bodyPr/>
+        <a:lstStyle/>
+        <a:p>
+          <a:endParaRPr lang="en-US"/>
+        </a:p>
+      </dgm:t>
+    </dgm:pt>
+    <dgm:pt modelId="{C1D4665F-C945-4BFE-866C-F3FEFDB4877E}">
+      <dgm:prSet/>
+      <dgm:spPr/>
+      <dgm:t>
+        <a:bodyPr/>
+        <a:lstStyle/>
+        <a:p>
+          <a:pPr>
+            <a:lnSpc>
+              <a:spcPct val="100000"/>
+            </a:lnSpc>
+          </a:pPr>
+          <a:r>
+            <a:rPr lang="en-US"/>
+            <a:t>Descriptive vs Predictive:</a:t>
+          </a:r>
+        </a:p>
+        <a:p>
+          <a:pPr>
+            <a:lnSpc>
+              <a:spcPct val="100000"/>
+            </a:lnSpc>
+          </a:pPr>
+          <a:r>
+            <a:rPr lang="en-US"/>
+            <a:t>	Predictive Analytics (predict conversion rate based on user data)</a:t>
+          </a:r>
+        </a:p>
+      </dgm:t>
+    </dgm:pt>
+    <dgm:pt modelId="{BC4CA367-C3E3-48A3-B340-1C3E0D22F186}" type="parTrans" cxnId="{02E0DB3E-5387-4F7E-9ECF-114E0A045FAB}">
+      <dgm:prSet/>
+      <dgm:spPr/>
+      <dgm:t>
+        <a:bodyPr/>
+        <a:lstStyle/>
+        <a:p>
+          <a:endParaRPr lang="en-US"/>
+        </a:p>
+      </dgm:t>
+    </dgm:pt>
+    <dgm:pt modelId="{86995CAC-8B06-40B5-9BD2-12B8E147C7DF}" type="sibTrans" cxnId="{02E0DB3E-5387-4F7E-9ECF-114E0A045FAB}">
+      <dgm:prSet/>
+      <dgm:spPr/>
+      <dgm:t>
+        <a:bodyPr/>
+        <a:lstStyle/>
+        <a:p>
+          <a:endParaRPr lang="en-US"/>
+        </a:p>
+      </dgm:t>
+    </dgm:pt>
+    <dgm:pt modelId="{D0F3EB56-549F-4C46-B92B-6FDC9EBDEF25}">
+      <dgm:prSet/>
+      <dgm:spPr/>
+      <dgm:t>
+        <a:bodyPr/>
+        <a:lstStyle/>
+        <a:p>
+          <a:pPr>
+            <a:lnSpc>
+              <a:spcPct val="100000"/>
+            </a:lnSpc>
+          </a:pPr>
+          <a:r>
+            <a:rPr lang="en-US" dirty="0"/>
+            <a:t>Type of Learning: </a:t>
+          </a:r>
+        </a:p>
+        <a:p>
+          <a:pPr>
+            <a:lnSpc>
+              <a:spcPct val="100000"/>
+            </a:lnSpc>
+          </a:pPr>
+          <a:r>
+            <a:rPr lang="en-US" dirty="0"/>
+            <a:t>	Supervised Learning (Target variable ‘trial’ in Sample)</a:t>
+          </a:r>
+        </a:p>
+      </dgm:t>
+    </dgm:pt>
+    <dgm:pt modelId="{7DD9F831-DCBD-483A-BE10-81BAFD27B5CB}" type="parTrans" cxnId="{4043E509-FD89-4FB3-8B99-857195BE57BA}">
+      <dgm:prSet/>
+      <dgm:spPr/>
+      <dgm:t>
+        <a:bodyPr/>
+        <a:lstStyle/>
+        <a:p>
+          <a:endParaRPr lang="en-US"/>
+        </a:p>
+      </dgm:t>
+    </dgm:pt>
+    <dgm:pt modelId="{634A4884-7A6A-4D19-965B-FD18F45AD366}" type="sibTrans" cxnId="{4043E509-FD89-4FB3-8B99-857195BE57BA}">
+      <dgm:prSet/>
+      <dgm:spPr/>
+      <dgm:t>
+        <a:bodyPr/>
+        <a:lstStyle/>
+        <a:p>
+          <a:endParaRPr lang="en-US"/>
+        </a:p>
+      </dgm:t>
+    </dgm:pt>
+    <dgm:pt modelId="{95B59703-C399-42A0-9C40-54EA49126705}">
+      <dgm:prSet/>
+      <dgm:spPr/>
+      <dgm:t>
+        <a:bodyPr/>
+        <a:lstStyle/>
+        <a:p>
+          <a:pPr>
+            <a:lnSpc>
+              <a:spcPct val="100000"/>
+            </a:lnSpc>
+          </a:pPr>
+          <a:r>
+            <a:rPr lang="en-US" dirty="0"/>
+            <a:t>Type of Analysis:</a:t>
+          </a:r>
+        </a:p>
+        <a:p>
+          <a:pPr>
+            <a:lnSpc>
+              <a:spcPct val="100000"/>
+            </a:lnSpc>
+          </a:pPr>
+          <a:r>
+            <a:rPr lang="en-US" dirty="0"/>
+            <a:t>	Classification Analysis (Type of TV ‘trial’ is binary)</a:t>
+          </a:r>
+        </a:p>
+        <a:p>
+          <a:pPr>
+            <a:lnSpc>
+              <a:spcPct val="100000"/>
+            </a:lnSpc>
+          </a:pPr>
+          <a:r>
+            <a:rPr lang="en-US" dirty="0"/>
+            <a:t>	Regression Analysis (Type of TV ‘conversion rate’ is continuous)</a:t>
+          </a:r>
+        </a:p>
+        <a:p>
+          <a:pPr>
+            <a:lnSpc>
+              <a:spcPct val="100000"/>
+            </a:lnSpc>
+          </a:pPr>
+          <a:r>
+            <a:rPr lang="en-US" dirty="0"/>
+            <a:t>	Statistical Analysis (A/B Testing)</a:t>
+          </a:r>
+        </a:p>
+      </dgm:t>
+    </dgm:pt>
+    <dgm:pt modelId="{A1D90C74-9BAF-4F1C-B040-530DF5833B3E}" type="parTrans" cxnId="{3BB14910-F86F-4316-B407-3AD19EECF4DF}">
+      <dgm:prSet/>
+      <dgm:spPr/>
+      <dgm:t>
+        <a:bodyPr/>
+        <a:lstStyle/>
+        <a:p>
+          <a:endParaRPr lang="en-US"/>
+        </a:p>
+      </dgm:t>
+    </dgm:pt>
+    <dgm:pt modelId="{6FF57B51-1FA3-461C-A5C5-21571D9666E7}" type="sibTrans" cxnId="{3BB14910-F86F-4316-B407-3AD19EECF4DF}">
+      <dgm:prSet/>
+      <dgm:spPr/>
+      <dgm:t>
+        <a:bodyPr/>
+        <a:lstStyle/>
+        <a:p>
+          <a:endParaRPr lang="en-US"/>
+        </a:p>
+      </dgm:t>
+    </dgm:pt>
+    <dgm:pt modelId="{6BEC0BFC-75B5-4B8D-876B-EEFD89557D7B}">
+      <dgm:prSet/>
+      <dgm:spPr/>
+      <dgm:t>
+        <a:bodyPr/>
+        <a:lstStyle/>
+        <a:p>
+          <a:pPr>
+            <a:lnSpc>
+              <a:spcPct val="100000"/>
+            </a:lnSpc>
+          </a:pPr>
+          <a:r>
+            <a:rPr lang="en-US" dirty="0"/>
+            <a:t>Success Measures:</a:t>
+          </a:r>
+        </a:p>
+        <a:p>
+          <a:pPr>
+            <a:lnSpc>
+              <a:spcPct val="100000"/>
+            </a:lnSpc>
+          </a:pPr>
+          <a:r>
+            <a:rPr lang="en-US" dirty="0"/>
+            <a:t>	Regression - R2 or MSE (Mean square error) </a:t>
+          </a:r>
+          <a:r>
+            <a:rPr lang="en-US" dirty="0" err="1"/>
+            <a:t>etc</a:t>
+          </a:r>
+          <a:endParaRPr lang="en-US" dirty="0"/>
+        </a:p>
+        <a:p>
+          <a:pPr>
+            <a:lnSpc>
+              <a:spcPct val="100000"/>
+            </a:lnSpc>
+          </a:pPr>
+          <a:r>
+            <a:rPr lang="en-US" dirty="0"/>
+            <a:t>	Classification – PCC (Percent correct classification), Confusion Matrix </a:t>
+          </a:r>
+          <a:r>
+            <a:rPr lang="en-US" dirty="0" err="1"/>
+            <a:t>etc</a:t>
+          </a:r>
+          <a:endParaRPr lang="en-US" dirty="0"/>
+        </a:p>
+      </dgm:t>
+    </dgm:pt>
+    <dgm:pt modelId="{8207A345-8F96-4E59-AFB3-94CEC76AD52A}" type="parTrans" cxnId="{1780440F-9D99-42B4-AF0D-B305E1A7BD8D}">
+      <dgm:prSet/>
+      <dgm:spPr/>
+      <dgm:t>
+        <a:bodyPr/>
+        <a:lstStyle/>
+        <a:p>
+          <a:endParaRPr lang="en-US"/>
+        </a:p>
+      </dgm:t>
+    </dgm:pt>
+    <dgm:pt modelId="{7C95F5C4-C458-41DA-B686-65CCAD8E6022}" type="sibTrans" cxnId="{1780440F-9D99-42B4-AF0D-B305E1A7BD8D}">
+      <dgm:prSet/>
+      <dgm:spPr/>
+      <dgm:t>
+        <a:bodyPr/>
+        <a:lstStyle/>
+        <a:p>
+          <a:endParaRPr lang="en-US"/>
+        </a:p>
+      </dgm:t>
+    </dgm:pt>
+    <dgm:pt modelId="{1A663F3F-B54C-45B6-B8B4-4F3752052D29}" type="pres">
+      <dgm:prSet presAssocID="{EEFD96EC-6676-4D42-9B55-62549EFFB7ED}" presName="root" presStyleCnt="0">
+        <dgm:presLayoutVars>
+          <dgm:dir/>
+          <dgm:resizeHandles val="exact"/>
+        </dgm:presLayoutVars>
+      </dgm:prSet>
+      <dgm:spPr/>
+    </dgm:pt>
+    <dgm:pt modelId="{0EB0102E-9900-4F2D-B49E-C30B82561EA5}" type="pres">
+      <dgm:prSet presAssocID="{C1D4665F-C945-4BFE-866C-F3FEFDB4877E}" presName="compNode" presStyleCnt="0"/>
+      <dgm:spPr/>
+    </dgm:pt>
+    <dgm:pt modelId="{E7B26BED-95CD-4CC2-A4CE-C5CA6A3EDBFA}" type="pres">
+      <dgm:prSet presAssocID="{C1D4665F-C945-4BFE-866C-F3FEFDB4877E}" presName="bgRect" presStyleLbl="bgShp" presStyleIdx="0" presStyleCnt="4"/>
+      <dgm:spPr/>
+    </dgm:pt>
+    <dgm:pt modelId="{6B86FF98-BE27-4AAF-A719-196173CBDD00}" type="pres">
+      <dgm:prSet presAssocID="{C1D4665F-C945-4BFE-866C-F3FEFDB4877E}" presName="iconRect" presStyleLbl="node1" presStyleIdx="0" presStyleCnt="4"/>
+      <dgm:spPr>
+        <a:blipFill>
+          <a:blip xmlns:r="http://schemas.openxmlformats.org/officeDocument/2006/relationships" r:embed="rId1">
+            <a:extLst>
+              <a:ext uri="{28A0092B-C50C-407E-A947-70E740481C1C}">
+                <a14:useLocalDpi xmlns:a14="http://schemas.microsoft.com/office/drawing/2010/main" val="0"/>
+              </a:ext>
+              <a:ext uri="{96DAC541-7B7A-43D3-8B79-37D633B846F1}">
+                <asvg:svgBlip xmlns:asvg="http://schemas.microsoft.com/office/drawing/2016/SVG/main" r:embed="rId2"/>
+              </a:ext>
+            </a:extLst>
+          </a:blip>
+          <a:stretch>
+            <a:fillRect/>
+          </a:stretch>
+        </a:blipFill>
+        <a:ln>
+          <a:noFill/>
+        </a:ln>
+      </dgm:spPr>
+      <dgm:extLst>
+        <a:ext uri="{E40237B7-FDA0-4F09-8148-C483321AD2D9}">
+          <dgm14:cNvPr xmlns:dgm14="http://schemas.microsoft.com/office/drawing/2010/diagram" id="0" name="" descr="Bar chart"/>
+        </a:ext>
+      </dgm:extLst>
+    </dgm:pt>
+    <dgm:pt modelId="{E05B1BDF-6C9D-4AC5-A229-8D3EEAAE6D95}" type="pres">
+      <dgm:prSet presAssocID="{C1D4665F-C945-4BFE-866C-F3FEFDB4877E}" presName="spaceRect" presStyleCnt="0"/>
+      <dgm:spPr/>
+    </dgm:pt>
+    <dgm:pt modelId="{EB131649-0671-461C-A242-B92A9CF9FF4B}" type="pres">
+      <dgm:prSet presAssocID="{C1D4665F-C945-4BFE-866C-F3FEFDB4877E}" presName="parTx" presStyleLbl="revTx" presStyleIdx="0" presStyleCnt="4">
+        <dgm:presLayoutVars>
+          <dgm:chMax val="0"/>
+          <dgm:chPref val="0"/>
+        </dgm:presLayoutVars>
+      </dgm:prSet>
+      <dgm:spPr/>
+    </dgm:pt>
+    <dgm:pt modelId="{C44A9D07-7198-4D91-BD78-1B3D227A25ED}" type="pres">
+      <dgm:prSet presAssocID="{86995CAC-8B06-40B5-9BD2-12B8E147C7DF}" presName="sibTrans" presStyleCnt="0"/>
+      <dgm:spPr/>
+    </dgm:pt>
+    <dgm:pt modelId="{A96C75AB-1E1C-45D2-8766-70399F8EC372}" type="pres">
+      <dgm:prSet presAssocID="{D0F3EB56-549F-4C46-B92B-6FDC9EBDEF25}" presName="compNode" presStyleCnt="0"/>
+      <dgm:spPr/>
+    </dgm:pt>
+    <dgm:pt modelId="{C293C3A7-273E-43FE-805F-3CF0D024A631}" type="pres">
+      <dgm:prSet presAssocID="{D0F3EB56-549F-4C46-B92B-6FDC9EBDEF25}" presName="bgRect" presStyleLbl="bgShp" presStyleIdx="1" presStyleCnt="4"/>
+      <dgm:spPr/>
+    </dgm:pt>
+    <dgm:pt modelId="{5A5DDA73-E3E9-4BE1-AAAB-1C3E13CD0BFE}" type="pres">
+      <dgm:prSet presAssocID="{D0F3EB56-549F-4C46-B92B-6FDC9EBDEF25}" presName="iconRect" presStyleLbl="node1" presStyleIdx="1" presStyleCnt="4"/>
+      <dgm:spPr>
+        <a:blipFill>
+          <a:blip xmlns:r="http://schemas.openxmlformats.org/officeDocument/2006/relationships" r:embed="rId3">
+            <a:extLst>
+              <a:ext uri="{28A0092B-C50C-407E-A947-70E740481C1C}">
+                <a14:useLocalDpi xmlns:a14="http://schemas.microsoft.com/office/drawing/2010/main" val="0"/>
+              </a:ext>
+              <a:ext uri="{96DAC541-7B7A-43D3-8B79-37D633B846F1}">
+                <asvg:svgBlip xmlns:asvg="http://schemas.microsoft.com/office/drawing/2016/SVG/main" r:embed="rId4"/>
+              </a:ext>
+            </a:extLst>
+          </a:blip>
+          <a:stretch>
+            <a:fillRect/>
+          </a:stretch>
+        </a:blipFill>
+        <a:ln>
+          <a:noFill/>
+        </a:ln>
+      </dgm:spPr>
+      <dgm:extLst>
+        <a:ext uri="{E40237B7-FDA0-4F09-8148-C483321AD2D9}">
+          <dgm14:cNvPr xmlns:dgm14="http://schemas.microsoft.com/office/drawing/2010/diagram" id="0" name="" descr="Classroom"/>
+        </a:ext>
+      </dgm:extLst>
+    </dgm:pt>
+    <dgm:pt modelId="{DCA1D824-3ED3-44D6-890D-A5B3F45205C9}" type="pres">
+      <dgm:prSet presAssocID="{D0F3EB56-549F-4C46-B92B-6FDC9EBDEF25}" presName="spaceRect" presStyleCnt="0"/>
+      <dgm:spPr/>
+    </dgm:pt>
+    <dgm:pt modelId="{D1BD9FB4-6DBD-49FE-845B-1FC09182B9E3}" type="pres">
+      <dgm:prSet presAssocID="{D0F3EB56-549F-4C46-B92B-6FDC9EBDEF25}" presName="parTx" presStyleLbl="revTx" presStyleIdx="1" presStyleCnt="4">
+        <dgm:presLayoutVars>
+          <dgm:chMax val="0"/>
+          <dgm:chPref val="0"/>
+        </dgm:presLayoutVars>
+      </dgm:prSet>
+      <dgm:spPr/>
+    </dgm:pt>
+    <dgm:pt modelId="{8FBAEB58-BB09-4766-A138-4A222C27048F}" type="pres">
+      <dgm:prSet presAssocID="{634A4884-7A6A-4D19-965B-FD18F45AD366}" presName="sibTrans" presStyleCnt="0"/>
+      <dgm:spPr/>
+    </dgm:pt>
+    <dgm:pt modelId="{DF25B2B2-F2FA-42C7-B5E7-73D46C321884}" type="pres">
+      <dgm:prSet presAssocID="{95B59703-C399-42A0-9C40-54EA49126705}" presName="compNode" presStyleCnt="0"/>
+      <dgm:spPr/>
+    </dgm:pt>
+    <dgm:pt modelId="{B1ED75C0-863A-4637-AB60-A9E7C795346A}" type="pres">
+      <dgm:prSet presAssocID="{95B59703-C399-42A0-9C40-54EA49126705}" presName="bgRect" presStyleLbl="bgShp" presStyleIdx="2" presStyleCnt="4"/>
+      <dgm:spPr/>
+    </dgm:pt>
+    <dgm:pt modelId="{7F4CDF3C-1ADD-4CC3-939E-1EBC94573962}" type="pres">
+      <dgm:prSet presAssocID="{95B59703-C399-42A0-9C40-54EA49126705}" presName="iconRect" presStyleLbl="node1" presStyleIdx="2" presStyleCnt="4"/>
+      <dgm:spPr>
+        <a:blipFill>
+          <a:blip xmlns:r="http://schemas.openxmlformats.org/officeDocument/2006/relationships" r:embed="rId5">
+            <a:extLst>
+              <a:ext uri="{28A0092B-C50C-407E-A947-70E740481C1C}">
+                <a14:useLocalDpi xmlns:a14="http://schemas.microsoft.com/office/drawing/2010/main" val="0"/>
+              </a:ext>
+              <a:ext uri="{96DAC541-7B7A-43D3-8B79-37D633B846F1}">
+                <asvg:svgBlip xmlns:asvg="http://schemas.microsoft.com/office/drawing/2016/SVG/main" r:embed="rId6"/>
+              </a:ext>
+            </a:extLst>
+          </a:blip>
+          <a:stretch>
+            <a:fillRect/>
+          </a:stretch>
+        </a:blipFill>
+        <a:ln>
+          <a:noFill/>
+        </a:ln>
+      </dgm:spPr>
+      <dgm:extLst>
+        <a:ext uri="{E40237B7-FDA0-4F09-8148-C483321AD2D9}">
+          <dgm14:cNvPr xmlns:dgm14="http://schemas.microsoft.com/office/drawing/2010/diagram" id="0" name="" descr="Presentation with Checklist"/>
+        </a:ext>
+      </dgm:extLst>
+    </dgm:pt>
+    <dgm:pt modelId="{53D4A576-93F0-4DD5-B566-C330BC887180}" type="pres">
+      <dgm:prSet presAssocID="{95B59703-C399-42A0-9C40-54EA49126705}" presName="spaceRect" presStyleCnt="0"/>
+      <dgm:spPr/>
+    </dgm:pt>
+    <dgm:pt modelId="{C01E2338-D07B-48BB-989D-F677BD1BA27B}" type="pres">
+      <dgm:prSet presAssocID="{95B59703-C399-42A0-9C40-54EA49126705}" presName="parTx" presStyleLbl="revTx" presStyleIdx="2" presStyleCnt="4">
+        <dgm:presLayoutVars>
+          <dgm:chMax val="0"/>
+          <dgm:chPref val="0"/>
+        </dgm:presLayoutVars>
+      </dgm:prSet>
+      <dgm:spPr/>
+    </dgm:pt>
+    <dgm:pt modelId="{972C8B96-0A6E-4F7D-86C7-5AA51214C3A9}" type="pres">
+      <dgm:prSet presAssocID="{6FF57B51-1FA3-461C-A5C5-21571D9666E7}" presName="sibTrans" presStyleCnt="0"/>
+      <dgm:spPr/>
+    </dgm:pt>
+    <dgm:pt modelId="{04BF39B1-E9FB-4219-9220-E0123AB23C17}" type="pres">
+      <dgm:prSet presAssocID="{6BEC0BFC-75B5-4B8D-876B-EEFD89557D7B}" presName="compNode" presStyleCnt="0"/>
+      <dgm:spPr/>
+    </dgm:pt>
+    <dgm:pt modelId="{0ABC3F87-9731-422C-9FDD-81ED4A28CE5B}" type="pres">
+      <dgm:prSet presAssocID="{6BEC0BFC-75B5-4B8D-876B-EEFD89557D7B}" presName="bgRect" presStyleLbl="bgShp" presStyleIdx="3" presStyleCnt="4"/>
+      <dgm:spPr/>
+    </dgm:pt>
+    <dgm:pt modelId="{0CD2FF04-024D-4336-A59C-E93323F5A168}" type="pres">
+      <dgm:prSet presAssocID="{6BEC0BFC-75B5-4B8D-876B-EEFD89557D7B}" presName="iconRect" presStyleLbl="node1" presStyleIdx="3" presStyleCnt="4"/>
+      <dgm:spPr>
+        <a:blipFill>
+          <a:blip xmlns:r="http://schemas.openxmlformats.org/officeDocument/2006/relationships" r:embed="rId7">
+            <a:extLst>
+              <a:ext uri="{28A0092B-C50C-407E-A947-70E740481C1C}">
+                <a14:useLocalDpi xmlns:a14="http://schemas.microsoft.com/office/drawing/2010/main" val="0"/>
+              </a:ext>
+              <a:ext uri="{96DAC541-7B7A-43D3-8B79-37D633B846F1}">
+                <asvg:svgBlip xmlns:asvg="http://schemas.microsoft.com/office/drawing/2016/SVG/main" r:embed="rId8"/>
+              </a:ext>
+            </a:extLst>
+          </a:blip>
+          <a:stretch>
+            <a:fillRect/>
+          </a:stretch>
+        </a:blipFill>
+        <a:ln>
+          <a:noFill/>
+        </a:ln>
+      </dgm:spPr>
+      <dgm:extLst>
+        <a:ext uri="{E40237B7-FDA0-4F09-8148-C483321AD2D9}">
+          <dgm14:cNvPr xmlns:dgm14="http://schemas.microsoft.com/office/drawing/2010/diagram" id="0" name="" descr="Checkmark"/>
+        </a:ext>
+      </dgm:extLst>
+    </dgm:pt>
+    <dgm:pt modelId="{873FA753-C8D6-4D0A-AB58-911838BC0C9B}" type="pres">
+      <dgm:prSet presAssocID="{6BEC0BFC-75B5-4B8D-876B-EEFD89557D7B}" presName="spaceRect" presStyleCnt="0"/>
+      <dgm:spPr/>
+    </dgm:pt>
+    <dgm:pt modelId="{0EFCDA69-60F2-4BC6-AE5D-64167AC2CAAC}" type="pres">
+      <dgm:prSet presAssocID="{6BEC0BFC-75B5-4B8D-876B-EEFD89557D7B}" presName="parTx" presStyleLbl="revTx" presStyleIdx="3" presStyleCnt="4">
+        <dgm:presLayoutVars>
+          <dgm:chMax val="0"/>
+          <dgm:chPref val="0"/>
+        </dgm:presLayoutVars>
+      </dgm:prSet>
+      <dgm:spPr/>
+    </dgm:pt>
+  </dgm:ptLst>
+  <dgm:cxnLst>
+    <dgm:cxn modelId="{4043E509-FD89-4FB3-8B99-857195BE57BA}" srcId="{EEFD96EC-6676-4D42-9B55-62549EFFB7ED}" destId="{D0F3EB56-549F-4C46-B92B-6FDC9EBDEF25}" srcOrd="1" destOrd="0" parTransId="{7DD9F831-DCBD-483A-BE10-81BAFD27B5CB}" sibTransId="{634A4884-7A6A-4D19-965B-FD18F45AD366}"/>
+    <dgm:cxn modelId="{1780440F-9D99-42B4-AF0D-B305E1A7BD8D}" srcId="{EEFD96EC-6676-4D42-9B55-62549EFFB7ED}" destId="{6BEC0BFC-75B5-4B8D-876B-EEFD89557D7B}" srcOrd="3" destOrd="0" parTransId="{8207A345-8F96-4E59-AFB3-94CEC76AD52A}" sibTransId="{7C95F5C4-C458-41DA-B686-65CCAD8E6022}"/>
+    <dgm:cxn modelId="{3BB14910-F86F-4316-B407-3AD19EECF4DF}" srcId="{EEFD96EC-6676-4D42-9B55-62549EFFB7ED}" destId="{95B59703-C399-42A0-9C40-54EA49126705}" srcOrd="2" destOrd="0" parTransId="{A1D90C74-9BAF-4F1C-B040-530DF5833B3E}" sibTransId="{6FF57B51-1FA3-461C-A5C5-21571D9666E7}"/>
+    <dgm:cxn modelId="{EF74BF3E-B526-4161-81F4-6A4D1B53FE33}" type="presOf" srcId="{EEFD96EC-6676-4D42-9B55-62549EFFB7ED}" destId="{1A663F3F-B54C-45B6-B8B4-4F3752052D29}" srcOrd="0" destOrd="0" presId="urn:microsoft.com/office/officeart/2018/2/layout/IconVerticalSolidList"/>
+    <dgm:cxn modelId="{02E0DB3E-5387-4F7E-9ECF-114E0A045FAB}" srcId="{EEFD96EC-6676-4D42-9B55-62549EFFB7ED}" destId="{C1D4665F-C945-4BFE-866C-F3FEFDB4877E}" srcOrd="0" destOrd="0" parTransId="{BC4CA367-C3E3-48A3-B340-1C3E0D22F186}" sibTransId="{86995CAC-8B06-40B5-9BD2-12B8E147C7DF}"/>
+    <dgm:cxn modelId="{4D47DE75-CE94-4D41-B6F6-5A141FAC69AD}" type="presOf" srcId="{D0F3EB56-549F-4C46-B92B-6FDC9EBDEF25}" destId="{D1BD9FB4-6DBD-49FE-845B-1FC09182B9E3}" srcOrd="0" destOrd="0" presId="urn:microsoft.com/office/officeart/2018/2/layout/IconVerticalSolidList"/>
+    <dgm:cxn modelId="{B0B7E684-CA2B-44C7-BBEF-337DB8D96D1B}" type="presOf" srcId="{C1D4665F-C945-4BFE-866C-F3FEFDB4877E}" destId="{EB131649-0671-461C-A242-B92A9CF9FF4B}" srcOrd="0" destOrd="0" presId="urn:microsoft.com/office/officeart/2018/2/layout/IconVerticalSolidList"/>
+    <dgm:cxn modelId="{6D747FA5-ECF4-4FDD-AAEB-1EF10C1DB6D1}" type="presOf" srcId="{6BEC0BFC-75B5-4B8D-876B-EEFD89557D7B}" destId="{0EFCDA69-60F2-4BC6-AE5D-64167AC2CAAC}" srcOrd="0" destOrd="0" presId="urn:microsoft.com/office/officeart/2018/2/layout/IconVerticalSolidList"/>
+    <dgm:cxn modelId="{30A2E8ED-6F0E-4CA2-814C-EC1BCD7A6AC4}" type="presOf" srcId="{95B59703-C399-42A0-9C40-54EA49126705}" destId="{C01E2338-D07B-48BB-989D-F677BD1BA27B}" srcOrd="0" destOrd="0" presId="urn:microsoft.com/office/officeart/2018/2/layout/IconVerticalSolidList"/>
+    <dgm:cxn modelId="{F602D03B-C895-44AF-B526-C5391CBD56EE}" type="presParOf" srcId="{1A663F3F-B54C-45B6-B8B4-4F3752052D29}" destId="{0EB0102E-9900-4F2D-B49E-C30B82561EA5}" srcOrd="0" destOrd="0" presId="urn:microsoft.com/office/officeart/2018/2/layout/IconVerticalSolidList"/>
+    <dgm:cxn modelId="{94025149-4337-47DA-951D-49955FB0EB52}" type="presParOf" srcId="{0EB0102E-9900-4F2D-B49E-C30B82561EA5}" destId="{E7B26BED-95CD-4CC2-A4CE-C5CA6A3EDBFA}" srcOrd="0" destOrd="0" presId="urn:microsoft.com/office/officeart/2018/2/layout/IconVerticalSolidList"/>
+    <dgm:cxn modelId="{50B401E6-2B60-43F9-BCC4-1043640889EB}" type="presParOf" srcId="{0EB0102E-9900-4F2D-B49E-C30B82561EA5}" destId="{6B86FF98-BE27-4AAF-A719-196173CBDD00}" srcOrd="1" destOrd="0" presId="urn:microsoft.com/office/officeart/2018/2/layout/IconVerticalSolidList"/>
+    <dgm:cxn modelId="{284443CD-5CB8-4671-85FC-CCF58D386A62}" type="presParOf" srcId="{0EB0102E-9900-4F2D-B49E-C30B82561EA5}" destId="{E05B1BDF-6C9D-4AC5-A229-8D3EEAAE6D95}" srcOrd="2" destOrd="0" presId="urn:microsoft.com/office/officeart/2018/2/layout/IconVerticalSolidList"/>
+    <dgm:cxn modelId="{C7429C66-2015-41B7-A200-437BF8D3D59A}" type="presParOf" srcId="{0EB0102E-9900-4F2D-B49E-C30B82561EA5}" destId="{EB131649-0671-461C-A242-B92A9CF9FF4B}" srcOrd="3" destOrd="0" presId="urn:microsoft.com/office/officeart/2018/2/layout/IconVerticalSolidList"/>
+    <dgm:cxn modelId="{A52E81C3-BC8D-42AC-B8A5-AB05B2387E88}" type="presParOf" srcId="{1A663F3F-B54C-45B6-B8B4-4F3752052D29}" destId="{C44A9D07-7198-4D91-BD78-1B3D227A25ED}" srcOrd="1" destOrd="0" presId="urn:microsoft.com/office/officeart/2018/2/layout/IconVerticalSolidList"/>
+    <dgm:cxn modelId="{9A718AF3-7464-4FA2-B1A0-309A68FEB80C}" type="presParOf" srcId="{1A663F3F-B54C-45B6-B8B4-4F3752052D29}" destId="{A96C75AB-1E1C-45D2-8766-70399F8EC372}" srcOrd="2" destOrd="0" presId="urn:microsoft.com/office/officeart/2018/2/layout/IconVerticalSolidList"/>
+    <dgm:cxn modelId="{E9D50934-F399-40CD-B532-6F8F631596B4}" type="presParOf" srcId="{A96C75AB-1E1C-45D2-8766-70399F8EC372}" destId="{C293C3A7-273E-43FE-805F-3CF0D024A631}" srcOrd="0" destOrd="0" presId="urn:microsoft.com/office/officeart/2018/2/layout/IconVerticalSolidList"/>
+    <dgm:cxn modelId="{302F646A-62D4-4052-B571-6542C26A5668}" type="presParOf" srcId="{A96C75AB-1E1C-45D2-8766-70399F8EC372}" destId="{5A5DDA73-E3E9-4BE1-AAAB-1C3E13CD0BFE}" srcOrd="1" destOrd="0" presId="urn:microsoft.com/office/officeart/2018/2/layout/IconVerticalSolidList"/>
+    <dgm:cxn modelId="{7F28A87A-BD21-484E-BE1D-36C92037D87A}" type="presParOf" srcId="{A96C75AB-1E1C-45D2-8766-70399F8EC372}" destId="{DCA1D824-3ED3-44D6-890D-A5B3F45205C9}" srcOrd="2" destOrd="0" presId="urn:microsoft.com/office/officeart/2018/2/layout/IconVerticalSolidList"/>
+    <dgm:cxn modelId="{7F9C3415-954A-4FD2-9C3F-9319AE3C1633}" type="presParOf" srcId="{A96C75AB-1E1C-45D2-8766-70399F8EC372}" destId="{D1BD9FB4-6DBD-49FE-845B-1FC09182B9E3}" srcOrd="3" destOrd="0" presId="urn:microsoft.com/office/officeart/2018/2/layout/IconVerticalSolidList"/>
+    <dgm:cxn modelId="{EB7934CB-DEBB-44B3-9F95-71CFDC2F2F78}" type="presParOf" srcId="{1A663F3F-B54C-45B6-B8B4-4F3752052D29}" destId="{8FBAEB58-BB09-4766-A138-4A222C27048F}" srcOrd="3" destOrd="0" presId="urn:microsoft.com/office/officeart/2018/2/layout/IconVerticalSolidList"/>
+    <dgm:cxn modelId="{F763DE49-66D7-44E2-813C-D4E9583C853F}" type="presParOf" srcId="{1A663F3F-B54C-45B6-B8B4-4F3752052D29}" destId="{DF25B2B2-F2FA-42C7-B5E7-73D46C321884}" srcOrd="4" destOrd="0" presId="urn:microsoft.com/office/officeart/2018/2/layout/IconVerticalSolidList"/>
+    <dgm:cxn modelId="{A1A38812-DD63-47B9-BB61-08503DECA3FC}" type="presParOf" srcId="{DF25B2B2-F2FA-42C7-B5E7-73D46C321884}" destId="{B1ED75C0-863A-4637-AB60-A9E7C795346A}" srcOrd="0" destOrd="0" presId="urn:microsoft.com/office/officeart/2018/2/layout/IconVerticalSolidList"/>
+    <dgm:cxn modelId="{DC710E57-B702-4D1F-8EDE-E9A6E5DB92F8}" type="presParOf" srcId="{DF25B2B2-F2FA-42C7-B5E7-73D46C321884}" destId="{7F4CDF3C-1ADD-4CC3-939E-1EBC94573962}" srcOrd="1" destOrd="0" presId="urn:microsoft.com/office/officeart/2018/2/layout/IconVerticalSolidList"/>
+    <dgm:cxn modelId="{23C14DCA-10F1-4D12-B850-BF79E4C736CC}" type="presParOf" srcId="{DF25B2B2-F2FA-42C7-B5E7-73D46C321884}" destId="{53D4A576-93F0-4DD5-B566-C330BC887180}" srcOrd="2" destOrd="0" presId="urn:microsoft.com/office/officeart/2018/2/layout/IconVerticalSolidList"/>
+    <dgm:cxn modelId="{CA6C16F9-2309-4A91-84A0-EC46AEC9C9C8}" type="presParOf" srcId="{DF25B2B2-F2FA-42C7-B5E7-73D46C321884}" destId="{C01E2338-D07B-48BB-989D-F677BD1BA27B}" srcOrd="3" destOrd="0" presId="urn:microsoft.com/office/officeart/2018/2/layout/IconVerticalSolidList"/>
+    <dgm:cxn modelId="{C1100062-D5AF-40C8-9C44-FDE30C745EC7}" type="presParOf" srcId="{1A663F3F-B54C-45B6-B8B4-4F3752052D29}" destId="{972C8B96-0A6E-4F7D-86C7-5AA51214C3A9}" srcOrd="5" destOrd="0" presId="urn:microsoft.com/office/officeart/2018/2/layout/IconVerticalSolidList"/>
+    <dgm:cxn modelId="{686CF3B2-0C70-4FCB-BAC0-88AE6199F5E9}" type="presParOf" srcId="{1A663F3F-B54C-45B6-B8B4-4F3752052D29}" destId="{04BF39B1-E9FB-4219-9220-E0123AB23C17}" srcOrd="6" destOrd="0" presId="urn:microsoft.com/office/officeart/2018/2/layout/IconVerticalSolidList"/>
+    <dgm:cxn modelId="{14414FA2-A5AA-474B-81CC-6F53F5EFB245}" type="presParOf" srcId="{04BF39B1-E9FB-4219-9220-E0123AB23C17}" destId="{0ABC3F87-9731-422C-9FDD-81ED4A28CE5B}" srcOrd="0" destOrd="0" presId="urn:microsoft.com/office/officeart/2018/2/layout/IconVerticalSolidList"/>
+    <dgm:cxn modelId="{2F7930F1-47C8-45E8-AED2-E5E5E1DCD35E}" type="presParOf" srcId="{04BF39B1-E9FB-4219-9220-E0123AB23C17}" destId="{0CD2FF04-024D-4336-A59C-E93323F5A168}" srcOrd="1" destOrd="0" presId="urn:microsoft.com/office/officeart/2018/2/layout/IconVerticalSolidList"/>
+    <dgm:cxn modelId="{724EE205-C888-4AAF-989D-60DF747B3FC0}" type="presParOf" srcId="{04BF39B1-E9FB-4219-9220-E0123AB23C17}" destId="{873FA753-C8D6-4D0A-AB58-911838BC0C9B}" srcOrd="2" destOrd="0" presId="urn:microsoft.com/office/officeart/2018/2/layout/IconVerticalSolidList"/>
+    <dgm:cxn modelId="{17AC9072-E4BA-4CDC-B3AB-8D386678D22E}" type="presParOf" srcId="{04BF39B1-E9FB-4219-9220-E0123AB23C17}" destId="{0EFCDA69-60F2-4BC6-AE5D-64167AC2CAAC}" srcOrd="3" destOrd="0" presId="urn:microsoft.com/office/officeart/2018/2/layout/IconVerticalSolidList"/>
+  </dgm:cxnLst>
+  <dgm:bg/>
+  <dgm:whole/>
+  <dgm:extLst>
+    <a:ext uri="http://schemas.microsoft.com/office/drawing/2008/diagram">
+      <dsp:dataModelExt xmlns:dsp="http://schemas.microsoft.com/office/drawing/2008/diagram" relId="rId6" minVer="http://schemas.openxmlformats.org/drawingml/2006/diagram"/>
+    </a:ext>
+  </dgm:extLst>
+</dgm:dataModel>
+</file>
+
+<file path=ppt/diagrams/data2.xml><?xml version="1.0" encoding="utf-8"?>
+<dgm:dataModel xmlns:dgm="http://schemas.openxmlformats.org/drawingml/2006/diagram" xmlns:a="http://schemas.openxmlformats.org/drawingml/2006/main">
+  <dgm:ptLst>
+    <dgm:pt modelId="{8364409A-3AAC-420E-898A-0FD041D8AADF}" type="doc">
+      <dgm:prSet loTypeId="urn:microsoft.com/office/officeart/2005/8/layout/list1" loCatId="list" qsTypeId="urn:microsoft.com/office/officeart/2005/8/quickstyle/simple1" qsCatId="simple" csTypeId="urn:microsoft.com/office/officeart/2005/8/colors/colorful5" csCatId="colorful" phldr="1"/>
+      <dgm:spPr/>
+      <dgm:t>
+        <a:bodyPr/>
+        <a:lstStyle/>
+        <a:p>
+          <a:endParaRPr lang="en-US"/>
+        </a:p>
+      </dgm:t>
+    </dgm:pt>
+    <dgm:pt modelId="{F9322AD3-6545-4F86-8FE9-9899289DD115}">
+      <dgm:prSet/>
+      <dgm:spPr/>
+      <dgm:t>
+        <a:bodyPr/>
+        <a:lstStyle/>
+        <a:p>
+          <a:r>
+            <a:rPr lang="en-US"/>
+            <a:t>Data is structured, stored in flat files (.csv)</a:t>
+          </a:r>
+        </a:p>
+      </dgm:t>
+    </dgm:pt>
+    <dgm:pt modelId="{F5985E45-BF2B-4C10-805F-6C9F357D30FE}" type="parTrans" cxnId="{077346A1-58A5-4CAA-B885-EE7382FB3611}">
+      <dgm:prSet/>
+      <dgm:spPr/>
+      <dgm:t>
+        <a:bodyPr/>
+        <a:lstStyle/>
+        <a:p>
+          <a:endParaRPr lang="en-US"/>
+        </a:p>
+      </dgm:t>
+    </dgm:pt>
+    <dgm:pt modelId="{1784F244-2881-40FE-9D38-956C7996FB54}" type="sibTrans" cxnId="{077346A1-58A5-4CAA-B885-EE7382FB3611}">
+      <dgm:prSet/>
+      <dgm:spPr/>
+      <dgm:t>
+        <a:bodyPr/>
+        <a:lstStyle/>
+        <a:p>
+          <a:endParaRPr lang="en-US"/>
+        </a:p>
+      </dgm:t>
+    </dgm:pt>
+    <dgm:pt modelId="{FF2CEFE8-2A45-448E-AF2C-556EFEB1BADC}">
+      <dgm:prSet/>
+      <dgm:spPr/>
+      <dgm:t>
+        <a:bodyPr/>
+        <a:lstStyle/>
+        <a:p>
+          <a:r>
+            <a:rPr lang="en-US"/>
+            <a:t>Data Structure: 346929 Observations of 11 variables. </a:t>
+          </a:r>
+        </a:p>
+      </dgm:t>
+    </dgm:pt>
+    <dgm:pt modelId="{BF315CB4-8A26-4715-8458-8722540152C5}" type="parTrans" cxnId="{396200C5-08F1-4B29-8F44-104844555616}">
+      <dgm:prSet/>
+      <dgm:spPr/>
+      <dgm:t>
+        <a:bodyPr/>
+        <a:lstStyle/>
+        <a:p>
+          <a:endParaRPr lang="en-US"/>
+        </a:p>
+      </dgm:t>
+    </dgm:pt>
+    <dgm:pt modelId="{AD22B51C-0EC9-461B-8143-5C1012D32B98}" type="sibTrans" cxnId="{396200C5-08F1-4B29-8F44-104844555616}">
+      <dgm:prSet/>
+      <dgm:spPr/>
+      <dgm:t>
+        <a:bodyPr/>
+        <a:lstStyle/>
+        <a:p>
+          <a:endParaRPr lang="en-US"/>
+        </a:p>
+      </dgm:t>
+    </dgm:pt>
+    <dgm:pt modelId="{BBA04DFE-A438-4C09-A5C4-895047DEF8E8}">
+      <dgm:prSet/>
+      <dgm:spPr/>
+      <dgm:t>
+        <a:bodyPr/>
+        <a:lstStyle/>
+        <a:p>
+          <a:r>
+            <a:rPr lang="en-US"/>
+            <a:t>Missing observations 350000 – 346929 = 3071</a:t>
+          </a:r>
+        </a:p>
+      </dgm:t>
+    </dgm:pt>
+    <dgm:pt modelId="{B89EC8FC-E60A-4777-8887-5D44DACAFC21}" type="parTrans" cxnId="{A8E4DE0A-487D-4FBD-B848-29E81B5E1095}">
+      <dgm:prSet/>
+      <dgm:spPr/>
+      <dgm:t>
+        <a:bodyPr/>
+        <a:lstStyle/>
+        <a:p>
+          <a:endParaRPr lang="en-US"/>
+        </a:p>
+      </dgm:t>
+    </dgm:pt>
+    <dgm:pt modelId="{0AACE67B-890F-4F37-B692-46CF0EF6E6E9}" type="sibTrans" cxnId="{A8E4DE0A-487D-4FBD-B848-29E81B5E1095}">
+      <dgm:prSet/>
+      <dgm:spPr/>
+      <dgm:t>
+        <a:bodyPr/>
+        <a:lstStyle/>
+        <a:p>
+          <a:endParaRPr lang="en-US"/>
+        </a:p>
+      </dgm:t>
+    </dgm:pt>
+    <dgm:pt modelId="{4130B4C0-F93E-4873-A5EE-8BA6FC5F16D6}">
+      <dgm:prSet/>
+      <dgm:spPr/>
+      <dgm:t>
+        <a:bodyPr/>
+        <a:lstStyle/>
+        <a:p>
+          <a:r>
+            <a:rPr lang="en-US"/>
+            <a:t>Data type of feature “trial” with value 0/1 is “int” instead of “factor”</a:t>
+          </a:r>
+        </a:p>
+      </dgm:t>
+    </dgm:pt>
+    <dgm:pt modelId="{110D216F-126D-4CC6-AAF5-ECE21260162B}" type="parTrans" cxnId="{E1E014C8-BB5B-470F-A415-10C01FB61A4D}">
+      <dgm:prSet/>
+      <dgm:spPr/>
+      <dgm:t>
+        <a:bodyPr/>
+        <a:lstStyle/>
+        <a:p>
+          <a:endParaRPr lang="en-US"/>
+        </a:p>
+      </dgm:t>
+    </dgm:pt>
+    <dgm:pt modelId="{DDE3F206-8A5C-43D1-A93B-C8338856ECA0}" type="sibTrans" cxnId="{E1E014C8-BB5B-470F-A415-10C01FB61A4D}">
+      <dgm:prSet/>
+      <dgm:spPr/>
+      <dgm:t>
+        <a:bodyPr/>
+        <a:lstStyle/>
+        <a:p>
+          <a:endParaRPr lang="en-US"/>
+        </a:p>
+      </dgm:t>
+    </dgm:pt>
+    <dgm:pt modelId="{D88B17A4-4A12-4B31-B6CF-8B4128404453}">
+      <dgm:prSet/>
+      <dgm:spPr/>
+      <dgm:t>
+        <a:bodyPr/>
+        <a:lstStyle/>
+        <a:p>
+          <a:r>
+            <a:rPr lang="en-US"/>
+            <a:t>Data Summary: </a:t>
+          </a:r>
+        </a:p>
+      </dgm:t>
+    </dgm:pt>
+    <dgm:pt modelId="{B87D0352-C0CB-41D3-99F7-0681E502AE70}" type="parTrans" cxnId="{DD95DC15-635D-4DD3-B191-D42724CD8C38}">
+      <dgm:prSet/>
+      <dgm:spPr/>
+      <dgm:t>
+        <a:bodyPr/>
+        <a:lstStyle/>
+        <a:p>
+          <a:endParaRPr lang="en-US"/>
+        </a:p>
+      </dgm:t>
+    </dgm:pt>
+    <dgm:pt modelId="{7C4DAAEE-E09E-4CE6-A38B-758C9B3C2B06}" type="sibTrans" cxnId="{DD95DC15-635D-4DD3-B191-D42724CD8C38}">
+      <dgm:prSet/>
+      <dgm:spPr/>
+      <dgm:t>
+        <a:bodyPr/>
+        <a:lstStyle/>
+        <a:p>
+          <a:endParaRPr lang="en-US"/>
+        </a:p>
+      </dgm:t>
+    </dgm:pt>
+    <dgm:pt modelId="{9829B21E-207E-4F00-86F4-F679F866D780}">
+      <dgm:prSet/>
+      <dgm:spPr/>
+      <dgm:t>
+        <a:bodyPr/>
+        <a:lstStyle/>
+        <a:p>
+          <a:r>
+            <a:rPr lang="en-US" dirty="0"/>
+            <a:t>356 missing values of each feature “gender”, “age” &amp; “</a:t>
+          </a:r>
+          <a:r>
+            <a:rPr lang="en-US" dirty="0" err="1"/>
+            <a:t>industry_code</a:t>
+          </a:r>
+          <a:r>
+            <a:rPr lang="en-US" dirty="0"/>
+            <a:t>”</a:t>
+          </a:r>
+        </a:p>
+      </dgm:t>
+    </dgm:pt>
+    <dgm:pt modelId="{506F0043-E122-4C08-96AC-3F008E12B7A8}" type="parTrans" cxnId="{5C06A247-E0B4-4B59-BB6B-B87C6CDAEB77}">
+      <dgm:prSet/>
+      <dgm:spPr/>
+      <dgm:t>
+        <a:bodyPr/>
+        <a:lstStyle/>
+        <a:p>
+          <a:endParaRPr lang="en-US"/>
+        </a:p>
+      </dgm:t>
+    </dgm:pt>
+    <dgm:pt modelId="{22A05767-0CB8-45EC-81F8-71F6A18A690D}" type="sibTrans" cxnId="{5C06A247-E0B4-4B59-BB6B-B87C6CDAEB77}">
+      <dgm:prSet/>
+      <dgm:spPr/>
+      <dgm:t>
+        <a:bodyPr/>
+        <a:lstStyle/>
+        <a:p>
+          <a:endParaRPr lang="en-US"/>
+        </a:p>
+      </dgm:t>
+    </dgm:pt>
+    <dgm:pt modelId="{02152D2A-8011-4221-85AC-BF579A13CB4A}">
+      <dgm:prSet/>
+      <dgm:spPr/>
+      <dgm:t>
+        <a:bodyPr/>
+        <a:lstStyle/>
+        <a:p>
+          <a:r>
+            <a:rPr lang="en-US" dirty="0"/>
+            <a:t>9691 “Unknown” type of “payee”</a:t>
+          </a:r>
+        </a:p>
+      </dgm:t>
+    </dgm:pt>
+    <dgm:pt modelId="{7E58ACD6-4003-419C-81E9-FF27E93C80C2}" type="parTrans" cxnId="{D8B49A0F-4DCF-429D-9D90-6A41703A824F}">
+      <dgm:prSet/>
+      <dgm:spPr/>
+      <dgm:t>
+        <a:bodyPr/>
+        <a:lstStyle/>
+        <a:p>
+          <a:endParaRPr lang="en-US"/>
+        </a:p>
+      </dgm:t>
+    </dgm:pt>
+    <dgm:pt modelId="{638E9F8F-8F33-4F09-A536-6A64E2AC455D}" type="sibTrans" cxnId="{D8B49A0F-4DCF-429D-9D90-6A41703A824F}">
+      <dgm:prSet/>
+      <dgm:spPr/>
+      <dgm:t>
+        <a:bodyPr/>
+        <a:lstStyle/>
+        <a:p>
+          <a:endParaRPr lang="en-US"/>
+        </a:p>
+      </dgm:t>
+    </dgm:pt>
+    <dgm:pt modelId="{10323DB6-22BF-41EE-8A4D-DA8F1DB473EE}">
+      <dgm:prSet/>
+      <dgm:spPr/>
+      <dgm:t>
+        <a:bodyPr/>
+        <a:lstStyle/>
+        <a:p>
+          <a:r>
+            <a:rPr lang="en-US"/>
+            <a:t>Data Visualization:</a:t>
+          </a:r>
+        </a:p>
+      </dgm:t>
+    </dgm:pt>
+    <dgm:pt modelId="{BE89A06C-E70F-4C5D-A0B0-A299BCDB7737}" type="parTrans" cxnId="{846D447A-EBBC-43DD-9A84-692E9C30DF13}">
+      <dgm:prSet/>
+      <dgm:spPr/>
+      <dgm:t>
+        <a:bodyPr/>
+        <a:lstStyle/>
+        <a:p>
+          <a:endParaRPr lang="en-US"/>
+        </a:p>
+      </dgm:t>
+    </dgm:pt>
+    <dgm:pt modelId="{EC9FA768-7694-49E6-9369-3E5C2F8FF34E}" type="sibTrans" cxnId="{846D447A-EBBC-43DD-9A84-692E9C30DF13}">
+      <dgm:prSet/>
+      <dgm:spPr/>
+      <dgm:t>
+        <a:bodyPr/>
+        <a:lstStyle/>
+        <a:p>
+          <a:endParaRPr lang="en-US"/>
+        </a:p>
+      </dgm:t>
+    </dgm:pt>
+    <dgm:pt modelId="{EA58DFA3-4FD5-4D8D-9896-8EB1486CD887}">
+      <dgm:prSet/>
+      <dgm:spPr/>
+      <dgm:t>
+        <a:bodyPr/>
+        <a:lstStyle/>
+        <a:p>
+          <a:r>
+            <a:rPr lang="en-US"/>
+            <a:t>Age (only numeric feature) is positive skewed = 0.74</a:t>
+          </a:r>
+        </a:p>
+      </dgm:t>
+    </dgm:pt>
+    <dgm:pt modelId="{9A925070-C91B-4BAE-B004-4254F3369EE8}" type="parTrans" cxnId="{FBEB6093-CE82-4361-80B9-C9BC756C4968}">
+      <dgm:prSet/>
+      <dgm:spPr/>
+      <dgm:t>
+        <a:bodyPr/>
+        <a:lstStyle/>
+        <a:p>
+          <a:endParaRPr lang="en-US"/>
+        </a:p>
+      </dgm:t>
+    </dgm:pt>
+    <dgm:pt modelId="{2B4BDFA4-4356-4E69-A644-E95F4ED38EF8}" type="sibTrans" cxnId="{FBEB6093-CE82-4361-80B9-C9BC756C4968}">
+      <dgm:prSet/>
+      <dgm:spPr/>
+      <dgm:t>
+        <a:bodyPr/>
+        <a:lstStyle/>
+        <a:p>
+          <a:endParaRPr lang="en-US"/>
+        </a:p>
+      </dgm:t>
+    </dgm:pt>
+    <dgm:pt modelId="{7C96BE03-5AF0-43EF-AD36-BFC4F6E54930}">
+      <dgm:prSet/>
+      <dgm:spPr/>
+      <dgm:t>
+        <a:bodyPr/>
+        <a:lstStyle/>
+        <a:p>
+          <a:r>
+            <a:rPr lang="en-US"/>
+            <a:t>Classification TV “Trial” is imbalance 0 – 329,713 &amp; 1 - 17216</a:t>
+          </a:r>
+        </a:p>
+      </dgm:t>
+    </dgm:pt>
+    <dgm:pt modelId="{EC8772C1-9611-4C08-8A8A-287526823339}" type="parTrans" cxnId="{88F5346C-EC3A-439D-BCB0-F8C8FB406D75}">
+      <dgm:prSet/>
+      <dgm:spPr/>
+      <dgm:t>
+        <a:bodyPr/>
+        <a:lstStyle/>
+        <a:p>
+          <a:endParaRPr lang="en-US"/>
+        </a:p>
+      </dgm:t>
+    </dgm:pt>
+    <dgm:pt modelId="{1D26CEC1-2EB4-43EB-A981-C8F2651A01E8}" type="sibTrans" cxnId="{88F5346C-EC3A-439D-BCB0-F8C8FB406D75}">
+      <dgm:prSet/>
+      <dgm:spPr/>
+      <dgm:t>
+        <a:bodyPr/>
+        <a:lstStyle/>
+        <a:p>
+          <a:endParaRPr lang="en-US"/>
+        </a:p>
+      </dgm:t>
+    </dgm:pt>
+    <dgm:pt modelId="{B3C66F15-DED5-4BE1-A7B4-7589115C6BE8}" type="pres">
+      <dgm:prSet presAssocID="{8364409A-3AAC-420E-898A-0FD041D8AADF}" presName="linear" presStyleCnt="0">
+        <dgm:presLayoutVars>
+          <dgm:dir/>
+          <dgm:animLvl val="lvl"/>
+          <dgm:resizeHandles val="exact"/>
+        </dgm:presLayoutVars>
+      </dgm:prSet>
+      <dgm:spPr/>
+    </dgm:pt>
+    <dgm:pt modelId="{BFCE9384-8E37-49AB-885F-5F25EE3A9996}" type="pres">
+      <dgm:prSet presAssocID="{F9322AD3-6545-4F86-8FE9-9899289DD115}" presName="parentLin" presStyleCnt="0"/>
+      <dgm:spPr/>
+    </dgm:pt>
+    <dgm:pt modelId="{8B608CDC-7DC9-479E-B355-736EEE9FB480}" type="pres">
+      <dgm:prSet presAssocID="{F9322AD3-6545-4F86-8FE9-9899289DD115}" presName="parentLeftMargin" presStyleLbl="node1" presStyleIdx="0" presStyleCnt="4"/>
+      <dgm:spPr/>
+    </dgm:pt>
+    <dgm:pt modelId="{926010BB-8F23-499A-8FC7-8D423D9E5BE5}" type="pres">
+      <dgm:prSet presAssocID="{F9322AD3-6545-4F86-8FE9-9899289DD115}" presName="parentText" presStyleLbl="node1" presStyleIdx="0" presStyleCnt="4">
+        <dgm:presLayoutVars>
+          <dgm:chMax val="0"/>
+          <dgm:bulletEnabled val="1"/>
+        </dgm:presLayoutVars>
+      </dgm:prSet>
+      <dgm:spPr/>
+    </dgm:pt>
+    <dgm:pt modelId="{24F252CC-F8ED-4A45-AB48-93C393DAEB64}" type="pres">
+      <dgm:prSet presAssocID="{F9322AD3-6545-4F86-8FE9-9899289DD115}" presName="negativeSpace" presStyleCnt="0"/>
+      <dgm:spPr/>
+    </dgm:pt>
+    <dgm:pt modelId="{8AD1677D-A106-46FB-8684-F75D39A75047}" type="pres">
+      <dgm:prSet presAssocID="{F9322AD3-6545-4F86-8FE9-9899289DD115}" presName="childText" presStyleLbl="conFgAcc1" presStyleIdx="0" presStyleCnt="4">
+        <dgm:presLayoutVars>
+          <dgm:bulletEnabled val="1"/>
+        </dgm:presLayoutVars>
+      </dgm:prSet>
+      <dgm:spPr/>
+    </dgm:pt>
+    <dgm:pt modelId="{70B7CFA5-192F-49E9-8AD0-B5EA271F8EBF}" type="pres">
+      <dgm:prSet presAssocID="{1784F244-2881-40FE-9D38-956C7996FB54}" presName="spaceBetweenRectangles" presStyleCnt="0"/>
+      <dgm:spPr/>
+    </dgm:pt>
+    <dgm:pt modelId="{91129F11-7B91-4C4B-B801-6E11946147A9}" type="pres">
+      <dgm:prSet presAssocID="{FF2CEFE8-2A45-448E-AF2C-556EFEB1BADC}" presName="parentLin" presStyleCnt="0"/>
+      <dgm:spPr/>
+    </dgm:pt>
+    <dgm:pt modelId="{9AC6339C-9867-4AC1-BE3A-2B9535E9236E}" type="pres">
+      <dgm:prSet presAssocID="{FF2CEFE8-2A45-448E-AF2C-556EFEB1BADC}" presName="parentLeftMargin" presStyleLbl="node1" presStyleIdx="0" presStyleCnt="4"/>
+      <dgm:spPr/>
+    </dgm:pt>
+    <dgm:pt modelId="{39772E0E-CD10-4C37-BF11-9E7DE4FB64A8}" type="pres">
+      <dgm:prSet presAssocID="{FF2CEFE8-2A45-448E-AF2C-556EFEB1BADC}" presName="parentText" presStyleLbl="node1" presStyleIdx="1" presStyleCnt="4">
+        <dgm:presLayoutVars>
+          <dgm:chMax val="0"/>
+          <dgm:bulletEnabled val="1"/>
+        </dgm:presLayoutVars>
+      </dgm:prSet>
+      <dgm:spPr/>
+    </dgm:pt>
+    <dgm:pt modelId="{8A335304-4173-4781-88CB-86BD425E1EFC}" type="pres">
+      <dgm:prSet presAssocID="{FF2CEFE8-2A45-448E-AF2C-556EFEB1BADC}" presName="negativeSpace" presStyleCnt="0"/>
+      <dgm:spPr/>
+    </dgm:pt>
+    <dgm:pt modelId="{D7956049-55E3-451B-A513-0D58CE325CD5}" type="pres">
+      <dgm:prSet presAssocID="{FF2CEFE8-2A45-448E-AF2C-556EFEB1BADC}" presName="childText" presStyleLbl="conFgAcc1" presStyleIdx="1" presStyleCnt="4">
+        <dgm:presLayoutVars>
+          <dgm:bulletEnabled val="1"/>
+        </dgm:presLayoutVars>
+      </dgm:prSet>
+      <dgm:spPr/>
+    </dgm:pt>
+    <dgm:pt modelId="{C453B84B-5D7B-4263-9FEC-16483FBF9C7F}" type="pres">
+      <dgm:prSet presAssocID="{AD22B51C-0EC9-461B-8143-5C1012D32B98}" presName="spaceBetweenRectangles" presStyleCnt="0"/>
+      <dgm:spPr/>
+    </dgm:pt>
+    <dgm:pt modelId="{727D6F35-C5AF-4553-B1B8-38B8C0AC799F}" type="pres">
+      <dgm:prSet presAssocID="{D88B17A4-4A12-4B31-B6CF-8B4128404453}" presName="parentLin" presStyleCnt="0"/>
+      <dgm:spPr/>
+    </dgm:pt>
+    <dgm:pt modelId="{DAA1FA5E-9F9A-4D24-A3DA-D4382B329730}" type="pres">
+      <dgm:prSet presAssocID="{D88B17A4-4A12-4B31-B6CF-8B4128404453}" presName="parentLeftMargin" presStyleLbl="node1" presStyleIdx="1" presStyleCnt="4"/>
+      <dgm:spPr/>
+    </dgm:pt>
+    <dgm:pt modelId="{2D07AD0E-69BF-494B-B33B-DBFEF8BC44DB}" type="pres">
+      <dgm:prSet presAssocID="{D88B17A4-4A12-4B31-B6CF-8B4128404453}" presName="parentText" presStyleLbl="node1" presStyleIdx="2" presStyleCnt="4">
+        <dgm:presLayoutVars>
+          <dgm:chMax val="0"/>
+          <dgm:bulletEnabled val="1"/>
+        </dgm:presLayoutVars>
+      </dgm:prSet>
+      <dgm:spPr/>
+    </dgm:pt>
+    <dgm:pt modelId="{D1C686C3-F21D-4804-9D5D-5772CA3B5662}" type="pres">
+      <dgm:prSet presAssocID="{D88B17A4-4A12-4B31-B6CF-8B4128404453}" presName="negativeSpace" presStyleCnt="0"/>
+      <dgm:spPr/>
+    </dgm:pt>
+    <dgm:pt modelId="{9B2E5935-4387-40B5-821B-9FF9BF161F41}" type="pres">
+      <dgm:prSet presAssocID="{D88B17A4-4A12-4B31-B6CF-8B4128404453}" presName="childText" presStyleLbl="conFgAcc1" presStyleIdx="2" presStyleCnt="4">
+        <dgm:presLayoutVars>
+          <dgm:bulletEnabled val="1"/>
+        </dgm:presLayoutVars>
+      </dgm:prSet>
+      <dgm:spPr/>
+    </dgm:pt>
+    <dgm:pt modelId="{298731B9-4106-4EC3-ACA7-569727326EAA}" type="pres">
+      <dgm:prSet presAssocID="{7C4DAAEE-E09E-4CE6-A38B-758C9B3C2B06}" presName="spaceBetweenRectangles" presStyleCnt="0"/>
+      <dgm:spPr/>
+    </dgm:pt>
+    <dgm:pt modelId="{753685EE-96DD-4667-9049-2F386C133EDC}" type="pres">
+      <dgm:prSet presAssocID="{10323DB6-22BF-41EE-8A4D-DA8F1DB473EE}" presName="parentLin" presStyleCnt="0"/>
+      <dgm:spPr/>
+    </dgm:pt>
+    <dgm:pt modelId="{5147FEF8-8844-44CB-B39F-E3235052E741}" type="pres">
+      <dgm:prSet presAssocID="{10323DB6-22BF-41EE-8A4D-DA8F1DB473EE}" presName="parentLeftMargin" presStyleLbl="node1" presStyleIdx="2" presStyleCnt="4"/>
+      <dgm:spPr/>
+    </dgm:pt>
+    <dgm:pt modelId="{A2213CB7-E749-4016-BFBB-CC432863A733}" type="pres">
+      <dgm:prSet presAssocID="{10323DB6-22BF-41EE-8A4D-DA8F1DB473EE}" presName="parentText" presStyleLbl="node1" presStyleIdx="3" presStyleCnt="4">
+        <dgm:presLayoutVars>
+          <dgm:chMax val="0"/>
+          <dgm:bulletEnabled val="1"/>
+        </dgm:presLayoutVars>
+      </dgm:prSet>
+      <dgm:spPr/>
+    </dgm:pt>
+    <dgm:pt modelId="{C03E9EE5-CBF8-4FB8-8168-546152645F7F}" type="pres">
+      <dgm:prSet presAssocID="{10323DB6-22BF-41EE-8A4D-DA8F1DB473EE}" presName="negativeSpace" presStyleCnt="0"/>
+      <dgm:spPr/>
+    </dgm:pt>
+    <dgm:pt modelId="{B536A3C2-D640-47C2-BFA7-AB7E03EC0B11}" type="pres">
+      <dgm:prSet presAssocID="{10323DB6-22BF-41EE-8A4D-DA8F1DB473EE}" presName="childText" presStyleLbl="conFgAcc1" presStyleIdx="3" presStyleCnt="4">
+        <dgm:presLayoutVars>
+          <dgm:bulletEnabled val="1"/>
+        </dgm:presLayoutVars>
+      </dgm:prSet>
+      <dgm:spPr/>
+    </dgm:pt>
+  </dgm:ptLst>
+  <dgm:cxnLst>
+    <dgm:cxn modelId="{A8E4DE0A-487D-4FBD-B848-29E81B5E1095}" srcId="{FF2CEFE8-2A45-448E-AF2C-556EFEB1BADC}" destId="{BBA04DFE-A438-4C09-A5C4-895047DEF8E8}" srcOrd="0" destOrd="0" parTransId="{B89EC8FC-E60A-4777-8887-5D44DACAFC21}" sibTransId="{0AACE67B-890F-4F37-B692-46CF0EF6E6E9}"/>
+    <dgm:cxn modelId="{D8B49A0F-4DCF-429D-9D90-6A41703A824F}" srcId="{D88B17A4-4A12-4B31-B6CF-8B4128404453}" destId="{02152D2A-8011-4221-85AC-BF579A13CB4A}" srcOrd="1" destOrd="0" parTransId="{7E58ACD6-4003-419C-81E9-FF27E93C80C2}" sibTransId="{638E9F8F-8F33-4F09-A536-6A64E2AC455D}"/>
+    <dgm:cxn modelId="{DD95DC15-635D-4DD3-B191-D42724CD8C38}" srcId="{8364409A-3AAC-420E-898A-0FD041D8AADF}" destId="{D88B17A4-4A12-4B31-B6CF-8B4128404453}" srcOrd="2" destOrd="0" parTransId="{B87D0352-C0CB-41D3-99F7-0681E502AE70}" sibTransId="{7C4DAAEE-E09E-4CE6-A38B-758C9B3C2B06}"/>
+    <dgm:cxn modelId="{25954F44-0CCC-499F-A130-87C5B89421B1}" type="presOf" srcId="{8364409A-3AAC-420E-898A-0FD041D8AADF}" destId="{B3C66F15-DED5-4BE1-A7B4-7589115C6BE8}" srcOrd="0" destOrd="0" presId="urn:microsoft.com/office/officeart/2005/8/layout/list1"/>
+    <dgm:cxn modelId="{5C06A247-E0B4-4B59-BB6B-B87C6CDAEB77}" srcId="{D88B17A4-4A12-4B31-B6CF-8B4128404453}" destId="{9829B21E-207E-4F00-86F4-F679F866D780}" srcOrd="0" destOrd="0" parTransId="{506F0043-E122-4C08-96AC-3F008E12B7A8}" sibTransId="{22A05767-0CB8-45EC-81F8-71F6A18A690D}"/>
+    <dgm:cxn modelId="{88F5346C-EC3A-439D-BCB0-F8C8FB406D75}" srcId="{10323DB6-22BF-41EE-8A4D-DA8F1DB473EE}" destId="{7C96BE03-5AF0-43EF-AD36-BFC4F6E54930}" srcOrd="1" destOrd="0" parTransId="{EC8772C1-9611-4C08-8A8A-287526823339}" sibTransId="{1D26CEC1-2EB4-43EB-A981-C8F2651A01E8}"/>
+    <dgm:cxn modelId="{FA63CC6D-0B43-4B44-915E-4CD0D6E2DFAE}" type="presOf" srcId="{10323DB6-22BF-41EE-8A4D-DA8F1DB473EE}" destId="{5147FEF8-8844-44CB-B39F-E3235052E741}" srcOrd="0" destOrd="0" presId="urn:microsoft.com/office/officeart/2005/8/layout/list1"/>
+    <dgm:cxn modelId="{7CD24871-3678-43E8-8B5A-29E6D3C25AA8}" type="presOf" srcId="{7C96BE03-5AF0-43EF-AD36-BFC4F6E54930}" destId="{B536A3C2-D640-47C2-BFA7-AB7E03EC0B11}" srcOrd="0" destOrd="1" presId="urn:microsoft.com/office/officeart/2005/8/layout/list1"/>
+    <dgm:cxn modelId="{45E79F52-4310-49FE-A01A-FC4A86A698AD}" type="presOf" srcId="{D88B17A4-4A12-4B31-B6CF-8B4128404453}" destId="{DAA1FA5E-9F9A-4D24-A3DA-D4382B329730}" srcOrd="0" destOrd="0" presId="urn:microsoft.com/office/officeart/2005/8/layout/list1"/>
+    <dgm:cxn modelId="{10BAD655-144E-4077-8F25-92E60210EBA7}" type="presOf" srcId="{BBA04DFE-A438-4C09-A5C4-895047DEF8E8}" destId="{D7956049-55E3-451B-A513-0D58CE325CD5}" srcOrd="0" destOrd="0" presId="urn:microsoft.com/office/officeart/2005/8/layout/list1"/>
+    <dgm:cxn modelId="{846D447A-EBBC-43DD-9A84-692E9C30DF13}" srcId="{8364409A-3AAC-420E-898A-0FD041D8AADF}" destId="{10323DB6-22BF-41EE-8A4D-DA8F1DB473EE}" srcOrd="3" destOrd="0" parTransId="{BE89A06C-E70F-4C5D-A0B0-A299BCDB7737}" sibTransId="{EC9FA768-7694-49E6-9369-3E5C2F8FF34E}"/>
+    <dgm:cxn modelId="{FBEB6093-CE82-4361-80B9-C9BC756C4968}" srcId="{10323DB6-22BF-41EE-8A4D-DA8F1DB473EE}" destId="{EA58DFA3-4FD5-4D8D-9896-8EB1486CD887}" srcOrd="0" destOrd="0" parTransId="{9A925070-C91B-4BAE-B004-4254F3369EE8}" sibTransId="{2B4BDFA4-4356-4E69-A644-E95F4ED38EF8}"/>
+    <dgm:cxn modelId="{077346A1-58A5-4CAA-B885-EE7382FB3611}" srcId="{8364409A-3AAC-420E-898A-0FD041D8AADF}" destId="{F9322AD3-6545-4F86-8FE9-9899289DD115}" srcOrd="0" destOrd="0" parTransId="{F5985E45-BF2B-4C10-805F-6C9F357D30FE}" sibTransId="{1784F244-2881-40FE-9D38-956C7996FB54}"/>
+    <dgm:cxn modelId="{78CADEA2-57FB-4F85-8992-C62851948147}" type="presOf" srcId="{FF2CEFE8-2A45-448E-AF2C-556EFEB1BADC}" destId="{9AC6339C-9867-4AC1-BE3A-2B9535E9236E}" srcOrd="0" destOrd="0" presId="urn:microsoft.com/office/officeart/2005/8/layout/list1"/>
+    <dgm:cxn modelId="{7E5FFBA2-DC3F-4F29-A180-2439A40E361A}" type="presOf" srcId="{02152D2A-8011-4221-85AC-BF579A13CB4A}" destId="{9B2E5935-4387-40B5-821B-9FF9BF161F41}" srcOrd="0" destOrd="1" presId="urn:microsoft.com/office/officeart/2005/8/layout/list1"/>
+    <dgm:cxn modelId="{83B67AA5-B427-4FC7-AA1E-8A40DA64D3BA}" type="presOf" srcId="{EA58DFA3-4FD5-4D8D-9896-8EB1486CD887}" destId="{B536A3C2-D640-47C2-BFA7-AB7E03EC0B11}" srcOrd="0" destOrd="0" presId="urn:microsoft.com/office/officeart/2005/8/layout/list1"/>
+    <dgm:cxn modelId="{A6CD15B0-7F33-48AF-9226-C55F29DA595E}" type="presOf" srcId="{F9322AD3-6545-4F86-8FE9-9899289DD115}" destId="{926010BB-8F23-499A-8FC7-8D423D9E5BE5}" srcOrd="1" destOrd="0" presId="urn:microsoft.com/office/officeart/2005/8/layout/list1"/>
+    <dgm:cxn modelId="{396200C5-08F1-4B29-8F44-104844555616}" srcId="{8364409A-3AAC-420E-898A-0FD041D8AADF}" destId="{FF2CEFE8-2A45-448E-AF2C-556EFEB1BADC}" srcOrd="1" destOrd="0" parTransId="{BF315CB4-8A26-4715-8458-8722540152C5}" sibTransId="{AD22B51C-0EC9-461B-8143-5C1012D32B98}"/>
+    <dgm:cxn modelId="{CF424FC6-1FBB-4C63-B9A7-72978377983D}" type="presOf" srcId="{F9322AD3-6545-4F86-8FE9-9899289DD115}" destId="{8B608CDC-7DC9-479E-B355-736EEE9FB480}" srcOrd="0" destOrd="0" presId="urn:microsoft.com/office/officeart/2005/8/layout/list1"/>
+    <dgm:cxn modelId="{E1E014C8-BB5B-470F-A415-10C01FB61A4D}" srcId="{FF2CEFE8-2A45-448E-AF2C-556EFEB1BADC}" destId="{4130B4C0-F93E-4873-A5EE-8BA6FC5F16D6}" srcOrd="1" destOrd="0" parTransId="{110D216F-126D-4CC6-AAF5-ECE21260162B}" sibTransId="{DDE3F206-8A5C-43D1-A93B-C8338856ECA0}"/>
+    <dgm:cxn modelId="{9B4111CA-B7B0-4EEB-9FF3-2574811433F8}" type="presOf" srcId="{4130B4C0-F93E-4873-A5EE-8BA6FC5F16D6}" destId="{D7956049-55E3-451B-A513-0D58CE325CD5}" srcOrd="0" destOrd="1" presId="urn:microsoft.com/office/officeart/2005/8/layout/list1"/>
+    <dgm:cxn modelId="{228D0BE5-56E4-4047-9E9A-B215A17A308C}" type="presOf" srcId="{10323DB6-22BF-41EE-8A4D-DA8F1DB473EE}" destId="{A2213CB7-E749-4016-BFBB-CC432863A733}" srcOrd="1" destOrd="0" presId="urn:microsoft.com/office/officeart/2005/8/layout/list1"/>
+    <dgm:cxn modelId="{F3739DEB-C13D-465F-9043-92F93EB167CD}" type="presOf" srcId="{D88B17A4-4A12-4B31-B6CF-8B4128404453}" destId="{2D07AD0E-69BF-494B-B33B-DBFEF8BC44DB}" srcOrd="1" destOrd="0" presId="urn:microsoft.com/office/officeart/2005/8/layout/list1"/>
+    <dgm:cxn modelId="{0C6782ED-AA8E-4AF6-8AE5-E3A08437F062}" type="presOf" srcId="{FF2CEFE8-2A45-448E-AF2C-556EFEB1BADC}" destId="{39772E0E-CD10-4C37-BF11-9E7DE4FB64A8}" srcOrd="1" destOrd="0" presId="urn:microsoft.com/office/officeart/2005/8/layout/list1"/>
+    <dgm:cxn modelId="{B51266F1-BADE-4536-BA2F-DAD81FEF36A0}" type="presOf" srcId="{9829B21E-207E-4F00-86F4-F679F866D780}" destId="{9B2E5935-4387-40B5-821B-9FF9BF161F41}" srcOrd="0" destOrd="0" presId="urn:microsoft.com/office/officeart/2005/8/layout/list1"/>
+    <dgm:cxn modelId="{BC52C9B1-C0BF-4D06-9A37-3652A82D737F}" type="presParOf" srcId="{B3C66F15-DED5-4BE1-A7B4-7589115C6BE8}" destId="{BFCE9384-8E37-49AB-885F-5F25EE3A9996}" srcOrd="0" destOrd="0" presId="urn:microsoft.com/office/officeart/2005/8/layout/list1"/>
+    <dgm:cxn modelId="{9A07F147-1481-4585-A56C-129BC38FE5F8}" type="presParOf" srcId="{BFCE9384-8E37-49AB-885F-5F25EE3A9996}" destId="{8B608CDC-7DC9-479E-B355-736EEE9FB480}" srcOrd="0" destOrd="0" presId="urn:microsoft.com/office/officeart/2005/8/layout/list1"/>
+    <dgm:cxn modelId="{D2026060-A6FA-4575-8627-EA8751E59931}" type="presParOf" srcId="{BFCE9384-8E37-49AB-885F-5F25EE3A9996}" destId="{926010BB-8F23-499A-8FC7-8D423D9E5BE5}" srcOrd="1" destOrd="0" presId="urn:microsoft.com/office/officeart/2005/8/layout/list1"/>
+    <dgm:cxn modelId="{A85E8E95-D2F0-415B-AFAA-3952559ED825}" type="presParOf" srcId="{B3C66F15-DED5-4BE1-A7B4-7589115C6BE8}" destId="{24F252CC-F8ED-4A45-AB48-93C393DAEB64}" srcOrd="1" destOrd="0" presId="urn:microsoft.com/office/officeart/2005/8/layout/list1"/>
+    <dgm:cxn modelId="{7552C7F1-BA57-4C31-B4C4-46C11B37FFC7}" type="presParOf" srcId="{B3C66F15-DED5-4BE1-A7B4-7589115C6BE8}" destId="{8AD1677D-A106-46FB-8684-F75D39A75047}" srcOrd="2" destOrd="0" presId="urn:microsoft.com/office/officeart/2005/8/layout/list1"/>
+    <dgm:cxn modelId="{1EFE2CCA-BB9E-4BB5-841F-6F0B44A1AF90}" type="presParOf" srcId="{B3C66F15-DED5-4BE1-A7B4-7589115C6BE8}" destId="{70B7CFA5-192F-49E9-8AD0-B5EA271F8EBF}" srcOrd="3" destOrd="0" presId="urn:microsoft.com/office/officeart/2005/8/layout/list1"/>
+    <dgm:cxn modelId="{9B54FF79-19A8-4143-87DA-D118C7A38FC7}" type="presParOf" srcId="{B3C66F15-DED5-4BE1-A7B4-7589115C6BE8}" destId="{91129F11-7B91-4C4B-B801-6E11946147A9}" srcOrd="4" destOrd="0" presId="urn:microsoft.com/office/officeart/2005/8/layout/list1"/>
+    <dgm:cxn modelId="{6348FBFC-98C8-4A18-82B5-1033BE8DF90B}" type="presParOf" srcId="{91129F11-7B91-4C4B-B801-6E11946147A9}" destId="{9AC6339C-9867-4AC1-BE3A-2B9535E9236E}" srcOrd="0" destOrd="0" presId="urn:microsoft.com/office/officeart/2005/8/layout/list1"/>
+    <dgm:cxn modelId="{E9059A9F-24E3-4D9A-8579-36BF759884D9}" type="presParOf" srcId="{91129F11-7B91-4C4B-B801-6E11946147A9}" destId="{39772E0E-CD10-4C37-BF11-9E7DE4FB64A8}" srcOrd="1" destOrd="0" presId="urn:microsoft.com/office/officeart/2005/8/layout/list1"/>
+    <dgm:cxn modelId="{7B45FEA5-A868-4D86-AD98-4E64B93CE38F}" type="presParOf" srcId="{B3C66F15-DED5-4BE1-A7B4-7589115C6BE8}" destId="{8A335304-4173-4781-88CB-86BD425E1EFC}" srcOrd="5" destOrd="0" presId="urn:microsoft.com/office/officeart/2005/8/layout/list1"/>
+    <dgm:cxn modelId="{63218D02-C89E-42CF-81BF-4CAA57082758}" type="presParOf" srcId="{B3C66F15-DED5-4BE1-A7B4-7589115C6BE8}" destId="{D7956049-55E3-451B-A513-0D58CE325CD5}" srcOrd="6" destOrd="0" presId="urn:microsoft.com/office/officeart/2005/8/layout/list1"/>
+    <dgm:cxn modelId="{6E88109E-8540-4F2C-8619-30C1AB0E8CEB}" type="presParOf" srcId="{B3C66F15-DED5-4BE1-A7B4-7589115C6BE8}" destId="{C453B84B-5D7B-4263-9FEC-16483FBF9C7F}" srcOrd="7" destOrd="0" presId="urn:microsoft.com/office/officeart/2005/8/layout/list1"/>
+    <dgm:cxn modelId="{4A6C29FA-EB57-4E5A-9AD4-3BDF78F75613}" type="presParOf" srcId="{B3C66F15-DED5-4BE1-A7B4-7589115C6BE8}" destId="{727D6F35-C5AF-4553-B1B8-38B8C0AC799F}" srcOrd="8" destOrd="0" presId="urn:microsoft.com/office/officeart/2005/8/layout/list1"/>
+    <dgm:cxn modelId="{088DCAD8-117B-4C5B-8B5F-1A95D877EACD}" type="presParOf" srcId="{727D6F35-C5AF-4553-B1B8-38B8C0AC799F}" destId="{DAA1FA5E-9F9A-4D24-A3DA-D4382B329730}" srcOrd="0" destOrd="0" presId="urn:microsoft.com/office/officeart/2005/8/layout/list1"/>
+    <dgm:cxn modelId="{69C572D2-5DB6-499A-B795-58B620C89BC8}" type="presParOf" srcId="{727D6F35-C5AF-4553-B1B8-38B8C0AC799F}" destId="{2D07AD0E-69BF-494B-B33B-DBFEF8BC44DB}" srcOrd="1" destOrd="0" presId="urn:microsoft.com/office/officeart/2005/8/layout/list1"/>
+    <dgm:cxn modelId="{E6ECC86B-F7FA-4210-8249-C4183F289272}" type="presParOf" srcId="{B3C66F15-DED5-4BE1-A7B4-7589115C6BE8}" destId="{D1C686C3-F21D-4804-9D5D-5772CA3B5662}" srcOrd="9" destOrd="0" presId="urn:microsoft.com/office/officeart/2005/8/layout/list1"/>
+    <dgm:cxn modelId="{CC36E1C5-F82E-4E94-8181-05129F289817}" type="presParOf" srcId="{B3C66F15-DED5-4BE1-A7B4-7589115C6BE8}" destId="{9B2E5935-4387-40B5-821B-9FF9BF161F41}" srcOrd="10" destOrd="0" presId="urn:microsoft.com/office/officeart/2005/8/layout/list1"/>
+    <dgm:cxn modelId="{5E85ED07-781A-4E1B-B8E2-7F4501BBFD41}" type="presParOf" srcId="{B3C66F15-DED5-4BE1-A7B4-7589115C6BE8}" destId="{298731B9-4106-4EC3-ACA7-569727326EAA}" srcOrd="11" destOrd="0" presId="urn:microsoft.com/office/officeart/2005/8/layout/list1"/>
+    <dgm:cxn modelId="{5641A3F7-8F7A-42B9-9F80-B8F9DCD257B4}" type="presParOf" srcId="{B3C66F15-DED5-4BE1-A7B4-7589115C6BE8}" destId="{753685EE-96DD-4667-9049-2F386C133EDC}" srcOrd="12" destOrd="0" presId="urn:microsoft.com/office/officeart/2005/8/layout/list1"/>
+    <dgm:cxn modelId="{B340C6EC-9DAF-4368-89B2-97FAAC413560}" type="presParOf" srcId="{753685EE-96DD-4667-9049-2F386C133EDC}" destId="{5147FEF8-8844-44CB-B39F-E3235052E741}" srcOrd="0" destOrd="0" presId="urn:microsoft.com/office/officeart/2005/8/layout/list1"/>
+    <dgm:cxn modelId="{C43DACC1-DAFC-4109-AFE7-0C7B1EA8A260}" type="presParOf" srcId="{753685EE-96DD-4667-9049-2F386C133EDC}" destId="{A2213CB7-E749-4016-BFBB-CC432863A733}" srcOrd="1" destOrd="0" presId="urn:microsoft.com/office/officeart/2005/8/layout/list1"/>
+    <dgm:cxn modelId="{000BFAC9-57AA-46B2-9BE1-9E084532875C}" type="presParOf" srcId="{B3C66F15-DED5-4BE1-A7B4-7589115C6BE8}" destId="{C03E9EE5-CBF8-4FB8-8168-546152645F7F}" srcOrd="13" destOrd="0" presId="urn:microsoft.com/office/officeart/2005/8/layout/list1"/>
+    <dgm:cxn modelId="{333718CC-7414-424A-B8C9-83E378C2CDD7}" type="presParOf" srcId="{B3C66F15-DED5-4BE1-A7B4-7589115C6BE8}" destId="{B536A3C2-D640-47C2-BFA7-AB7E03EC0B11}" srcOrd="14" destOrd="0" presId="urn:microsoft.com/office/officeart/2005/8/layout/list1"/>
+  </dgm:cxnLst>
+  <dgm:bg/>
+  <dgm:whole/>
+  <dgm:extLst>
+    <a:ext uri="http://schemas.microsoft.com/office/drawing/2008/diagram">
+      <dsp:dataModelExt xmlns:dsp="http://schemas.microsoft.com/office/drawing/2008/diagram" relId="rId6" minVer="http://schemas.openxmlformats.org/drawingml/2006/diagram"/>
+    </a:ext>
+  </dgm:extLst>
+</dgm:dataModel>
+</file>
+
+<file path=ppt/diagrams/drawing1.xml><?xml version="1.0" encoding="utf-8"?>
+<dsp:drawing xmlns:dgm="http://schemas.openxmlformats.org/drawingml/2006/diagram" xmlns:dsp="http://schemas.microsoft.com/office/drawing/2008/diagram" xmlns:a="http://schemas.openxmlformats.org/drawingml/2006/main">
+  <dsp:spTree>
+    <dsp:nvGrpSpPr>
+      <dsp:cNvPr id="0" name=""/>
+      <dsp:cNvGrpSpPr/>
+    </dsp:nvGrpSpPr>
+    <dsp:grpSpPr/>
+    <dsp:sp modelId="{E7B26BED-95CD-4CC2-A4CE-C5CA6A3EDBFA}">
+      <dsp:nvSpPr>
+        <dsp:cNvPr id="0" name=""/>
+        <dsp:cNvSpPr/>
+      </dsp:nvSpPr>
+      <dsp:spPr>
+        <a:xfrm>
+          <a:off x="0" y="3591"/>
+          <a:ext cx="6513603" cy="1258393"/>
+        </a:xfrm>
+        <a:prstGeom prst="roundRect">
+          <a:avLst>
+            <a:gd name="adj" fmla="val 10000"/>
+          </a:avLst>
+        </a:prstGeom>
+        <a:solidFill>
+          <a:schemeClr val="bg1">
+            <a:lumMod val="95000"/>
+            <a:hueOff val="0"/>
+            <a:satOff val="0"/>
+            <a:lumOff val="0"/>
+            <a:alphaOff val="0"/>
+          </a:schemeClr>
+        </a:solidFill>
+        <a:ln>
+          <a:noFill/>
+        </a:ln>
+        <a:effectLst/>
+      </dsp:spPr>
+      <dsp:style>
+        <a:lnRef idx="0">
+          <a:scrgbClr r="0" g="0" b="0"/>
+        </a:lnRef>
+        <a:fillRef idx="1">
+          <a:scrgbClr r="0" g="0" b="0"/>
+        </a:fillRef>
+        <a:effectRef idx="0">
+          <a:scrgbClr r="0" g="0" b="0"/>
+        </a:effectRef>
+        <a:fontRef idx="minor"/>
+      </dsp:style>
+    </dsp:sp>
+    <dsp:sp modelId="{6B86FF98-BE27-4AAF-A719-196173CBDD00}">
+      <dsp:nvSpPr>
+        <dsp:cNvPr id="0" name=""/>
+        <dsp:cNvSpPr/>
+      </dsp:nvSpPr>
+      <dsp:spPr>
+        <a:xfrm>
+          <a:off x="380664" y="286729"/>
+          <a:ext cx="692792" cy="692116"/>
+        </a:xfrm>
+        <a:prstGeom prst="rect">
+          <a:avLst/>
+        </a:prstGeom>
+        <a:blipFill>
+          <a:blip xmlns:r="http://schemas.openxmlformats.org/officeDocument/2006/relationships" r:embed="rId1">
+            <a:extLst>
+              <a:ext uri="{28A0092B-C50C-407E-A947-70E740481C1C}">
+                <a14:useLocalDpi xmlns:a14="http://schemas.microsoft.com/office/drawing/2010/main" val="0"/>
+              </a:ext>
+              <a:ext uri="{96DAC541-7B7A-43D3-8B79-37D633B846F1}">
+                <asvg:svgBlip xmlns:asvg="http://schemas.microsoft.com/office/drawing/2016/SVG/main" r:embed="rId2"/>
+              </a:ext>
+            </a:extLst>
+          </a:blip>
+          <a:stretch>
+            <a:fillRect/>
+          </a:stretch>
+        </a:blipFill>
+        <a:ln w="12700" cap="flat" cmpd="sng" algn="ctr">
+          <a:noFill/>
+          <a:prstDash val="solid"/>
+          <a:miter lim="800000"/>
+        </a:ln>
+        <a:effectLst/>
+      </dsp:spPr>
+      <dsp:style>
+        <a:lnRef idx="2">
+          <a:scrgbClr r="0" g="0" b="0"/>
+        </a:lnRef>
+        <a:fillRef idx="1">
+          <a:scrgbClr r="0" g="0" b="0"/>
+        </a:fillRef>
+        <a:effectRef idx="0">
+          <a:scrgbClr r="0" g="0" b="0"/>
+        </a:effectRef>
+        <a:fontRef idx="minor">
+          <a:schemeClr val="lt1"/>
+        </a:fontRef>
+      </dsp:style>
+    </dsp:sp>
+    <dsp:sp modelId="{EB131649-0671-461C-A242-B92A9CF9FF4B}">
+      <dsp:nvSpPr>
+        <dsp:cNvPr id="0" name=""/>
+        <dsp:cNvSpPr/>
+      </dsp:nvSpPr>
+      <dsp:spPr>
+        <a:xfrm>
+          <a:off x="1454120" y="3591"/>
+          <a:ext cx="4658304" cy="1259623"/>
+        </a:xfrm>
+        <a:prstGeom prst="rect">
+          <a:avLst/>
+        </a:prstGeom>
+        <a:noFill/>
+        <a:ln>
+          <a:noFill/>
+        </a:ln>
+        <a:effectLst/>
+      </dsp:spPr>
+      <dsp:style>
+        <a:lnRef idx="0">
+          <a:scrgbClr r="0" g="0" b="0"/>
+        </a:lnRef>
+        <a:fillRef idx="0">
+          <a:scrgbClr r="0" g="0" b="0"/>
+        </a:fillRef>
+        <a:effectRef idx="0">
+          <a:scrgbClr r="0" g="0" b="0"/>
+        </a:effectRef>
+        <a:fontRef idx="minor"/>
+      </dsp:style>
+      <dsp:txBody>
+        <a:bodyPr spcFirstLastPara="0" vert="horz" wrap="square" lIns="133310" tIns="133310" rIns="133310" bIns="133310" numCol="1" spcCol="1270" anchor="ctr" anchorCtr="0">
+          <a:noAutofit/>
+        </a:bodyPr>
+        <a:lstStyle/>
+        <a:p>
+          <a:pPr marL="0" lvl="0" indent="0" algn="l" defTabSz="622300">
+            <a:lnSpc>
+              <a:spcPct val="100000"/>
+            </a:lnSpc>
+            <a:spcBef>
+              <a:spcPct val="0"/>
+            </a:spcBef>
+            <a:spcAft>
+              <a:spcPct val="35000"/>
+            </a:spcAft>
+            <a:buNone/>
+          </a:pPr>
+          <a:r>
+            <a:rPr lang="en-US" sz="1400" kern="1200"/>
+            <a:t>Descriptive vs Predictive:</a:t>
+          </a:r>
+        </a:p>
+        <a:p>
+          <a:pPr marL="0" lvl="0" indent="0" algn="l" defTabSz="622300">
+            <a:lnSpc>
+              <a:spcPct val="100000"/>
+            </a:lnSpc>
+            <a:spcBef>
+              <a:spcPct val="0"/>
+            </a:spcBef>
+            <a:spcAft>
+              <a:spcPct val="35000"/>
+            </a:spcAft>
+            <a:buNone/>
+          </a:pPr>
+          <a:r>
+            <a:rPr lang="en-US" sz="1400" kern="1200"/>
+            <a:t>	Predictive Analytics (predict conversion rate based on user data)</a:t>
+          </a:r>
+        </a:p>
+      </dsp:txBody>
+      <dsp:txXfrm>
+        <a:off x="1454120" y="3591"/>
+        <a:ext cx="4658304" cy="1259623"/>
+      </dsp:txXfrm>
+    </dsp:sp>
+    <dsp:sp modelId="{C293C3A7-273E-43FE-805F-3CF0D024A631}">
+      <dsp:nvSpPr>
+        <dsp:cNvPr id="0" name=""/>
+        <dsp:cNvSpPr/>
+      </dsp:nvSpPr>
+      <dsp:spPr>
+        <a:xfrm>
+          <a:off x="0" y="1543131"/>
+          <a:ext cx="6513603" cy="1258393"/>
+        </a:xfrm>
+        <a:prstGeom prst="roundRect">
+          <a:avLst>
+            <a:gd name="adj" fmla="val 10000"/>
+          </a:avLst>
+        </a:prstGeom>
+        <a:solidFill>
+          <a:schemeClr val="bg1">
+            <a:lumMod val="95000"/>
+            <a:hueOff val="0"/>
+            <a:satOff val="0"/>
+            <a:lumOff val="0"/>
+            <a:alphaOff val="0"/>
+          </a:schemeClr>
+        </a:solidFill>
+        <a:ln>
+          <a:noFill/>
+        </a:ln>
+        <a:effectLst/>
+      </dsp:spPr>
+      <dsp:style>
+        <a:lnRef idx="0">
+          <a:scrgbClr r="0" g="0" b="0"/>
+        </a:lnRef>
+        <a:fillRef idx="1">
+          <a:scrgbClr r="0" g="0" b="0"/>
+        </a:fillRef>
+        <a:effectRef idx="0">
+          <a:scrgbClr r="0" g="0" b="0"/>
+        </a:effectRef>
+        <a:fontRef idx="minor"/>
+      </dsp:style>
+    </dsp:sp>
+    <dsp:sp modelId="{5A5DDA73-E3E9-4BE1-AAAB-1C3E13CD0BFE}">
+      <dsp:nvSpPr>
+        <dsp:cNvPr id="0" name=""/>
+        <dsp:cNvSpPr/>
+      </dsp:nvSpPr>
+      <dsp:spPr>
+        <a:xfrm>
+          <a:off x="380664" y="1826269"/>
+          <a:ext cx="692792" cy="692116"/>
+        </a:xfrm>
+        <a:prstGeom prst="rect">
+          <a:avLst/>
+        </a:prstGeom>
+        <a:blipFill>
+          <a:blip xmlns:r="http://schemas.openxmlformats.org/officeDocument/2006/relationships" r:embed="rId3">
+            <a:extLst>
+              <a:ext uri="{28A0092B-C50C-407E-A947-70E740481C1C}">
+                <a14:useLocalDpi xmlns:a14="http://schemas.microsoft.com/office/drawing/2010/main" val="0"/>
+              </a:ext>
+              <a:ext uri="{96DAC541-7B7A-43D3-8B79-37D633B846F1}">
+                <asvg:svgBlip xmlns:asvg="http://schemas.microsoft.com/office/drawing/2016/SVG/main" r:embed="rId4"/>
+              </a:ext>
+            </a:extLst>
+          </a:blip>
+          <a:stretch>
+            <a:fillRect/>
+          </a:stretch>
+        </a:blipFill>
+        <a:ln w="12700" cap="flat" cmpd="sng" algn="ctr">
+          <a:noFill/>
+          <a:prstDash val="solid"/>
+          <a:miter lim="800000"/>
+        </a:ln>
+        <a:effectLst/>
+      </dsp:spPr>
+      <dsp:style>
+        <a:lnRef idx="2">
+          <a:scrgbClr r="0" g="0" b="0"/>
+        </a:lnRef>
+        <a:fillRef idx="1">
+          <a:scrgbClr r="0" g="0" b="0"/>
+        </a:fillRef>
+        <a:effectRef idx="0">
+          <a:scrgbClr r="0" g="0" b="0"/>
+        </a:effectRef>
+        <a:fontRef idx="minor">
+          <a:schemeClr val="lt1"/>
+        </a:fontRef>
+      </dsp:style>
+    </dsp:sp>
+    <dsp:sp modelId="{D1BD9FB4-6DBD-49FE-845B-1FC09182B9E3}">
+      <dsp:nvSpPr>
+        <dsp:cNvPr id="0" name=""/>
+        <dsp:cNvSpPr/>
+      </dsp:nvSpPr>
+      <dsp:spPr>
+        <a:xfrm>
+          <a:off x="1454120" y="1543131"/>
+          <a:ext cx="4658304" cy="1259623"/>
+        </a:xfrm>
+        <a:prstGeom prst="rect">
+          <a:avLst/>
+        </a:prstGeom>
+        <a:noFill/>
+        <a:ln>
+          <a:noFill/>
+        </a:ln>
+        <a:effectLst/>
+      </dsp:spPr>
+      <dsp:style>
+        <a:lnRef idx="0">
+          <a:scrgbClr r="0" g="0" b="0"/>
+        </a:lnRef>
+        <a:fillRef idx="0">
+          <a:scrgbClr r="0" g="0" b="0"/>
+        </a:fillRef>
+        <a:effectRef idx="0">
+          <a:scrgbClr r="0" g="0" b="0"/>
+        </a:effectRef>
+        <a:fontRef idx="minor"/>
+      </dsp:style>
+      <dsp:txBody>
+        <a:bodyPr spcFirstLastPara="0" vert="horz" wrap="square" lIns="133310" tIns="133310" rIns="133310" bIns="133310" numCol="1" spcCol="1270" anchor="ctr" anchorCtr="0">
+          <a:noAutofit/>
+        </a:bodyPr>
+        <a:lstStyle/>
+        <a:p>
+          <a:pPr marL="0" lvl="0" indent="0" algn="l" defTabSz="622300">
+            <a:lnSpc>
+              <a:spcPct val="100000"/>
+            </a:lnSpc>
+            <a:spcBef>
+              <a:spcPct val="0"/>
+            </a:spcBef>
+            <a:spcAft>
+              <a:spcPct val="35000"/>
+            </a:spcAft>
+            <a:buNone/>
+          </a:pPr>
+          <a:r>
+            <a:rPr lang="en-US" sz="1400" kern="1200" dirty="0"/>
+            <a:t>Type of Learning: </a:t>
+          </a:r>
+        </a:p>
+        <a:p>
+          <a:pPr marL="0" lvl="0" indent="0" algn="l" defTabSz="622300">
+            <a:lnSpc>
+              <a:spcPct val="100000"/>
+            </a:lnSpc>
+            <a:spcBef>
+              <a:spcPct val="0"/>
+            </a:spcBef>
+            <a:spcAft>
+              <a:spcPct val="35000"/>
+            </a:spcAft>
+            <a:buNone/>
+          </a:pPr>
+          <a:r>
+            <a:rPr lang="en-US" sz="1400" kern="1200" dirty="0"/>
+            <a:t>	Supervised Learning (Target variable ‘trial’ in Sample)</a:t>
+          </a:r>
+        </a:p>
+      </dsp:txBody>
+      <dsp:txXfrm>
+        <a:off x="1454120" y="1543131"/>
+        <a:ext cx="4658304" cy="1259623"/>
+      </dsp:txXfrm>
+    </dsp:sp>
+    <dsp:sp modelId="{B1ED75C0-863A-4637-AB60-A9E7C795346A}">
+      <dsp:nvSpPr>
+        <dsp:cNvPr id="0" name=""/>
+        <dsp:cNvSpPr/>
+      </dsp:nvSpPr>
+      <dsp:spPr>
+        <a:xfrm>
+          <a:off x="0" y="3082671"/>
+          <a:ext cx="6513603" cy="1258393"/>
+        </a:xfrm>
+        <a:prstGeom prst="roundRect">
+          <a:avLst>
+            <a:gd name="adj" fmla="val 10000"/>
+          </a:avLst>
+        </a:prstGeom>
+        <a:solidFill>
+          <a:schemeClr val="bg1">
+            <a:lumMod val="95000"/>
+            <a:hueOff val="0"/>
+            <a:satOff val="0"/>
+            <a:lumOff val="0"/>
+            <a:alphaOff val="0"/>
+          </a:schemeClr>
+        </a:solidFill>
+        <a:ln>
+          <a:noFill/>
+        </a:ln>
+        <a:effectLst/>
+      </dsp:spPr>
+      <dsp:style>
+        <a:lnRef idx="0">
+          <a:scrgbClr r="0" g="0" b="0"/>
+        </a:lnRef>
+        <a:fillRef idx="1">
+          <a:scrgbClr r="0" g="0" b="0"/>
+        </a:fillRef>
+        <a:effectRef idx="0">
+          <a:scrgbClr r="0" g="0" b="0"/>
+        </a:effectRef>
+        <a:fontRef idx="minor"/>
+      </dsp:style>
+    </dsp:sp>
+    <dsp:sp modelId="{7F4CDF3C-1ADD-4CC3-939E-1EBC94573962}">
+      <dsp:nvSpPr>
+        <dsp:cNvPr id="0" name=""/>
+        <dsp:cNvSpPr/>
+      </dsp:nvSpPr>
+      <dsp:spPr>
+        <a:xfrm>
+          <a:off x="380664" y="3365809"/>
+          <a:ext cx="692792" cy="692116"/>
+        </a:xfrm>
+        <a:prstGeom prst="rect">
+          <a:avLst/>
+        </a:prstGeom>
+        <a:blipFill>
+          <a:blip xmlns:r="http://schemas.openxmlformats.org/officeDocument/2006/relationships" r:embed="rId5">
+            <a:extLst>
+              <a:ext uri="{28A0092B-C50C-407E-A947-70E740481C1C}">
+                <a14:useLocalDpi xmlns:a14="http://schemas.microsoft.com/office/drawing/2010/main" val="0"/>
+              </a:ext>
+              <a:ext uri="{96DAC541-7B7A-43D3-8B79-37D633B846F1}">
+                <asvg:svgBlip xmlns:asvg="http://schemas.microsoft.com/office/drawing/2016/SVG/main" r:embed="rId6"/>
+              </a:ext>
+            </a:extLst>
+          </a:blip>
+          <a:stretch>
+            <a:fillRect/>
+          </a:stretch>
+        </a:blipFill>
+        <a:ln w="12700" cap="flat" cmpd="sng" algn="ctr">
+          <a:noFill/>
+          <a:prstDash val="solid"/>
+          <a:miter lim="800000"/>
+        </a:ln>
+        <a:effectLst/>
+      </dsp:spPr>
+      <dsp:style>
+        <a:lnRef idx="2">
+          <a:scrgbClr r="0" g="0" b="0"/>
+        </a:lnRef>
+        <a:fillRef idx="1">
+          <a:scrgbClr r="0" g="0" b="0"/>
+        </a:fillRef>
+        <a:effectRef idx="0">
+          <a:scrgbClr r="0" g="0" b="0"/>
+        </a:effectRef>
+        <a:fontRef idx="minor">
+          <a:schemeClr val="lt1"/>
+        </a:fontRef>
+      </dsp:style>
+    </dsp:sp>
+    <dsp:sp modelId="{C01E2338-D07B-48BB-989D-F677BD1BA27B}">
+      <dsp:nvSpPr>
+        <dsp:cNvPr id="0" name=""/>
+        <dsp:cNvSpPr/>
+      </dsp:nvSpPr>
+      <dsp:spPr>
+        <a:xfrm>
+          <a:off x="1454120" y="3082671"/>
+          <a:ext cx="4658304" cy="1259623"/>
+        </a:xfrm>
+        <a:prstGeom prst="rect">
+          <a:avLst/>
+        </a:prstGeom>
+        <a:noFill/>
+        <a:ln>
+          <a:noFill/>
+        </a:ln>
+        <a:effectLst/>
+      </dsp:spPr>
+      <dsp:style>
+        <a:lnRef idx="0">
+          <a:scrgbClr r="0" g="0" b="0"/>
+        </a:lnRef>
+        <a:fillRef idx="0">
+          <a:scrgbClr r="0" g="0" b="0"/>
+        </a:fillRef>
+        <a:effectRef idx="0">
+          <a:scrgbClr r="0" g="0" b="0"/>
+        </a:effectRef>
+        <a:fontRef idx="minor"/>
+      </dsp:style>
+      <dsp:txBody>
+        <a:bodyPr spcFirstLastPara="0" vert="horz" wrap="square" lIns="133310" tIns="133310" rIns="133310" bIns="133310" numCol="1" spcCol="1270" anchor="ctr" anchorCtr="0">
+          <a:noAutofit/>
+        </a:bodyPr>
+        <a:lstStyle/>
+        <a:p>
+          <a:pPr marL="0" lvl="0" indent="0" algn="l" defTabSz="622300">
+            <a:lnSpc>
+              <a:spcPct val="100000"/>
+            </a:lnSpc>
+            <a:spcBef>
+              <a:spcPct val="0"/>
+            </a:spcBef>
+            <a:spcAft>
+              <a:spcPct val="35000"/>
+            </a:spcAft>
+            <a:buNone/>
+          </a:pPr>
+          <a:r>
+            <a:rPr lang="en-US" sz="1400" kern="1200" dirty="0"/>
+            <a:t>Type of Analysis:</a:t>
+          </a:r>
+        </a:p>
+        <a:p>
+          <a:pPr marL="0" lvl="0" indent="0" algn="l" defTabSz="622300">
+            <a:lnSpc>
+              <a:spcPct val="100000"/>
+            </a:lnSpc>
+            <a:spcBef>
+              <a:spcPct val="0"/>
+            </a:spcBef>
+            <a:spcAft>
+              <a:spcPct val="35000"/>
+            </a:spcAft>
+            <a:buNone/>
+          </a:pPr>
+          <a:r>
+            <a:rPr lang="en-US" sz="1400" kern="1200" dirty="0"/>
+            <a:t>	Classification Analysis (Type of TV ‘trial’ is binary)</a:t>
+          </a:r>
+        </a:p>
+        <a:p>
+          <a:pPr marL="0" lvl="0" indent="0" algn="l" defTabSz="622300">
+            <a:lnSpc>
+              <a:spcPct val="100000"/>
+            </a:lnSpc>
+            <a:spcBef>
+              <a:spcPct val="0"/>
+            </a:spcBef>
+            <a:spcAft>
+              <a:spcPct val="35000"/>
+            </a:spcAft>
+            <a:buNone/>
+          </a:pPr>
+          <a:r>
+            <a:rPr lang="en-US" sz="1400" kern="1200" dirty="0"/>
+            <a:t>	Regression Analysis (Type of TV ‘conversion rate’ is continuous)</a:t>
+          </a:r>
+        </a:p>
+        <a:p>
+          <a:pPr marL="0" lvl="0" indent="0" algn="l" defTabSz="622300">
+            <a:lnSpc>
+              <a:spcPct val="100000"/>
+            </a:lnSpc>
+            <a:spcBef>
+              <a:spcPct val="0"/>
+            </a:spcBef>
+            <a:spcAft>
+              <a:spcPct val="35000"/>
+            </a:spcAft>
+            <a:buNone/>
+          </a:pPr>
+          <a:r>
+            <a:rPr lang="en-US" sz="1400" kern="1200" dirty="0"/>
+            <a:t>	Statistical Analysis (A/B Testing)</a:t>
+          </a:r>
+        </a:p>
+      </dsp:txBody>
+      <dsp:txXfrm>
+        <a:off x="1454120" y="3082671"/>
+        <a:ext cx="4658304" cy="1259623"/>
+      </dsp:txXfrm>
+    </dsp:sp>
+    <dsp:sp modelId="{0ABC3F87-9731-422C-9FDD-81ED4A28CE5B}">
+      <dsp:nvSpPr>
+        <dsp:cNvPr id="0" name=""/>
+        <dsp:cNvSpPr/>
+      </dsp:nvSpPr>
+      <dsp:spPr>
+        <a:xfrm>
+          <a:off x="0" y="4622211"/>
+          <a:ext cx="6513603" cy="1258393"/>
+        </a:xfrm>
+        <a:prstGeom prst="roundRect">
+          <a:avLst>
+            <a:gd name="adj" fmla="val 10000"/>
+          </a:avLst>
+        </a:prstGeom>
+        <a:solidFill>
+          <a:schemeClr val="bg1">
+            <a:lumMod val="95000"/>
+            <a:hueOff val="0"/>
+            <a:satOff val="0"/>
+            <a:lumOff val="0"/>
+            <a:alphaOff val="0"/>
+          </a:schemeClr>
+        </a:solidFill>
+        <a:ln>
+          <a:noFill/>
+        </a:ln>
+        <a:effectLst/>
+      </dsp:spPr>
+      <dsp:style>
+        <a:lnRef idx="0">
+          <a:scrgbClr r="0" g="0" b="0"/>
+        </a:lnRef>
+        <a:fillRef idx="1">
+          <a:scrgbClr r="0" g="0" b="0"/>
+        </a:fillRef>
+        <a:effectRef idx="0">
+          <a:scrgbClr r="0" g="0" b="0"/>
+        </a:effectRef>
+        <a:fontRef idx="minor"/>
+      </dsp:style>
+    </dsp:sp>
+    <dsp:sp modelId="{0CD2FF04-024D-4336-A59C-E93323F5A168}">
+      <dsp:nvSpPr>
+        <dsp:cNvPr id="0" name=""/>
+        <dsp:cNvSpPr/>
+      </dsp:nvSpPr>
+      <dsp:spPr>
+        <a:xfrm>
+          <a:off x="380664" y="4905349"/>
+          <a:ext cx="692792" cy="692116"/>
+        </a:xfrm>
+        <a:prstGeom prst="rect">
+          <a:avLst/>
+        </a:prstGeom>
+        <a:blipFill>
+          <a:blip xmlns:r="http://schemas.openxmlformats.org/officeDocument/2006/relationships" r:embed="rId7">
+            <a:extLst>
+              <a:ext uri="{28A0092B-C50C-407E-A947-70E740481C1C}">
+                <a14:useLocalDpi xmlns:a14="http://schemas.microsoft.com/office/drawing/2010/main" val="0"/>
+              </a:ext>
+              <a:ext uri="{96DAC541-7B7A-43D3-8B79-37D633B846F1}">
+                <asvg:svgBlip xmlns:asvg="http://schemas.microsoft.com/office/drawing/2016/SVG/main" r:embed="rId8"/>
+              </a:ext>
+            </a:extLst>
+          </a:blip>
+          <a:stretch>
+            <a:fillRect/>
+          </a:stretch>
+        </a:blipFill>
+        <a:ln w="12700" cap="flat" cmpd="sng" algn="ctr">
+          <a:noFill/>
+          <a:prstDash val="solid"/>
+          <a:miter lim="800000"/>
+        </a:ln>
+        <a:effectLst/>
+      </dsp:spPr>
+      <dsp:style>
+        <a:lnRef idx="2">
+          <a:scrgbClr r="0" g="0" b="0"/>
+        </a:lnRef>
+        <a:fillRef idx="1">
+          <a:scrgbClr r="0" g="0" b="0"/>
+        </a:fillRef>
+        <a:effectRef idx="0">
+          <a:scrgbClr r="0" g="0" b="0"/>
+        </a:effectRef>
+        <a:fontRef idx="minor">
+          <a:schemeClr val="lt1"/>
+        </a:fontRef>
+      </dsp:style>
+    </dsp:sp>
+    <dsp:sp modelId="{0EFCDA69-60F2-4BC6-AE5D-64167AC2CAAC}">
+      <dsp:nvSpPr>
+        <dsp:cNvPr id="0" name=""/>
+        <dsp:cNvSpPr/>
+      </dsp:nvSpPr>
+      <dsp:spPr>
+        <a:xfrm>
+          <a:off x="1454120" y="4622211"/>
+          <a:ext cx="4658304" cy="1259623"/>
+        </a:xfrm>
+        <a:prstGeom prst="rect">
+          <a:avLst/>
+        </a:prstGeom>
+        <a:noFill/>
+        <a:ln>
+          <a:noFill/>
+        </a:ln>
+        <a:effectLst/>
+      </dsp:spPr>
+      <dsp:style>
+        <a:lnRef idx="0">
+          <a:scrgbClr r="0" g="0" b="0"/>
+        </a:lnRef>
+        <a:fillRef idx="0">
+          <a:scrgbClr r="0" g="0" b="0"/>
+        </a:fillRef>
+        <a:effectRef idx="0">
+          <a:scrgbClr r="0" g="0" b="0"/>
+        </a:effectRef>
+        <a:fontRef idx="minor"/>
+      </dsp:style>
+      <dsp:txBody>
+        <a:bodyPr spcFirstLastPara="0" vert="horz" wrap="square" lIns="133310" tIns="133310" rIns="133310" bIns="133310" numCol="1" spcCol="1270" anchor="ctr" anchorCtr="0">
+          <a:noAutofit/>
+        </a:bodyPr>
+        <a:lstStyle/>
+        <a:p>
+          <a:pPr marL="0" lvl="0" indent="0" algn="l" defTabSz="622300">
+            <a:lnSpc>
+              <a:spcPct val="100000"/>
+            </a:lnSpc>
+            <a:spcBef>
+              <a:spcPct val="0"/>
+            </a:spcBef>
+            <a:spcAft>
+              <a:spcPct val="35000"/>
+            </a:spcAft>
+            <a:buNone/>
+          </a:pPr>
+          <a:r>
+            <a:rPr lang="en-US" sz="1400" kern="1200" dirty="0"/>
+            <a:t>Success Measures:</a:t>
+          </a:r>
+        </a:p>
+        <a:p>
+          <a:pPr marL="0" lvl="0" indent="0" algn="l" defTabSz="622300">
+            <a:lnSpc>
+              <a:spcPct val="100000"/>
+            </a:lnSpc>
+            <a:spcBef>
+              <a:spcPct val="0"/>
+            </a:spcBef>
+            <a:spcAft>
+              <a:spcPct val="35000"/>
+            </a:spcAft>
+            <a:buNone/>
+          </a:pPr>
+          <a:r>
+            <a:rPr lang="en-US" sz="1400" kern="1200" dirty="0"/>
+            <a:t>	Regression - R2 or MSE (Mean square error) </a:t>
+          </a:r>
+          <a:r>
+            <a:rPr lang="en-US" sz="1400" kern="1200" dirty="0" err="1"/>
+            <a:t>etc</a:t>
+          </a:r>
+          <a:endParaRPr lang="en-US" sz="1400" kern="1200" dirty="0"/>
+        </a:p>
+        <a:p>
+          <a:pPr marL="0" lvl="0" indent="0" algn="l" defTabSz="622300">
+            <a:lnSpc>
+              <a:spcPct val="100000"/>
+            </a:lnSpc>
+            <a:spcBef>
+              <a:spcPct val="0"/>
+            </a:spcBef>
+            <a:spcAft>
+              <a:spcPct val="35000"/>
+            </a:spcAft>
+            <a:buNone/>
+          </a:pPr>
+          <a:r>
+            <a:rPr lang="en-US" sz="1400" kern="1200" dirty="0"/>
+            <a:t>	Classification – PCC (Percent correct classification), Confusion Matrix </a:t>
+          </a:r>
+          <a:r>
+            <a:rPr lang="en-US" sz="1400" kern="1200" dirty="0" err="1"/>
+            <a:t>etc</a:t>
+          </a:r>
+          <a:endParaRPr lang="en-US" sz="1400" kern="1200" dirty="0"/>
+        </a:p>
+      </dsp:txBody>
+      <dsp:txXfrm>
+        <a:off x="1454120" y="4622211"/>
+        <a:ext cx="4658304" cy="1259623"/>
+      </dsp:txXfrm>
+    </dsp:sp>
+  </dsp:spTree>
+</dsp:drawing>
+</file>
+
+<file path=ppt/diagrams/drawing2.xml><?xml version="1.0" encoding="utf-8"?>
+<dsp:drawing xmlns:dgm="http://schemas.openxmlformats.org/drawingml/2006/diagram" xmlns:dsp="http://schemas.microsoft.com/office/drawing/2008/diagram" xmlns:a="http://schemas.openxmlformats.org/drawingml/2006/main">
+  <dsp:spTree>
+    <dsp:nvGrpSpPr>
+      <dsp:cNvPr id="0" name=""/>
+      <dsp:cNvGrpSpPr/>
+    </dsp:nvGrpSpPr>
+    <dsp:grpSpPr/>
+    <dsp:sp modelId="{8AD1677D-A106-46FB-8684-F75D39A75047}">
+      <dsp:nvSpPr>
+        <dsp:cNvPr id="0" name=""/>
+        <dsp:cNvSpPr/>
+      </dsp:nvSpPr>
+      <dsp:spPr>
+        <a:xfrm>
+          <a:off x="0" y="1099625"/>
+          <a:ext cx="6513603" cy="378000"/>
+        </a:xfrm>
+        <a:prstGeom prst="rect">
+          <a:avLst/>
+        </a:prstGeom>
+        <a:solidFill>
+          <a:schemeClr val="lt1">
+            <a:alpha val="90000"/>
+            <a:hueOff val="0"/>
+            <a:satOff val="0"/>
+            <a:lumOff val="0"/>
+            <a:alphaOff val="0"/>
+          </a:schemeClr>
+        </a:solidFill>
+        <a:ln w="12700" cap="flat" cmpd="sng" algn="ctr">
+          <a:solidFill>
+            <a:schemeClr val="accent5">
+              <a:hueOff val="0"/>
+              <a:satOff val="0"/>
+              <a:lumOff val="0"/>
+              <a:alphaOff val="0"/>
+            </a:schemeClr>
+          </a:solidFill>
+          <a:prstDash val="solid"/>
+          <a:miter lim="800000"/>
+        </a:ln>
+        <a:effectLst/>
+      </dsp:spPr>
+      <dsp:style>
+        <a:lnRef idx="2">
+          <a:scrgbClr r="0" g="0" b="0"/>
+        </a:lnRef>
+        <a:fillRef idx="1">
+          <a:scrgbClr r="0" g="0" b="0"/>
+        </a:fillRef>
+        <a:effectRef idx="0">
+          <a:scrgbClr r="0" g="0" b="0"/>
+        </a:effectRef>
+        <a:fontRef idx="minor"/>
+      </dsp:style>
+    </dsp:sp>
+    <dsp:sp modelId="{926010BB-8F23-499A-8FC7-8D423D9E5BE5}">
+      <dsp:nvSpPr>
+        <dsp:cNvPr id="0" name=""/>
+        <dsp:cNvSpPr/>
+      </dsp:nvSpPr>
+      <dsp:spPr>
+        <a:xfrm>
+          <a:off x="325680" y="878225"/>
+          <a:ext cx="4559522" cy="442800"/>
+        </a:xfrm>
+        <a:prstGeom prst="roundRect">
+          <a:avLst/>
+        </a:prstGeom>
+        <a:solidFill>
+          <a:schemeClr val="accent5">
+            <a:hueOff val="0"/>
+            <a:satOff val="0"/>
+            <a:lumOff val="0"/>
+            <a:alphaOff val="0"/>
+          </a:schemeClr>
+        </a:solidFill>
+        <a:ln w="12700" cap="flat" cmpd="sng" algn="ctr">
+          <a:solidFill>
+            <a:schemeClr val="lt1">
+              <a:hueOff val="0"/>
+              <a:satOff val="0"/>
+              <a:lumOff val="0"/>
+              <a:alphaOff val="0"/>
+            </a:schemeClr>
+          </a:solidFill>
+          <a:prstDash val="solid"/>
+          <a:miter lim="800000"/>
+        </a:ln>
+        <a:effectLst/>
+      </dsp:spPr>
+      <dsp:style>
+        <a:lnRef idx="2">
+          <a:scrgbClr r="0" g="0" b="0"/>
+        </a:lnRef>
+        <a:fillRef idx="1">
+          <a:scrgbClr r="0" g="0" b="0"/>
+        </a:fillRef>
+        <a:effectRef idx="0">
+          <a:scrgbClr r="0" g="0" b="0"/>
+        </a:effectRef>
+        <a:fontRef idx="minor">
+          <a:schemeClr val="lt1"/>
+        </a:fontRef>
+      </dsp:style>
+      <dsp:txBody>
+        <a:bodyPr spcFirstLastPara="0" vert="horz" wrap="square" lIns="172339" tIns="0" rIns="172339" bIns="0" numCol="1" spcCol="1270" anchor="ctr" anchorCtr="0">
+          <a:noAutofit/>
+        </a:bodyPr>
+        <a:lstStyle/>
+        <a:p>
+          <a:pPr marL="0" lvl="0" indent="0" algn="l" defTabSz="666750">
+            <a:lnSpc>
+              <a:spcPct val="90000"/>
+            </a:lnSpc>
+            <a:spcBef>
+              <a:spcPct val="0"/>
+            </a:spcBef>
+            <a:spcAft>
+              <a:spcPct val="35000"/>
+            </a:spcAft>
+            <a:buNone/>
+          </a:pPr>
+          <a:r>
+            <a:rPr lang="en-US" sz="1500" kern="1200"/>
+            <a:t>Data is structured, stored in flat files (.csv)</a:t>
+          </a:r>
+        </a:p>
+      </dsp:txBody>
+      <dsp:txXfrm>
+        <a:off x="347296" y="899841"/>
+        <a:ext cx="4516290" cy="399568"/>
+      </dsp:txXfrm>
+    </dsp:sp>
+    <dsp:sp modelId="{D7956049-55E3-451B-A513-0D58CE325CD5}">
+      <dsp:nvSpPr>
+        <dsp:cNvPr id="0" name=""/>
+        <dsp:cNvSpPr/>
+      </dsp:nvSpPr>
+      <dsp:spPr>
+        <a:xfrm>
+          <a:off x="0" y="1780025"/>
+          <a:ext cx="6513603" cy="874125"/>
+        </a:xfrm>
+        <a:prstGeom prst="rect">
+          <a:avLst/>
+        </a:prstGeom>
+        <a:solidFill>
+          <a:schemeClr val="lt1">
+            <a:alpha val="90000"/>
+            <a:hueOff val="0"/>
+            <a:satOff val="0"/>
+            <a:lumOff val="0"/>
+            <a:alphaOff val="0"/>
+          </a:schemeClr>
+        </a:solidFill>
+        <a:ln w="12700" cap="flat" cmpd="sng" algn="ctr">
+          <a:solidFill>
+            <a:schemeClr val="accent5">
+              <a:hueOff val="-2252848"/>
+              <a:satOff val="-5806"/>
+              <a:lumOff val="-3922"/>
+              <a:alphaOff val="0"/>
+            </a:schemeClr>
+          </a:solidFill>
+          <a:prstDash val="solid"/>
+          <a:miter lim="800000"/>
+        </a:ln>
+        <a:effectLst/>
+      </dsp:spPr>
+      <dsp:style>
+        <a:lnRef idx="2">
+          <a:scrgbClr r="0" g="0" b="0"/>
+        </a:lnRef>
+        <a:fillRef idx="1">
+          <a:scrgbClr r="0" g="0" b="0"/>
+        </a:fillRef>
+        <a:effectRef idx="0">
+          <a:scrgbClr r="0" g="0" b="0"/>
+        </a:effectRef>
+        <a:fontRef idx="minor"/>
+      </dsp:style>
+      <dsp:txBody>
+        <a:bodyPr spcFirstLastPara="0" vert="horz" wrap="square" lIns="505528" tIns="312420" rIns="505528" bIns="106680" numCol="1" spcCol="1270" anchor="t" anchorCtr="0">
+          <a:noAutofit/>
+        </a:bodyPr>
+        <a:lstStyle/>
+        <a:p>
+          <a:pPr marL="114300" lvl="1" indent="-114300" algn="l" defTabSz="666750">
+            <a:lnSpc>
+              <a:spcPct val="90000"/>
+            </a:lnSpc>
+            <a:spcBef>
+              <a:spcPct val="0"/>
+            </a:spcBef>
+            <a:spcAft>
+              <a:spcPct val="15000"/>
+            </a:spcAft>
+            <a:buChar char="•"/>
+          </a:pPr>
+          <a:r>
+            <a:rPr lang="en-US" sz="1500" kern="1200"/>
+            <a:t>Missing observations 350000 – 346929 = 3071</a:t>
+          </a:r>
+        </a:p>
+        <a:p>
+          <a:pPr marL="114300" lvl="1" indent="-114300" algn="l" defTabSz="666750">
+            <a:lnSpc>
+              <a:spcPct val="90000"/>
+            </a:lnSpc>
+            <a:spcBef>
+              <a:spcPct val="0"/>
+            </a:spcBef>
+            <a:spcAft>
+              <a:spcPct val="15000"/>
+            </a:spcAft>
+            <a:buChar char="•"/>
+          </a:pPr>
+          <a:r>
+            <a:rPr lang="en-US" sz="1500" kern="1200"/>
+            <a:t>Data type of feature “trial” with value 0/1 is “int” instead of “factor”</a:t>
+          </a:r>
+        </a:p>
+      </dsp:txBody>
+      <dsp:txXfrm>
+        <a:off x="0" y="1780025"/>
+        <a:ext cx="6513603" cy="874125"/>
+      </dsp:txXfrm>
+    </dsp:sp>
+    <dsp:sp modelId="{39772E0E-CD10-4C37-BF11-9E7DE4FB64A8}">
+      <dsp:nvSpPr>
+        <dsp:cNvPr id="0" name=""/>
+        <dsp:cNvSpPr/>
+      </dsp:nvSpPr>
+      <dsp:spPr>
+        <a:xfrm>
+          <a:off x="325680" y="1558625"/>
+          <a:ext cx="4559522" cy="442800"/>
+        </a:xfrm>
+        <a:prstGeom prst="roundRect">
+          <a:avLst/>
+        </a:prstGeom>
+        <a:solidFill>
+          <a:schemeClr val="accent5">
+            <a:hueOff val="-2252848"/>
+            <a:satOff val="-5806"/>
+            <a:lumOff val="-3922"/>
+            <a:alphaOff val="0"/>
+          </a:schemeClr>
+        </a:solidFill>
+        <a:ln w="12700" cap="flat" cmpd="sng" algn="ctr">
+          <a:solidFill>
+            <a:schemeClr val="lt1">
+              <a:hueOff val="0"/>
+              <a:satOff val="0"/>
+              <a:lumOff val="0"/>
+              <a:alphaOff val="0"/>
+            </a:schemeClr>
+          </a:solidFill>
+          <a:prstDash val="solid"/>
+          <a:miter lim="800000"/>
+        </a:ln>
+        <a:effectLst/>
+      </dsp:spPr>
+      <dsp:style>
+        <a:lnRef idx="2">
+          <a:scrgbClr r="0" g="0" b="0"/>
+        </a:lnRef>
+        <a:fillRef idx="1">
+          <a:scrgbClr r="0" g="0" b="0"/>
+        </a:fillRef>
+        <a:effectRef idx="0">
+          <a:scrgbClr r="0" g="0" b="0"/>
+        </a:effectRef>
+        <a:fontRef idx="minor">
+          <a:schemeClr val="lt1"/>
+        </a:fontRef>
+      </dsp:style>
+      <dsp:txBody>
+        <a:bodyPr spcFirstLastPara="0" vert="horz" wrap="square" lIns="172339" tIns="0" rIns="172339" bIns="0" numCol="1" spcCol="1270" anchor="ctr" anchorCtr="0">
+          <a:noAutofit/>
+        </a:bodyPr>
+        <a:lstStyle/>
+        <a:p>
+          <a:pPr marL="0" lvl="0" indent="0" algn="l" defTabSz="666750">
+            <a:lnSpc>
+              <a:spcPct val="90000"/>
+            </a:lnSpc>
+            <a:spcBef>
+              <a:spcPct val="0"/>
+            </a:spcBef>
+            <a:spcAft>
+              <a:spcPct val="35000"/>
+            </a:spcAft>
+            <a:buNone/>
+          </a:pPr>
+          <a:r>
+            <a:rPr lang="en-US" sz="1500" kern="1200"/>
+            <a:t>Data Structure: 346929 Observations of 11 variables. </a:t>
+          </a:r>
+        </a:p>
+      </dsp:txBody>
+      <dsp:txXfrm>
+        <a:off x="347296" y="1580241"/>
+        <a:ext cx="4516290" cy="399568"/>
+      </dsp:txXfrm>
+    </dsp:sp>
+    <dsp:sp modelId="{9B2E5935-4387-40B5-821B-9FF9BF161F41}">
+      <dsp:nvSpPr>
+        <dsp:cNvPr id="0" name=""/>
+        <dsp:cNvSpPr/>
+      </dsp:nvSpPr>
+      <dsp:spPr>
+        <a:xfrm>
+          <a:off x="0" y="2956550"/>
+          <a:ext cx="6513603" cy="874125"/>
+        </a:xfrm>
+        <a:prstGeom prst="rect">
+          <a:avLst/>
+        </a:prstGeom>
+        <a:solidFill>
+          <a:schemeClr val="lt1">
+            <a:alpha val="90000"/>
+            <a:hueOff val="0"/>
+            <a:satOff val="0"/>
+            <a:lumOff val="0"/>
+            <a:alphaOff val="0"/>
+          </a:schemeClr>
+        </a:solidFill>
+        <a:ln w="12700" cap="flat" cmpd="sng" algn="ctr">
+          <a:solidFill>
+            <a:schemeClr val="accent5">
+              <a:hueOff val="-4505695"/>
+              <a:satOff val="-11613"/>
+              <a:lumOff val="-7843"/>
+              <a:alphaOff val="0"/>
+            </a:schemeClr>
+          </a:solidFill>
+          <a:prstDash val="solid"/>
+          <a:miter lim="800000"/>
+        </a:ln>
+        <a:effectLst/>
+      </dsp:spPr>
+      <dsp:style>
+        <a:lnRef idx="2">
+          <a:scrgbClr r="0" g="0" b="0"/>
+        </a:lnRef>
+        <a:fillRef idx="1">
+          <a:scrgbClr r="0" g="0" b="0"/>
+        </a:fillRef>
+        <a:effectRef idx="0">
+          <a:scrgbClr r="0" g="0" b="0"/>
+        </a:effectRef>
+        <a:fontRef idx="minor"/>
+      </dsp:style>
+      <dsp:txBody>
+        <a:bodyPr spcFirstLastPara="0" vert="horz" wrap="square" lIns="505528" tIns="312420" rIns="505528" bIns="106680" numCol="1" spcCol="1270" anchor="t" anchorCtr="0">
+          <a:noAutofit/>
+        </a:bodyPr>
+        <a:lstStyle/>
+        <a:p>
+          <a:pPr marL="114300" lvl="1" indent="-114300" algn="l" defTabSz="666750">
+            <a:lnSpc>
+              <a:spcPct val="90000"/>
+            </a:lnSpc>
+            <a:spcBef>
+              <a:spcPct val="0"/>
+            </a:spcBef>
+            <a:spcAft>
+              <a:spcPct val="15000"/>
+            </a:spcAft>
+            <a:buChar char="•"/>
+          </a:pPr>
+          <a:r>
+            <a:rPr lang="en-US" sz="1500" kern="1200" dirty="0"/>
+            <a:t>356 missing values of each feature “gender”, “age” &amp; “</a:t>
+          </a:r>
+          <a:r>
+            <a:rPr lang="en-US" sz="1500" kern="1200" dirty="0" err="1"/>
+            <a:t>industry_code</a:t>
+          </a:r>
+          <a:r>
+            <a:rPr lang="en-US" sz="1500" kern="1200" dirty="0"/>
+            <a:t>”</a:t>
+          </a:r>
+        </a:p>
+        <a:p>
+          <a:pPr marL="114300" lvl="1" indent="-114300" algn="l" defTabSz="666750">
+            <a:lnSpc>
+              <a:spcPct val="90000"/>
+            </a:lnSpc>
+            <a:spcBef>
+              <a:spcPct val="0"/>
+            </a:spcBef>
+            <a:spcAft>
+              <a:spcPct val="15000"/>
+            </a:spcAft>
+            <a:buChar char="•"/>
+          </a:pPr>
+          <a:r>
+            <a:rPr lang="en-US" sz="1500" kern="1200" dirty="0"/>
+            <a:t>9691 “Unknown” type of “payee”</a:t>
+          </a:r>
+        </a:p>
+      </dsp:txBody>
+      <dsp:txXfrm>
+        <a:off x="0" y="2956550"/>
+        <a:ext cx="6513603" cy="874125"/>
+      </dsp:txXfrm>
+    </dsp:sp>
+    <dsp:sp modelId="{2D07AD0E-69BF-494B-B33B-DBFEF8BC44DB}">
+      <dsp:nvSpPr>
+        <dsp:cNvPr id="0" name=""/>
+        <dsp:cNvSpPr/>
+      </dsp:nvSpPr>
+      <dsp:spPr>
+        <a:xfrm>
+          <a:off x="325680" y="2735150"/>
+          <a:ext cx="4559522" cy="442800"/>
+        </a:xfrm>
+        <a:prstGeom prst="roundRect">
+          <a:avLst/>
+        </a:prstGeom>
+        <a:solidFill>
+          <a:schemeClr val="accent5">
+            <a:hueOff val="-4505695"/>
+            <a:satOff val="-11613"/>
+            <a:lumOff val="-7843"/>
+            <a:alphaOff val="0"/>
+          </a:schemeClr>
+        </a:solidFill>
+        <a:ln w="12700" cap="flat" cmpd="sng" algn="ctr">
+          <a:solidFill>
+            <a:schemeClr val="lt1">
+              <a:hueOff val="0"/>
+              <a:satOff val="0"/>
+              <a:lumOff val="0"/>
+              <a:alphaOff val="0"/>
+            </a:schemeClr>
+          </a:solidFill>
+          <a:prstDash val="solid"/>
+          <a:miter lim="800000"/>
+        </a:ln>
+        <a:effectLst/>
+      </dsp:spPr>
+      <dsp:style>
+        <a:lnRef idx="2">
+          <a:scrgbClr r="0" g="0" b="0"/>
+        </a:lnRef>
+        <a:fillRef idx="1">
+          <a:scrgbClr r="0" g="0" b="0"/>
+        </a:fillRef>
+        <a:effectRef idx="0">
+          <a:scrgbClr r="0" g="0" b="0"/>
+        </a:effectRef>
+        <a:fontRef idx="minor">
+          <a:schemeClr val="lt1"/>
+        </a:fontRef>
+      </dsp:style>
+      <dsp:txBody>
+        <a:bodyPr spcFirstLastPara="0" vert="horz" wrap="square" lIns="172339" tIns="0" rIns="172339" bIns="0" numCol="1" spcCol="1270" anchor="ctr" anchorCtr="0">
+          <a:noAutofit/>
+        </a:bodyPr>
+        <a:lstStyle/>
+        <a:p>
+          <a:pPr marL="0" lvl="0" indent="0" algn="l" defTabSz="666750">
+            <a:lnSpc>
+              <a:spcPct val="90000"/>
+            </a:lnSpc>
+            <a:spcBef>
+              <a:spcPct val="0"/>
+            </a:spcBef>
+            <a:spcAft>
+              <a:spcPct val="35000"/>
+            </a:spcAft>
+            <a:buNone/>
+          </a:pPr>
+          <a:r>
+            <a:rPr lang="en-US" sz="1500" kern="1200"/>
+            <a:t>Data Summary: </a:t>
+          </a:r>
+        </a:p>
+      </dsp:txBody>
+      <dsp:txXfrm>
+        <a:off x="347296" y="2756766"/>
+        <a:ext cx="4516290" cy="399568"/>
+      </dsp:txXfrm>
+    </dsp:sp>
+    <dsp:sp modelId="{B536A3C2-D640-47C2-BFA7-AB7E03EC0B11}">
+      <dsp:nvSpPr>
+        <dsp:cNvPr id="0" name=""/>
+        <dsp:cNvSpPr/>
+      </dsp:nvSpPr>
+      <dsp:spPr>
+        <a:xfrm>
+          <a:off x="0" y="4133075"/>
+          <a:ext cx="6513603" cy="874125"/>
+        </a:xfrm>
+        <a:prstGeom prst="rect">
+          <a:avLst/>
+        </a:prstGeom>
+        <a:solidFill>
+          <a:schemeClr val="lt1">
+            <a:alpha val="90000"/>
+            <a:hueOff val="0"/>
+            <a:satOff val="0"/>
+            <a:lumOff val="0"/>
+            <a:alphaOff val="0"/>
+          </a:schemeClr>
+        </a:solidFill>
+        <a:ln w="12700" cap="flat" cmpd="sng" algn="ctr">
+          <a:solidFill>
+            <a:schemeClr val="accent5">
+              <a:hueOff val="-6758543"/>
+              <a:satOff val="-17419"/>
+              <a:lumOff val="-11765"/>
+              <a:alphaOff val="0"/>
+            </a:schemeClr>
+          </a:solidFill>
+          <a:prstDash val="solid"/>
+          <a:miter lim="800000"/>
+        </a:ln>
+        <a:effectLst/>
+      </dsp:spPr>
+      <dsp:style>
+        <a:lnRef idx="2">
+          <a:scrgbClr r="0" g="0" b="0"/>
+        </a:lnRef>
+        <a:fillRef idx="1">
+          <a:scrgbClr r="0" g="0" b="0"/>
+        </a:fillRef>
+        <a:effectRef idx="0">
+          <a:scrgbClr r="0" g="0" b="0"/>
+        </a:effectRef>
+        <a:fontRef idx="minor"/>
+      </dsp:style>
+      <dsp:txBody>
+        <a:bodyPr spcFirstLastPara="0" vert="horz" wrap="square" lIns="505528" tIns="312420" rIns="505528" bIns="106680" numCol="1" spcCol="1270" anchor="t" anchorCtr="0">
+          <a:noAutofit/>
+        </a:bodyPr>
+        <a:lstStyle/>
+        <a:p>
+          <a:pPr marL="114300" lvl="1" indent="-114300" algn="l" defTabSz="666750">
+            <a:lnSpc>
+              <a:spcPct val="90000"/>
+            </a:lnSpc>
+            <a:spcBef>
+              <a:spcPct val="0"/>
+            </a:spcBef>
+            <a:spcAft>
+              <a:spcPct val="15000"/>
+            </a:spcAft>
+            <a:buChar char="•"/>
+          </a:pPr>
+          <a:r>
+            <a:rPr lang="en-US" sz="1500" kern="1200"/>
+            <a:t>Age (only numeric feature) is positive skewed = 0.74</a:t>
+          </a:r>
+        </a:p>
+        <a:p>
+          <a:pPr marL="114300" lvl="1" indent="-114300" algn="l" defTabSz="666750">
+            <a:lnSpc>
+              <a:spcPct val="90000"/>
+            </a:lnSpc>
+            <a:spcBef>
+              <a:spcPct val="0"/>
+            </a:spcBef>
+            <a:spcAft>
+              <a:spcPct val="15000"/>
+            </a:spcAft>
+            <a:buChar char="•"/>
+          </a:pPr>
+          <a:r>
+            <a:rPr lang="en-US" sz="1500" kern="1200"/>
+            <a:t>Classification TV “Trial” is imbalance 0 – 329,713 &amp; 1 - 17216</a:t>
+          </a:r>
+        </a:p>
+      </dsp:txBody>
+      <dsp:txXfrm>
+        <a:off x="0" y="4133075"/>
+        <a:ext cx="6513603" cy="874125"/>
+      </dsp:txXfrm>
+    </dsp:sp>
+    <dsp:sp modelId="{A2213CB7-E749-4016-BFBB-CC432863A733}">
+      <dsp:nvSpPr>
+        <dsp:cNvPr id="0" name=""/>
+        <dsp:cNvSpPr/>
+      </dsp:nvSpPr>
+      <dsp:spPr>
+        <a:xfrm>
+          <a:off x="325680" y="3911675"/>
+          <a:ext cx="4559522" cy="442800"/>
+        </a:xfrm>
+        <a:prstGeom prst="roundRect">
+          <a:avLst/>
+        </a:prstGeom>
+        <a:solidFill>
+          <a:schemeClr val="accent5">
+            <a:hueOff val="-6758543"/>
+            <a:satOff val="-17419"/>
+            <a:lumOff val="-11765"/>
+            <a:alphaOff val="0"/>
+          </a:schemeClr>
+        </a:solidFill>
+        <a:ln w="12700" cap="flat" cmpd="sng" algn="ctr">
+          <a:solidFill>
+            <a:schemeClr val="lt1">
+              <a:hueOff val="0"/>
+              <a:satOff val="0"/>
+              <a:lumOff val="0"/>
+              <a:alphaOff val="0"/>
+            </a:schemeClr>
+          </a:solidFill>
+          <a:prstDash val="solid"/>
+          <a:miter lim="800000"/>
+        </a:ln>
+        <a:effectLst/>
+      </dsp:spPr>
+      <dsp:style>
+        <a:lnRef idx="2">
+          <a:scrgbClr r="0" g="0" b="0"/>
+        </a:lnRef>
+        <a:fillRef idx="1">
+          <a:scrgbClr r="0" g="0" b="0"/>
+        </a:fillRef>
+        <a:effectRef idx="0">
+          <a:scrgbClr r="0" g="0" b="0"/>
+        </a:effectRef>
+        <a:fontRef idx="minor">
+          <a:schemeClr val="lt1"/>
+        </a:fontRef>
+      </dsp:style>
+      <dsp:txBody>
+        <a:bodyPr spcFirstLastPara="0" vert="horz" wrap="square" lIns="172339" tIns="0" rIns="172339" bIns="0" numCol="1" spcCol="1270" anchor="ctr" anchorCtr="0">
+          <a:noAutofit/>
+        </a:bodyPr>
+        <a:lstStyle/>
+        <a:p>
+          <a:pPr marL="0" lvl="0" indent="0" algn="l" defTabSz="666750">
+            <a:lnSpc>
+              <a:spcPct val="90000"/>
+            </a:lnSpc>
+            <a:spcBef>
+              <a:spcPct val="0"/>
+            </a:spcBef>
+            <a:spcAft>
+              <a:spcPct val="35000"/>
+            </a:spcAft>
+            <a:buNone/>
+          </a:pPr>
+          <a:r>
+            <a:rPr lang="en-US" sz="1500" kern="1200"/>
+            <a:t>Data Visualization:</a:t>
+          </a:r>
+        </a:p>
+      </dsp:txBody>
+      <dsp:txXfrm>
+        <a:off x="347296" y="3933291"/>
+        <a:ext cx="4516290" cy="399568"/>
+      </dsp:txXfrm>
+    </dsp:sp>
+  </dsp:spTree>
+</dsp:drawing>
+</file>
+
+<file path=ppt/diagrams/layout1.xml><?xml version="1.0" encoding="utf-8"?>
+<dgm:layoutDef xmlns:dgm="http://schemas.openxmlformats.org/drawingml/2006/diagram" xmlns:a="http://schemas.openxmlformats.org/drawingml/2006/main" uniqueId="urn:microsoft.com/office/officeart/2018/2/layout/IconVerticalSolidList">
+  <dgm:title val="Icon Vertical Solid List"/>
+  <dgm:desc val="Use to show a series of visuals from top to bottom with Level 1 or Level 1 and Level 2 text grouped in a shape. Works best with icons or small pictures with lengthier descriptions."/>
+  <dgm:catLst>
+    <dgm:cat type="icon" pri="500"/>
+  </dgm:catLst>
+  <dgm:sampData useDef="1">
+    <dgm:dataModel>
+      <dgm:ptLst/>
+      <dgm:bg/>
+      <dgm:whole/>
+    </dgm:dataModel>
+  </dgm:sampData>
+  <dgm:styleData useDef="1">
+    <dgm:dataModel>
+      <dgm:ptLst/>
+      <dgm:bg/>
+      <dgm:whole/>
+    </dgm:dataModel>
+  </dgm:styleData>
+  <dgm:clrData useDef="1">
+    <dgm:dataModel>
+      <dgm:ptLst/>
+      <dgm:bg/>
+      <dgm:whole/>
+    </dgm:dataModel>
+  </dgm:clrData>
+  <dgm:layoutNode name="root">
+    <dgm:varLst>
+      <dgm:dir/>
+      <dgm:resizeHandles val="exact"/>
+    </dgm:varLst>
+    <dgm:choose name="Name0">
+      <dgm:if name="Name1" axis="self" func="var" arg="dir" op="equ" val="norm">
+        <dgm:alg type="lin">
+          <dgm:param type="linDir" val="fromT"/>
+          <dgm:param type="nodeHorzAlign" val="l"/>
+        </dgm:alg>
+      </dgm:if>
+      <dgm:else name="Name2">
+        <dgm:alg type="lin">
+          <dgm:param type="linDir" val="fromT"/>
+          <dgm:param type="nodeHorzAlign" val="r"/>
+        </dgm:alg>
+      </dgm:else>
+    </dgm:choose>
+    <dgm:shape xmlns:r="http://schemas.openxmlformats.org/officeDocument/2006/relationships" r:blip="">
+      <dgm:adjLst/>
+    </dgm:shape>
+    <dgm:presOf/>
+    <dgm:choose name="Name3">
+      <dgm:if name="Name4" axis="ch" ptType="node" func="cnt" op="lte" val="3">
+        <dgm:constrLst>
+          <dgm:constr type="h" for="ch" forName="compNode" refType="h" fact="0.3"/>
+          <dgm:constr type="w" for="ch" forName="compNode" refType="w"/>
+          <dgm:constr type="h" for="ch" forName="sibTrans" refType="h" refFor="ch" refForName="compNode" fact="0.25"/>
+          <dgm:constr type="primFontSz" for="des" forName="parTx" val="25"/>
+          <dgm:constr type="primFontSz" for="des" forName="desTx" refType="primFontSz" refFor="des" refForName="parTx" op="lte" fact="0.75"/>
+          <dgm:constr type="h" for="des" forName="compNode" op="equ"/>
+          <dgm:constr type="h" for="des" forName="bgRect" op="equ"/>
+          <dgm:constr type="h" for="des" forName="iconRect" op="equ"/>
+          <dgm:constr type="w" for="des" forName="iconRect" op="equ"/>
+          <dgm:constr type="h" for="des" forName="spaceRect" op="equ"/>
+          <dgm:constr type="h" for="des" forName="parTx" op="equ"/>
+          <dgm:constr type="h" for="des" forName="desTx" op="equ"/>
+        </dgm:constrLst>
+      </dgm:if>
+      <dgm:if name="Name5" axis="ch" ptType="node" func="cnt" op="lte" val="4">
+        <dgm:constrLst>
+          <dgm:constr type="h" for="ch" forName="compNode" refType="h" fact="0.3"/>
+          <dgm:constr type="w" for="ch" forName="compNode" refType="w"/>
+          <dgm:constr type="h" for="ch" forName="sibTrans" refType="h" refFor="ch" refForName="compNode" fact="0.25"/>
+          <dgm:constr type="primFontSz" for="des" forName="parTx" val="22"/>
+          <dgm:constr type="primFontSz" for="des" forName="desTx" refType="primFontSz" refFor="des" refForName="parTx" op="lte" fact="0.75"/>
+          <dgm:constr type="h" for="des" forName="compNode" op="equ"/>
+          <dgm:constr type="h" for="des" forName="bgRect" op="equ"/>
+          <dgm:constr type="h" for="des" forName="iconRect" op="equ"/>
+          <dgm:constr type="w" for="des" forName="iconRect" op="equ"/>
+          <dgm:constr type="h" for="des" forName="spaceRect" op="equ"/>
+          <dgm:constr type="h" for="des" forName="parTx" op="equ"/>
+          <dgm:constr type="h" for="des" forName="desTx" op="equ"/>
+        </dgm:constrLst>
+      </dgm:if>
+      <dgm:if name="Name6" axis="ch" ptType="node" func="cnt" op="lte" val="6">
+        <dgm:constrLst>
+          <dgm:constr type="h" for="ch" forName="compNode" refType="h" fact="0.3"/>
+          <dgm:constr type="w" for="ch" forName="compNode" refType="w"/>
+          <dgm:constr type="h" for="ch" forName="sibTrans" refType="h" refFor="ch" refForName="compNode" fact="0.25"/>
+          <dgm:constr type="primFontSz" for="des" forName="parTx" val="19"/>
+          <dgm:constr type="primFontSz" for="des" forName="desTx" refType="primFontSz" refFor="des" refForName="parTx" op="lte" fact="0.75"/>
+          <dgm:constr type="h" for="des" forName="compNode" op="equ"/>
+          <dgm:constr type="h" for="des" forName="bgRect" op="equ"/>
+          <dgm:constr type="h" for="des" forName="iconRect" op="equ"/>
+          <dgm:constr type="w" for="des" forName="iconRect" op="equ"/>
+          <dgm:constr type="h" for="des" forName="spaceRect" op="equ"/>
+          <dgm:constr type="h" for="des" forName="parTx" op="equ"/>
+          <dgm:constr type="h" for="des" forName="desTx" op="equ"/>
+        </dgm:constrLst>
+      </dgm:if>
+      <dgm:else name="Name7">
+        <dgm:constrLst>
+          <dgm:constr type="h" for="ch" forName="compNode" refType="h" fact="0.3"/>
+          <dgm:constr type="w" for="ch" forName="compNode" refType="w"/>
+          <dgm:constr type="h" for="ch" forName="sibTrans" refType="h" refFor="ch" refForName="compNode" fact="0.25"/>
+          <dgm:constr type="primFontSz" for="des" forName="parTx" val="16"/>
+          <dgm:constr type="primFontSz" for="des" forName="desTx" refType="primFontSz" refFor="des" refForName="parTx" op="lte" fact="0.75"/>
+          <dgm:constr type="h" for="des" forName="compNode" op="equ"/>
+          <dgm:constr type="h" for="des" forName="bgRect" op="equ"/>
+          <dgm:constr type="h" for="des" forName="iconRect" op="equ"/>
+          <dgm:constr type="w" for="des" forName="iconRect" op="equ"/>
+          <dgm:constr type="h" for="des" forName="spaceRect" op="equ"/>
+          <dgm:constr type="h" for="des" forName="parTx" op="equ"/>
+          <dgm:constr type="h" for="des" forName="desTx" op="equ"/>
+        </dgm:constrLst>
+      </dgm:else>
+    </dgm:choose>
+    <dgm:ruleLst>
+      <dgm:rule type="h" for="ch" forName="compNode" val="0" fact="NaN" max="NaN"/>
+    </dgm:ruleLst>
+    <dgm:forEach name="Name8" axis="ch" ptType="node">
+      <dgm:layoutNode name="compNode">
+        <dgm:alg type="composite"/>
+        <dgm:shape xmlns:r="http://schemas.openxmlformats.org/officeDocument/2006/relationships" r:blip="">
+          <dgm:adjLst/>
+        </dgm:shape>
+        <dgm:presOf axis="self"/>
+        <dgm:choose name="Name9">
+          <dgm:if name="Name10" axis="ch" ptType="node" func="cnt" op="gte" val="1">
+            <dgm:constrLst>
+              <dgm:constr type="w" for="ch" forName="bgRect" refType="w"/>
+              <dgm:constr type="h" for="ch" forName="bgRect" refType="h"/>
+              <dgm:constr type="l" for="ch" forName="bgRect"/>
+              <dgm:constr type="t" for="ch" forName="bgRect"/>
+              <dgm:constr type="h" for="ch" forName="iconRect" refType="h" fact="0.55"/>
+              <dgm:constr type="w" for="ch" forName="iconRect" refType="h" refFor="ch" refForName="iconRect"/>
+              <dgm:constr type="l" for="ch" forName="iconRect" refType="h" refFor="ch" refForName="iconRect" fact="0.55"/>
+              <dgm:constr type="ctrY" for="ch" forName="iconRect" refType="ctrY" refFor="ch" refForName="bgRect"/>
+              <dgm:constr type="w" for="ch" forName="spaceRect" refType="l" refFor="ch" refForName="iconRect"/>
+              <dgm:constr type="h" for="ch" forName="spaceRect" refType="h"/>
+              <dgm:constr type="l" for="ch" forName="spaceRect" refType="r" refFor="ch" refForName="iconRect"/>
+              <dgm:constr type="t" for="ch" forName="spaceRect"/>
+              <dgm:constr type="w" for="ch" forName="parTx" refType="w" fact="0.45"/>
+              <dgm:constr type="h" for="ch" forName="parTx" refType="h"/>
+              <dgm:constr type="l" for="ch" forName="parTx" refType="r" refFor="ch" refForName="spaceRect"/>
+              <dgm:constr type="t" for="ch" forName="parTx"/>
+              <dgm:constr type="h" for="ch" forName="desTx" refType="h"/>
+              <dgm:constr type="l" for="ch" forName="desTx" refType="r" refFor="ch" refForName="parTx"/>
+              <dgm:constr type="t" for="ch" forName="desTx"/>
+            </dgm:constrLst>
+          </dgm:if>
+          <dgm:else name="Name11">
+            <dgm:constrLst>
+              <dgm:constr type="w" for="ch" forName="bgRect" refType="w"/>
+              <dgm:constr type="h" for="ch" forName="bgRect" refType="h"/>
+              <dgm:constr type="l" for="ch" forName="bgRect"/>
+              <dgm:constr type="t" for="ch" forName="bgRect"/>
+              <dgm:constr type="h" for="ch" forName="iconRect" refType="h" fact="0.55"/>
+              <dgm:constr type="w" for="ch" forName="iconRect" refType="h" refFor="ch" refForName="iconRect"/>
+              <dgm:constr type="l" for="ch" forName="iconRect" refType="h" refFor="ch" refForName="iconRect" fact="0.55"/>
+              <dgm:constr type="ctrY" for="ch" forName="iconRect" refType="ctrY" refFor="ch" refForName="bgRect"/>
+              <dgm:constr type="w" for="ch" forName="spaceRect" refType="l" refFor="ch" refForName="iconRect"/>
+              <dgm:constr type="h" for="ch" forName="spaceRect" refType="h"/>
+              <dgm:constr type="l" for="ch" forName="spaceRect" refType="r" refFor="ch" refForName="iconRect"/>
+              <dgm:constr type="t" for="ch" forName="spaceRect"/>
+              <dgm:constr type="h" for="ch" forName="parTx" refType="h"/>
+              <dgm:constr type="l" for="ch" forName="parTx" refType="r" refFor="ch" refForName="spaceRect"/>
+              <dgm:constr type="t" for="ch" forName="parTx"/>
+            </dgm:constrLst>
+          </dgm:else>
+        </dgm:choose>
+        <dgm:ruleLst>
+          <dgm:rule type="h" val="INF" fact="NaN" max="NaN"/>
+        </dgm:ruleLst>
+        <dgm:layoutNode name="bgRect" styleLbl="bgShp">
+          <dgm:alg type="sp"/>
+          <dgm:shape xmlns:r="http://schemas.openxmlformats.org/officeDocument/2006/relationships" type="roundRect" r:blip="">
+            <dgm:adjLst>
+              <dgm:adj idx="1" val="0.1"/>
+            </dgm:adjLst>
+          </dgm:shape>
+          <dgm:presOf/>
+          <dgm:constrLst/>
+          <dgm:ruleLst/>
+        </dgm:layoutNode>
+        <dgm:layoutNode name="iconRect" styleLbl="node1">
+          <dgm:alg type="sp"/>
+          <dgm:shape xmlns:r="http://schemas.openxmlformats.org/officeDocument/2006/relationships" type="rect" r:blip="" blipPhldr="1">
+            <dgm:adjLst/>
+          </dgm:shape>
+          <dgm:presOf/>
+          <dgm:constrLst/>
+          <dgm:ruleLst/>
+        </dgm:layoutNode>
+        <dgm:layoutNode name="spaceRect">
+          <dgm:alg type="sp"/>
+          <dgm:shape xmlns:r="http://schemas.openxmlformats.org/officeDocument/2006/relationships" r:blip="">
+            <dgm:adjLst/>
+          </dgm:shape>
+          <dgm:presOf/>
+          <dgm:constrLst/>
+          <dgm:ruleLst/>
+        </dgm:layoutNode>
+        <dgm:layoutNode name="parTx" styleLbl="revTx">
+          <dgm:varLst>
+            <dgm:chMax val="0"/>
+            <dgm:chPref val="0"/>
+          </dgm:varLst>
+          <dgm:alg type="tx">
+            <dgm:param type="txAnchorVert" val="mid"/>
+            <dgm:param type="parTxLTRAlign" val="l"/>
+            <dgm:param type="shpTxLTRAlignCh" val="l"/>
+            <dgm:param type="parTxRTLAlign" val="r"/>
+            <dgm:param type="shpTxRTLAlignCh" val="r"/>
+          </dgm:alg>
+          <dgm:shape xmlns:r="http://schemas.openxmlformats.org/officeDocument/2006/relationships" type="rect" r:blip="">
+            <dgm:adjLst/>
+          </dgm:shape>
+          <dgm:presOf axis="self" ptType="node"/>
+          <dgm:constrLst>
+            <dgm:constr type="lMarg" refType="h" fact="0.3"/>
+            <dgm:constr type="rMarg" refType="h" fact="0.3"/>
+            <dgm:constr type="tMarg" refType="h" fact="0.3"/>
+            <dgm:constr type="bMarg" refType="h" fact="0.3"/>
+          </dgm:constrLst>
+          <dgm:ruleLst>
+            <dgm:rule type="primFontSz" val="14" fact="NaN" max="NaN"/>
+            <dgm:rule type="h" val="INF" fact="NaN" max="NaN"/>
+          </dgm:ruleLst>
+        </dgm:layoutNode>
+        <dgm:choose name="Name12">
+          <dgm:if name="Name13" axis="ch" ptType="node" func="cnt" op="gte" val="1">
+            <dgm:layoutNode name="desTx" styleLbl="revTx">
+              <dgm:varLst/>
+              <dgm:alg type="tx">
+                <dgm:param type="txAnchorVertCh" val="mid"/>
+                <dgm:param type="parTxLTRAlign" val="l"/>
+                <dgm:param type="shpTxLTRAlignCh" val="l"/>
+                <dgm:param type="parTxRTLAlign" val="r"/>
+                <dgm:param type="shpTxRTLAlignCh" val="r"/>
+                <dgm:param type="stBulletLvl" val="0"/>
+              </dgm:alg>
+              <dgm:shape xmlns:r="http://schemas.openxmlformats.org/officeDocument/2006/relationships" type="rect" r:blip="">
+                <dgm:adjLst/>
+              </dgm:shape>
+              <dgm:presOf axis="des" ptType="node"/>
+              <dgm:constrLst>
+                <dgm:constr type="primFontSz" val="18"/>
+                <dgm:constr type="secFontSz" refType="primFontSz"/>
+                <dgm:constr type="lMarg" refType="h" fact="0.3"/>
+                <dgm:constr type="rMarg" refType="h" fact="0.3"/>
+                <dgm:constr type="tMarg" refType="h" fact="0.3"/>
+                <dgm:constr type="bMarg" refType="h" fact="0.3"/>
+              </dgm:constrLst>
+              <dgm:ruleLst>
+                <dgm:rule type="primFontSz" val="11" fact="NaN" max="NaN"/>
+              </dgm:ruleLst>
+            </dgm:layoutNode>
+          </dgm:if>
+          <dgm:else name="Name14"/>
+        </dgm:choose>
+      </dgm:layoutNode>
+      <dgm:forEach name="Name15" axis="followSib" ptType="sibTrans" cnt="1">
+        <dgm:layoutNode name="sibTrans">
+          <dgm:alg type="sp"/>
+          <dgm:shape xmlns:r="http://schemas.openxmlformats.org/officeDocument/2006/relationships" r:blip="">
+            <dgm:adjLst/>
+          </dgm:shape>
+          <dgm:presOf axis="self"/>
+          <dgm:constrLst/>
+          <dgm:ruleLst/>
+        </dgm:layoutNode>
+      </dgm:forEach>
+    </dgm:forEach>
+  </dgm:layoutNode>
+  <dgm:extLst>
+    <a:ext uri="{68A01E43-0DF5-4B5B-8FA6-DAF915123BFB}">
+      <dgm1612:lstStyle xmlns:dgm1612="http://schemas.microsoft.com/office/drawing/2016/12/diagram">
+        <a:lvl1pPr>
+          <a:lnSpc>
+            <a:spcPct val="100000"/>
+          </a:lnSpc>
+        </a:lvl1pPr>
+        <a:lvl2pPr>
+          <a:lnSpc>
+            <a:spcPct val="100000"/>
+          </a:lnSpc>
+        </a:lvl2pPr>
+      </dgm1612:lstStyle>
+    </a:ext>
+  </dgm:extLst>
+</dgm:layoutDef>
+</file>
+
+<file path=ppt/diagrams/layout2.xml><?xml version="1.0" encoding="utf-8"?>
+<dgm:layoutDef xmlns:dgm="http://schemas.openxmlformats.org/drawingml/2006/diagram" xmlns:a="http://schemas.openxmlformats.org/drawingml/2006/main" uniqueId="urn:microsoft.com/office/officeart/2005/8/layout/list1">
+  <dgm:title val=""/>
+  <dgm:desc val=""/>
+  <dgm:catLst>
+    <dgm:cat type="list" pri="4000"/>
+  </dgm:catLst>
+  <dgm:sampData>
+    <dgm:dataModel>
+      <dgm:ptLst>
+        <dgm:pt modelId="0" type="doc"/>
+        <dgm:pt modelId="1">
+          <dgm:prSet phldr="1"/>
+        </dgm:pt>
+        <dgm:pt modelId="2">
+          <dgm:prSet phldr="1"/>
+        </dgm:pt>
+        <dgm:pt modelId="3">
+          <dgm:prSet phldr="1"/>
+        </dgm:pt>
+      </dgm:ptLst>
+      <dgm:cxnLst>
+        <dgm:cxn modelId="4" srcId="0" destId="1" srcOrd="0" destOrd="0"/>
+        <dgm:cxn modelId="5" srcId="0" destId="2" srcOrd="1" destOrd="0"/>
+        <dgm:cxn modelId="6" srcId="0" destId="3" srcOrd="2" destOrd="0"/>
+      </dgm:cxnLst>
+      <dgm:bg/>
+      <dgm:whole/>
+    </dgm:dataModel>
+  </dgm:sampData>
+  <dgm:styleData>
+    <dgm:dataModel>
+      <dgm:ptLst>
+        <dgm:pt modelId="0" type="doc"/>
+        <dgm:pt modelId="1"/>
+        <dgm:pt modelId="2"/>
+      </dgm:ptLst>
+      <dgm:cxnLst>
+        <dgm:cxn modelId="4" srcId="0" destId="1" srcOrd="0" destOrd="0"/>
+        <dgm:cxn modelId="5" srcId="0" destId="2" srcOrd="1" destOrd="0"/>
+      </dgm:cxnLst>
+      <dgm:bg/>
+      <dgm:whole/>
+    </dgm:dataModel>
+  </dgm:styleData>
+  <dgm:clrData>
+    <dgm:dataModel>
+      <dgm:ptLst>
+        <dgm:pt modelId="0" type="doc"/>
+        <dgm:pt modelId="1"/>
+        <dgm:pt modelId="2"/>
+        <dgm:pt modelId="3"/>
+        <dgm:pt modelId="4"/>
+      </dgm:ptLst>
+      <dgm:cxnLst>
+        <dgm:cxn modelId="5" srcId="0" destId="1" srcOrd="0" destOrd="0"/>
+        <dgm:cxn modelId="6" srcId="0" destId="2" srcOrd="1" destOrd="0"/>
+        <dgm:cxn modelId="7" srcId="0" destId="3" srcOrd="2" destOrd="0"/>
+        <dgm:cxn modelId="8" srcId="0" destId="4" srcOrd="3" destOrd="0"/>
+      </dgm:cxnLst>
+      <dgm:bg/>
+      <dgm:whole/>
+    </dgm:dataModel>
+  </dgm:clrData>
+  <dgm:layoutNode name="linear">
+    <dgm:varLst>
+      <dgm:dir/>
+      <dgm:animLvl val="lvl"/>
+      <dgm:resizeHandles val="exact"/>
+    </dgm:varLst>
+    <dgm:choose name="Name0">
+      <dgm:if name="Name1" func="var" arg="dir" op="equ" val="norm">
+        <dgm:alg type="lin">
+          <dgm:param type="linDir" val="fromT"/>
+          <dgm:param type="vertAlign" val="mid"/>
+          <dgm:param type="horzAlign" val="l"/>
+          <dgm:param type="nodeHorzAlign" val="l"/>
+        </dgm:alg>
+      </dgm:if>
+      <dgm:else name="Name2">
+        <dgm:alg type="lin">
+          <dgm:param type="linDir" val="fromT"/>
+          <dgm:param type="vertAlign" val="mid"/>
+          <dgm:param type="horzAlign" val="r"/>
+          <dgm:param type="nodeHorzAlign" val="r"/>
+        </dgm:alg>
+      </dgm:else>
+    </dgm:choose>
+    <dgm:shape xmlns:r="http://schemas.openxmlformats.org/officeDocument/2006/relationships" r:blip="">
+      <dgm:adjLst/>
+    </dgm:shape>
+    <dgm:presOf/>
+    <dgm:constrLst>
+      <dgm:constr type="w" for="ch" forName="parentLin" refType="w"/>
+      <dgm:constr type="h" for="ch" forName="parentLin" val="INF"/>
+      <dgm:constr type="w" for="des" forName="parentLeftMargin" refType="w" fact="0.05"/>
+      <dgm:constr type="w" for="des" forName="parentText" refType="w" fact="0.7"/>
+      <dgm:constr type="h" for="des" forName="parentText" refType="primFontSz" refFor="des" refForName="parentText" fact="0.82"/>
+      <dgm:constr type="h" for="ch" forName="negativeSpace" refType="primFontSz" refFor="des" refForName="parentText" fact="-0.41"/>
+      <dgm:constr type="h" for="ch" forName="negativeSpace" refType="h" refFor="des" refForName="parentText" op="lte" fact="-0.82"/>
+      <dgm:constr type="h" for="ch" forName="negativeSpace" refType="h" refFor="des" refForName="parentText" op="gte" fact="-0.82"/>
+      <dgm:constr type="w" for="ch" forName="childText" refType="w"/>
+      <dgm:constr type="h" for="ch" forName="childText" refType="primFontSz" refFor="des" refForName="parentText" fact="0.7"/>
+      <dgm:constr type="primFontSz" for="des" forName="parentText" val="65"/>
+      <dgm:constr type="primFontSz" for="ch" forName="childText" refType="primFontSz" refFor="des" refForName="parentText"/>
+      <dgm:constr type="tMarg" for="ch" forName="childText" refType="primFontSz" refFor="des" refForName="parentText" fact="1.64"/>
+      <dgm:constr type="tMarg" for="ch" forName="childText" refType="h" refFor="des" refForName="parentText" op="lte" fact="3.28"/>
+      <dgm:constr type="tMarg" for="ch" forName="childText" refType="h" refFor="des" refForName="parentText" op="gte" fact="3.28"/>
+      <dgm:constr type="lMarg" for="ch" forName="childText" refType="w" fact="0.22"/>
+      <dgm:constr type="rMarg" for="ch" forName="childText" refType="lMarg" refFor="ch" refForName="childText"/>
+      <dgm:constr type="lMarg" for="des" forName="parentText" refType="w" fact="0.075"/>
+      <dgm:constr type="rMarg" for="des" forName="parentText" refType="lMarg" refFor="des" refForName="parentText"/>
+      <dgm:constr type="h" for="ch" forName="spaceBetweenRectangles" refType="primFontSz" refFor="des" refForName="parentText" fact="0.15"/>
+    </dgm:constrLst>
+    <dgm:ruleLst>
+      <dgm:rule type="primFontSz" for="des" forName="parentText" val="5" fact="NaN" max="NaN"/>
+    </dgm:ruleLst>
+    <dgm:forEach name="Name3" axis="ch" ptType="node">
+      <dgm:layoutNode name="parentLin">
+        <dgm:choose name="Name4">
+          <dgm:if name="Name5" func="var" arg="dir" op="equ" val="norm">
+            <dgm:alg type="lin">
+              <dgm:param type="linDir" val="fromL"/>
+              <dgm:param type="horzAlign" val="l"/>
+              <dgm:param type="nodeHorzAlign" val="l"/>
+            </dgm:alg>
+          </dgm:if>
+          <dgm:else name="Name6">
+            <dgm:alg type="lin">
+              <dgm:param type="linDir" val="fromR"/>
+              <dgm:param type="horzAlign" val="r"/>
+              <dgm:param type="nodeHorzAlign" val="r"/>
+            </dgm:alg>
+          </dgm:else>
+        </dgm:choose>
+        <dgm:shape xmlns:r="http://schemas.openxmlformats.org/officeDocument/2006/relationships" r:blip="">
+          <dgm:adjLst/>
+        </dgm:shape>
+        <dgm:presOf/>
+        <dgm:constrLst/>
+        <dgm:ruleLst/>
+        <dgm:layoutNode name="parentLeftMargin">
+          <dgm:alg type="sp"/>
+          <dgm:shape xmlns:r="http://schemas.openxmlformats.org/officeDocument/2006/relationships" type="rect" r:blip="" hideGeom="1">
+            <dgm:adjLst/>
+          </dgm:shape>
+          <dgm:presOf axis="self"/>
+          <dgm:constrLst>
+            <dgm:constr type="h"/>
+          </dgm:constrLst>
+          <dgm:ruleLst/>
+        </dgm:layoutNode>
+        <dgm:layoutNode name="parentText" styleLbl="node1">
+          <dgm:varLst>
+            <dgm:chMax val="0"/>
+            <dgm:bulletEnabled val="1"/>
+          </dgm:varLst>
+          <dgm:choose name="Name7">
+            <dgm:if name="Name8" func="var" arg="dir" op="equ" val="norm">
+              <dgm:alg type="tx">
+                <dgm:param type="parTxLTRAlign" val="l"/>
+                <dgm:param type="parTxRTLAlign" val="l"/>
+              </dgm:alg>
+            </dgm:if>
+            <dgm:else name="Name9">
+              <dgm:alg type="tx">
+                <dgm:param type="parTxLTRAlign" val="r"/>
+                <dgm:param type="parTxRTLAlign" val="r"/>
+              </dgm:alg>
+            </dgm:else>
+          </dgm:choose>
+          <dgm:shape xmlns:r="http://schemas.openxmlformats.org/officeDocument/2006/relationships" type="roundRect" r:blip="">
+            <dgm:adjLst/>
+          </dgm:shape>
+          <dgm:presOf axis="self" ptType="node"/>
+          <dgm:constrLst>
+            <dgm:constr type="tMarg"/>
+            <dgm:constr type="bMarg"/>
+          </dgm:constrLst>
+          <dgm:ruleLst/>
+        </dgm:layoutNode>
+      </dgm:layoutNode>
+      <dgm:layoutNode name="negativeSpace">
+        <dgm:alg type="sp"/>
+        <dgm:shape xmlns:r="http://schemas.openxmlformats.org/officeDocument/2006/relationships" r:blip="">
+          <dgm:adjLst/>
+        </dgm:shape>
+        <dgm:presOf/>
+        <dgm:constrLst/>
+        <dgm:ruleLst/>
+      </dgm:layoutNode>
+      <dgm:layoutNode name="childText" styleLbl="conFgAcc1">
+        <dgm:varLst>
+          <dgm:bulletEnabled val="1"/>
+        </dgm:varLst>
+        <dgm:alg type="tx">
+          <dgm:param type="stBulletLvl" val="1"/>
+        </dgm:alg>
+        <dgm:shape xmlns:r="http://schemas.openxmlformats.org/officeDocument/2006/relationships" type="rect" r:blip="" zOrderOff="-2">
+          <dgm:adjLst/>
+        </dgm:shape>
+        <dgm:presOf axis="des" ptType="node"/>
+        <dgm:constrLst>
+          <dgm:constr type="secFontSz" refType="primFontSz"/>
+        </dgm:constrLst>
+        <dgm:ruleLst>
+          <dgm:rule type="h" val="INF" fact="NaN" max="NaN"/>
+        </dgm:ruleLst>
+      </dgm:layoutNode>
+      <dgm:forEach name="Name10" axis="followSib" ptType="sibTrans" cnt="1">
+        <dgm:layoutNode name="spaceBetweenRectangles">
+          <dgm:alg type="sp"/>
+          <dgm:shape xmlns:r="http://schemas.openxmlformats.org/officeDocument/2006/relationships" r:blip="">
+            <dgm:adjLst/>
+          </dgm:shape>
+          <dgm:presOf/>
+          <dgm:constrLst/>
+          <dgm:ruleLst/>
+        </dgm:layoutNode>
+      </dgm:forEach>
+    </dgm:forEach>
+  </dgm:layoutNode>
+</dgm:layoutDef>
+</file>
+
+<file path=ppt/diagrams/quickStyle1.xml><?xml version="1.0" encoding="utf-8"?>
+<dgm:styleDef xmlns:dgm="http://schemas.openxmlformats.org/drawingml/2006/diagram" xmlns:a="http://schemas.openxmlformats.org/drawingml/2006/main" uniqueId="urn:microsoft.com/office/officeart/2005/8/quickstyle/simple1">
+  <dgm:title val=""/>
+  <dgm:desc val=""/>
+  <dgm:catLst>
+    <dgm:cat type="simple" pri="10100"/>
+  </dgm:catLst>
+  <dgm:scene3d>
+    <a:camera prst="orthographicFront"/>
+    <a:lightRig rig="threePt" dir="t"/>
+  </dgm:scene3d>
+  <dgm:styleLbl name="node0">
+    <dgm:scene3d>
+      <a:camera prst="orthographicFront"/>
+      <a:lightRig rig="threePt" dir="t"/>
+    </dgm:scene3d>
+    <dgm:sp3d/>
+    <dgm:txPr/>
+    <dgm:style>
+      <a:lnRef idx="2">
+        <a:scrgbClr r="0" g="0" b="0"/>
+      </a:lnRef>
+      <a:fillRef idx="1">
+        <a:scrgbClr r="0" g="0" b="0"/>
+      </a:fillRef>
+      <a:effectRef idx="0">
+        <a:scrgbClr r="0" g="0" b="0"/>
+      </a:effectRef>
+      <a:fontRef idx="minor">
+        <a:schemeClr val="lt1"/>
+      </a:fontRef>
+    </dgm:style>
+  </dgm:styleLbl>
+  <dgm:styleLbl name="lnNode1">
+    <dgm:scene3d>
+      <a:camera prst="orthographicFront"/>
+      <a:lightRig rig="threePt" dir="t"/>
+    </dgm:scene3d>
+    <dgm:sp3d/>
+    <dgm:txPr/>
+    <dgm:style>
+      <a:lnRef idx="2">
+        <a:scrgbClr r="0" g="0" b="0"/>
+      </a:lnRef>
+      <a:fillRef idx="1">
+        <a:scrgbClr r="0" g="0" b="0"/>
+      </a:fillRef>
+      <a:effectRef idx="0">
+        <a:scrgbClr r="0" g="0" b="0"/>
+      </a:effectRef>
+      <a:fontRef idx="minor">
+        <a:schemeClr val="lt1"/>
+      </a:fontRef>
+    </dgm:style>
+  </dgm:styleLbl>
+  <dgm:styleLbl name="vennNode1">
+    <dgm:scene3d>
+      <a:camera prst="orthographicFront"/>
+      <a:lightRig rig="threePt" dir="t"/>
+    </dgm:scene3d>
+    <dgm:sp3d/>
+    <dgm:txPr/>
+    <dgm:style>
+      <a:lnRef idx="2">
+        <a:scrgbClr r="0" g="0" b="0"/>
+      </a:lnRef>
+      <a:fillRef idx="1">
+        <a:scrgbClr r="0" g="0" b="0"/>
+      </a:fillRef>
+      <a:effectRef idx="0">
+        <a:scrgbClr r="0" g="0" b="0"/>
+      </a:effectRef>
+      <a:fontRef idx="minor">
+        <a:schemeClr val="tx1"/>
+      </a:fontRef>
+    </dgm:style>
+  </dgm:styleLbl>
+  <dgm:styleLbl name="alignNode1">
+    <dgm:scene3d>
+      <a:camera prst="orthographicFront"/>
+      <a:lightRig rig="threePt" dir="t"/>
+    </dgm:scene3d>
+    <dgm:sp3d/>
+    <dgm:txPr/>
+    <dgm:style>
+      <a:lnRef idx="2">
+        <a:scrgbClr r="0" g="0" b="0"/>
+      </a:lnRef>
+      <a:fillRef idx="1">
+        <a:scrgbClr r="0" g="0" b="0"/>
+      </a:fillRef>
+      <a:effectRef idx="0">
+        <a:scrgbClr r="0" g="0" b="0"/>
+      </a:effectRef>
+      <a:fontRef idx="minor">
+        <a:schemeClr val="lt1"/>
+      </a:fontRef>
+    </dgm:style>
+  </dgm:styleLbl>
+  <dgm:styleLbl name="node1">
+    <dgm:scene3d>
+      <a:camera prst="orthographicFront"/>
+      <a:lightRig rig="threePt" dir="t"/>
+    </dgm:scene3d>
+    <dgm:sp3d/>
+    <dgm:txPr/>
+    <dgm:style>
+      <a:lnRef idx="2">
+        <a:scrgbClr r="0" g="0" b="0"/>
+      </a:lnRef>
+      <a:fillRef idx="1">
+        <a:scrgbClr r="0" g="0" b="0"/>
+      </a:fillRef>
+      <a:effectRef idx="0">
+        <a:scrgbClr r="0" g="0" b="0"/>
+      </a:effectRef>
+      <a:fontRef idx="minor">
+        <a:schemeClr val="lt1"/>
+      </a:fontRef>
+    </dgm:style>
+  </dgm:styleLbl>
+  <dgm:styleLbl name="node2">
+    <dgm:scene3d>
+      <a:camera prst="orthographicFront"/>
+      <a:lightRig rig="threePt" dir="t"/>
+    </dgm:scene3d>
+    <dgm:sp3d/>
+    <dgm:txPr/>
+    <dgm:style>
+      <a:lnRef idx="2">
+        <a:scrgbClr r="0" g="0" b="0"/>
+      </a:lnRef>
+      <a:fillRef idx="1">
+        <a:scrgbClr r="0" g="0" b="0"/>
+      </a:fillRef>
+      <a:effectRef idx="0">
+        <a:scrgbClr r="0" g="0" b="0"/>
+      </a:effectRef>
+      <a:fontRef idx="minor">
+        <a:schemeClr val="lt1"/>
+      </a:fontRef>
+    </dgm:style>
+  </dgm:styleLbl>
+  <dgm:styleLbl name="node3">
+    <dgm:scene3d>
+      <a:camera prst="orthographicFront"/>
+      <a:lightRig rig="threePt" dir="t"/>
+    </dgm:scene3d>
+    <dgm:sp3d/>
+    <dgm:txPr/>
+    <dgm:style>
+      <a:lnRef idx="2">
+        <a:scrgbClr r="0" g="0" b="0"/>
+      </a:lnRef>
+      <a:fillRef idx="1">
+        <a:scrgbClr r="0" g="0" b="0"/>
+      </a:fillRef>
+      <a:effectRef idx="0">
+        <a:scrgbClr r="0" g="0" b="0"/>
+      </a:effectRef>
+      <a:fontRef idx="minor">
+        <a:schemeClr val="lt1"/>
+      </a:fontRef>
+    </dgm:style>
+  </dgm:styleLbl>
+  <dgm:styleLbl name="node4">
+    <dgm:scene3d>
+      <a:camera prst="orthographicFront"/>
+      <a:lightRig rig="threePt" dir="t"/>
+    </dgm:scene3d>
+    <dgm:sp3d/>
+    <dgm:txPr/>
+    <dgm:style>
+      <a:lnRef idx="2">
+        <a:scrgbClr r="0" g="0" b="0"/>
+      </a:lnRef>
+      <a:fillRef idx="1">
+        <a:scrgbClr r="0" g="0" b="0"/>
+      </a:fillRef>
+      <a:effectRef idx="0">
+        <a:scrgbClr r="0" g="0" b="0"/>
+      </a:effectRef>
+      <a:fontRef idx="minor">
+        <a:schemeClr val="lt1"/>
+      </a:fontRef>
+    </dgm:style>
+  </dgm:styleLbl>
+  <dgm:styleLbl name="fgImgPlace1">
+    <dgm:scene3d>
+      <a:camera prst="orthographicFront"/>
+      <a:lightRig rig="threePt" dir="t"/>
+    </dgm:scene3d>
+    <dgm:sp3d/>
+    <dgm:txPr/>
+    <dgm:style>
+      <a:lnRef idx="2">
+        <a:scrgbClr r="0" g="0" b="0"/>
+      </a:lnRef>
+      <a:fillRef idx="1">
+        <a:scrgbClr r="0" g="0" b="0"/>
+      </a:fillRef>
+      <a:effectRef idx="0">
+        <a:scrgbClr r="0" g="0" b="0"/>
+      </a:effectRef>
+      <a:fontRef idx="minor"/>
+    </dgm:style>
+  </dgm:styleLbl>
+  <dgm:styleLbl name="alignImgPlace1">
+    <dgm:scene3d>
+      <a:camera prst="orthographicFront"/>
+      <a:lightRig rig="threePt" dir="t"/>
+    </dgm:scene3d>
+    <dgm:sp3d/>
+    <dgm:txPr/>
+    <dgm:style>
+      <a:lnRef idx="2">
+        <a:scrgbClr r="0" g="0" b="0"/>
+      </a:lnRef>
+      <a:fillRef idx="1">
+        <a:scrgbClr r="0" g="0" b="0"/>
+      </a:fillRef>
+      <a:effectRef idx="0">
+        <a:scrgbClr r="0" g="0" b="0"/>
+      </a:effectRef>
+      <a:fontRef idx="minor"/>
+    </dgm:style>
+  </dgm:styleLbl>
+  <dgm:styleLbl name="bgImgPlace1">
+    <dgm:scene3d>
+      <a:camera prst="orthographicFront"/>
+      <a:lightRig rig="threePt" dir="t"/>
+    </dgm:scene3d>
+    <dgm:sp3d/>
+    <dgm:txPr/>
+    <dgm:style>
+      <a:lnRef idx="2">
+        <a:scrgbClr r="0" g="0" b="0"/>
+      </a:lnRef>
+      <a:fillRef idx="1">
+        <a:scrgbClr r="0" g="0" b="0"/>
+      </a:fillRef>
+      <a:effectRef idx="0">
+        <a:scrgbClr r="0" g="0" b="0"/>
+      </a:effectRef>
+      <a:fontRef idx="minor"/>
+    </dgm:style>
+  </dgm:styleLbl>
+  <dgm:styleLbl name="sibTrans2D1">
+    <dgm:scene3d>
+      <a:camera prst="orthographicFront"/>
+      <a:lightRig rig="threePt" dir="t"/>
+    </dgm:scene3d>
+    <dgm:sp3d/>
+    <dgm:txPr/>
+    <dgm:style>
+      <a:lnRef idx="0">
+        <a:scrgbClr r="0" g="0" b="0"/>
+      </a:lnRef>
+      <a:fillRef idx="1">
+        <a:scrgbClr r="0" g="0" b="0"/>
+      </a:fillRef>
+      <a:effectRef idx="0">
+        <a:scrgbClr r="0" g="0" b="0"/>
+      </a:effectRef>
+      <a:fontRef idx="minor">
+        <a:schemeClr val="lt1"/>
+      </a:fontRef>
+    </dgm:style>
+  </dgm:styleLbl>
+  <dgm:styleLbl name="fgSibTrans2D1">
+    <dgm:scene3d>
+      <a:camera prst="orthographicFront"/>
+      <a:lightRig rig="threePt" dir="t"/>
+    </dgm:scene3d>
+    <dgm:sp3d/>
+    <dgm:txPr/>
+    <dgm:style>
+      <a:lnRef idx="0">
+        <a:scrgbClr r="0" g="0" b="0"/>
+      </a:lnRef>
+      <a:fillRef idx="1">
+        <a:scrgbClr r="0" g="0" b="0"/>
+      </a:fillRef>
+      <a:effectRef idx="0">
+        <a:scrgbClr r="0" g="0" b="0"/>
+      </a:effectRef>
+      <a:fontRef idx="minor">
+        <a:schemeClr val="lt1"/>
+      </a:fontRef>
+    </dgm:style>
+  </dgm:styleLbl>
+  <dgm:styleLbl name="bgSibTrans2D1">
+    <dgm:scene3d>
+      <a:camera prst="orthographicFront"/>
+      <a:lightRig rig="threePt" dir="t"/>
+    </dgm:scene3d>
+    <dgm:sp3d/>
+    <dgm:txPr/>
+    <dgm:style>
+      <a:lnRef idx="0">
+        <a:scrgbClr r="0" g="0" b="0"/>
+      </a:lnRef>
+      <a:fillRef idx="1">
+        <a:scrgbClr r="0" g="0" b="0"/>
+      </a:fillRef>
+      <a:effectRef idx="0">
+        <a:scrgbClr r="0" g="0" b="0"/>
+      </a:effectRef>
+      <a:fontRef idx="minor">
+        <a:schemeClr val="lt1"/>
+      </a:fontRef>
+    </dgm:style>
+  </dgm:styleLbl>
+  <dgm:styleLbl name="sibTrans1D1">
+    <dgm:scene3d>
+      <a:camera prst="orthographicFront"/>
+      <a:lightRig rig="threePt" dir="t"/>
+    </dgm:scene3d>
+    <dgm:sp3d/>
+    <dgm:txPr/>
+    <dgm:style>
+      <a:lnRef idx="1">
+        <a:scrgbClr r="0" g="0" b="0"/>
+      </a:lnRef>
+      <a:fillRef idx="0">
+        <a:scrgbClr r="0" g="0" b="0"/>
+      </a:fillRef>
+      <a:effectRef idx="0">
+        <a:scrgbClr r="0" g="0" b="0"/>
+      </a:effectRef>
+      <a:fontRef idx="minor"/>
+    </dgm:style>
+  </dgm:styleLbl>
+  <dgm:styleLbl name="callout">
+    <dgm:scene3d>
+      <a:camera prst="orthographicFront"/>
+      <a:lightRig rig="threePt" dir="t"/>
+    </dgm:scene3d>
+    <dgm:sp3d/>
+    <dgm:txPr/>
+    <dgm:style>
+      <a:lnRef idx="2">
+        <a:scrgbClr r="0" g="0" b="0"/>
+      </a:lnRef>
+      <a:fillRef idx="1">
+        <a:scrgbClr r="0" g="0" b="0"/>
+      </a:fillRef>
+      <a:effectRef idx="0">
+        <a:scrgbClr r="0" g="0" b="0"/>
+      </a:effectRef>
+      <a:fontRef idx="minor"/>
+    </dgm:style>
+  </dgm:styleLbl>
+  <dgm:styleLbl name="asst0">
+    <dgm:scene3d>
+      <a:camera prst="orthographicFront"/>
+      <a:lightRig rig="threePt" dir="t"/>
+    </dgm:scene3d>
+    <dgm:sp3d/>
+    <dgm:txPr/>
+    <dgm:style>
+      <a:lnRef idx="2">
+        <a:scrgbClr r="0" g="0" b="0"/>
+      </a:lnRef>
+      <a:fillRef idx="1">
+        <a:scrgbClr r="0" g="0" b="0"/>
+      </a:fillRef>
+      <a:effectRef idx="0">
+        <a:scrgbClr r="0" g="0" b="0"/>
+      </a:effectRef>
+      <a:fontRef idx="minor">
+        <a:schemeClr val="lt1"/>
+      </a:fontRef>
+    </dgm:style>
+  </dgm:styleLbl>
+  <dgm:styleLbl name="asst1">
+    <dgm:scene3d>
+      <a:camera prst="orthographicFront"/>
+      <a:lightRig rig="threePt" dir="t"/>
+    </dgm:scene3d>
+    <dgm:sp3d/>
+    <dgm:txPr/>
+    <dgm:style>
+      <a:lnRef idx="2">
+        <a:scrgbClr r="0" g="0" b="0"/>
+      </a:lnRef>
+      <a:fillRef idx="1">
+        <a:scrgbClr r="0" g="0" b="0"/>
+      </a:fillRef>
+      <a:effectRef idx="0">
+        <a:scrgbClr r="0" g="0" b="0"/>
+      </a:effectRef>
+      <a:fontRef idx="minor">
+        <a:schemeClr val="lt1"/>
+      </a:fontRef>
+    </dgm:style>
+  </dgm:styleLbl>
+  <dgm:styleLbl name="asst2">
+    <dgm:scene3d>
+      <a:camera prst="orthographicFront"/>
+      <a:lightRig rig="threePt" dir="t"/>
+    </dgm:scene3d>
+    <dgm:sp3d/>
+    <dgm:txPr/>
+    <dgm:style>
+      <a:lnRef idx="2">
+        <a:scrgbClr r="0" g="0" b="0"/>
+      </a:lnRef>
+      <a:fillRef idx="1">
+        <a:scrgbClr r="0" g="0" b="0"/>
+      </a:fillRef>
+      <a:effectRef idx="0">
+        <a:scrgbClr r="0" g="0" b="0"/>
+      </a:effectRef>
+      <a:fontRef idx="minor">
+        <a:schemeClr val="lt1"/>
+      </a:fontRef>
+    </dgm:style>
+  </dgm:styleLbl>
+  <dgm:styleLbl name="asst3">
+    <dgm:scene3d>
+      <a:camera prst="orthographicFront"/>
+      <a:lightRig rig="threePt" dir="t"/>
+    </dgm:scene3d>
+    <dgm:sp3d/>
+    <dgm:txPr/>
+    <dgm:style>
+      <a:lnRef idx="2">
+        <a:scrgbClr r="0" g="0" b="0"/>
+      </a:lnRef>
+      <a:fillRef idx="1">
+        <a:scrgbClr r="0" g="0" b="0"/>
+      </a:fillRef>
+      <a:effectRef idx="0">
+        <a:scrgbClr r="0" g="0" b="0"/>
+      </a:effectRef>
+      <a:fontRef idx="minor">
+        <a:schemeClr val="lt1"/>
+      </a:fontRef>
+    </dgm:style>
+  </dgm:styleLbl>
+  <dgm:styleLbl name="asst4">
+    <dgm:scene3d>
+      <a:camera prst="orthographicFront"/>
+      <a:lightRig rig="threePt" dir="t"/>
+    </dgm:scene3d>
+    <dgm:sp3d/>
+    <dgm:txPr/>
+    <dgm:style>
+      <a:lnRef idx="2">
+        <a:scrgbClr r="0" g="0" b="0"/>
+      </a:lnRef>
+      <a:fillRef idx="1">
+        <a:scrgbClr r="0" g="0" b="0"/>
+      </a:fillRef>
+      <a:effectRef idx="0">
+        <a:scrgbClr r="0" g="0" b="0"/>
+      </a:effectRef>
+      <a:fontRef idx="minor">
+        <a:schemeClr val="lt1"/>
+      </a:fontRef>
+    </dgm:style>
+  </dgm:styleLbl>
+  <dgm:styleLbl name="parChTrans2D1">
+    <dgm:scene3d>
+      <a:camera prst="orthographicFront"/>
+      <a:lightRig rig="threePt" dir="t"/>
+    </dgm:scene3d>
+    <dgm:sp3d/>
+    <dgm:txPr/>
+    <dgm:style>
+      <a:lnRef idx="2">
+        <a:scrgbClr r="0" g="0" b="0"/>
+      </a:lnRef>
+      <a:fillRef idx="1">
+        <a:scrgbClr r="0" g="0" b="0"/>
+      </a:fillRef>
+      <a:effectRef idx="0">
+        <a:scrgbClr r="0" g="0" b="0"/>
+      </a:effectRef>
+      <a:fontRef idx="minor">
+        <a:schemeClr val="lt1"/>
+      </a:fontRef>
+    </dgm:style>
+  </dgm:styleLbl>
+  <dgm:styleLbl name="parChTrans2D2">
+    <dgm:scene3d>
+      <a:camera prst="orthographicFront"/>
+      <a:lightRig rig="threePt" dir="t"/>
+    </dgm:scene3d>
+    <dgm:sp3d/>
+    <dgm:txPr/>
+    <dgm:style>
+      <a:lnRef idx="2">
+        <a:scrgbClr r="0" g="0" b="0"/>
+      </a:lnRef>
+      <a:fillRef idx="1">
+        <a:scrgbClr r="0" g="0" b="0"/>
+      </a:fillRef>
+      <a:effectRef idx="0">
+        <a:scrgbClr r="0" g="0" b="0"/>
+      </a:effectRef>
+      <a:fontRef idx="minor">
+        <a:schemeClr val="lt1"/>
+      </a:fontRef>
+    </dgm:style>
+  </dgm:styleLbl>
+  <dgm:styleLbl name="parChTrans2D3">
+    <dgm:scene3d>
+      <a:camera prst="orthographicFront"/>
+      <a:lightRig rig="threePt" dir="t"/>
+    </dgm:scene3d>
+    <dgm:sp3d/>
+    <dgm:txPr/>
+    <dgm:style>
+      <a:lnRef idx="2">
+        <a:scrgbClr r="0" g="0" b="0"/>
+      </a:lnRef>
+      <a:fillRef idx="1">
+        <a:scrgbClr r="0" g="0" b="0"/>
+      </a:fillRef>
+      <a:effectRef idx="0">
+        <a:scrgbClr r="0" g="0" b="0"/>
+      </a:effectRef>
+      <a:fontRef idx="minor">
+        <a:schemeClr val="lt1"/>
+      </a:fontRef>
+    </dgm:style>
+  </dgm:styleLbl>
+  <dgm:styleLbl name="parChTrans2D4">
+    <dgm:scene3d>
+      <a:camera prst="orthographicFront"/>
+      <a:lightRig rig="threePt" dir="t"/>
+    </dgm:scene3d>
+    <dgm:sp3d/>
+    <dgm:txPr/>
+    <dgm:style>
+      <a:lnRef idx="2">
+        <a:scrgbClr r="0" g="0" b="0"/>
+      </a:lnRef>
+      <a:fillRef idx="1">
+        <a:scrgbClr r="0" g="0" b="0"/>
+      </a:fillRef>
+      <a:effectRef idx="0">
+        <a:scrgbClr r="0" g="0" b="0"/>
+      </a:effectRef>
+      <a:fontRef idx="minor">
+        <a:schemeClr val="lt1"/>
+      </a:fontRef>
+    </dgm:style>
+  </dgm:styleLbl>
+  <dgm:styleLbl name="parChTrans1D1">
+    <dgm:scene3d>
+      <a:camera prst="orthographicFront"/>
+      <a:lightRig rig="threePt" dir="t"/>
+    </dgm:scene3d>
+    <dgm:sp3d/>
+    <dgm:txPr/>
+    <dgm:style>
+      <a:lnRef idx="2">
+        <a:scrgbClr r="0" g="0" b="0"/>
+      </a:lnRef>
+      <a:fillRef idx="0">
+        <a:scrgbClr r="0" g="0" b="0"/>
+      </a:fillRef>
+      <a:effectRef idx="0">
+        <a:scrgbClr r="0" g="0" b="0"/>
+      </a:effectRef>
+      <a:fontRef idx="minor"/>
+    </dgm:style>
+  </dgm:styleLbl>
+  <dgm:styleLbl name="parChTrans1D2">
+    <dgm:scene3d>
+      <a:camera prst="orthographicFront"/>
+      <a:lightRig rig="threePt" dir="t"/>
+    </dgm:scene3d>
+    <dgm:sp3d/>
+    <dgm:txPr/>
+    <dgm:style>
+      <a:lnRef idx="2">
+        <a:scrgbClr r="0" g="0" b="0"/>
+      </a:lnRef>
+      <a:fillRef idx="0">
+        <a:scrgbClr r="0" g="0" b="0"/>
+      </a:fillRef>
+      <a:effectRef idx="0">
+        <a:scrgbClr r="0" g="0" b="0"/>
+      </a:effectRef>
+      <a:fontRef idx="minor"/>
+    </dgm:style>
+  </dgm:styleLbl>
+  <dgm:styleLbl name="parChTrans1D3">
+    <dgm:scene3d>
+      <a:camera prst="orthographicFront"/>
+      <a:lightRig rig="threePt" dir="t"/>
+    </dgm:scene3d>
+    <dgm:sp3d/>
+    <dgm:txPr/>
+    <dgm:style>
+      <a:lnRef idx="2">
+        <a:scrgbClr r="0" g="0" b="0"/>
+      </a:lnRef>
+      <a:fillRef idx="0">
+        <a:scrgbClr r="0" g="0" b="0"/>
+      </a:fillRef>
+      <a:effectRef idx="0">
+        <a:scrgbClr r="0" g="0" b="0"/>
+      </a:effectRef>
+      <a:fontRef idx="minor"/>
+    </dgm:style>
+  </dgm:styleLbl>
+  <dgm:styleLbl name="parChTrans1D4">
+    <dgm:scene3d>
+      <a:camera prst="orthographicFront"/>
+      <a:lightRig rig="threePt" dir="t"/>
+    </dgm:scene3d>
+    <dgm:sp3d/>
+    <dgm:txPr/>
+    <dgm:style>
+      <a:lnRef idx="2">
+        <a:scrgbClr r="0" g="0" b="0"/>
+      </a:lnRef>
+      <a:fillRef idx="0">
+        <a:scrgbClr r="0" g="0" b="0"/>
+      </a:fillRef>
+      <a:effectRef idx="0">
+        <a:scrgbClr r="0" g="0" b="0"/>
+      </a:effectRef>
+      <a:fontRef idx="minor"/>
+    </dgm:style>
+  </dgm:styleLbl>
+  <dgm:styleLbl name="fgAcc1">
+    <dgm:scene3d>
+      <a:camera prst="orthographicFront"/>
+      <a:lightRig rig="threePt" dir="t"/>
+    </dgm:scene3d>
+    <dgm:sp3d/>
+    <dgm:txPr/>
+    <dgm:style>
+      <a:lnRef idx="2">
+        <a:scrgbClr r="0" g="0" b="0"/>
+      </a:lnRef>
+      <a:fillRef idx="1">
+        <a:scrgbClr r="0" g="0" b="0"/>
+      </a:fillRef>
+      <a:effectRef idx="0">
+        <a:scrgbClr r="0" g="0" b="0"/>
+      </a:effectRef>
+      <a:fontRef idx="minor"/>
+    </dgm:style>
+  </dgm:styleLbl>
+  <dgm:styleLbl name="conFgAcc1">
+    <dgm:scene3d>
+      <a:camera prst="orthographicFront"/>
+      <a:lightRig rig="threePt" dir="t"/>
+    </dgm:scene3d>
+    <dgm:sp3d/>
+    <dgm:txPr/>
+    <dgm:style>
+      <a:lnRef idx="2">
+        <a:scrgbClr r="0" g="0" b="0"/>
+      </a:lnRef>
+      <a:fillRef idx="1">
+        <a:scrgbClr r="0" g="0" b="0"/>
+      </a:fillRef>
+      <a:effectRef idx="0">
+        <a:scrgbClr r="0" g="0" b="0"/>
+      </a:effectRef>
+      <a:fontRef idx="minor"/>
+    </dgm:style>
+  </dgm:styleLbl>
+  <dgm:styleLbl name="alignAcc1">
+    <dgm:scene3d>
+      <a:camera prst="orthographicFront"/>
+      <a:lightRig rig="threePt" dir="t"/>
+    </dgm:scene3d>
+    <dgm:sp3d/>
+    <dgm:txPr/>
+    <dgm:style>
+      <a:lnRef idx="2">
+        <a:scrgbClr r="0" g="0" b="0"/>
+      </a:lnRef>
+      <a:fillRef idx="1">
+        <a:scrgbClr r="0" g="0" b="0"/>
+      </a:fillRef>
+      <a:effectRef idx="0">
+        <a:scrgbClr r="0" g="0" b="0"/>
+      </a:effectRef>
+      <a:fontRef idx="minor"/>
+    </dgm:style>
+  </dgm:styleLbl>
+  <dgm:styleLbl name="trAlignAcc1">
+    <dgm:scene3d>
+      <a:camera prst="orthographicFront"/>
+      <a:lightRig rig="threePt" dir="t"/>
+    </dgm:scene3d>
+    <dgm:sp3d/>
+    <dgm:txPr/>
+    <dgm:style>
+      <a:lnRef idx="1">
+        <a:scrgbClr r="0" g="0" b="0"/>
+      </a:lnRef>
+      <a:fillRef idx="1">
+        <a:scrgbClr r="0" g="0" b="0"/>
+      </a:fillRef>
+      <a:effectRef idx="0">
+        <a:scrgbClr r="0" g="0" b="0"/>
+      </a:effectRef>
+      <a:fontRef idx="minor"/>
+    </dgm:style>
+  </dgm:styleLbl>
+  <dgm:styleLbl name="bgAcc1">
+    <dgm:scene3d>
+      <a:camera prst="orthographicFront"/>
+      <a:lightRig rig="threePt" dir="t"/>
+    </dgm:scene3d>
+    <dgm:sp3d/>
+    <dgm:txPr/>
+    <dgm:style>
+      <a:lnRef idx="2">
+        <a:scrgbClr r="0" g="0" b="0"/>
+      </a:lnRef>
+      <a:fillRef idx="1">
+        <a:scrgbClr r="0" g="0" b="0"/>
+      </a:fillRef>
+      <a:effectRef idx="0">
+        <a:scrgbClr r="0" g="0" b="0"/>
+      </a:effectRef>
+      <a:fontRef idx="minor"/>
+    </dgm:style>
+  </dgm:styleLbl>
+  <dgm:styleLbl name="solidFgAcc1">
+    <dgm:scene3d>
+      <a:camera prst="orthographicFront"/>
+      <a:lightRig rig="threePt" dir="t"/>
+    </dgm:scene3d>
+    <dgm:sp3d/>
+    <dgm:txPr/>
+    <dgm:style>
+      <a:lnRef idx="2">
+        <a:scrgbClr r="0" g="0" b="0"/>
+      </a:lnRef>
+      <a:fillRef idx="1">
+        <a:scrgbClr r="0" g="0" b="0"/>
+      </a:fillRef>
+      <a:effectRef idx="0">
+        <a:scrgbClr r="0" g="0" b="0"/>
+      </a:effectRef>
+      <a:fontRef idx="minor"/>
+    </dgm:style>
+  </dgm:styleLbl>
+  <dgm:styleLbl name="solidAlignAcc1">
+    <dgm:scene3d>
+      <a:camera prst="orthographicFront"/>
+      <a:lightRig rig="threePt" dir="t"/>
+    </dgm:scene3d>
+    <dgm:sp3d/>
+    <dgm:txPr/>
+    <dgm:style>
+      <a:lnRef idx="2">
+        <a:scrgbClr r="0" g="0" b="0"/>
+      </a:lnRef>
+      <a:fillRef idx="1">
+        <a:scrgbClr r="0" g="0" b="0"/>
+      </a:fillRef>
+      <a:effectRef idx="0">
+        <a:scrgbClr r="0" g="0" b="0"/>
+      </a:effectRef>
+      <a:fontRef idx="minor"/>
+    </dgm:style>
+  </dgm:styleLbl>
+  <dgm:styleLbl name="solidBgAcc1">
+    <dgm:scene3d>
+      <a:camera prst="orthographicFront"/>
+      <a:lightRig rig="threePt" dir="t"/>
+    </dgm:scene3d>
+    <dgm:sp3d/>
+    <dgm:txPr/>
+    <dgm:style>
+      <a:lnRef idx="2">
+        <a:scrgbClr r="0" g="0" b="0"/>
+      </a:lnRef>
+      <a:fillRef idx="1">
+        <a:scrgbClr r="0" g="0" b="0"/>
+      </a:fillRef>
+      <a:effectRef idx="0">
+        <a:scrgbClr r="0" g="0" b="0"/>
+      </a:effectRef>
+      <a:fontRef idx="minor"/>
+    </dgm:style>
+  </dgm:styleLbl>
+  <dgm:styleLbl name="fgAccFollowNode1">
+    <dgm:scene3d>
+      <a:camera prst="orthographicFront"/>
+      <a:lightRig rig="threePt" dir="t"/>
+    </dgm:scene3d>
+    <dgm:sp3d/>
+    <dgm:txPr/>
+    <dgm:style>
+      <a:lnRef idx="2">
+        <a:scrgbClr r="0" g="0" b="0"/>
+      </a:lnRef>
+      <a:fillRef idx="1">
+        <a:scrgbClr r="0" g="0" b="0"/>
+      </a:fillRef>
+      <a:effectRef idx="0">
+        <a:scrgbClr r="0" g="0" b="0"/>
+      </a:effectRef>
+      <a:fontRef idx="minor"/>
+    </dgm:style>
+  </dgm:styleLbl>
+  <dgm:styleLbl name="alignAccFollowNode1">
+    <dgm:scene3d>
+      <a:camera prst="orthographicFront"/>
+      <a:lightRig rig="threePt" dir="t"/>
+    </dgm:scene3d>
+    <dgm:sp3d/>
+    <dgm:txPr/>
+    <dgm:style>
+      <a:lnRef idx="2">
+        <a:scrgbClr r="0" g="0" b="0"/>
+      </a:lnRef>
+      <a:fillRef idx="1">
+        <a:scrgbClr r="0" g="0" b="0"/>
+      </a:fillRef>
+      <a:effectRef idx="0">
+        <a:scrgbClr r="0" g="0" b="0"/>
+      </a:effectRef>
+      <a:fontRef idx="minor"/>
+    </dgm:style>
+  </dgm:styleLbl>
+  <dgm:styleLbl name="bgAccFollowNode1">
+    <dgm:scene3d>
+      <a:camera prst="orthographicFront"/>
+      <a:lightRig rig="threePt" dir="t"/>
+    </dgm:scene3d>
+    <dgm:sp3d/>
+    <dgm:txPr/>
+    <dgm:style>
+      <a:lnRef idx="2">
+        <a:scrgbClr r="0" g="0" b="0"/>
+      </a:lnRef>
+      <a:fillRef idx="1">
+        <a:scrgbClr r="0" g="0" b="0"/>
+      </a:fillRef>
+      <a:effectRef idx="0">
+        <a:scrgbClr r="0" g="0" b="0"/>
+      </a:effectRef>
+      <a:fontRef idx="minor"/>
+    </dgm:style>
+  </dgm:styleLbl>
+  <dgm:styleLbl name="fgAcc0">
+    <dgm:scene3d>
+      <a:camera prst="orthographicFront"/>
+      <a:lightRig rig="threePt" dir="t"/>
+    </dgm:scene3d>
+    <dgm:sp3d/>
+    <dgm:txPr/>
+    <dgm:style>
+      <a:lnRef idx="2">
+        <a:scrgbClr r="0" g="0" b="0"/>
+      </a:lnRef>
+      <a:fillRef idx="1">
+        <a:scrgbClr r="0" g="0" b="0"/>
+      </a:fillRef>
+      <a:effectRef idx="0">
+        <a:scrgbClr r="0" g="0" b="0"/>
+      </a:effectRef>
+      <a:fontRef idx="minor"/>
+    </dgm:style>
+  </dgm:styleLbl>
+  <dgm:styleLbl name="fgAcc2">
+    <dgm:scene3d>
+      <a:camera prst="orthographicFront"/>
+      <a:lightRig rig="threePt" dir="t"/>
+    </dgm:scene3d>
+    <dgm:sp3d/>
+    <dgm:txPr/>
+    <dgm:style>
+      <a:lnRef idx="2">
+        <a:scrgbClr r="0" g="0" b="0"/>
+      </a:lnRef>
+      <a:fillRef idx="1">
+        <a:scrgbClr r="0" g="0" b="0"/>
+      </a:fillRef>
+      <a:effectRef idx="0">
+        <a:scrgbClr r="0" g="0" b="0"/>
+      </a:effectRef>
+      <a:fontRef idx="minor"/>
+    </dgm:style>
+  </dgm:styleLbl>
+  <dgm:styleLbl name="fgAcc3">
+    <dgm:scene3d>
+      <a:camera prst="orthographicFront"/>
+      <a:lightRig rig="threePt" dir="t"/>
+    </dgm:scene3d>
+    <dgm:sp3d/>
+    <dgm:txPr/>
+    <dgm:style>
+      <a:lnRef idx="2">
+        <a:scrgbClr r="0" g="0" b="0"/>
+      </a:lnRef>
+      <a:fillRef idx="1">
+        <a:scrgbClr r="0" g="0" b="0"/>
+      </a:fillRef>
+      <a:effectRef idx="0">
+        <a:scrgbClr r="0" g="0" b="0"/>
+      </a:effectRef>
+      <a:fontRef idx="minor"/>
+    </dgm:style>
+  </dgm:styleLbl>
+  <dgm:styleLbl name="fgAcc4">
+    <dgm:scene3d>
+      <a:camera prst="orthographicFront"/>
+      <a:lightRig rig="threePt" dir="t"/>
+    </dgm:scene3d>
+    <dgm:sp3d/>
+    <dgm:txPr/>
+    <dgm:style>
+      <a:lnRef idx="2">
+        <a:scrgbClr r="0" g="0" b="0"/>
+      </a:lnRef>
+      <a:fillRef idx="1">
+        <a:scrgbClr r="0" g="0" b="0"/>
+      </a:fillRef>
+      <a:effectRef idx="0">
+        <a:scrgbClr r="0" g="0" b="0"/>
+      </a:effectRef>
+      <a:fontRef idx="minor"/>
+    </dgm:style>
+  </dgm:styleLbl>
+  <dgm:styleLbl name="bgShp">
+    <dgm:scene3d>
+      <a:camera prst="orthographicFront"/>
+      <a:lightRig rig="threePt" dir="t"/>
+    </dgm:scene3d>
+    <dgm:sp3d/>
+    <dgm:txPr/>
+    <dgm:style>
+      <a:lnRef idx="0">
+        <a:scrgbClr r="0" g="0" b="0"/>
+      </a:lnRef>
+      <a:fillRef idx="1">
+        <a:scrgbClr r="0" g="0" b="0"/>
+      </a:fillRef>
+      <a:effectRef idx="0">
+        <a:scrgbClr r="0" g="0" b="0"/>
+      </a:effectRef>
+      <a:fontRef idx="minor"/>
+    </dgm:style>
+  </dgm:styleLbl>
+  <dgm:styleLbl name="dkBgShp">
+    <dgm:scene3d>
+      <a:camera prst="orthographicFront"/>
+      <a:lightRig rig="threePt" dir="t"/>
+    </dgm:scene3d>
+    <dgm:sp3d/>
+    <dgm:txPr/>
+    <dgm:style>
+      <a:lnRef idx="0">
+        <a:scrgbClr r="0" g="0" b="0"/>
+      </a:lnRef>
+      <a:fillRef idx="1">
+        <a:scrgbClr r="0" g="0" b="0"/>
+      </a:fillRef>
+      <a:effectRef idx="0">
+        <a:scrgbClr r="0" g="0" b="0"/>
+      </a:effectRef>
+      <a:fontRef idx="minor"/>
+    </dgm:style>
+  </dgm:styleLbl>
+  <dgm:styleLbl name="trBgShp">
+    <dgm:scene3d>
+      <a:camera prst="orthographicFront"/>
+      <a:lightRig rig="threePt" dir="t"/>
+    </dgm:scene3d>
+    <dgm:sp3d/>
+    <dgm:txPr/>
+    <dgm:style>
+      <a:lnRef idx="0">
+        <a:scrgbClr r="0" g="0" b="0"/>
+      </a:lnRef>
+      <a:fillRef idx="1">
+        <a:scrgbClr r="0" g="0" b="0"/>
+      </a:fillRef>
+      <a:effectRef idx="0">
+        <a:scrgbClr r="0" g="0" b="0"/>
+      </a:effectRef>
+      <a:fontRef idx="minor"/>
+    </dgm:style>
+  </dgm:styleLbl>
+  <dgm:styleLbl name="fgShp">
+    <dgm:scene3d>
+      <a:camera prst="orthographicFront"/>
+      <a:lightRig rig="threePt" dir="t"/>
+    </dgm:scene3d>
+    <dgm:sp3d/>
+    <dgm:txPr/>
+    <dgm:style>
+      <a:lnRef idx="2">
+        <a:scrgbClr r="0" g="0" b="0"/>
+      </a:lnRef>
+      <a:fillRef idx="1">
+        <a:scrgbClr r="0" g="0" b="0"/>
+      </a:fillRef>
+      <a:effectRef idx="0">
+        <a:scrgbClr r="0" g="0" b="0"/>
+      </a:effectRef>
+      <a:fontRef idx="minor"/>
+    </dgm:style>
+  </dgm:styleLbl>
+  <dgm:styleLbl name="revTx">
+    <dgm:scene3d>
+      <a:camera prst="orthographicFront"/>
+      <a:lightRig rig="threePt" dir="t"/>
+    </dgm:scene3d>
+    <dgm:sp3d/>
+    <dgm:txPr/>
+    <dgm:style>
+      <a:lnRef idx="0">
+        <a:scrgbClr r="0" g="0" b="0"/>
+      </a:lnRef>
+      <a:fillRef idx="0">
+        <a:scrgbClr r="0" g="0" b="0"/>
+      </a:fillRef>
+      <a:effectRef idx="0">
+        <a:scrgbClr r="0" g="0" b="0"/>
+      </a:effectRef>
+      <a:fontRef idx="minor"/>
+    </dgm:style>
+  </dgm:styleLbl>
+</dgm:styleDef>
+</file>
+
+<file path=ppt/diagrams/quickStyle2.xml><?xml version="1.0" encoding="utf-8"?>
+<dgm:styleDef xmlns:dgm="http://schemas.openxmlformats.org/drawingml/2006/diagram" xmlns:a="http://schemas.openxmlformats.org/drawingml/2006/main" uniqueId="urn:microsoft.com/office/officeart/2005/8/quickstyle/simple1">
+  <dgm:title val=""/>
+  <dgm:desc val=""/>
+  <dgm:catLst>
+    <dgm:cat type="simple" pri="10100"/>
+  </dgm:catLst>
+  <dgm:scene3d>
+    <a:camera prst="orthographicFront"/>
+    <a:lightRig rig="threePt" dir="t"/>
+  </dgm:scene3d>
+  <dgm:styleLbl name="node0">
+    <dgm:scene3d>
+      <a:camera prst="orthographicFront"/>
+      <a:lightRig rig="threePt" dir="t"/>
+    </dgm:scene3d>
+    <dgm:sp3d/>
+    <dgm:txPr/>
+    <dgm:style>
+      <a:lnRef idx="2">
+        <a:scrgbClr r="0" g="0" b="0"/>
+      </a:lnRef>
+      <a:fillRef idx="1">
+        <a:scrgbClr r="0" g="0" b="0"/>
+      </a:fillRef>
+      <a:effectRef idx="0">
+        <a:scrgbClr r="0" g="0" b="0"/>
+      </a:effectRef>
+      <a:fontRef idx="minor">
+        <a:schemeClr val="lt1"/>
+      </a:fontRef>
+    </dgm:style>
+  </dgm:styleLbl>
+  <dgm:styleLbl name="lnNode1">
+    <dgm:scene3d>
+      <a:camera prst="orthographicFront"/>
+      <a:lightRig rig="threePt" dir="t"/>
+    </dgm:scene3d>
+    <dgm:sp3d/>
+    <dgm:txPr/>
+    <dgm:style>
+      <a:lnRef idx="2">
+        <a:scrgbClr r="0" g="0" b="0"/>
+      </a:lnRef>
+      <a:fillRef idx="1">
+        <a:scrgbClr r="0" g="0" b="0"/>
+      </a:fillRef>
+      <a:effectRef idx="0">
+        <a:scrgbClr r="0" g="0" b="0"/>
+      </a:effectRef>
+      <a:fontRef idx="minor">
+        <a:schemeClr val="lt1"/>
+      </a:fontRef>
+    </dgm:style>
+  </dgm:styleLbl>
+  <dgm:styleLbl name="vennNode1">
+    <dgm:scene3d>
+      <a:camera prst="orthographicFront"/>
+      <a:lightRig rig="threePt" dir="t"/>
+    </dgm:scene3d>
+    <dgm:sp3d/>
+    <dgm:txPr/>
+    <dgm:style>
+      <a:lnRef idx="2">
+        <a:scrgbClr r="0" g="0" b="0"/>
+      </a:lnRef>
+      <a:fillRef idx="1">
+        <a:scrgbClr r="0" g="0" b="0"/>
+      </a:fillRef>
+      <a:effectRef idx="0">
+        <a:scrgbClr r="0" g="0" b="0"/>
+      </a:effectRef>
+      <a:fontRef idx="minor">
+        <a:schemeClr val="tx1"/>
+      </a:fontRef>
+    </dgm:style>
+  </dgm:styleLbl>
+  <dgm:styleLbl name="alignNode1">
+    <dgm:scene3d>
+      <a:camera prst="orthographicFront"/>
+      <a:lightRig rig="threePt" dir="t"/>
+    </dgm:scene3d>
+    <dgm:sp3d/>
+    <dgm:txPr/>
+    <dgm:style>
+      <a:lnRef idx="2">
+        <a:scrgbClr r="0" g="0" b="0"/>
+      </a:lnRef>
+      <a:fillRef idx="1">
+        <a:scrgbClr r="0" g="0" b="0"/>
+      </a:fillRef>
+      <a:effectRef idx="0">
+        <a:scrgbClr r="0" g="0" b="0"/>
+      </a:effectRef>
+      <a:fontRef idx="minor">
+        <a:schemeClr val="lt1"/>
+      </a:fontRef>
+    </dgm:style>
+  </dgm:styleLbl>
+  <dgm:styleLbl name="node1">
+    <dgm:scene3d>
+      <a:camera prst="orthographicFront"/>
+      <a:lightRig rig="threePt" dir="t"/>
+    </dgm:scene3d>
+    <dgm:sp3d/>
+    <dgm:txPr/>
+    <dgm:style>
+      <a:lnRef idx="2">
+        <a:scrgbClr r="0" g="0" b="0"/>
+      </a:lnRef>
+      <a:fillRef idx="1">
+        <a:scrgbClr r="0" g="0" b="0"/>
+      </a:fillRef>
+      <a:effectRef idx="0">
+        <a:scrgbClr r="0" g="0" b="0"/>
+      </a:effectRef>
+      <a:fontRef idx="minor">
+        <a:schemeClr val="lt1"/>
+      </a:fontRef>
+    </dgm:style>
+  </dgm:styleLbl>
+  <dgm:styleLbl name="node2">
+    <dgm:scene3d>
+      <a:camera prst="orthographicFront"/>
+      <a:lightRig rig="threePt" dir="t"/>
+    </dgm:scene3d>
+    <dgm:sp3d/>
+    <dgm:txPr/>
+    <dgm:style>
+      <a:lnRef idx="2">
+        <a:scrgbClr r="0" g="0" b="0"/>
+      </a:lnRef>
+      <a:fillRef idx="1">
+        <a:scrgbClr r="0" g="0" b="0"/>
+      </a:fillRef>
+      <a:effectRef idx="0">
+        <a:scrgbClr r="0" g="0" b="0"/>
+      </a:effectRef>
+      <a:fontRef idx="minor">
+        <a:schemeClr val="lt1"/>
+      </a:fontRef>
+    </dgm:style>
+  </dgm:styleLbl>
+  <dgm:styleLbl name="node3">
+    <dgm:scene3d>
+      <a:camera prst="orthographicFront"/>
+      <a:lightRig rig="threePt" dir="t"/>
+    </dgm:scene3d>
+    <dgm:sp3d/>
+    <dgm:txPr/>
+    <dgm:style>
+      <a:lnRef idx="2">
+        <a:scrgbClr r="0" g="0" b="0"/>
+      </a:lnRef>
+      <a:fillRef idx="1">
+        <a:scrgbClr r="0" g="0" b="0"/>
+      </a:fillRef>
+      <a:effectRef idx="0">
+        <a:scrgbClr r="0" g="0" b="0"/>
+      </a:effectRef>
+      <a:fontRef idx="minor">
+        <a:schemeClr val="lt1"/>
+      </a:fontRef>
+    </dgm:style>
+  </dgm:styleLbl>
+  <dgm:styleLbl name="node4">
+    <dgm:scene3d>
+      <a:camera prst="orthographicFront"/>
+      <a:lightRig rig="threePt" dir="t"/>
+    </dgm:scene3d>
+    <dgm:sp3d/>
+    <dgm:txPr/>
+    <dgm:style>
+      <a:lnRef idx="2">
+        <a:scrgbClr r="0" g="0" b="0"/>
+      </a:lnRef>
+      <a:fillRef idx="1">
+        <a:scrgbClr r="0" g="0" b="0"/>
+      </a:fillRef>
+      <a:effectRef idx="0">
+        <a:scrgbClr r="0" g="0" b="0"/>
+      </a:effectRef>
+      <a:fontRef idx="minor">
+        <a:schemeClr val="lt1"/>
+      </a:fontRef>
+    </dgm:style>
+  </dgm:styleLbl>
+  <dgm:styleLbl name="fgImgPlace1">
+    <dgm:scene3d>
+      <a:camera prst="orthographicFront"/>
+      <a:lightRig rig="threePt" dir="t"/>
+    </dgm:scene3d>
+    <dgm:sp3d/>
+    <dgm:txPr/>
+    <dgm:style>
+      <a:lnRef idx="2">
+        <a:scrgbClr r="0" g="0" b="0"/>
+      </a:lnRef>
+      <a:fillRef idx="1">
+        <a:scrgbClr r="0" g="0" b="0"/>
+      </a:fillRef>
+      <a:effectRef idx="0">
+        <a:scrgbClr r="0" g="0" b="0"/>
+      </a:effectRef>
+      <a:fontRef idx="minor"/>
+    </dgm:style>
+  </dgm:styleLbl>
+  <dgm:styleLbl name="alignImgPlace1">
+    <dgm:scene3d>
+      <a:camera prst="orthographicFront"/>
+      <a:lightRig rig="threePt" dir="t"/>
+    </dgm:scene3d>
+    <dgm:sp3d/>
+    <dgm:txPr/>
+    <dgm:style>
+      <a:lnRef idx="2">
+        <a:scrgbClr r="0" g="0" b="0"/>
+      </a:lnRef>
+      <a:fillRef idx="1">
+        <a:scrgbClr r="0" g="0" b="0"/>
+      </a:fillRef>
+      <a:effectRef idx="0">
+        <a:scrgbClr r="0" g="0" b="0"/>
+      </a:effectRef>
+      <a:fontRef idx="minor"/>
+    </dgm:style>
+  </dgm:styleLbl>
+  <dgm:styleLbl name="bgImgPlace1">
+    <dgm:scene3d>
+      <a:camera prst="orthographicFront"/>
+      <a:lightRig rig="threePt" dir="t"/>
+    </dgm:scene3d>
+    <dgm:sp3d/>
+    <dgm:txPr/>
+    <dgm:style>
+      <a:lnRef idx="2">
+        <a:scrgbClr r="0" g="0" b="0"/>
+      </a:lnRef>
+      <a:fillRef idx="1">
+        <a:scrgbClr r="0" g="0" b="0"/>
+      </a:fillRef>
+      <a:effectRef idx="0">
+        <a:scrgbClr r="0" g="0" b="0"/>
+      </a:effectRef>
+      <a:fontRef idx="minor"/>
+    </dgm:style>
+  </dgm:styleLbl>
+  <dgm:styleLbl name="sibTrans2D1">
+    <dgm:scene3d>
+      <a:camera prst="orthographicFront"/>
+      <a:lightRig rig="threePt" dir="t"/>
+    </dgm:scene3d>
+    <dgm:sp3d/>
+    <dgm:txPr/>
+    <dgm:style>
+      <a:lnRef idx="0">
+        <a:scrgbClr r="0" g="0" b="0"/>
+      </a:lnRef>
+      <a:fillRef idx="1">
+        <a:scrgbClr r="0" g="0" b="0"/>
+      </a:fillRef>
+      <a:effectRef idx="0">
+        <a:scrgbClr r="0" g="0" b="0"/>
+      </a:effectRef>
+      <a:fontRef idx="minor">
+        <a:schemeClr val="lt1"/>
+      </a:fontRef>
+    </dgm:style>
+  </dgm:styleLbl>
+  <dgm:styleLbl name="fgSibTrans2D1">
+    <dgm:scene3d>
+      <a:camera prst="orthographicFront"/>
+      <a:lightRig rig="threePt" dir="t"/>
+    </dgm:scene3d>
+    <dgm:sp3d/>
+    <dgm:txPr/>
+    <dgm:style>
+      <a:lnRef idx="0">
+        <a:scrgbClr r="0" g="0" b="0"/>
+      </a:lnRef>
+      <a:fillRef idx="1">
+        <a:scrgbClr r="0" g="0" b="0"/>
+      </a:fillRef>
+      <a:effectRef idx="0">
+        <a:scrgbClr r="0" g="0" b="0"/>
+      </a:effectRef>
+      <a:fontRef idx="minor">
+        <a:schemeClr val="lt1"/>
+      </a:fontRef>
+    </dgm:style>
+  </dgm:styleLbl>
+  <dgm:styleLbl name="bgSibTrans2D1">
+    <dgm:scene3d>
+      <a:camera prst="orthographicFront"/>
+      <a:lightRig rig="threePt" dir="t"/>
+    </dgm:scene3d>
+    <dgm:sp3d/>
+    <dgm:txPr/>
+    <dgm:style>
+      <a:lnRef idx="0">
+        <a:scrgbClr r="0" g="0" b="0"/>
+      </a:lnRef>
+      <a:fillRef idx="1">
+        <a:scrgbClr r="0" g="0" b="0"/>
+      </a:fillRef>
+      <a:effectRef idx="0">
+        <a:scrgbClr r="0" g="0" b="0"/>
+      </a:effectRef>
+      <a:fontRef idx="minor">
+        <a:schemeClr val="lt1"/>
+      </a:fontRef>
+    </dgm:style>
+  </dgm:styleLbl>
+  <dgm:styleLbl name="sibTrans1D1">
+    <dgm:scene3d>
+      <a:camera prst="orthographicFront"/>
+      <a:lightRig rig="threePt" dir="t"/>
+    </dgm:scene3d>
+    <dgm:sp3d/>
+    <dgm:txPr/>
+    <dgm:style>
+      <a:lnRef idx="1">
+        <a:scrgbClr r="0" g="0" b="0"/>
+      </a:lnRef>
+      <a:fillRef idx="0">
+        <a:scrgbClr r="0" g="0" b="0"/>
+      </a:fillRef>
+      <a:effectRef idx="0">
+        <a:scrgbClr r="0" g="0" b="0"/>
+      </a:effectRef>
+      <a:fontRef idx="minor"/>
+    </dgm:style>
+  </dgm:styleLbl>
+  <dgm:styleLbl name="callout">
+    <dgm:scene3d>
+      <a:camera prst="orthographicFront"/>
+      <a:lightRig rig="threePt" dir="t"/>
+    </dgm:scene3d>
+    <dgm:sp3d/>
+    <dgm:txPr/>
+    <dgm:style>
+      <a:lnRef idx="2">
+        <a:scrgbClr r="0" g="0" b="0"/>
+      </a:lnRef>
+      <a:fillRef idx="1">
+        <a:scrgbClr r="0" g="0" b="0"/>
+      </a:fillRef>
+      <a:effectRef idx="0">
+        <a:scrgbClr r="0" g="0" b="0"/>
+      </a:effectRef>
+      <a:fontRef idx="minor"/>
+    </dgm:style>
+  </dgm:styleLbl>
+  <dgm:styleLbl name="asst0">
+    <dgm:scene3d>
+      <a:camera prst="orthographicFront"/>
+      <a:lightRig rig="threePt" dir="t"/>
+    </dgm:scene3d>
+    <dgm:sp3d/>
+    <dgm:txPr/>
+    <dgm:style>
+      <a:lnRef idx="2">
+        <a:scrgbClr r="0" g="0" b="0"/>
+      </a:lnRef>
+      <a:fillRef idx="1">
+        <a:scrgbClr r="0" g="0" b="0"/>
+      </a:fillRef>
+      <a:effectRef idx="0">
+        <a:scrgbClr r="0" g="0" b="0"/>
+      </a:effectRef>
+      <a:fontRef idx="minor">
+        <a:schemeClr val="lt1"/>
+      </a:fontRef>
+    </dgm:style>
+  </dgm:styleLbl>
+  <dgm:styleLbl name="asst1">
+    <dgm:scene3d>
+      <a:camera prst="orthographicFront"/>
+      <a:lightRig rig="threePt" dir="t"/>
+    </dgm:scene3d>
+    <dgm:sp3d/>
+    <dgm:txPr/>
+    <dgm:style>
+      <a:lnRef idx="2">
+        <a:scrgbClr r="0" g="0" b="0"/>
+      </a:lnRef>
+      <a:fillRef idx="1">
+        <a:scrgbClr r="0" g="0" b="0"/>
+      </a:fillRef>
+      <a:effectRef idx="0">
+        <a:scrgbClr r="0" g="0" b="0"/>
+      </a:effectRef>
+      <a:fontRef idx="minor">
+        <a:schemeClr val="lt1"/>
+      </a:fontRef>
+    </dgm:style>
+  </dgm:styleLbl>
+  <dgm:styleLbl name="asst2">
+    <dgm:scene3d>
+      <a:camera prst="orthographicFront"/>
+      <a:lightRig rig="threePt" dir="t"/>
+    </dgm:scene3d>
+    <dgm:sp3d/>
+    <dgm:txPr/>
+    <dgm:style>
+      <a:lnRef idx="2">
+        <a:scrgbClr r="0" g="0" b="0"/>
+      </a:lnRef>
+      <a:fillRef idx="1">
+        <a:scrgbClr r="0" g="0" b="0"/>
+      </a:fillRef>
+      <a:effectRef idx="0">
+        <a:scrgbClr r="0" g="0" b="0"/>
+      </a:effectRef>
+      <a:fontRef idx="minor">
+        <a:schemeClr val="lt1"/>
+      </a:fontRef>
+    </dgm:style>
+  </dgm:styleLbl>
+  <dgm:styleLbl name="asst3">
+    <dgm:scene3d>
+      <a:camera prst="orthographicFront"/>
+      <a:lightRig rig="threePt" dir="t"/>
+    </dgm:scene3d>
+    <dgm:sp3d/>
+    <dgm:txPr/>
+    <dgm:style>
+      <a:lnRef idx="2">
+        <a:scrgbClr r="0" g="0" b="0"/>
+      </a:lnRef>
+      <a:fillRef idx="1">
+        <a:scrgbClr r="0" g="0" b="0"/>
+      </a:fillRef>
+      <a:effectRef idx="0">
+        <a:scrgbClr r="0" g="0" b="0"/>
+      </a:effectRef>
+      <a:fontRef idx="minor">
+        <a:schemeClr val="lt1"/>
+      </a:fontRef>
+    </dgm:style>
+  </dgm:styleLbl>
+  <dgm:styleLbl name="asst4">
+    <dgm:scene3d>
+      <a:camera prst="orthographicFront"/>
+      <a:lightRig rig="threePt" dir="t"/>
+    </dgm:scene3d>
+    <dgm:sp3d/>
+    <dgm:txPr/>
+    <dgm:style>
+      <a:lnRef idx="2">
+        <a:scrgbClr r="0" g="0" b="0"/>
+      </a:lnRef>
+      <a:fillRef idx="1">
+        <a:scrgbClr r="0" g="0" b="0"/>
+      </a:fillRef>
+      <a:effectRef idx="0">
+        <a:scrgbClr r="0" g="0" b="0"/>
+      </a:effectRef>
+      <a:fontRef idx="minor">
+        <a:schemeClr val="lt1"/>
+      </a:fontRef>
+    </dgm:style>
+  </dgm:styleLbl>
+  <dgm:styleLbl name="parChTrans2D1">
+    <dgm:scene3d>
+      <a:camera prst="orthographicFront"/>
+      <a:lightRig rig="threePt" dir="t"/>
+    </dgm:scene3d>
+    <dgm:sp3d/>
+    <dgm:txPr/>
+    <dgm:style>
+      <a:lnRef idx="2">
+        <a:scrgbClr r="0" g="0" b="0"/>
+      </a:lnRef>
+      <a:fillRef idx="1">
+        <a:scrgbClr r="0" g="0" b="0"/>
+      </a:fillRef>
+      <a:effectRef idx="0">
+        <a:scrgbClr r="0" g="0" b="0"/>
+      </a:effectRef>
+      <a:fontRef idx="minor">
+        <a:schemeClr val="lt1"/>
+      </a:fontRef>
+    </dgm:style>
+  </dgm:styleLbl>
+  <dgm:styleLbl name="parChTrans2D2">
+    <dgm:scene3d>
+      <a:camera prst="orthographicFront"/>
+      <a:lightRig rig="threePt" dir="t"/>
+    </dgm:scene3d>
+    <dgm:sp3d/>
+    <dgm:txPr/>
+    <dgm:style>
+      <a:lnRef idx="2">
+        <a:scrgbClr r="0" g="0" b="0"/>
+      </a:lnRef>
+      <a:fillRef idx="1">
+        <a:scrgbClr r="0" g="0" b="0"/>
+      </a:fillRef>
+      <a:effectRef idx="0">
+        <a:scrgbClr r="0" g="0" b="0"/>
+      </a:effectRef>
+      <a:fontRef idx="minor">
+        <a:schemeClr val="lt1"/>
+      </a:fontRef>
+    </dgm:style>
+  </dgm:styleLbl>
+  <dgm:styleLbl name="parChTrans2D3">
+    <dgm:scene3d>
+      <a:camera prst="orthographicFront"/>
+      <a:lightRig rig="threePt" dir="t"/>
+    </dgm:scene3d>
+    <dgm:sp3d/>
+    <dgm:txPr/>
+    <dgm:style>
+      <a:lnRef idx="2">
+        <a:scrgbClr r="0" g="0" b="0"/>
+      </a:lnRef>
+      <a:fillRef idx="1">
+        <a:scrgbClr r="0" g="0" b="0"/>
+      </a:fillRef>
+      <a:effectRef idx="0">
+        <a:scrgbClr r="0" g="0" b="0"/>
+      </a:effectRef>
+      <a:fontRef idx="minor">
+        <a:schemeClr val="lt1"/>
+      </a:fontRef>
+    </dgm:style>
+  </dgm:styleLbl>
+  <dgm:styleLbl name="parChTrans2D4">
+    <dgm:scene3d>
+      <a:camera prst="orthographicFront"/>
+      <a:lightRig rig="threePt" dir="t"/>
+    </dgm:scene3d>
+    <dgm:sp3d/>
+    <dgm:txPr/>
+    <dgm:style>
+      <a:lnRef idx="2">
+        <a:scrgbClr r="0" g="0" b="0"/>
+      </a:lnRef>
+      <a:fillRef idx="1">
+        <a:scrgbClr r="0" g="0" b="0"/>
+      </a:fillRef>
+      <a:effectRef idx="0">
+        <a:scrgbClr r="0" g="0" b="0"/>
+      </a:effectRef>
+      <a:fontRef idx="minor">
+        <a:schemeClr val="lt1"/>
+      </a:fontRef>
+    </dgm:style>
+  </dgm:styleLbl>
+  <dgm:styleLbl name="parChTrans1D1">
+    <dgm:scene3d>
+      <a:camera prst="orthographicFront"/>
+      <a:lightRig rig="threePt" dir="t"/>
+    </dgm:scene3d>
+    <dgm:sp3d/>
+    <dgm:txPr/>
+    <dgm:style>
+      <a:lnRef idx="2">
+        <a:scrgbClr r="0" g="0" b="0"/>
+      </a:lnRef>
+      <a:fillRef idx="0">
+        <a:scrgbClr r="0" g="0" b="0"/>
+      </a:fillRef>
+      <a:effectRef idx="0">
+        <a:scrgbClr r="0" g="0" b="0"/>
+      </a:effectRef>
+      <a:fontRef idx="minor"/>
+    </dgm:style>
+  </dgm:styleLbl>
+  <dgm:styleLbl name="parChTrans1D2">
+    <dgm:scene3d>
+      <a:camera prst="orthographicFront"/>
+      <a:lightRig rig="threePt" dir="t"/>
+    </dgm:scene3d>
+    <dgm:sp3d/>
+    <dgm:txPr/>
+    <dgm:style>
+      <a:lnRef idx="2">
+        <a:scrgbClr r="0" g="0" b="0"/>
+      </a:lnRef>
+      <a:fillRef idx="0">
+        <a:scrgbClr r="0" g="0" b="0"/>
+      </a:fillRef>
+      <a:effectRef idx="0">
+        <a:scrgbClr r="0" g="0" b="0"/>
+      </a:effectRef>
+      <a:fontRef idx="minor"/>
+    </dgm:style>
+  </dgm:styleLbl>
+  <dgm:styleLbl name="parChTrans1D3">
+    <dgm:scene3d>
+      <a:camera prst="orthographicFront"/>
+      <a:lightRig rig="threePt" dir="t"/>
+    </dgm:scene3d>
+    <dgm:sp3d/>
+    <dgm:txPr/>
+    <dgm:style>
+      <a:lnRef idx="2">
+        <a:scrgbClr r="0" g="0" b="0"/>
+      </a:lnRef>
+      <a:fillRef idx="0">
+        <a:scrgbClr r="0" g="0" b="0"/>
+      </a:fillRef>
+      <a:effectRef idx="0">
+        <a:scrgbClr r="0" g="0" b="0"/>
+      </a:effectRef>
+      <a:fontRef idx="minor"/>
+    </dgm:style>
+  </dgm:styleLbl>
+  <dgm:styleLbl name="parChTrans1D4">
+    <dgm:scene3d>
+      <a:camera prst="orthographicFront"/>
+      <a:lightRig rig="threePt" dir="t"/>
+    </dgm:scene3d>
+    <dgm:sp3d/>
+    <dgm:txPr/>
+    <dgm:style>
+      <a:lnRef idx="2">
+        <a:scrgbClr r="0" g="0" b="0"/>
+      </a:lnRef>
+      <a:fillRef idx="0">
+        <a:scrgbClr r="0" g="0" b="0"/>
+      </a:fillRef>
+      <a:effectRef idx="0">
+        <a:scrgbClr r="0" g="0" b="0"/>
+      </a:effectRef>
+      <a:fontRef idx="minor"/>
+    </dgm:style>
+  </dgm:styleLbl>
+  <dgm:styleLbl name="fgAcc1">
+    <dgm:scene3d>
+      <a:camera prst="orthographicFront"/>
+      <a:lightRig rig="threePt" dir="t"/>
+    </dgm:scene3d>
+    <dgm:sp3d/>
+    <dgm:txPr/>
+    <dgm:style>
+      <a:lnRef idx="2">
+        <a:scrgbClr r="0" g="0" b="0"/>
+      </a:lnRef>
+      <a:fillRef idx="1">
+        <a:scrgbClr r="0" g="0" b="0"/>
+      </a:fillRef>
+      <a:effectRef idx="0">
+        <a:scrgbClr r="0" g="0" b="0"/>
+      </a:effectRef>
+      <a:fontRef idx="minor"/>
+    </dgm:style>
+  </dgm:styleLbl>
+  <dgm:styleLbl name="conFgAcc1">
+    <dgm:scene3d>
+      <a:camera prst="orthographicFront"/>
+      <a:lightRig rig="threePt" dir="t"/>
+    </dgm:scene3d>
+    <dgm:sp3d/>
+    <dgm:txPr/>
+    <dgm:style>
+      <a:lnRef idx="2">
+        <a:scrgbClr r="0" g="0" b="0"/>
+      </a:lnRef>
+      <a:fillRef idx="1">
+        <a:scrgbClr r="0" g="0" b="0"/>
+      </a:fillRef>
+      <a:effectRef idx="0">
+        <a:scrgbClr r="0" g="0" b="0"/>
+      </a:effectRef>
+      <a:fontRef idx="minor"/>
+    </dgm:style>
+  </dgm:styleLbl>
+  <dgm:styleLbl name="alignAcc1">
+    <dgm:scene3d>
+      <a:camera prst="orthographicFront"/>
+      <a:lightRig rig="threePt" dir="t"/>
+    </dgm:scene3d>
+    <dgm:sp3d/>
+    <dgm:txPr/>
+    <dgm:style>
+      <a:lnRef idx="2">
+        <a:scrgbClr r="0" g="0" b="0"/>
+      </a:lnRef>
+      <a:fillRef idx="1">
+        <a:scrgbClr r="0" g="0" b="0"/>
+      </a:fillRef>
+      <a:effectRef idx="0">
+        <a:scrgbClr r="0" g="0" b="0"/>
+      </a:effectRef>
+      <a:fontRef idx="minor"/>
+    </dgm:style>
+  </dgm:styleLbl>
+  <dgm:styleLbl name="trAlignAcc1">
+    <dgm:scene3d>
+      <a:camera prst="orthographicFront"/>
+      <a:lightRig rig="threePt" dir="t"/>
+    </dgm:scene3d>
+    <dgm:sp3d/>
+    <dgm:txPr/>
+    <dgm:style>
+      <a:lnRef idx="1">
+        <a:scrgbClr r="0" g="0" b="0"/>
+      </a:lnRef>
+      <a:fillRef idx="1">
+        <a:scrgbClr r="0" g="0" b="0"/>
+      </a:fillRef>
+      <a:effectRef idx="0">
+        <a:scrgbClr r="0" g="0" b="0"/>
+      </a:effectRef>
+      <a:fontRef idx="minor"/>
+    </dgm:style>
+  </dgm:styleLbl>
+  <dgm:styleLbl name="bgAcc1">
+    <dgm:scene3d>
+      <a:camera prst="orthographicFront"/>
+      <a:lightRig rig="threePt" dir="t"/>
+    </dgm:scene3d>
+    <dgm:sp3d/>
+    <dgm:txPr/>
+    <dgm:style>
+      <a:lnRef idx="2">
+        <a:scrgbClr r="0" g="0" b="0"/>
+      </a:lnRef>
+      <a:fillRef idx="1">
+        <a:scrgbClr r="0" g="0" b="0"/>
+      </a:fillRef>
+      <a:effectRef idx="0">
+        <a:scrgbClr r="0" g="0" b="0"/>
+      </a:effectRef>
+      <a:fontRef idx="minor"/>
+    </dgm:style>
+  </dgm:styleLbl>
+  <dgm:styleLbl name="solidFgAcc1">
+    <dgm:scene3d>
+      <a:camera prst="orthographicFront"/>
+      <a:lightRig rig="threePt" dir="t"/>
+    </dgm:scene3d>
+    <dgm:sp3d/>
+    <dgm:txPr/>
+    <dgm:style>
+      <a:lnRef idx="2">
+        <a:scrgbClr r="0" g="0" b="0"/>
+      </a:lnRef>
+      <a:fillRef idx="1">
+        <a:scrgbClr r="0" g="0" b="0"/>
+      </a:fillRef>
+      <a:effectRef idx="0">
+        <a:scrgbClr r="0" g="0" b="0"/>
+      </a:effectRef>
+      <a:fontRef idx="minor"/>
+    </dgm:style>
+  </dgm:styleLbl>
+  <dgm:styleLbl name="solidAlignAcc1">
+    <dgm:scene3d>
+      <a:camera prst="orthographicFront"/>
+      <a:lightRig rig="threePt" dir="t"/>
+    </dgm:scene3d>
+    <dgm:sp3d/>
+    <dgm:txPr/>
+    <dgm:style>
+      <a:lnRef idx="2">
+        <a:scrgbClr r="0" g="0" b="0"/>
+      </a:lnRef>
+      <a:fillRef idx="1">
+        <a:scrgbClr r="0" g="0" b="0"/>
+      </a:fillRef>
+      <a:effectRef idx="0">
+        <a:scrgbClr r="0" g="0" b="0"/>
+      </a:effectRef>
+      <a:fontRef idx="minor"/>
+    </dgm:style>
+  </dgm:styleLbl>
+  <dgm:styleLbl name="solidBgAcc1">
+    <dgm:scene3d>
+      <a:camera prst="orthographicFront"/>
+      <a:lightRig rig="threePt" dir="t"/>
+    </dgm:scene3d>
+    <dgm:sp3d/>
+    <dgm:txPr/>
+    <dgm:style>
+      <a:lnRef idx="2">
+        <a:scrgbClr r="0" g="0" b="0"/>
+      </a:lnRef>
+      <a:fillRef idx="1">
+        <a:scrgbClr r="0" g="0" b="0"/>
+      </a:fillRef>
+      <a:effectRef idx="0">
+        <a:scrgbClr r="0" g="0" b="0"/>
+      </a:effectRef>
+      <a:fontRef idx="minor"/>
+    </dgm:style>
+  </dgm:styleLbl>
+  <dgm:styleLbl name="fgAccFollowNode1">
+    <dgm:scene3d>
+      <a:camera prst="orthographicFront"/>
+      <a:lightRig rig="threePt" dir="t"/>
+    </dgm:scene3d>
+    <dgm:sp3d/>
+    <dgm:txPr/>
+    <dgm:style>
+      <a:lnRef idx="2">
+        <a:scrgbClr r="0" g="0" b="0"/>
+      </a:lnRef>
+      <a:fillRef idx="1">
+        <a:scrgbClr r="0" g="0" b="0"/>
+      </a:fillRef>
+      <a:effectRef idx="0">
+        <a:scrgbClr r="0" g="0" b="0"/>
+      </a:effectRef>
+      <a:fontRef idx="minor"/>
+    </dgm:style>
+  </dgm:styleLbl>
+  <dgm:styleLbl name="alignAccFollowNode1">
+    <dgm:scene3d>
+      <a:camera prst="orthographicFront"/>
+      <a:lightRig rig="threePt" dir="t"/>
+    </dgm:scene3d>
+    <dgm:sp3d/>
+    <dgm:txPr/>
+    <dgm:style>
+      <a:lnRef idx="2">
+        <a:scrgbClr r="0" g="0" b="0"/>
+      </a:lnRef>
+      <a:fillRef idx="1">
+        <a:scrgbClr r="0" g="0" b="0"/>
+      </a:fillRef>
+      <a:effectRef idx="0">
+        <a:scrgbClr r="0" g="0" b="0"/>
+      </a:effectRef>
+      <a:fontRef idx="minor"/>
+    </dgm:style>
+  </dgm:styleLbl>
+  <dgm:styleLbl name="bgAccFollowNode1">
+    <dgm:scene3d>
+      <a:camera prst="orthographicFront"/>
+      <a:lightRig rig="threePt" dir="t"/>
+    </dgm:scene3d>
+    <dgm:sp3d/>
+    <dgm:txPr/>
+    <dgm:style>
+      <a:lnRef idx="2">
+        <a:scrgbClr r="0" g="0" b="0"/>
+      </a:lnRef>
+      <a:fillRef idx="1">
+        <a:scrgbClr r="0" g="0" b="0"/>
+      </a:fillRef>
+      <a:effectRef idx="0">
+        <a:scrgbClr r="0" g="0" b="0"/>
+      </a:effectRef>
+      <a:fontRef idx="minor"/>
+    </dgm:style>
+  </dgm:styleLbl>
+  <dgm:styleLbl name="fgAcc0">
+    <dgm:scene3d>
+      <a:camera prst="orthographicFront"/>
+      <a:lightRig rig="threePt" dir="t"/>
+    </dgm:scene3d>
+    <dgm:sp3d/>
+    <dgm:txPr/>
+    <dgm:style>
+      <a:lnRef idx="2">
+        <a:scrgbClr r="0" g="0" b="0"/>
+      </a:lnRef>
+      <a:fillRef idx="1">
+        <a:scrgbClr r="0" g="0" b="0"/>
+      </a:fillRef>
+      <a:effectRef idx="0">
+        <a:scrgbClr r="0" g="0" b="0"/>
+      </a:effectRef>
+      <a:fontRef idx="minor"/>
+    </dgm:style>
+  </dgm:styleLbl>
+  <dgm:styleLbl name="fgAcc2">
+    <dgm:scene3d>
+      <a:camera prst="orthographicFront"/>
+      <a:lightRig rig="threePt" dir="t"/>
+    </dgm:scene3d>
+    <dgm:sp3d/>
+    <dgm:txPr/>
+    <dgm:style>
+      <a:lnRef idx="2">
+        <a:scrgbClr r="0" g="0" b="0"/>
+      </a:lnRef>
+      <a:fillRef idx="1">
+        <a:scrgbClr r="0" g="0" b="0"/>
+      </a:fillRef>
+      <a:effectRef idx="0">
+        <a:scrgbClr r="0" g="0" b="0"/>
+      </a:effectRef>
+      <a:fontRef idx="minor"/>
+    </dgm:style>
+  </dgm:styleLbl>
+  <dgm:styleLbl name="fgAcc3">
+    <dgm:scene3d>
+      <a:camera prst="orthographicFront"/>
+      <a:lightRig rig="threePt" dir="t"/>
+    </dgm:scene3d>
+    <dgm:sp3d/>
+    <dgm:txPr/>
+    <dgm:style>
+      <a:lnRef idx="2">
+        <a:scrgbClr r="0" g="0" b="0"/>
+      </a:lnRef>
+      <a:fillRef idx="1">
+        <a:scrgbClr r="0" g="0" b="0"/>
+      </a:fillRef>
+      <a:effectRef idx="0">
+        <a:scrgbClr r="0" g="0" b="0"/>
+      </a:effectRef>
+      <a:fontRef idx="minor"/>
+    </dgm:style>
+  </dgm:styleLbl>
+  <dgm:styleLbl name="fgAcc4">
+    <dgm:scene3d>
+      <a:camera prst="orthographicFront"/>
+      <a:lightRig rig="threePt" dir="t"/>
+    </dgm:scene3d>
+    <dgm:sp3d/>
+    <dgm:txPr/>
+    <dgm:style>
+      <a:lnRef idx="2">
+        <a:scrgbClr r="0" g="0" b="0"/>
+      </a:lnRef>
+      <a:fillRef idx="1">
+        <a:scrgbClr r="0" g="0" b="0"/>
+      </a:fillRef>
+      <a:effectRef idx="0">
+        <a:scrgbClr r="0" g="0" b="0"/>
+      </a:effectRef>
+      <a:fontRef idx="minor"/>
+    </dgm:style>
+  </dgm:styleLbl>
+  <dgm:styleLbl name="bgShp">
+    <dgm:scene3d>
+      <a:camera prst="orthographicFront"/>
+      <a:lightRig rig="threePt" dir="t"/>
+    </dgm:scene3d>
+    <dgm:sp3d/>
+    <dgm:txPr/>
+    <dgm:style>
+      <a:lnRef idx="0">
+        <a:scrgbClr r="0" g="0" b="0"/>
+      </a:lnRef>
+      <a:fillRef idx="1">
+        <a:scrgbClr r="0" g="0" b="0"/>
+      </a:fillRef>
+      <a:effectRef idx="0">
+        <a:scrgbClr r="0" g="0" b="0"/>
+      </a:effectRef>
+      <a:fontRef idx="minor"/>
+    </dgm:style>
+  </dgm:styleLbl>
+  <dgm:styleLbl name="dkBgShp">
+    <dgm:scene3d>
+      <a:camera prst="orthographicFront"/>
+      <a:lightRig rig="threePt" dir="t"/>
+    </dgm:scene3d>
+    <dgm:sp3d/>
+    <dgm:txPr/>
+    <dgm:style>
+      <a:lnRef idx="0">
+        <a:scrgbClr r="0" g="0" b="0"/>
+      </a:lnRef>
+      <a:fillRef idx="1">
+        <a:scrgbClr r="0" g="0" b="0"/>
+      </a:fillRef>
+      <a:effectRef idx="0">
+        <a:scrgbClr r="0" g="0" b="0"/>
+      </a:effectRef>
+      <a:fontRef idx="minor"/>
+    </dgm:style>
+  </dgm:styleLbl>
+  <dgm:styleLbl name="trBgShp">
+    <dgm:scene3d>
+      <a:camera prst="orthographicFront"/>
+      <a:lightRig rig="threePt" dir="t"/>
+    </dgm:scene3d>
+    <dgm:sp3d/>
+    <dgm:txPr/>
+    <dgm:style>
+      <a:lnRef idx="0">
+        <a:scrgbClr r="0" g="0" b="0"/>
+      </a:lnRef>
+      <a:fillRef idx="1">
+        <a:scrgbClr r="0" g="0" b="0"/>
+      </a:fillRef>
+      <a:effectRef idx="0">
+        <a:scrgbClr r="0" g="0" b="0"/>
+      </a:effectRef>
+      <a:fontRef idx="minor"/>
+    </dgm:style>
+  </dgm:styleLbl>
+  <dgm:styleLbl name="fgShp">
+    <dgm:scene3d>
+      <a:camera prst="orthographicFront"/>
+      <a:lightRig rig="threePt" dir="t"/>
+    </dgm:scene3d>
+    <dgm:sp3d/>
+    <dgm:txPr/>
+    <dgm:style>
+      <a:lnRef idx="2">
+        <a:scrgbClr r="0" g="0" b="0"/>
+      </a:lnRef>
+      <a:fillRef idx="1">
+        <a:scrgbClr r="0" g="0" b="0"/>
+      </a:fillRef>
+      <a:effectRef idx="0">
+        <a:scrgbClr r="0" g="0" b="0"/>
+      </a:effectRef>
+      <a:fontRef idx="minor"/>
+    </dgm:style>
+  </dgm:styleLbl>
+  <dgm:styleLbl name="revTx">
+    <dgm:scene3d>
+      <a:camera prst="orthographicFront"/>
+      <a:lightRig rig="threePt" dir="t"/>
+    </dgm:scene3d>
+    <dgm:sp3d/>
+    <dgm:txPr/>
+    <dgm:style>
+      <a:lnRef idx="0">
+        <a:scrgbClr r="0" g="0" b="0"/>
+      </a:lnRef>
+      <a:fillRef idx="0">
+        <a:scrgbClr r="0" g="0" b="0"/>
+      </a:fillRef>
+      <a:effectRef idx="0">
+        <a:scrgbClr r="0" g="0" b="0"/>
+      </a:effectRef>
+      <a:fontRef idx="minor"/>
+    </dgm:style>
+  </dgm:styleLbl>
+</dgm:styleDef>
+</file>
+
 <file path=ppt/slideLayouts/slideLayout1.xml><?xml version="1.0" encoding="utf-8"?>
 <p:sldLayout xmlns:a="http://schemas.openxmlformats.org/drawingml/2006/main" xmlns:r="http://schemas.openxmlformats.org/officeDocument/2006/relationships" xmlns:p="http://schemas.openxmlformats.org/presentationml/2006/main" type="title" preserve="1">
   <p:cSld name="Title Slide">
@@ -261,7 +7086,7 @@
           <a:p>
             <a:fld id="{50CB479B-37C3-4D5D-9572-42ADC671F78E}" type="datetimeFigureOut">
               <a:rPr lang="en-US" smtClean="0"/>
-              <a:t>8/2/2019</a:t>
+              <a:t>8/6/2019</a:t>
             </a:fld>
             <a:endParaRPr lang="en-US"/>
           </a:p>
@@ -459,7 +7284,7 @@
           <a:p>
             <a:fld id="{50CB479B-37C3-4D5D-9572-42ADC671F78E}" type="datetimeFigureOut">
               <a:rPr lang="en-US" smtClean="0"/>
-              <a:t>8/2/2019</a:t>
+              <a:t>8/6/2019</a:t>
             </a:fld>
             <a:endParaRPr lang="en-US"/>
           </a:p>
@@ -667,7 +7492,7 @@
           <a:p>
             <a:fld id="{50CB479B-37C3-4D5D-9572-42ADC671F78E}" type="datetimeFigureOut">
               <a:rPr lang="en-US" smtClean="0"/>
-              <a:t>8/2/2019</a:t>
+              <a:t>8/6/2019</a:t>
             </a:fld>
             <a:endParaRPr lang="en-US"/>
           </a:p>
@@ -865,7 +7690,7 @@
           <a:p>
             <a:fld id="{50CB479B-37C3-4D5D-9572-42ADC671F78E}" type="datetimeFigureOut">
               <a:rPr lang="en-US" smtClean="0"/>
-              <a:t>8/2/2019</a:t>
+              <a:t>8/6/2019</a:t>
             </a:fld>
             <a:endParaRPr lang="en-US"/>
           </a:p>
@@ -1140,7 +7965,7 @@
           <a:p>
             <a:fld id="{50CB479B-37C3-4D5D-9572-42ADC671F78E}" type="datetimeFigureOut">
               <a:rPr lang="en-US" smtClean="0"/>
-              <a:t>8/2/2019</a:t>
+              <a:t>8/6/2019</a:t>
             </a:fld>
             <a:endParaRPr lang="en-US"/>
           </a:p>
@@ -1405,7 +8230,7 @@
           <a:p>
             <a:fld id="{50CB479B-37C3-4D5D-9572-42ADC671F78E}" type="datetimeFigureOut">
               <a:rPr lang="en-US" smtClean="0"/>
-              <a:t>8/2/2019</a:t>
+              <a:t>8/6/2019</a:t>
             </a:fld>
             <a:endParaRPr lang="en-US"/>
           </a:p>
@@ -1817,7 +8642,7 @@
           <a:p>
             <a:fld id="{50CB479B-37C3-4D5D-9572-42ADC671F78E}" type="datetimeFigureOut">
               <a:rPr lang="en-US" smtClean="0"/>
-              <a:t>8/2/2019</a:t>
+              <a:t>8/6/2019</a:t>
             </a:fld>
             <a:endParaRPr lang="en-US"/>
           </a:p>
@@ -1958,7 +8783,7 @@
           <a:p>
             <a:fld id="{50CB479B-37C3-4D5D-9572-42ADC671F78E}" type="datetimeFigureOut">
               <a:rPr lang="en-US" smtClean="0"/>
-              <a:t>8/2/2019</a:t>
+              <a:t>8/6/2019</a:t>
             </a:fld>
             <a:endParaRPr lang="en-US"/>
           </a:p>
@@ -2071,7 +8896,7 @@
           <a:p>
             <a:fld id="{50CB479B-37C3-4D5D-9572-42ADC671F78E}" type="datetimeFigureOut">
               <a:rPr lang="en-US" smtClean="0"/>
-              <a:t>8/2/2019</a:t>
+              <a:t>8/6/2019</a:t>
             </a:fld>
             <a:endParaRPr lang="en-US"/>
           </a:p>
@@ -2382,7 +9207,7 @@
           <a:p>
             <a:fld id="{50CB479B-37C3-4D5D-9572-42ADC671F78E}" type="datetimeFigureOut">
               <a:rPr lang="en-US" smtClean="0"/>
-              <a:t>8/2/2019</a:t>
+              <a:t>8/6/2019</a:t>
             </a:fld>
             <a:endParaRPr lang="en-US"/>
           </a:p>
@@ -2670,7 +9495,7 @@
           <a:p>
             <a:fld id="{50CB479B-37C3-4D5D-9572-42ADC671F78E}" type="datetimeFigureOut">
               <a:rPr lang="en-US" smtClean="0"/>
-              <a:t>8/2/2019</a:t>
+              <a:t>8/6/2019</a:t>
             </a:fld>
             <a:endParaRPr lang="en-US"/>
           </a:p>
@@ -2911,7 +9736,7 @@
           <a:p>
             <a:fld id="{50CB479B-37C3-4D5D-9572-42ADC671F78E}" type="datetimeFigureOut">
               <a:rPr lang="en-US" smtClean="0"/>
-              <a:t>8/2/2019</a:t>
+              <a:t>8/6/2019</a:t>
             </a:fld>
             <a:endParaRPr lang="en-US"/>
           </a:p>
@@ -3314,6 +10139,14 @@
 <file path=ppt/slides/slide1.xml><?xml version="1.0" encoding="utf-8"?>
 <p:sld xmlns:a="http://schemas.openxmlformats.org/drawingml/2006/main" xmlns:r="http://schemas.openxmlformats.org/officeDocument/2006/relationships" xmlns:p="http://schemas.openxmlformats.org/presentationml/2006/main">
   <p:cSld>
+    <p:bg>
+      <p:bgPr>
+        <a:solidFill>
+          <a:schemeClr val="tx1"/>
+        </a:solidFill>
+        <a:effectLst/>
+      </p:bgPr>
+    </p:bg>
     <p:spTree>
       <p:nvGrpSpPr>
         <p:cNvPr id="1" name=""/>
@@ -3330,6 +10163,140 @@
       </p:grpSpPr>
       <p:sp>
         <p:nvSpPr>
+          <p:cNvPr id="8" name="Rectangle 7">
+            <a:extLst>
+              <a:ext uri="{FF2B5EF4-FFF2-40B4-BE49-F238E27FC236}">
+                <a16:creationId xmlns:a16="http://schemas.microsoft.com/office/drawing/2014/main" id="{2A8AA5BC-4F7A-4226-8F99-6D824B226A97}"/>
+              </a:ext>
+              <a:ext uri="{C183D7F6-B498-43B3-948B-1728B52AA6E4}">
+                <adec:decorative xmlns:adec="http://schemas.microsoft.com/office/drawing/2017/decorative" val="1"/>
+              </a:ext>
+            </a:extLst>
+          </p:cNvPr>
+          <p:cNvSpPr>
+            <a:spLocks noGrp="1" noRot="1" noChangeAspect="1" noMove="1" noResize="1" noEditPoints="1" noAdjustHandles="1" noChangeArrowheads="1" noChangeShapeType="1" noTextEdit="1"/>
+          </p:cNvSpPr>
+          <p:nvPr>
+            <p:extLst>
+              <p:ext uri="{386F3935-93C4-4BCD-93E2-E3B085C9AB24}">
+                <p16:designElem xmlns:p16="http://schemas.microsoft.com/office/powerpoint/2015/main" val="1"/>
+              </p:ext>
+            </p:extLst>
+          </p:nvPr>
+        </p:nvSpPr>
+        <p:spPr>
+          <a:xfrm>
+            <a:off x="0" y="-3324"/>
+            <a:ext cx="12192000" cy="6861324"/>
+          </a:xfrm>
+          <a:prstGeom prst="rect">
+            <a:avLst/>
+          </a:prstGeom>
+          <a:solidFill>
+            <a:schemeClr val="tx1"/>
+          </a:solidFill>
+          <a:ln>
+            <a:noFill/>
+          </a:ln>
+        </p:spPr>
+        <p:style>
+          <a:lnRef idx="2">
+            <a:schemeClr val="accent1">
+              <a:shade val="50000"/>
+            </a:schemeClr>
+          </a:lnRef>
+          <a:fillRef idx="1">
+            <a:schemeClr val="accent1"/>
+          </a:fillRef>
+          <a:effectRef idx="0">
+            <a:schemeClr val="accent1"/>
+          </a:effectRef>
+          <a:fontRef idx="minor">
+            <a:schemeClr val="lt1"/>
+          </a:fontRef>
+        </p:style>
+        <p:txBody>
+          <a:bodyPr rtlCol="0" anchor="ctr"/>
+          <a:lstStyle/>
+          <a:p>
+            <a:pPr algn="ctr"/>
+            <a:endParaRPr lang="en-US"/>
+          </a:p>
+        </p:txBody>
+      </p:sp>
+      <p:sp>
+        <p:nvSpPr>
+          <p:cNvPr id="10" name="Rectangle 9">
+            <a:extLst>
+              <a:ext uri="{FF2B5EF4-FFF2-40B4-BE49-F238E27FC236}">
+                <a16:creationId xmlns:a16="http://schemas.microsoft.com/office/drawing/2014/main" id="{3E5445C6-DD42-4979-86FF-03730E8C6DB0}"/>
+              </a:ext>
+              <a:ext uri="{C183D7F6-B498-43B3-948B-1728B52AA6E4}">
+                <adec:decorative xmlns:adec="http://schemas.microsoft.com/office/drawing/2017/decorative" val="1"/>
+              </a:ext>
+            </a:extLst>
+          </p:cNvPr>
+          <p:cNvSpPr>
+            <a:spLocks noGrp="1" noRot="1" noChangeAspect="1" noMove="1" noResize="1" noEditPoints="1" noAdjustHandles="1" noChangeArrowheads="1" noChangeShapeType="1" noTextEdit="1"/>
+          </p:cNvSpPr>
+          <p:nvPr>
+            <p:extLst>
+              <p:ext uri="{386F3935-93C4-4BCD-93E2-E3B085C9AB24}">
+                <p16:designElem xmlns:p16="http://schemas.microsoft.com/office/powerpoint/2015/main" val="1"/>
+              </p:ext>
+            </p:extLst>
+          </p:nvPr>
+        </p:nvSpPr>
+        <p:spPr bwMode="ltGray">
+          <a:xfrm>
+            <a:off x="321734" y="321733"/>
+            <a:ext cx="11573488" cy="6214534"/>
+          </a:xfrm>
+          <a:prstGeom prst="rect">
+            <a:avLst/>
+          </a:prstGeom>
+          <a:solidFill>
+            <a:schemeClr val="bg1">
+              <a:lumMod val="75000"/>
+              <a:lumOff val="25000"/>
+            </a:schemeClr>
+          </a:solidFill>
+          <a:ln w="127000" cap="sq" cmpd="thinThick">
+            <a:solidFill>
+              <a:schemeClr val="bg1">
+                <a:lumMod val="75000"/>
+                <a:lumOff val="25000"/>
+              </a:schemeClr>
+            </a:solidFill>
+          </a:ln>
+        </p:spPr>
+        <p:style>
+          <a:lnRef idx="2">
+            <a:schemeClr val="accent1">
+              <a:shade val="50000"/>
+            </a:schemeClr>
+          </a:lnRef>
+          <a:fillRef idx="1">
+            <a:schemeClr val="accent1"/>
+          </a:fillRef>
+          <a:effectRef idx="0">
+            <a:schemeClr val="accent1"/>
+          </a:effectRef>
+          <a:fontRef idx="minor">
+            <a:schemeClr val="lt1"/>
+          </a:fontRef>
+        </p:style>
+        <p:txBody>
+          <a:bodyPr rtlCol="0" anchor="ctr"/>
+          <a:lstStyle/>
+          <a:p>
+            <a:pPr algn="ctr"/>
+            <a:endParaRPr lang="en-US"/>
+          </a:p>
+        </p:txBody>
+      </p:sp>
+      <p:sp>
+        <p:nvSpPr>
           <p:cNvPr id="2" name="Title 1">
             <a:extLst>
               <a:ext uri="{FF2B5EF4-FFF2-40B4-BE49-F238E27FC236}">
@@ -3344,13 +10311,20 @@
             <p:ph type="ctrTitle"/>
           </p:nvPr>
         </p:nvSpPr>
-        <p:spPr/>
+        <p:spPr>
+          <a:xfrm>
+            <a:off x="1524000" y="1122362"/>
+            <a:ext cx="9144000" cy="2840037"/>
+          </a:xfrm>
+        </p:spPr>
         <p:txBody>
-          <a:bodyPr/>
+          <a:bodyPr>
+            <a:normAutofit/>
+          </a:bodyPr>
           <a:lstStyle/>
           <a:p>
             <a:r>
-              <a:rPr lang="en-US" dirty="0"/>
+              <a:rPr lang="en-US" sz="5800"/>
               <a:t>Data Understanding</a:t>
             </a:r>
           </a:p>
@@ -3372,18 +10346,83 @@
             <p:ph type="subTitle" idx="1"/>
           </p:nvPr>
         </p:nvSpPr>
-        <p:spPr/>
+        <p:spPr>
+          <a:xfrm>
+            <a:off x="1524000" y="4256436"/>
+            <a:ext cx="9144000" cy="1600818"/>
+          </a:xfrm>
+        </p:spPr>
         <p:txBody>
-          <a:bodyPr/>
+          <a:bodyPr>
+            <a:normAutofit/>
+          </a:bodyPr>
           <a:lstStyle/>
           <a:p>
             <a:r>
-              <a:rPr lang="en-US" dirty="0"/>
+              <a:rPr lang="en-US">
+                <a:solidFill>
+                  <a:schemeClr val="accent1"/>
+                </a:solidFill>
+              </a:rPr>
               <a:t>Exploratory data analysis (EDA) using R and Data Visualization using Tableau</a:t>
             </a:r>
           </a:p>
         </p:txBody>
       </p:sp>
+      <p:cxnSp>
+        <p:nvCxnSpPr>
+          <p:cNvPr id="12" name="Straight Connector 11">
+            <a:extLst>
+              <a:ext uri="{FF2B5EF4-FFF2-40B4-BE49-F238E27FC236}">
+                <a16:creationId xmlns:a16="http://schemas.microsoft.com/office/drawing/2014/main" id="{45000665-DFC7-417E-8FD7-516A0F15C975}"/>
+              </a:ext>
+              <a:ext uri="{C183D7F6-B498-43B3-948B-1728B52AA6E4}">
+                <adec:decorative xmlns:adec="http://schemas.microsoft.com/office/drawing/2017/decorative" val="1"/>
+              </a:ext>
+            </a:extLst>
+          </p:cNvPr>
+          <p:cNvCxnSpPr>
+            <a:cxnSpLocks noGrp="1" noRot="1" noChangeAspect="1" noMove="1" noResize="1" noEditPoints="1" noAdjustHandles="1" noChangeArrowheads="1" noChangeShapeType="1"/>
+          </p:cNvCxnSpPr>
+          <p:nvPr>
+            <p:extLst>
+              <p:ext uri="{386F3935-93C4-4BCD-93E2-E3B085C9AB24}">
+                <p16:designElem xmlns:p16="http://schemas.microsoft.com/office/powerpoint/2015/main" val="1"/>
+              </p:ext>
+            </p:extLst>
+          </p:nvPr>
+        </p:nvCxnSpPr>
+        <p:spPr>
+          <a:xfrm>
+            <a:off x="4724400" y="4109417"/>
+            <a:ext cx="2743200" cy="0"/>
+          </a:xfrm>
+          <a:prstGeom prst="line">
+            <a:avLst/>
+          </a:prstGeom>
+          <a:ln w="12700">
+            <a:solidFill>
+              <a:schemeClr val="tx1">
+                <a:lumMod val="85000"/>
+              </a:schemeClr>
+            </a:solidFill>
+          </a:ln>
+        </p:spPr>
+        <p:style>
+          <a:lnRef idx="1">
+            <a:schemeClr val="accent1"/>
+          </a:lnRef>
+          <a:fillRef idx="0">
+            <a:schemeClr val="accent1"/>
+          </a:fillRef>
+          <a:effectRef idx="0">
+            <a:schemeClr val="accent1"/>
+          </a:effectRef>
+          <a:fontRef idx="minor">
+            <a:schemeClr val="tx1"/>
+          </a:fontRef>
+        </p:style>
+      </p:cxnSp>
     </p:spTree>
     <p:extLst>
       <p:ext uri="{BB962C8B-B14F-4D97-AF65-F5344CB8AC3E}">
@@ -3392,7 +10431,7 @@
     </p:extLst>
   </p:cSld>
   <p:clrMapOvr>
-    <a:masterClrMapping/>
+    <a:overrideClrMapping bg1="dk1" tx1="lt1" bg2="dk2" tx2="lt2" accent1="accent1" accent2="accent2" accent3="accent3" accent4="accent4" accent5="accent5" accent6="accent6" hlink="hlink" folHlink="folHlink"/>
   </p:clrMapOvr>
 </p:sld>
 </file>
@@ -3400,6 +10439,14 @@
 <file path=ppt/slides/slide2.xml><?xml version="1.0" encoding="utf-8"?>
 <p:sld xmlns:a="http://schemas.openxmlformats.org/drawingml/2006/main" xmlns:r="http://schemas.openxmlformats.org/officeDocument/2006/relationships" xmlns:p="http://schemas.openxmlformats.org/presentationml/2006/main">
   <p:cSld>
+    <p:bg>
+      <p:bgPr>
+        <a:solidFill>
+          <a:schemeClr val="bg1"/>
+        </a:solidFill>
+        <a:effectLst/>
+      </p:bgPr>
+    </p:bg>
     <p:spTree>
       <p:nvGrpSpPr>
         <p:cNvPr id="1" name=""/>
@@ -3416,6 +10463,487 @@
       </p:grpSpPr>
       <p:sp>
         <p:nvSpPr>
+          <p:cNvPr id="19" name="Freeform: Shape 18">
+            <a:extLst>
+              <a:ext uri="{FF2B5EF4-FFF2-40B4-BE49-F238E27FC236}">
+                <a16:creationId xmlns:a16="http://schemas.microsoft.com/office/drawing/2014/main" id="{46C2E80F-49A6-4372-B103-219D417A55ED}"/>
+              </a:ext>
+              <a:ext uri="{C183D7F6-B498-43B3-948B-1728B52AA6E4}">
+                <adec:decorative xmlns:adec="http://schemas.microsoft.com/office/drawing/2017/decorative" val="1"/>
+              </a:ext>
+            </a:extLst>
+          </p:cNvPr>
+          <p:cNvSpPr>
+            <a:spLocks noGrp="1" noRot="1" noChangeAspect="1" noMove="1" noResize="1" noEditPoints="1" noAdjustHandles="1" noChangeArrowheads="1" noChangeShapeType="1" noTextEdit="1"/>
+          </p:cNvSpPr>
+          <p:nvPr>
+            <p:extLst>
+              <p:ext uri="{386F3935-93C4-4BCD-93E2-E3B085C9AB24}">
+                <p16:designElem xmlns:p16="http://schemas.microsoft.com/office/powerpoint/2015/main" val="1"/>
+              </p:ext>
+            </p:extLst>
+          </p:nvPr>
+        </p:nvSpPr>
+        <p:spPr>
+          <a:xfrm>
+            <a:off x="484096" y="470925"/>
+            <a:ext cx="4381009" cy="5892104"/>
+          </a:xfrm>
+          <a:custGeom>
+            <a:avLst/>
+            <a:gdLst>
+              <a:gd name="connsiteX0" fmla="*/ 0 w 4381009"/>
+              <a:gd name="connsiteY0" fmla="*/ 0 h 5892104"/>
+              <a:gd name="connsiteX1" fmla="*/ 4157628 w 4381009"/>
+              <a:gd name="connsiteY1" fmla="*/ 0 h 5892104"/>
+              <a:gd name="connsiteX2" fmla="*/ 4169302 w 4381009"/>
+              <a:gd name="connsiteY2" fmla="*/ 68659 h 5892104"/>
+              <a:gd name="connsiteX3" fmla="*/ 4191571 w 4381009"/>
+              <a:gd name="connsiteY3" fmla="*/ 205472 h 5892104"/>
+              <a:gd name="connsiteX4" fmla="*/ 4213368 w 4381009"/>
+              <a:gd name="connsiteY4" fmla="*/ 342890 h 5892104"/>
+              <a:gd name="connsiteX5" fmla="*/ 4232030 w 4381009"/>
+              <a:gd name="connsiteY5" fmla="*/ 480913 h 5892104"/>
+              <a:gd name="connsiteX6" fmla="*/ 4250848 w 4381009"/>
+              <a:gd name="connsiteY6" fmla="*/ 618332 h 5892104"/>
+              <a:gd name="connsiteX7" fmla="*/ 4268412 w 4381009"/>
+              <a:gd name="connsiteY7" fmla="*/ 756355 h 5892104"/>
+              <a:gd name="connsiteX8" fmla="*/ 4283467 w 4381009"/>
+              <a:gd name="connsiteY8" fmla="*/ 892563 h 5892104"/>
+              <a:gd name="connsiteX9" fmla="*/ 4297737 w 4381009"/>
+              <a:gd name="connsiteY9" fmla="*/ 1030587 h 5892104"/>
+              <a:gd name="connsiteX10" fmla="*/ 4310754 w 4381009"/>
+              <a:gd name="connsiteY10" fmla="*/ 1168005 h 5892104"/>
+              <a:gd name="connsiteX11" fmla="*/ 4322045 w 4381009"/>
+              <a:gd name="connsiteY11" fmla="*/ 1303002 h 5892104"/>
+              <a:gd name="connsiteX12" fmla="*/ 4333336 w 4381009"/>
+              <a:gd name="connsiteY12" fmla="*/ 1439815 h 5892104"/>
+              <a:gd name="connsiteX13" fmla="*/ 4342745 w 4381009"/>
+              <a:gd name="connsiteY13" fmla="*/ 1574812 h 5892104"/>
+              <a:gd name="connsiteX14" fmla="*/ 4350115 w 4381009"/>
+              <a:gd name="connsiteY14" fmla="*/ 1709808 h 5892104"/>
+              <a:gd name="connsiteX15" fmla="*/ 4357799 w 4381009"/>
+              <a:gd name="connsiteY15" fmla="*/ 1844200 h 5892104"/>
+              <a:gd name="connsiteX16" fmla="*/ 4364229 w 4381009"/>
+              <a:gd name="connsiteY16" fmla="*/ 1977381 h 5892104"/>
+              <a:gd name="connsiteX17" fmla="*/ 4368777 w 4381009"/>
+              <a:gd name="connsiteY17" fmla="*/ 2109351 h 5892104"/>
+              <a:gd name="connsiteX18" fmla="*/ 4372697 w 4381009"/>
+              <a:gd name="connsiteY18" fmla="*/ 2241321 h 5892104"/>
+              <a:gd name="connsiteX19" fmla="*/ 4376461 w 4381009"/>
+              <a:gd name="connsiteY19" fmla="*/ 2372080 h 5892104"/>
+              <a:gd name="connsiteX20" fmla="*/ 4378186 w 4381009"/>
+              <a:gd name="connsiteY20" fmla="*/ 2501023 h 5892104"/>
+              <a:gd name="connsiteX21" fmla="*/ 4380068 w 4381009"/>
+              <a:gd name="connsiteY21" fmla="*/ 2629966 h 5892104"/>
+              <a:gd name="connsiteX22" fmla="*/ 4381009 w 4381009"/>
+              <a:gd name="connsiteY22" fmla="*/ 2757093 h 5892104"/>
+              <a:gd name="connsiteX23" fmla="*/ 4380068 w 4381009"/>
+              <a:gd name="connsiteY23" fmla="*/ 2883010 h 5892104"/>
+              <a:gd name="connsiteX24" fmla="*/ 4380068 w 4381009"/>
+              <a:gd name="connsiteY24" fmla="*/ 3007715 h 5892104"/>
+              <a:gd name="connsiteX25" fmla="*/ 4378186 w 4381009"/>
+              <a:gd name="connsiteY25" fmla="*/ 3131210 h 5892104"/>
+              <a:gd name="connsiteX26" fmla="*/ 4375363 w 4381009"/>
+              <a:gd name="connsiteY26" fmla="*/ 3252283 h 5892104"/>
+              <a:gd name="connsiteX27" fmla="*/ 4372697 w 4381009"/>
+              <a:gd name="connsiteY27" fmla="*/ 3372146 h 5892104"/>
+              <a:gd name="connsiteX28" fmla="*/ 4369718 w 4381009"/>
+              <a:gd name="connsiteY28" fmla="*/ 3489587 h 5892104"/>
+              <a:gd name="connsiteX29" fmla="*/ 4365170 w 4381009"/>
+              <a:gd name="connsiteY29" fmla="*/ 3606423 h 5892104"/>
+              <a:gd name="connsiteX30" fmla="*/ 4360309 w 4381009"/>
+              <a:gd name="connsiteY30" fmla="*/ 3721443 h 5892104"/>
+              <a:gd name="connsiteX31" fmla="*/ 4355918 w 4381009"/>
+              <a:gd name="connsiteY31" fmla="*/ 3834041 h 5892104"/>
+              <a:gd name="connsiteX32" fmla="*/ 4343529 w 4381009"/>
+              <a:gd name="connsiteY32" fmla="*/ 4053789 h 5892104"/>
+              <a:gd name="connsiteX33" fmla="*/ 4330356 w 4381009"/>
+              <a:gd name="connsiteY33" fmla="*/ 4264457 h 5892104"/>
+              <a:gd name="connsiteX34" fmla="*/ 4316556 w 4381009"/>
+              <a:gd name="connsiteY34" fmla="*/ 4466650 h 5892104"/>
+              <a:gd name="connsiteX35" fmla="*/ 4301344 w 4381009"/>
+              <a:gd name="connsiteY35" fmla="*/ 4657946 h 5892104"/>
+              <a:gd name="connsiteX36" fmla="*/ 4285506 w 4381009"/>
+              <a:gd name="connsiteY36" fmla="*/ 4840767 h 5892104"/>
+              <a:gd name="connsiteX37" fmla="*/ 4268412 w 4381009"/>
+              <a:gd name="connsiteY37" fmla="*/ 5010269 h 5892104"/>
+              <a:gd name="connsiteX38" fmla="*/ 4251633 w 4381009"/>
+              <a:gd name="connsiteY38" fmla="*/ 5169481 h 5892104"/>
+              <a:gd name="connsiteX39" fmla="*/ 4234853 w 4381009"/>
+              <a:gd name="connsiteY39" fmla="*/ 5315980 h 5892104"/>
+              <a:gd name="connsiteX40" fmla="*/ 4219014 w 4381009"/>
+              <a:gd name="connsiteY40" fmla="*/ 5450371 h 5892104"/>
+              <a:gd name="connsiteX41" fmla="*/ 4203959 w 4381009"/>
+              <a:gd name="connsiteY41" fmla="*/ 5569628 h 5892104"/>
+              <a:gd name="connsiteX42" fmla="*/ 4189689 w 4381009"/>
+              <a:gd name="connsiteY42" fmla="*/ 5677384 h 5892104"/>
+              <a:gd name="connsiteX43" fmla="*/ 4177770 w 4381009"/>
+              <a:gd name="connsiteY43" fmla="*/ 5768189 h 5892104"/>
+              <a:gd name="connsiteX44" fmla="*/ 4166479 w 4381009"/>
+              <a:gd name="connsiteY44" fmla="*/ 5844465 h 5892104"/>
+              <a:gd name="connsiteX45" fmla="*/ 4159132 w 4381009"/>
+              <a:gd name="connsiteY45" fmla="*/ 5892104 h 5892104"/>
+              <a:gd name="connsiteX46" fmla="*/ 0 w 4381009"/>
+              <a:gd name="connsiteY46" fmla="*/ 5892104 h 5892104"/>
+            </a:gdLst>
+            <a:ahLst/>
+            <a:cxnLst>
+              <a:cxn ang="0">
+                <a:pos x="connsiteX0" y="connsiteY0"/>
+              </a:cxn>
+              <a:cxn ang="0">
+                <a:pos x="connsiteX1" y="connsiteY1"/>
+              </a:cxn>
+              <a:cxn ang="0">
+                <a:pos x="connsiteX2" y="connsiteY2"/>
+              </a:cxn>
+              <a:cxn ang="0">
+                <a:pos x="connsiteX3" y="connsiteY3"/>
+              </a:cxn>
+              <a:cxn ang="0">
+                <a:pos x="connsiteX4" y="connsiteY4"/>
+              </a:cxn>
+              <a:cxn ang="0">
+                <a:pos x="connsiteX5" y="connsiteY5"/>
+              </a:cxn>
+              <a:cxn ang="0">
+                <a:pos x="connsiteX6" y="connsiteY6"/>
+              </a:cxn>
+              <a:cxn ang="0">
+                <a:pos x="connsiteX7" y="connsiteY7"/>
+              </a:cxn>
+              <a:cxn ang="0">
+                <a:pos x="connsiteX8" y="connsiteY8"/>
+              </a:cxn>
+              <a:cxn ang="0">
+                <a:pos x="connsiteX9" y="connsiteY9"/>
+              </a:cxn>
+              <a:cxn ang="0">
+                <a:pos x="connsiteX10" y="connsiteY10"/>
+              </a:cxn>
+              <a:cxn ang="0">
+                <a:pos x="connsiteX11" y="connsiteY11"/>
+              </a:cxn>
+              <a:cxn ang="0">
+                <a:pos x="connsiteX12" y="connsiteY12"/>
+              </a:cxn>
+              <a:cxn ang="0">
+                <a:pos x="connsiteX13" y="connsiteY13"/>
+              </a:cxn>
+              <a:cxn ang="0">
+                <a:pos x="connsiteX14" y="connsiteY14"/>
+              </a:cxn>
+              <a:cxn ang="0">
+                <a:pos x="connsiteX15" y="connsiteY15"/>
+              </a:cxn>
+              <a:cxn ang="0">
+                <a:pos x="connsiteX16" y="connsiteY16"/>
+              </a:cxn>
+              <a:cxn ang="0">
+                <a:pos x="connsiteX17" y="connsiteY17"/>
+              </a:cxn>
+              <a:cxn ang="0">
+                <a:pos x="connsiteX18" y="connsiteY18"/>
+              </a:cxn>
+              <a:cxn ang="0">
+                <a:pos x="connsiteX19" y="connsiteY19"/>
+              </a:cxn>
+              <a:cxn ang="0">
+                <a:pos x="connsiteX20" y="connsiteY20"/>
+              </a:cxn>
+              <a:cxn ang="0">
+                <a:pos x="connsiteX21" y="connsiteY21"/>
+              </a:cxn>
+              <a:cxn ang="0">
+                <a:pos x="connsiteX22" y="connsiteY22"/>
+              </a:cxn>
+              <a:cxn ang="0">
+                <a:pos x="connsiteX23" y="connsiteY23"/>
+              </a:cxn>
+              <a:cxn ang="0">
+                <a:pos x="connsiteX24" y="connsiteY24"/>
+              </a:cxn>
+              <a:cxn ang="0">
+                <a:pos x="connsiteX25" y="connsiteY25"/>
+              </a:cxn>
+              <a:cxn ang="0">
+                <a:pos x="connsiteX26" y="connsiteY26"/>
+              </a:cxn>
+              <a:cxn ang="0">
+                <a:pos x="connsiteX27" y="connsiteY27"/>
+              </a:cxn>
+              <a:cxn ang="0">
+                <a:pos x="connsiteX28" y="connsiteY28"/>
+              </a:cxn>
+              <a:cxn ang="0">
+                <a:pos x="connsiteX29" y="connsiteY29"/>
+              </a:cxn>
+              <a:cxn ang="0">
+                <a:pos x="connsiteX30" y="connsiteY30"/>
+              </a:cxn>
+              <a:cxn ang="0">
+                <a:pos x="connsiteX31" y="connsiteY31"/>
+              </a:cxn>
+              <a:cxn ang="0">
+                <a:pos x="connsiteX32" y="connsiteY32"/>
+              </a:cxn>
+              <a:cxn ang="0">
+                <a:pos x="connsiteX33" y="connsiteY33"/>
+              </a:cxn>
+              <a:cxn ang="0">
+                <a:pos x="connsiteX34" y="connsiteY34"/>
+              </a:cxn>
+              <a:cxn ang="0">
+                <a:pos x="connsiteX35" y="connsiteY35"/>
+              </a:cxn>
+              <a:cxn ang="0">
+                <a:pos x="connsiteX36" y="connsiteY36"/>
+              </a:cxn>
+              <a:cxn ang="0">
+                <a:pos x="connsiteX37" y="connsiteY37"/>
+              </a:cxn>
+              <a:cxn ang="0">
+                <a:pos x="connsiteX38" y="connsiteY38"/>
+              </a:cxn>
+              <a:cxn ang="0">
+                <a:pos x="connsiteX39" y="connsiteY39"/>
+              </a:cxn>
+              <a:cxn ang="0">
+                <a:pos x="connsiteX40" y="connsiteY40"/>
+              </a:cxn>
+              <a:cxn ang="0">
+                <a:pos x="connsiteX41" y="connsiteY41"/>
+              </a:cxn>
+              <a:cxn ang="0">
+                <a:pos x="connsiteX42" y="connsiteY42"/>
+              </a:cxn>
+              <a:cxn ang="0">
+                <a:pos x="connsiteX43" y="connsiteY43"/>
+              </a:cxn>
+              <a:cxn ang="0">
+                <a:pos x="connsiteX44" y="connsiteY44"/>
+              </a:cxn>
+              <a:cxn ang="0">
+                <a:pos x="connsiteX45" y="connsiteY45"/>
+              </a:cxn>
+              <a:cxn ang="0">
+                <a:pos x="connsiteX46" y="connsiteY46"/>
+              </a:cxn>
+            </a:cxnLst>
+            <a:rect l="l" t="t" r="r" b="b"/>
+            <a:pathLst>
+              <a:path w="4381009" h="5892104">
+                <a:moveTo>
+                  <a:pt x="0" y="0"/>
+                </a:moveTo>
+                <a:lnTo>
+                  <a:pt x="4157628" y="0"/>
+                </a:lnTo>
+                <a:lnTo>
+                  <a:pt x="4169302" y="68659"/>
+                </a:lnTo>
+                <a:lnTo>
+                  <a:pt x="4191571" y="205472"/>
+                </a:lnTo>
+                <a:lnTo>
+                  <a:pt x="4213368" y="342890"/>
+                </a:lnTo>
+                <a:lnTo>
+                  <a:pt x="4232030" y="480913"/>
+                </a:lnTo>
+                <a:lnTo>
+                  <a:pt x="4250848" y="618332"/>
+                </a:lnTo>
+                <a:lnTo>
+                  <a:pt x="4268412" y="756355"/>
+                </a:lnTo>
+                <a:lnTo>
+                  <a:pt x="4283467" y="892563"/>
+                </a:lnTo>
+                <a:lnTo>
+                  <a:pt x="4297737" y="1030587"/>
+                </a:lnTo>
+                <a:lnTo>
+                  <a:pt x="4310754" y="1168005"/>
+                </a:lnTo>
+                <a:lnTo>
+                  <a:pt x="4322045" y="1303002"/>
+                </a:lnTo>
+                <a:lnTo>
+                  <a:pt x="4333336" y="1439815"/>
+                </a:lnTo>
+                <a:lnTo>
+                  <a:pt x="4342745" y="1574812"/>
+                </a:lnTo>
+                <a:lnTo>
+                  <a:pt x="4350115" y="1709808"/>
+                </a:lnTo>
+                <a:lnTo>
+                  <a:pt x="4357799" y="1844200"/>
+                </a:lnTo>
+                <a:lnTo>
+                  <a:pt x="4364229" y="1977381"/>
+                </a:lnTo>
+                <a:lnTo>
+                  <a:pt x="4368777" y="2109351"/>
+                </a:lnTo>
+                <a:lnTo>
+                  <a:pt x="4372697" y="2241321"/>
+                </a:lnTo>
+                <a:lnTo>
+                  <a:pt x="4376461" y="2372080"/>
+                </a:lnTo>
+                <a:lnTo>
+                  <a:pt x="4378186" y="2501023"/>
+                </a:lnTo>
+                <a:lnTo>
+                  <a:pt x="4380068" y="2629966"/>
+                </a:lnTo>
+                <a:lnTo>
+                  <a:pt x="4381009" y="2757093"/>
+                </a:lnTo>
+                <a:lnTo>
+                  <a:pt x="4380068" y="2883010"/>
+                </a:lnTo>
+                <a:lnTo>
+                  <a:pt x="4380068" y="3007715"/>
+                </a:lnTo>
+                <a:lnTo>
+                  <a:pt x="4378186" y="3131210"/>
+                </a:lnTo>
+                <a:lnTo>
+                  <a:pt x="4375363" y="3252283"/>
+                </a:lnTo>
+                <a:lnTo>
+                  <a:pt x="4372697" y="3372146"/>
+                </a:lnTo>
+                <a:lnTo>
+                  <a:pt x="4369718" y="3489587"/>
+                </a:lnTo>
+                <a:lnTo>
+                  <a:pt x="4365170" y="3606423"/>
+                </a:lnTo>
+                <a:lnTo>
+                  <a:pt x="4360309" y="3721443"/>
+                </a:lnTo>
+                <a:lnTo>
+                  <a:pt x="4355918" y="3834041"/>
+                </a:lnTo>
+                <a:lnTo>
+                  <a:pt x="4343529" y="4053789"/>
+                </a:lnTo>
+                <a:lnTo>
+                  <a:pt x="4330356" y="4264457"/>
+                </a:lnTo>
+                <a:lnTo>
+                  <a:pt x="4316556" y="4466650"/>
+                </a:lnTo>
+                <a:lnTo>
+                  <a:pt x="4301344" y="4657946"/>
+                </a:lnTo>
+                <a:lnTo>
+                  <a:pt x="4285506" y="4840767"/>
+                </a:lnTo>
+                <a:lnTo>
+                  <a:pt x="4268412" y="5010269"/>
+                </a:lnTo>
+                <a:lnTo>
+                  <a:pt x="4251633" y="5169481"/>
+                </a:lnTo>
+                <a:lnTo>
+                  <a:pt x="4234853" y="5315980"/>
+                </a:lnTo>
+                <a:lnTo>
+                  <a:pt x="4219014" y="5450371"/>
+                </a:lnTo>
+                <a:lnTo>
+                  <a:pt x="4203959" y="5569628"/>
+                </a:lnTo>
+                <a:lnTo>
+                  <a:pt x="4189689" y="5677384"/>
+                </a:lnTo>
+                <a:lnTo>
+                  <a:pt x="4177770" y="5768189"/>
+                </a:lnTo>
+                <a:lnTo>
+                  <a:pt x="4166479" y="5844465"/>
+                </a:lnTo>
+                <a:lnTo>
+                  <a:pt x="4159132" y="5892104"/>
+                </a:lnTo>
+                <a:lnTo>
+                  <a:pt x="0" y="5892104"/>
+                </a:lnTo>
+                <a:close/>
+              </a:path>
+            </a:pathLst>
+          </a:custGeom>
+          <a:solidFill>
+            <a:srgbClr val="404040"/>
+          </a:solidFill>
+          <a:ln>
+            <a:noFill/>
+          </a:ln>
+        </p:spPr>
+        <p:style>
+          <a:lnRef idx="2">
+            <a:schemeClr val="accent1">
+              <a:shade val="50000"/>
+            </a:schemeClr>
+          </a:lnRef>
+          <a:fillRef idx="1">
+            <a:schemeClr val="accent1"/>
+          </a:fillRef>
+          <a:effectRef idx="0">
+            <a:schemeClr val="accent1"/>
+          </a:effectRef>
+          <a:fontRef idx="minor">
+            <a:schemeClr val="lt1"/>
+          </a:fontRef>
+        </p:style>
+        <p:txBody>
+          <a:bodyPr wrap="square" rtlCol="0" anchor="ctr">
+            <a:noAutofit/>
+          </a:bodyPr>
+          <a:lstStyle/>
+          <a:p>
+            <a:pPr marL="0" marR="0" lvl="0" indent="0" algn="ctr" defTabSz="457200" rtl="0" eaLnBrk="1" fontAlgn="auto" latinLnBrk="0" hangingPunct="1">
+              <a:lnSpc>
+                <a:spcPct val="100000"/>
+              </a:lnSpc>
+              <a:spcBef>
+                <a:spcPts val="0"/>
+              </a:spcBef>
+              <a:spcAft>
+                <a:spcPts val="0"/>
+              </a:spcAft>
+              <a:buClrTx/>
+              <a:buSzTx/>
+              <a:buFontTx/>
+              <a:buNone/>
+              <a:tabLst/>
+              <a:defRPr/>
+            </a:pPr>
+            <a:endParaRPr kumimoji="0" lang="en-US" sz="1800" b="0" i="0" u="none" strike="noStrike" kern="1200" cap="none" spc="0" normalizeH="0" baseline="0" noProof="0">
+              <a:ln>
+                <a:noFill/>
+              </a:ln>
+              <a:solidFill>
+                <a:prstClr val="white"/>
+              </a:solidFill>
+              <a:effectLst/>
+              <a:uLnTx/>
+              <a:uFillTx/>
+              <a:latin typeface="Calibri" panose="020F0502020204030204"/>
+              <a:ea typeface="+mn-ea"/>
+              <a:cs typeface="+mn-cs"/>
+            </a:endParaRPr>
+          </a:p>
+        </p:txBody>
+      </p:sp>
+      <p:sp>
+        <p:nvSpPr>
           <p:cNvPr id="2" name="Title 1">
             <a:extLst>
               <a:ext uri="{FF2B5EF4-FFF2-40B4-BE49-F238E27FC236}">
@@ -3430,69 +10958,60 @@
             <p:ph type="title"/>
           </p:nvPr>
         </p:nvSpPr>
-        <p:spPr/>
+        <p:spPr>
+          <a:xfrm>
+            <a:off x="863029" y="1012004"/>
+            <a:ext cx="3416158" cy="4795408"/>
+          </a:xfrm>
+        </p:spPr>
         <p:txBody>
-          <a:bodyPr/>
+          <a:bodyPr>
+            <a:normAutofit/>
+          </a:bodyPr>
           <a:lstStyle/>
           <a:p>
             <a:r>
-              <a:rPr lang="en-US" dirty="0"/>
+              <a:rPr lang="en-US">
+                <a:solidFill>
+                  <a:srgbClr val="FFFFFF"/>
+                </a:solidFill>
+              </a:rPr>
               <a:t>Analytical Approach</a:t>
             </a:r>
           </a:p>
         </p:txBody>
       </p:sp>
-      <p:sp>
-        <p:nvSpPr>
-          <p:cNvPr id="3" name="Content Placeholder 2">
+      <p:graphicFrame>
+        <p:nvGraphicFramePr>
+          <p:cNvPr id="14" name="Content Placeholder 2">
             <a:extLst>
               <a:ext uri="{FF2B5EF4-FFF2-40B4-BE49-F238E27FC236}">
-                <a16:creationId xmlns:a16="http://schemas.microsoft.com/office/drawing/2014/main" id="{AD74C56E-44B9-49CC-9608-841566F27342}"/>
+                <a16:creationId xmlns:a16="http://schemas.microsoft.com/office/drawing/2014/main" id="{6FE3E0FA-FD1E-46F2-86E9-F59E32E3D122}"/>
               </a:ext>
             </a:extLst>
           </p:cNvPr>
-          <p:cNvSpPr>
-            <a:spLocks noGrp="1"/>
-          </p:cNvSpPr>
+          <p:cNvGraphicFramePr>
+            <a:graphicFrameLocks noGrp="1"/>
+          </p:cNvGraphicFramePr>
           <p:nvPr>
             <p:ph idx="1"/>
+            <p:extLst>
+              <p:ext uri="{D42A27DB-BD31-4B8C-83A1-F6EECF244321}">
+                <p14:modId xmlns:p14="http://schemas.microsoft.com/office/powerpoint/2010/main" val="1984580708"/>
+              </p:ext>
+            </p:extLst>
           </p:nvPr>
-        </p:nvSpPr>
-        <p:spPr/>
-        <p:txBody>
-          <a:bodyPr/>
-          <a:lstStyle/>
-          <a:p>
-            <a:r>
-              <a:rPr lang="en-US" dirty="0"/>
-              <a:t>Predictive Analytics (predict conversion rate based on user data)</a:t>
-            </a:r>
-          </a:p>
-          <a:p>
-            <a:r>
-              <a:rPr lang="en-US" dirty="0"/>
-              <a:t>Supervised Learning (Target variable calculated featured in Sample)</a:t>
-            </a:r>
-          </a:p>
-          <a:p>
-            <a:r>
-              <a:rPr lang="en-US" dirty="0"/>
-              <a:t>Regression Analysis (Type of TV is continuous)</a:t>
-            </a:r>
-          </a:p>
-          <a:p>
-            <a:r>
-              <a:rPr lang="en-US" dirty="0"/>
-              <a:t>Success Measures - R2 or MSE (Mean square error) </a:t>
-            </a:r>
-            <a:r>
-              <a:rPr lang="en-US" dirty="0" err="1"/>
-              <a:t>etc</a:t>
-            </a:r>
-            <a:endParaRPr lang="en-US" dirty="0"/>
-          </a:p>
-        </p:txBody>
-      </p:sp>
+        </p:nvGraphicFramePr>
+        <p:xfrm>
+          <a:off x="5194300" y="470924"/>
+          <a:ext cx="6513604" cy="5885426"/>
+        </p:xfrm>
+        <a:graphic>
+          <a:graphicData uri="http://schemas.openxmlformats.org/drawingml/2006/diagram">
+            <dgm:relIds xmlns:dgm="http://schemas.openxmlformats.org/drawingml/2006/diagram" xmlns:r="http://schemas.openxmlformats.org/officeDocument/2006/relationships" r:dm="rId2" r:lo="rId3" r:qs="rId4" r:cs="rId5"/>
+          </a:graphicData>
+        </a:graphic>
+      </p:graphicFrame>
     </p:spTree>
     <p:extLst>
       <p:ext uri="{BB962C8B-B14F-4D97-AF65-F5344CB8AC3E}">
@@ -3509,6 +11028,14 @@
 <file path=ppt/slides/slide3.xml><?xml version="1.0" encoding="utf-8"?>
 <p:sld xmlns:a="http://schemas.openxmlformats.org/drawingml/2006/main" xmlns:r="http://schemas.openxmlformats.org/officeDocument/2006/relationships" xmlns:p="http://schemas.openxmlformats.org/presentationml/2006/main">
   <p:cSld>
+    <p:bg>
+      <p:bgPr>
+        <a:solidFill>
+          <a:schemeClr val="bg1"/>
+        </a:solidFill>
+        <a:effectLst/>
+      </p:bgPr>
+    </p:bg>
     <p:spTree>
       <p:nvGrpSpPr>
         <p:cNvPr id="1" name=""/>
@@ -3525,6 +11052,487 @@
       </p:grpSpPr>
       <p:sp>
         <p:nvSpPr>
+          <p:cNvPr id="10" name="Freeform: Shape 9">
+            <a:extLst>
+              <a:ext uri="{FF2B5EF4-FFF2-40B4-BE49-F238E27FC236}">
+                <a16:creationId xmlns:a16="http://schemas.microsoft.com/office/drawing/2014/main" id="{46C2E80F-49A6-4372-B103-219D417A55ED}"/>
+              </a:ext>
+              <a:ext uri="{C183D7F6-B498-43B3-948B-1728B52AA6E4}">
+                <adec:decorative xmlns:adec="http://schemas.microsoft.com/office/drawing/2017/decorative" val="1"/>
+              </a:ext>
+            </a:extLst>
+          </p:cNvPr>
+          <p:cNvSpPr>
+            <a:spLocks noGrp="1" noRot="1" noChangeAspect="1" noMove="1" noResize="1" noEditPoints="1" noAdjustHandles="1" noChangeArrowheads="1" noChangeShapeType="1" noTextEdit="1"/>
+          </p:cNvSpPr>
+          <p:nvPr>
+            <p:extLst>
+              <p:ext uri="{386F3935-93C4-4BCD-93E2-E3B085C9AB24}">
+                <p16:designElem xmlns:p16="http://schemas.microsoft.com/office/powerpoint/2015/main" val="1"/>
+              </p:ext>
+            </p:extLst>
+          </p:nvPr>
+        </p:nvSpPr>
+        <p:spPr>
+          <a:xfrm>
+            <a:off x="484096" y="470925"/>
+            <a:ext cx="4381009" cy="5892104"/>
+          </a:xfrm>
+          <a:custGeom>
+            <a:avLst/>
+            <a:gdLst>
+              <a:gd name="connsiteX0" fmla="*/ 0 w 4381009"/>
+              <a:gd name="connsiteY0" fmla="*/ 0 h 5892104"/>
+              <a:gd name="connsiteX1" fmla="*/ 4157628 w 4381009"/>
+              <a:gd name="connsiteY1" fmla="*/ 0 h 5892104"/>
+              <a:gd name="connsiteX2" fmla="*/ 4169302 w 4381009"/>
+              <a:gd name="connsiteY2" fmla="*/ 68659 h 5892104"/>
+              <a:gd name="connsiteX3" fmla="*/ 4191571 w 4381009"/>
+              <a:gd name="connsiteY3" fmla="*/ 205472 h 5892104"/>
+              <a:gd name="connsiteX4" fmla="*/ 4213368 w 4381009"/>
+              <a:gd name="connsiteY4" fmla="*/ 342890 h 5892104"/>
+              <a:gd name="connsiteX5" fmla="*/ 4232030 w 4381009"/>
+              <a:gd name="connsiteY5" fmla="*/ 480913 h 5892104"/>
+              <a:gd name="connsiteX6" fmla="*/ 4250848 w 4381009"/>
+              <a:gd name="connsiteY6" fmla="*/ 618332 h 5892104"/>
+              <a:gd name="connsiteX7" fmla="*/ 4268412 w 4381009"/>
+              <a:gd name="connsiteY7" fmla="*/ 756355 h 5892104"/>
+              <a:gd name="connsiteX8" fmla="*/ 4283467 w 4381009"/>
+              <a:gd name="connsiteY8" fmla="*/ 892563 h 5892104"/>
+              <a:gd name="connsiteX9" fmla="*/ 4297737 w 4381009"/>
+              <a:gd name="connsiteY9" fmla="*/ 1030587 h 5892104"/>
+              <a:gd name="connsiteX10" fmla="*/ 4310754 w 4381009"/>
+              <a:gd name="connsiteY10" fmla="*/ 1168005 h 5892104"/>
+              <a:gd name="connsiteX11" fmla="*/ 4322045 w 4381009"/>
+              <a:gd name="connsiteY11" fmla="*/ 1303002 h 5892104"/>
+              <a:gd name="connsiteX12" fmla="*/ 4333336 w 4381009"/>
+              <a:gd name="connsiteY12" fmla="*/ 1439815 h 5892104"/>
+              <a:gd name="connsiteX13" fmla="*/ 4342745 w 4381009"/>
+              <a:gd name="connsiteY13" fmla="*/ 1574812 h 5892104"/>
+              <a:gd name="connsiteX14" fmla="*/ 4350115 w 4381009"/>
+              <a:gd name="connsiteY14" fmla="*/ 1709808 h 5892104"/>
+              <a:gd name="connsiteX15" fmla="*/ 4357799 w 4381009"/>
+              <a:gd name="connsiteY15" fmla="*/ 1844200 h 5892104"/>
+              <a:gd name="connsiteX16" fmla="*/ 4364229 w 4381009"/>
+              <a:gd name="connsiteY16" fmla="*/ 1977381 h 5892104"/>
+              <a:gd name="connsiteX17" fmla="*/ 4368777 w 4381009"/>
+              <a:gd name="connsiteY17" fmla="*/ 2109351 h 5892104"/>
+              <a:gd name="connsiteX18" fmla="*/ 4372697 w 4381009"/>
+              <a:gd name="connsiteY18" fmla="*/ 2241321 h 5892104"/>
+              <a:gd name="connsiteX19" fmla="*/ 4376461 w 4381009"/>
+              <a:gd name="connsiteY19" fmla="*/ 2372080 h 5892104"/>
+              <a:gd name="connsiteX20" fmla="*/ 4378186 w 4381009"/>
+              <a:gd name="connsiteY20" fmla="*/ 2501023 h 5892104"/>
+              <a:gd name="connsiteX21" fmla="*/ 4380068 w 4381009"/>
+              <a:gd name="connsiteY21" fmla="*/ 2629966 h 5892104"/>
+              <a:gd name="connsiteX22" fmla="*/ 4381009 w 4381009"/>
+              <a:gd name="connsiteY22" fmla="*/ 2757093 h 5892104"/>
+              <a:gd name="connsiteX23" fmla="*/ 4380068 w 4381009"/>
+              <a:gd name="connsiteY23" fmla="*/ 2883010 h 5892104"/>
+              <a:gd name="connsiteX24" fmla="*/ 4380068 w 4381009"/>
+              <a:gd name="connsiteY24" fmla="*/ 3007715 h 5892104"/>
+              <a:gd name="connsiteX25" fmla="*/ 4378186 w 4381009"/>
+              <a:gd name="connsiteY25" fmla="*/ 3131210 h 5892104"/>
+              <a:gd name="connsiteX26" fmla="*/ 4375363 w 4381009"/>
+              <a:gd name="connsiteY26" fmla="*/ 3252283 h 5892104"/>
+              <a:gd name="connsiteX27" fmla="*/ 4372697 w 4381009"/>
+              <a:gd name="connsiteY27" fmla="*/ 3372146 h 5892104"/>
+              <a:gd name="connsiteX28" fmla="*/ 4369718 w 4381009"/>
+              <a:gd name="connsiteY28" fmla="*/ 3489587 h 5892104"/>
+              <a:gd name="connsiteX29" fmla="*/ 4365170 w 4381009"/>
+              <a:gd name="connsiteY29" fmla="*/ 3606423 h 5892104"/>
+              <a:gd name="connsiteX30" fmla="*/ 4360309 w 4381009"/>
+              <a:gd name="connsiteY30" fmla="*/ 3721443 h 5892104"/>
+              <a:gd name="connsiteX31" fmla="*/ 4355918 w 4381009"/>
+              <a:gd name="connsiteY31" fmla="*/ 3834041 h 5892104"/>
+              <a:gd name="connsiteX32" fmla="*/ 4343529 w 4381009"/>
+              <a:gd name="connsiteY32" fmla="*/ 4053789 h 5892104"/>
+              <a:gd name="connsiteX33" fmla="*/ 4330356 w 4381009"/>
+              <a:gd name="connsiteY33" fmla="*/ 4264457 h 5892104"/>
+              <a:gd name="connsiteX34" fmla="*/ 4316556 w 4381009"/>
+              <a:gd name="connsiteY34" fmla="*/ 4466650 h 5892104"/>
+              <a:gd name="connsiteX35" fmla="*/ 4301344 w 4381009"/>
+              <a:gd name="connsiteY35" fmla="*/ 4657946 h 5892104"/>
+              <a:gd name="connsiteX36" fmla="*/ 4285506 w 4381009"/>
+              <a:gd name="connsiteY36" fmla="*/ 4840767 h 5892104"/>
+              <a:gd name="connsiteX37" fmla="*/ 4268412 w 4381009"/>
+              <a:gd name="connsiteY37" fmla="*/ 5010269 h 5892104"/>
+              <a:gd name="connsiteX38" fmla="*/ 4251633 w 4381009"/>
+              <a:gd name="connsiteY38" fmla="*/ 5169481 h 5892104"/>
+              <a:gd name="connsiteX39" fmla="*/ 4234853 w 4381009"/>
+              <a:gd name="connsiteY39" fmla="*/ 5315980 h 5892104"/>
+              <a:gd name="connsiteX40" fmla="*/ 4219014 w 4381009"/>
+              <a:gd name="connsiteY40" fmla="*/ 5450371 h 5892104"/>
+              <a:gd name="connsiteX41" fmla="*/ 4203959 w 4381009"/>
+              <a:gd name="connsiteY41" fmla="*/ 5569628 h 5892104"/>
+              <a:gd name="connsiteX42" fmla="*/ 4189689 w 4381009"/>
+              <a:gd name="connsiteY42" fmla="*/ 5677384 h 5892104"/>
+              <a:gd name="connsiteX43" fmla="*/ 4177770 w 4381009"/>
+              <a:gd name="connsiteY43" fmla="*/ 5768189 h 5892104"/>
+              <a:gd name="connsiteX44" fmla="*/ 4166479 w 4381009"/>
+              <a:gd name="connsiteY44" fmla="*/ 5844465 h 5892104"/>
+              <a:gd name="connsiteX45" fmla="*/ 4159132 w 4381009"/>
+              <a:gd name="connsiteY45" fmla="*/ 5892104 h 5892104"/>
+              <a:gd name="connsiteX46" fmla="*/ 0 w 4381009"/>
+              <a:gd name="connsiteY46" fmla="*/ 5892104 h 5892104"/>
+            </a:gdLst>
+            <a:ahLst/>
+            <a:cxnLst>
+              <a:cxn ang="0">
+                <a:pos x="connsiteX0" y="connsiteY0"/>
+              </a:cxn>
+              <a:cxn ang="0">
+                <a:pos x="connsiteX1" y="connsiteY1"/>
+              </a:cxn>
+              <a:cxn ang="0">
+                <a:pos x="connsiteX2" y="connsiteY2"/>
+              </a:cxn>
+              <a:cxn ang="0">
+                <a:pos x="connsiteX3" y="connsiteY3"/>
+              </a:cxn>
+              <a:cxn ang="0">
+                <a:pos x="connsiteX4" y="connsiteY4"/>
+              </a:cxn>
+              <a:cxn ang="0">
+                <a:pos x="connsiteX5" y="connsiteY5"/>
+              </a:cxn>
+              <a:cxn ang="0">
+                <a:pos x="connsiteX6" y="connsiteY6"/>
+              </a:cxn>
+              <a:cxn ang="0">
+                <a:pos x="connsiteX7" y="connsiteY7"/>
+              </a:cxn>
+              <a:cxn ang="0">
+                <a:pos x="connsiteX8" y="connsiteY8"/>
+              </a:cxn>
+              <a:cxn ang="0">
+                <a:pos x="connsiteX9" y="connsiteY9"/>
+              </a:cxn>
+              <a:cxn ang="0">
+                <a:pos x="connsiteX10" y="connsiteY10"/>
+              </a:cxn>
+              <a:cxn ang="0">
+                <a:pos x="connsiteX11" y="connsiteY11"/>
+              </a:cxn>
+              <a:cxn ang="0">
+                <a:pos x="connsiteX12" y="connsiteY12"/>
+              </a:cxn>
+              <a:cxn ang="0">
+                <a:pos x="connsiteX13" y="connsiteY13"/>
+              </a:cxn>
+              <a:cxn ang="0">
+                <a:pos x="connsiteX14" y="connsiteY14"/>
+              </a:cxn>
+              <a:cxn ang="0">
+                <a:pos x="connsiteX15" y="connsiteY15"/>
+              </a:cxn>
+              <a:cxn ang="0">
+                <a:pos x="connsiteX16" y="connsiteY16"/>
+              </a:cxn>
+              <a:cxn ang="0">
+                <a:pos x="connsiteX17" y="connsiteY17"/>
+              </a:cxn>
+              <a:cxn ang="0">
+                <a:pos x="connsiteX18" y="connsiteY18"/>
+              </a:cxn>
+              <a:cxn ang="0">
+                <a:pos x="connsiteX19" y="connsiteY19"/>
+              </a:cxn>
+              <a:cxn ang="0">
+                <a:pos x="connsiteX20" y="connsiteY20"/>
+              </a:cxn>
+              <a:cxn ang="0">
+                <a:pos x="connsiteX21" y="connsiteY21"/>
+              </a:cxn>
+              <a:cxn ang="0">
+                <a:pos x="connsiteX22" y="connsiteY22"/>
+              </a:cxn>
+              <a:cxn ang="0">
+                <a:pos x="connsiteX23" y="connsiteY23"/>
+              </a:cxn>
+              <a:cxn ang="0">
+                <a:pos x="connsiteX24" y="connsiteY24"/>
+              </a:cxn>
+              <a:cxn ang="0">
+                <a:pos x="connsiteX25" y="connsiteY25"/>
+              </a:cxn>
+              <a:cxn ang="0">
+                <a:pos x="connsiteX26" y="connsiteY26"/>
+              </a:cxn>
+              <a:cxn ang="0">
+                <a:pos x="connsiteX27" y="connsiteY27"/>
+              </a:cxn>
+              <a:cxn ang="0">
+                <a:pos x="connsiteX28" y="connsiteY28"/>
+              </a:cxn>
+              <a:cxn ang="0">
+                <a:pos x="connsiteX29" y="connsiteY29"/>
+              </a:cxn>
+              <a:cxn ang="0">
+                <a:pos x="connsiteX30" y="connsiteY30"/>
+              </a:cxn>
+              <a:cxn ang="0">
+                <a:pos x="connsiteX31" y="connsiteY31"/>
+              </a:cxn>
+              <a:cxn ang="0">
+                <a:pos x="connsiteX32" y="connsiteY32"/>
+              </a:cxn>
+              <a:cxn ang="0">
+                <a:pos x="connsiteX33" y="connsiteY33"/>
+              </a:cxn>
+              <a:cxn ang="0">
+                <a:pos x="connsiteX34" y="connsiteY34"/>
+              </a:cxn>
+              <a:cxn ang="0">
+                <a:pos x="connsiteX35" y="connsiteY35"/>
+              </a:cxn>
+              <a:cxn ang="0">
+                <a:pos x="connsiteX36" y="connsiteY36"/>
+              </a:cxn>
+              <a:cxn ang="0">
+                <a:pos x="connsiteX37" y="connsiteY37"/>
+              </a:cxn>
+              <a:cxn ang="0">
+                <a:pos x="connsiteX38" y="connsiteY38"/>
+              </a:cxn>
+              <a:cxn ang="0">
+                <a:pos x="connsiteX39" y="connsiteY39"/>
+              </a:cxn>
+              <a:cxn ang="0">
+                <a:pos x="connsiteX40" y="connsiteY40"/>
+              </a:cxn>
+              <a:cxn ang="0">
+                <a:pos x="connsiteX41" y="connsiteY41"/>
+              </a:cxn>
+              <a:cxn ang="0">
+                <a:pos x="connsiteX42" y="connsiteY42"/>
+              </a:cxn>
+              <a:cxn ang="0">
+                <a:pos x="connsiteX43" y="connsiteY43"/>
+              </a:cxn>
+              <a:cxn ang="0">
+                <a:pos x="connsiteX44" y="connsiteY44"/>
+              </a:cxn>
+              <a:cxn ang="0">
+                <a:pos x="connsiteX45" y="connsiteY45"/>
+              </a:cxn>
+              <a:cxn ang="0">
+                <a:pos x="connsiteX46" y="connsiteY46"/>
+              </a:cxn>
+            </a:cxnLst>
+            <a:rect l="l" t="t" r="r" b="b"/>
+            <a:pathLst>
+              <a:path w="4381009" h="5892104">
+                <a:moveTo>
+                  <a:pt x="0" y="0"/>
+                </a:moveTo>
+                <a:lnTo>
+                  <a:pt x="4157628" y="0"/>
+                </a:lnTo>
+                <a:lnTo>
+                  <a:pt x="4169302" y="68659"/>
+                </a:lnTo>
+                <a:lnTo>
+                  <a:pt x="4191571" y="205472"/>
+                </a:lnTo>
+                <a:lnTo>
+                  <a:pt x="4213368" y="342890"/>
+                </a:lnTo>
+                <a:lnTo>
+                  <a:pt x="4232030" y="480913"/>
+                </a:lnTo>
+                <a:lnTo>
+                  <a:pt x="4250848" y="618332"/>
+                </a:lnTo>
+                <a:lnTo>
+                  <a:pt x="4268412" y="756355"/>
+                </a:lnTo>
+                <a:lnTo>
+                  <a:pt x="4283467" y="892563"/>
+                </a:lnTo>
+                <a:lnTo>
+                  <a:pt x="4297737" y="1030587"/>
+                </a:lnTo>
+                <a:lnTo>
+                  <a:pt x="4310754" y="1168005"/>
+                </a:lnTo>
+                <a:lnTo>
+                  <a:pt x="4322045" y="1303002"/>
+                </a:lnTo>
+                <a:lnTo>
+                  <a:pt x="4333336" y="1439815"/>
+                </a:lnTo>
+                <a:lnTo>
+                  <a:pt x="4342745" y="1574812"/>
+                </a:lnTo>
+                <a:lnTo>
+                  <a:pt x="4350115" y="1709808"/>
+                </a:lnTo>
+                <a:lnTo>
+                  <a:pt x="4357799" y="1844200"/>
+                </a:lnTo>
+                <a:lnTo>
+                  <a:pt x="4364229" y="1977381"/>
+                </a:lnTo>
+                <a:lnTo>
+                  <a:pt x="4368777" y="2109351"/>
+                </a:lnTo>
+                <a:lnTo>
+                  <a:pt x="4372697" y="2241321"/>
+                </a:lnTo>
+                <a:lnTo>
+                  <a:pt x="4376461" y="2372080"/>
+                </a:lnTo>
+                <a:lnTo>
+                  <a:pt x="4378186" y="2501023"/>
+                </a:lnTo>
+                <a:lnTo>
+                  <a:pt x="4380068" y="2629966"/>
+                </a:lnTo>
+                <a:lnTo>
+                  <a:pt x="4381009" y="2757093"/>
+                </a:lnTo>
+                <a:lnTo>
+                  <a:pt x="4380068" y="2883010"/>
+                </a:lnTo>
+                <a:lnTo>
+                  <a:pt x="4380068" y="3007715"/>
+                </a:lnTo>
+                <a:lnTo>
+                  <a:pt x="4378186" y="3131210"/>
+                </a:lnTo>
+                <a:lnTo>
+                  <a:pt x="4375363" y="3252283"/>
+                </a:lnTo>
+                <a:lnTo>
+                  <a:pt x="4372697" y="3372146"/>
+                </a:lnTo>
+                <a:lnTo>
+                  <a:pt x="4369718" y="3489587"/>
+                </a:lnTo>
+                <a:lnTo>
+                  <a:pt x="4365170" y="3606423"/>
+                </a:lnTo>
+                <a:lnTo>
+                  <a:pt x="4360309" y="3721443"/>
+                </a:lnTo>
+                <a:lnTo>
+                  <a:pt x="4355918" y="3834041"/>
+                </a:lnTo>
+                <a:lnTo>
+                  <a:pt x="4343529" y="4053789"/>
+                </a:lnTo>
+                <a:lnTo>
+                  <a:pt x="4330356" y="4264457"/>
+                </a:lnTo>
+                <a:lnTo>
+                  <a:pt x="4316556" y="4466650"/>
+                </a:lnTo>
+                <a:lnTo>
+                  <a:pt x="4301344" y="4657946"/>
+                </a:lnTo>
+                <a:lnTo>
+                  <a:pt x="4285506" y="4840767"/>
+                </a:lnTo>
+                <a:lnTo>
+                  <a:pt x="4268412" y="5010269"/>
+                </a:lnTo>
+                <a:lnTo>
+                  <a:pt x="4251633" y="5169481"/>
+                </a:lnTo>
+                <a:lnTo>
+                  <a:pt x="4234853" y="5315980"/>
+                </a:lnTo>
+                <a:lnTo>
+                  <a:pt x="4219014" y="5450371"/>
+                </a:lnTo>
+                <a:lnTo>
+                  <a:pt x="4203959" y="5569628"/>
+                </a:lnTo>
+                <a:lnTo>
+                  <a:pt x="4189689" y="5677384"/>
+                </a:lnTo>
+                <a:lnTo>
+                  <a:pt x="4177770" y="5768189"/>
+                </a:lnTo>
+                <a:lnTo>
+                  <a:pt x="4166479" y="5844465"/>
+                </a:lnTo>
+                <a:lnTo>
+                  <a:pt x="4159132" y="5892104"/>
+                </a:lnTo>
+                <a:lnTo>
+                  <a:pt x="0" y="5892104"/>
+                </a:lnTo>
+                <a:close/>
+              </a:path>
+            </a:pathLst>
+          </a:custGeom>
+          <a:solidFill>
+            <a:srgbClr val="404040"/>
+          </a:solidFill>
+          <a:ln>
+            <a:noFill/>
+          </a:ln>
+        </p:spPr>
+        <p:style>
+          <a:lnRef idx="2">
+            <a:schemeClr val="accent1">
+              <a:shade val="50000"/>
+            </a:schemeClr>
+          </a:lnRef>
+          <a:fillRef idx="1">
+            <a:schemeClr val="accent1"/>
+          </a:fillRef>
+          <a:effectRef idx="0">
+            <a:schemeClr val="accent1"/>
+          </a:effectRef>
+          <a:fontRef idx="minor">
+            <a:schemeClr val="lt1"/>
+          </a:fontRef>
+        </p:style>
+        <p:txBody>
+          <a:bodyPr wrap="square" rtlCol="0" anchor="ctr">
+            <a:noAutofit/>
+          </a:bodyPr>
+          <a:lstStyle/>
+          <a:p>
+            <a:pPr marL="0" marR="0" lvl="0" indent="0" algn="ctr" defTabSz="457200" rtl="0" eaLnBrk="1" fontAlgn="auto" latinLnBrk="0" hangingPunct="1">
+              <a:lnSpc>
+                <a:spcPct val="100000"/>
+              </a:lnSpc>
+              <a:spcBef>
+                <a:spcPts val="0"/>
+              </a:spcBef>
+              <a:spcAft>
+                <a:spcPts val="0"/>
+              </a:spcAft>
+              <a:buClrTx/>
+              <a:buSzTx/>
+              <a:buFontTx/>
+              <a:buNone/>
+              <a:tabLst/>
+              <a:defRPr/>
+            </a:pPr>
+            <a:endParaRPr kumimoji="0" lang="en-US" sz="1800" b="0" i="0" u="none" strike="noStrike" kern="1200" cap="none" spc="0" normalizeH="0" baseline="0" noProof="0">
+              <a:ln>
+                <a:noFill/>
+              </a:ln>
+              <a:solidFill>
+                <a:prstClr val="white"/>
+              </a:solidFill>
+              <a:effectLst/>
+              <a:uLnTx/>
+              <a:uFillTx/>
+              <a:latin typeface="Calibri" panose="020F0502020204030204"/>
+              <a:ea typeface="+mn-ea"/>
+              <a:cs typeface="+mn-cs"/>
+            </a:endParaRPr>
+          </a:p>
+        </p:txBody>
+      </p:sp>
+      <p:sp>
+        <p:nvSpPr>
           <p:cNvPr id="2" name="Title 1">
             <a:extLst>
               <a:ext uri="{FF2B5EF4-FFF2-40B4-BE49-F238E27FC236}">
@@ -3539,14 +11547,228 @@
             <p:ph type="title"/>
           </p:nvPr>
         </p:nvSpPr>
-        <p:spPr/>
+        <p:spPr>
+          <a:xfrm>
+            <a:off x="863029" y="1012004"/>
+            <a:ext cx="3416158" cy="4795408"/>
+          </a:xfrm>
+        </p:spPr>
         <p:txBody>
-          <a:bodyPr/>
+          <a:bodyPr>
+            <a:normAutofit/>
+          </a:bodyPr>
           <a:lstStyle/>
           <a:p>
             <a:r>
-              <a:rPr lang="en-US" dirty="0"/>
+              <a:rPr lang="en-US">
+                <a:solidFill>
+                  <a:srgbClr val="FFFFFF"/>
+                </a:solidFill>
+              </a:rPr>
               <a:t>Code Book</a:t>
+            </a:r>
+          </a:p>
+        </p:txBody>
+      </p:sp>
+      <p:graphicFrame>
+        <p:nvGraphicFramePr>
+          <p:cNvPr id="5" name="Content Placeholder 2">
+            <a:extLst>
+              <a:ext uri="{FF2B5EF4-FFF2-40B4-BE49-F238E27FC236}">
+                <a16:creationId xmlns:a16="http://schemas.microsoft.com/office/drawing/2014/main" id="{F4388A76-385F-4EA1-98B0-6CE67DA6AB41}"/>
+              </a:ext>
+            </a:extLst>
+          </p:cNvPr>
+          <p:cNvGraphicFramePr>
+            <a:graphicFrameLocks noGrp="1"/>
+          </p:cNvGraphicFramePr>
+          <p:nvPr>
+            <p:ph idx="1"/>
+            <p:extLst>
+              <p:ext uri="{D42A27DB-BD31-4B8C-83A1-F6EECF244321}">
+                <p14:modId xmlns:p14="http://schemas.microsoft.com/office/powerpoint/2010/main" val="1781875056"/>
+              </p:ext>
+            </p:extLst>
+          </p:nvPr>
+        </p:nvGraphicFramePr>
+        <p:xfrm>
+          <a:off x="5194300" y="470924"/>
+          <a:ext cx="6513604" cy="5885426"/>
+        </p:xfrm>
+        <a:graphic>
+          <a:graphicData uri="http://schemas.openxmlformats.org/drawingml/2006/diagram">
+            <dgm:relIds xmlns:dgm="http://schemas.openxmlformats.org/drawingml/2006/diagram" xmlns:r="http://schemas.openxmlformats.org/officeDocument/2006/relationships" r:dm="rId2" r:lo="rId3" r:qs="rId4" r:cs="rId5"/>
+          </a:graphicData>
+        </a:graphic>
+      </p:graphicFrame>
+    </p:spTree>
+    <p:extLst>
+      <p:ext uri="{BB962C8B-B14F-4D97-AF65-F5344CB8AC3E}">
+        <p14:creationId xmlns:p14="http://schemas.microsoft.com/office/powerpoint/2010/main" val="2771538999"/>
+      </p:ext>
+    </p:extLst>
+  </p:cSld>
+  <p:clrMapOvr>
+    <a:masterClrMapping/>
+  </p:clrMapOvr>
+</p:sld>
+</file>
+
+<file path=ppt/slides/slide4.xml><?xml version="1.0" encoding="utf-8"?>
+<p:sld xmlns:a="http://schemas.openxmlformats.org/drawingml/2006/main" xmlns:r="http://schemas.openxmlformats.org/officeDocument/2006/relationships" xmlns:p="http://schemas.openxmlformats.org/presentationml/2006/main">
+  <p:cSld>
+    <p:bg>
+      <p:bgPr>
+        <a:solidFill>
+          <a:schemeClr val="bg1"/>
+        </a:solidFill>
+        <a:effectLst/>
+      </p:bgPr>
+    </p:bg>
+    <p:spTree>
+      <p:nvGrpSpPr>
+        <p:cNvPr id="1" name=""/>
+        <p:cNvGrpSpPr/>
+        <p:nvPr/>
+      </p:nvGrpSpPr>
+      <p:grpSpPr>
+        <a:xfrm>
+          <a:off x="0" y="0"/>
+          <a:ext cx="0" cy="0"/>
+          <a:chOff x="0" y="0"/>
+          <a:chExt cx="0" cy="0"/>
+        </a:xfrm>
+      </p:grpSpPr>
+      <p:sp>
+        <p:nvSpPr>
+          <p:cNvPr id="16" name="Down Arrow 7">
+            <a:extLst>
+              <a:ext uri="{FF2B5EF4-FFF2-40B4-BE49-F238E27FC236}">
+                <a16:creationId xmlns:a16="http://schemas.microsoft.com/office/drawing/2014/main" id="{73DE2CFE-42F2-48F0-8706-5264E012B10C}"/>
+              </a:ext>
+              <a:ext uri="{C183D7F6-B498-43B3-948B-1728B52AA6E4}">
+                <adec:decorative xmlns:adec="http://schemas.microsoft.com/office/drawing/2017/decorative" val="1"/>
+              </a:ext>
+            </a:extLst>
+          </p:cNvPr>
+          <p:cNvSpPr>
+            <a:spLocks noGrp="1" noRot="1" noChangeAspect="1" noMove="1" noResize="1" noEditPoints="1" noAdjustHandles="1" noChangeArrowheads="1" noChangeShapeType="1" noTextEdit="1"/>
+          </p:cNvSpPr>
+          <p:nvPr>
+            <p:extLst>
+              <p:ext uri="{386F3935-93C4-4BCD-93E2-E3B085C9AB24}">
+                <p16:designElem xmlns:p16="http://schemas.microsoft.com/office/powerpoint/2015/main" val="1"/>
+              </p:ext>
+            </p:extLst>
+          </p:nvPr>
+        </p:nvSpPr>
+        <p:spPr>
+          <a:xfrm rot="16200000">
+            <a:off x="1288521" y="381403"/>
+            <a:ext cx="2200313" cy="3342508"/>
+          </a:xfrm>
+          <a:prstGeom prst="downArrow">
+            <a:avLst>
+              <a:gd name="adj1" fmla="val 100000"/>
+              <a:gd name="adj2" fmla="val 15788"/>
+            </a:avLst>
+          </a:prstGeom>
+          <a:solidFill>
+            <a:srgbClr val="404040"/>
+          </a:solidFill>
+          <a:ln w="53975">
+            <a:noFill/>
+          </a:ln>
+        </p:spPr>
+        <p:style>
+          <a:lnRef idx="2">
+            <a:schemeClr val="accent1">
+              <a:shade val="50000"/>
+            </a:schemeClr>
+          </a:lnRef>
+          <a:fillRef idx="1">
+            <a:schemeClr val="accent1"/>
+          </a:fillRef>
+          <a:effectRef idx="0">
+            <a:schemeClr val="accent1"/>
+          </a:effectRef>
+          <a:fontRef idx="minor">
+            <a:schemeClr val="lt1"/>
+          </a:fontRef>
+        </p:style>
+        <p:txBody>
+          <a:bodyPr rtlCol="0" anchor="ctr"/>
+          <a:lstStyle/>
+          <a:p>
+            <a:pPr marL="0" marR="0" lvl="0" indent="0" algn="ctr" defTabSz="914400" rtl="0" eaLnBrk="1" fontAlgn="auto" latinLnBrk="0" hangingPunct="1">
+              <a:lnSpc>
+                <a:spcPct val="100000"/>
+              </a:lnSpc>
+              <a:spcBef>
+                <a:spcPts val="0"/>
+              </a:spcBef>
+              <a:spcAft>
+                <a:spcPts val="0"/>
+              </a:spcAft>
+              <a:buClrTx/>
+              <a:buSzTx/>
+              <a:buFontTx/>
+              <a:buNone/>
+              <a:tabLst/>
+              <a:defRPr/>
+            </a:pPr>
+            <a:endParaRPr kumimoji="0" lang="en-US" sz="1800" b="0" i="0" u="none" strike="noStrike" kern="1200" cap="none" spc="0" normalizeH="0" baseline="0" noProof="0">
+              <a:ln>
+                <a:noFill/>
+              </a:ln>
+              <a:solidFill>
+                <a:prstClr val="white"/>
+              </a:solidFill>
+              <a:effectLst/>
+              <a:uLnTx/>
+              <a:uFillTx/>
+              <a:latin typeface="Calibri" panose="020F0502020204030204"/>
+              <a:ea typeface="+mn-ea"/>
+              <a:cs typeface="+mn-cs"/>
+            </a:endParaRPr>
+          </a:p>
+        </p:txBody>
+      </p:sp>
+      <p:sp>
+        <p:nvSpPr>
+          <p:cNvPr id="2" name="Title 1">
+            <a:extLst>
+              <a:ext uri="{FF2B5EF4-FFF2-40B4-BE49-F238E27FC236}">
+                <a16:creationId xmlns:a16="http://schemas.microsoft.com/office/drawing/2014/main" id="{1F2E71DE-E2E6-4F41-BBD6-D0223C5004D4}"/>
+              </a:ext>
+            </a:extLst>
+          </p:cNvPr>
+          <p:cNvSpPr>
+            <a:spLocks noGrp="1"/>
+          </p:cNvSpPr>
+          <p:nvPr>
+            <p:ph type="title"/>
+          </p:nvPr>
+        </p:nvSpPr>
+        <p:spPr>
+          <a:xfrm>
+            <a:off x="966952" y="1204108"/>
+            <a:ext cx="2669406" cy="1781175"/>
+          </a:xfrm>
+        </p:spPr>
+        <p:txBody>
+          <a:bodyPr>
+            <a:normAutofit/>
+          </a:bodyPr>
+          <a:lstStyle/>
+          <a:p>
+            <a:r>
+              <a:rPr lang="en-US" sz="3200" dirty="0">
+                <a:solidFill>
+                  <a:srgbClr val="FFFFFF"/>
+                </a:solidFill>
+              </a:rPr>
+              <a:t>Data Visualization (Histogram)</a:t>
             </a:r>
           </a:p>
         </p:txBody>
@@ -3556,7 +11778,7 @@
           <p:cNvPr id="3" name="Content Placeholder 2">
             <a:extLst>
               <a:ext uri="{FF2B5EF4-FFF2-40B4-BE49-F238E27FC236}">
-                <a16:creationId xmlns:a16="http://schemas.microsoft.com/office/drawing/2014/main" id="{72839A57-1D23-4934-A234-9EC9598DBA71}"/>
+                <a16:creationId xmlns:a16="http://schemas.microsoft.com/office/drawing/2014/main" id="{DF858DE5-B153-4A2D-8646-54E34F9A964A}"/>
               </a:ext>
             </a:extLst>
           </p:cNvPr>
@@ -3567,92 +11789,1314 @@
             <p:ph idx="1"/>
           </p:nvPr>
         </p:nvSpPr>
-        <p:spPr/>
+        <p:spPr>
+          <a:xfrm>
+            <a:off x="966951" y="3355130"/>
+            <a:ext cx="2669407" cy="2427333"/>
+          </a:xfrm>
+        </p:spPr>
         <p:txBody>
           <a:bodyPr>
-            <a:normAutofit lnSpcReduction="10000"/>
+            <a:normAutofit/>
           </a:bodyPr>
           <a:lstStyle/>
           <a:p>
             <a:r>
-              <a:rPr lang="en-US" dirty="0"/>
-              <a:t>Data is structured, stored in flat files (.csv)</a:t>
+              <a:rPr lang="en-US" sz="1600" dirty="0"/>
+              <a:t>Age is positive skewed (.74)</a:t>
             </a:r>
           </a:p>
           <a:p>
             <a:r>
-              <a:rPr lang="en-US" dirty="0"/>
-              <a:t>Data Structure: 346929 Observations of 11 variables. </a:t>
+              <a:rPr lang="en-US" sz="1600" dirty="0"/>
+              <a:t>Outliers around Age of 21</a:t>
             </a:r>
           </a:p>
           <a:p>
-            <a:pPr lvl="1"/>
-            <a:r>
-              <a:rPr lang="en-US" dirty="0"/>
-              <a:t>Missing observations 350000 – 346929 = 3071</a:t>
-            </a:r>
-          </a:p>
-          <a:p>
-            <a:pPr lvl="1"/>
-            <a:r>
-              <a:rPr lang="en-US" dirty="0"/>
-              <a:t>Data type of feature “trial” with value 0/1 is “int” instead of “factor”</a:t>
-            </a:r>
-          </a:p>
-          <a:p>
-            <a:r>
-              <a:rPr lang="en-US" dirty="0"/>
-              <a:t>Data Summary: </a:t>
-            </a:r>
-          </a:p>
-          <a:p>
-            <a:pPr lvl="1"/>
-            <a:r>
-              <a:rPr lang="en-US" dirty="0"/>
-              <a:t>356 missing values of each feature “gender”, “age” &amp; “</a:t>
-            </a:r>
-            <a:r>
-              <a:rPr lang="en-US" dirty="0" err="1"/>
-              <a:t>industry_code</a:t>
-            </a:r>
-            <a:r>
-              <a:rPr lang="en-US" dirty="0"/>
-              <a:t>”</a:t>
-            </a:r>
-          </a:p>
-          <a:p>
-            <a:pPr lvl="1"/>
-            <a:r>
-              <a:rPr lang="en-US" dirty="0"/>
-              <a:t>9691 Unknown values in feature “payee”</a:t>
-            </a:r>
-          </a:p>
-          <a:p>
-            <a:r>
-              <a:rPr lang="en-US" dirty="0"/>
-              <a:t>Data Visualization:</a:t>
-            </a:r>
-          </a:p>
-          <a:p>
-            <a:pPr lvl="1"/>
-            <a:r>
-              <a:rPr lang="en-US" dirty="0"/>
-              <a:t>Age (only numeric feature) is positive skewed = 0.74</a:t>
-            </a:r>
-          </a:p>
-          <a:p>
-            <a:pPr lvl="1"/>
-            <a:r>
-              <a:rPr lang="en-US" dirty="0"/>
-              <a:t>Trial is imbalance 0 – 329,713 &amp; 1 - 17216</a:t>
-            </a:r>
+            <a:endParaRPr lang="en-US" sz="1600" dirty="0"/>
+          </a:p>
+        </p:txBody>
+      </p:sp>
+      <p:pic>
+        <p:nvPicPr>
+          <p:cNvPr id="9" name="Picture 8" descr="Plot Zoom">
+            <a:extLst>
+              <a:ext uri="{FF2B5EF4-FFF2-40B4-BE49-F238E27FC236}">
+                <a16:creationId xmlns:a16="http://schemas.microsoft.com/office/drawing/2014/main" id="{075A0390-A71C-4BDA-B305-81EE2F0695BD}"/>
+              </a:ext>
+            </a:extLst>
+          </p:cNvPr>
+          <p:cNvPicPr>
+            <a:picLocks noChangeAspect="1"/>
+          </p:cNvPicPr>
+          <p:nvPr/>
+        </p:nvPicPr>
+        <p:blipFill>
+          <a:blip r:embed="rId2">
+            <a:extLst>
+              <a:ext uri="{28A0092B-C50C-407E-A947-70E740481C1C}">
+                <a14:useLocalDpi xmlns:a14="http://schemas.microsoft.com/office/drawing/2010/main" val="0"/>
+              </a:ext>
+            </a:extLst>
+          </a:blip>
+          <a:stretch>
+            <a:fillRect/>
+          </a:stretch>
+        </p:blipFill>
+        <p:spPr>
+          <a:xfrm>
+            <a:off x="4987774" y="952500"/>
+            <a:ext cx="6252379" cy="4829963"/>
+          </a:xfrm>
+          <a:prstGeom prst="rect">
+            <a:avLst/>
+          </a:prstGeom>
+        </p:spPr>
+      </p:pic>
+      <p:sp>
+        <p:nvSpPr>
+          <p:cNvPr id="4" name="AutoShape 2" descr="http://127.0.0.1:30326/graphics/plot_zoom_png?width=1200&amp;height=900">
+            <a:extLst>
+              <a:ext uri="{FF2B5EF4-FFF2-40B4-BE49-F238E27FC236}">
+                <a16:creationId xmlns:a16="http://schemas.microsoft.com/office/drawing/2014/main" id="{28CC576C-96D0-4ACA-BF9C-AE6842000C48}"/>
+              </a:ext>
+            </a:extLst>
+          </p:cNvPr>
+          <p:cNvSpPr>
+            <a:spLocks noChangeAspect="1" noChangeArrowheads="1"/>
+          </p:cNvSpPr>
+          <p:nvPr/>
+        </p:nvSpPr>
+        <p:spPr bwMode="auto">
+          <a:xfrm>
+            <a:off x="5943600" y="3276600"/>
+            <a:ext cx="304800" cy="304800"/>
+          </a:xfrm>
+          <a:prstGeom prst="rect">
+            <a:avLst/>
+          </a:prstGeom>
+          <a:noFill/>
+          <a:extLst>
+            <a:ext uri="{909E8E84-426E-40DD-AFC4-6F175D3DCCD1}">
+              <a14:hiddenFill xmlns:a14="http://schemas.microsoft.com/office/drawing/2010/main">
+                <a:solidFill>
+                  <a:srgbClr val="FFFFFF"/>
+                </a:solidFill>
+              </a14:hiddenFill>
+            </a:ext>
+          </a:extLst>
+        </p:spPr>
+        <p:txBody>
+          <a:bodyPr vert="horz" wrap="square" lIns="91440" tIns="45720" rIns="91440" bIns="45720" numCol="1" anchor="t" anchorCtr="0" compatLnSpc="1">
+            <a:prstTxWarp prst="textNoShape">
+              <a:avLst/>
+            </a:prstTxWarp>
+          </a:bodyPr>
+          <a:lstStyle/>
+          <a:p>
+            <a:endParaRPr lang="en-US"/>
           </a:p>
         </p:txBody>
       </p:sp>
     </p:spTree>
     <p:extLst>
       <p:ext uri="{BB962C8B-B14F-4D97-AF65-F5344CB8AC3E}">
-        <p14:creationId xmlns:p14="http://schemas.microsoft.com/office/powerpoint/2010/main" val="2771538999"/>
+        <p14:creationId xmlns:p14="http://schemas.microsoft.com/office/powerpoint/2010/main" val="2982637907"/>
+      </p:ext>
+    </p:extLst>
+  </p:cSld>
+  <p:clrMapOvr>
+    <a:masterClrMapping/>
+  </p:clrMapOvr>
+</p:sld>
+</file>
+
+<file path=ppt/slides/slide5.xml><?xml version="1.0" encoding="utf-8"?>
+<p:sld xmlns:a="http://schemas.openxmlformats.org/drawingml/2006/main" xmlns:r="http://schemas.openxmlformats.org/officeDocument/2006/relationships" xmlns:p="http://schemas.openxmlformats.org/presentationml/2006/main">
+  <p:cSld>
+    <p:bg>
+      <p:bgPr>
+        <a:solidFill>
+          <a:schemeClr val="bg1"/>
+        </a:solidFill>
+        <a:effectLst/>
+      </p:bgPr>
+    </p:bg>
+    <p:spTree>
+      <p:nvGrpSpPr>
+        <p:cNvPr id="1" name=""/>
+        <p:cNvGrpSpPr/>
+        <p:nvPr/>
+      </p:nvGrpSpPr>
+      <p:grpSpPr>
+        <a:xfrm>
+          <a:off x="0" y="0"/>
+          <a:ext cx="0" cy="0"/>
+          <a:chOff x="0" y="0"/>
+          <a:chExt cx="0" cy="0"/>
+        </a:xfrm>
+      </p:grpSpPr>
+      <p:sp>
+        <p:nvSpPr>
+          <p:cNvPr id="15" name="Down Arrow 7">
+            <a:extLst>
+              <a:ext uri="{FF2B5EF4-FFF2-40B4-BE49-F238E27FC236}">
+                <a16:creationId xmlns:a16="http://schemas.microsoft.com/office/drawing/2014/main" id="{73DE2CFE-42F2-48F0-8706-5264E012B10C}"/>
+              </a:ext>
+              <a:ext uri="{C183D7F6-B498-43B3-948B-1728B52AA6E4}">
+                <adec:decorative xmlns:adec="http://schemas.microsoft.com/office/drawing/2017/decorative" val="1"/>
+              </a:ext>
+            </a:extLst>
+          </p:cNvPr>
+          <p:cNvSpPr>
+            <a:spLocks noGrp="1" noRot="1" noChangeAspect="1" noMove="1" noResize="1" noEditPoints="1" noAdjustHandles="1" noChangeArrowheads="1" noChangeShapeType="1" noTextEdit="1"/>
+          </p:cNvSpPr>
+          <p:nvPr>
+            <p:extLst>
+              <p:ext uri="{386F3935-93C4-4BCD-93E2-E3B085C9AB24}">
+                <p16:designElem xmlns:p16="http://schemas.microsoft.com/office/powerpoint/2015/main" val="1"/>
+              </p:ext>
+            </p:extLst>
+          </p:nvPr>
+        </p:nvSpPr>
+        <p:spPr>
+          <a:xfrm rot="16200000">
+            <a:off x="1288521" y="381403"/>
+            <a:ext cx="2200313" cy="3342508"/>
+          </a:xfrm>
+          <a:prstGeom prst="downArrow">
+            <a:avLst>
+              <a:gd name="adj1" fmla="val 100000"/>
+              <a:gd name="adj2" fmla="val 15788"/>
+            </a:avLst>
+          </a:prstGeom>
+          <a:solidFill>
+            <a:srgbClr val="404040"/>
+          </a:solidFill>
+          <a:ln w="53975">
+            <a:noFill/>
+          </a:ln>
+        </p:spPr>
+        <p:style>
+          <a:lnRef idx="2">
+            <a:schemeClr val="accent1">
+              <a:shade val="50000"/>
+            </a:schemeClr>
+          </a:lnRef>
+          <a:fillRef idx="1">
+            <a:schemeClr val="accent1"/>
+          </a:fillRef>
+          <a:effectRef idx="0">
+            <a:schemeClr val="accent1"/>
+          </a:effectRef>
+          <a:fontRef idx="minor">
+            <a:schemeClr val="lt1"/>
+          </a:fontRef>
+        </p:style>
+        <p:txBody>
+          <a:bodyPr rtlCol="0" anchor="ctr"/>
+          <a:lstStyle/>
+          <a:p>
+            <a:pPr marL="0" marR="0" lvl="0" indent="0" algn="ctr" defTabSz="914400" rtl="0" eaLnBrk="1" fontAlgn="auto" latinLnBrk="0" hangingPunct="1">
+              <a:lnSpc>
+                <a:spcPct val="100000"/>
+              </a:lnSpc>
+              <a:spcBef>
+                <a:spcPts val="0"/>
+              </a:spcBef>
+              <a:spcAft>
+                <a:spcPts val="0"/>
+              </a:spcAft>
+              <a:buClrTx/>
+              <a:buSzTx/>
+              <a:buFontTx/>
+              <a:buNone/>
+              <a:tabLst/>
+              <a:defRPr/>
+            </a:pPr>
+            <a:endParaRPr kumimoji="0" lang="en-US" sz="1800" b="0" i="0" u="none" strike="noStrike" kern="1200" cap="none" spc="0" normalizeH="0" baseline="0" noProof="0">
+              <a:ln>
+                <a:noFill/>
+              </a:ln>
+              <a:solidFill>
+                <a:prstClr val="white"/>
+              </a:solidFill>
+              <a:effectLst/>
+              <a:uLnTx/>
+              <a:uFillTx/>
+              <a:latin typeface="Calibri" panose="020F0502020204030204"/>
+              <a:ea typeface="+mn-ea"/>
+              <a:cs typeface="+mn-cs"/>
+            </a:endParaRPr>
+          </a:p>
+        </p:txBody>
+      </p:sp>
+      <p:sp>
+        <p:nvSpPr>
+          <p:cNvPr id="2" name="Title 1">
+            <a:extLst>
+              <a:ext uri="{FF2B5EF4-FFF2-40B4-BE49-F238E27FC236}">
+                <a16:creationId xmlns:a16="http://schemas.microsoft.com/office/drawing/2014/main" id="{BC645A13-F9C7-47E6-A9E9-3A3459393CF6}"/>
+              </a:ext>
+            </a:extLst>
+          </p:cNvPr>
+          <p:cNvSpPr>
+            <a:spLocks noGrp="1"/>
+          </p:cNvSpPr>
+          <p:nvPr>
+            <p:ph type="title"/>
+          </p:nvPr>
+        </p:nvSpPr>
+        <p:spPr>
+          <a:xfrm>
+            <a:off x="966952" y="1204108"/>
+            <a:ext cx="2669406" cy="1781175"/>
+          </a:xfrm>
+        </p:spPr>
+        <p:txBody>
+          <a:bodyPr>
+            <a:normAutofit/>
+          </a:bodyPr>
+          <a:lstStyle/>
+          <a:p>
+            <a:r>
+              <a:rPr lang="en-US" sz="3200" dirty="0">
+                <a:solidFill>
+                  <a:srgbClr val="FFFFFF"/>
+                </a:solidFill>
+              </a:rPr>
+              <a:t>Data Visualization (Bar plot)</a:t>
+            </a:r>
+          </a:p>
+        </p:txBody>
+      </p:sp>
+      <p:sp>
+        <p:nvSpPr>
+          <p:cNvPr id="3" name="Content Placeholder 2">
+            <a:extLst>
+              <a:ext uri="{FF2B5EF4-FFF2-40B4-BE49-F238E27FC236}">
+                <a16:creationId xmlns:a16="http://schemas.microsoft.com/office/drawing/2014/main" id="{D977EED1-129B-4422-96EC-A881DE76C7EB}"/>
+              </a:ext>
+            </a:extLst>
+          </p:cNvPr>
+          <p:cNvSpPr>
+            <a:spLocks noGrp="1"/>
+          </p:cNvSpPr>
+          <p:nvPr>
+            <p:ph idx="1"/>
+          </p:nvPr>
+        </p:nvSpPr>
+        <p:spPr>
+          <a:xfrm>
+            <a:off x="966951" y="3355130"/>
+            <a:ext cx="2669407" cy="2427333"/>
+          </a:xfrm>
+        </p:spPr>
+        <p:txBody>
+          <a:bodyPr>
+            <a:normAutofit/>
+          </a:bodyPr>
+          <a:lstStyle/>
+          <a:p>
+            <a:r>
+              <a:rPr lang="en-US" sz="1600" dirty="0"/>
+              <a:t>9691 “Unknown” type of “payee”</a:t>
+            </a:r>
+          </a:p>
+        </p:txBody>
+      </p:sp>
+      <p:pic>
+        <p:nvPicPr>
+          <p:cNvPr id="5" name="Picture 4" descr="Plot Zoom">
+            <a:extLst>
+              <a:ext uri="{FF2B5EF4-FFF2-40B4-BE49-F238E27FC236}">
+                <a16:creationId xmlns:a16="http://schemas.microsoft.com/office/drawing/2014/main" id="{7C40DFDF-FCB1-4739-9D14-0F314AB84D3A}"/>
+              </a:ext>
+            </a:extLst>
+          </p:cNvPr>
+          <p:cNvPicPr>
+            <a:picLocks noChangeAspect="1"/>
+          </p:cNvPicPr>
+          <p:nvPr/>
+        </p:nvPicPr>
+        <p:blipFill>
+          <a:blip r:embed="rId2">
+            <a:extLst>
+              <a:ext uri="{28A0092B-C50C-407E-A947-70E740481C1C}">
+                <a14:useLocalDpi xmlns:a14="http://schemas.microsoft.com/office/drawing/2010/main" val="0"/>
+              </a:ext>
+            </a:extLst>
+          </a:blip>
+          <a:stretch>
+            <a:fillRect/>
+          </a:stretch>
+        </p:blipFill>
+        <p:spPr>
+          <a:xfrm>
+            <a:off x="4987774" y="952500"/>
+            <a:ext cx="6252379" cy="4829963"/>
+          </a:xfrm>
+          <a:prstGeom prst="rect">
+            <a:avLst/>
+          </a:prstGeom>
+        </p:spPr>
+      </p:pic>
+    </p:spTree>
+    <p:extLst>
+      <p:ext uri="{BB962C8B-B14F-4D97-AF65-F5344CB8AC3E}">
+        <p14:creationId xmlns:p14="http://schemas.microsoft.com/office/powerpoint/2010/main" val="753726591"/>
+      </p:ext>
+    </p:extLst>
+  </p:cSld>
+  <p:clrMapOvr>
+    <a:masterClrMapping/>
+  </p:clrMapOvr>
+</p:sld>
+</file>
+
+<file path=ppt/slides/slide6.xml><?xml version="1.0" encoding="utf-8"?>
+<p:sld xmlns:a="http://schemas.openxmlformats.org/drawingml/2006/main" xmlns:r="http://schemas.openxmlformats.org/officeDocument/2006/relationships" xmlns:p="http://schemas.openxmlformats.org/presentationml/2006/main">
+  <p:cSld>
+    <p:bg>
+      <p:bgPr>
+        <a:solidFill>
+          <a:schemeClr val="bg1"/>
+        </a:solidFill>
+        <a:effectLst/>
+      </p:bgPr>
+    </p:bg>
+    <p:spTree>
+      <p:nvGrpSpPr>
+        <p:cNvPr id="1" name=""/>
+        <p:cNvGrpSpPr/>
+        <p:nvPr/>
+      </p:nvGrpSpPr>
+      <p:grpSpPr>
+        <a:xfrm>
+          <a:off x="0" y="0"/>
+          <a:ext cx="0" cy="0"/>
+          <a:chOff x="0" y="0"/>
+          <a:chExt cx="0" cy="0"/>
+        </a:xfrm>
+      </p:grpSpPr>
+      <p:sp>
+        <p:nvSpPr>
+          <p:cNvPr id="25" name="Down Arrow 7">
+            <a:extLst>
+              <a:ext uri="{FF2B5EF4-FFF2-40B4-BE49-F238E27FC236}">
+                <a16:creationId xmlns:a16="http://schemas.microsoft.com/office/drawing/2014/main" id="{73DE2CFE-42F2-48F0-8706-5264E012B10C}"/>
+              </a:ext>
+              <a:ext uri="{C183D7F6-B498-43B3-948B-1728B52AA6E4}">
+                <adec:decorative xmlns:adec="http://schemas.microsoft.com/office/drawing/2017/decorative" val="1"/>
+              </a:ext>
+            </a:extLst>
+          </p:cNvPr>
+          <p:cNvSpPr>
+            <a:spLocks noGrp="1" noRot="1" noChangeAspect="1" noMove="1" noResize="1" noEditPoints="1" noAdjustHandles="1" noChangeArrowheads="1" noChangeShapeType="1" noTextEdit="1"/>
+          </p:cNvSpPr>
+          <p:nvPr>
+            <p:extLst>
+              <p:ext uri="{386F3935-93C4-4BCD-93E2-E3B085C9AB24}">
+                <p16:designElem xmlns:p16="http://schemas.microsoft.com/office/powerpoint/2015/main" val="1"/>
+              </p:ext>
+            </p:extLst>
+          </p:nvPr>
+        </p:nvSpPr>
+        <p:spPr>
+          <a:xfrm rot="16200000">
+            <a:off x="1288521" y="381403"/>
+            <a:ext cx="2200313" cy="3342508"/>
+          </a:xfrm>
+          <a:prstGeom prst="downArrow">
+            <a:avLst>
+              <a:gd name="adj1" fmla="val 100000"/>
+              <a:gd name="adj2" fmla="val 15788"/>
+            </a:avLst>
+          </a:prstGeom>
+          <a:solidFill>
+            <a:srgbClr val="404040"/>
+          </a:solidFill>
+          <a:ln w="53975">
+            <a:noFill/>
+          </a:ln>
+        </p:spPr>
+        <p:style>
+          <a:lnRef idx="2">
+            <a:schemeClr val="accent1">
+              <a:shade val="50000"/>
+            </a:schemeClr>
+          </a:lnRef>
+          <a:fillRef idx="1">
+            <a:schemeClr val="accent1"/>
+          </a:fillRef>
+          <a:effectRef idx="0">
+            <a:schemeClr val="accent1"/>
+          </a:effectRef>
+          <a:fontRef idx="minor">
+            <a:schemeClr val="lt1"/>
+          </a:fontRef>
+        </p:style>
+        <p:txBody>
+          <a:bodyPr rtlCol="0" anchor="ctr"/>
+          <a:lstStyle/>
+          <a:p>
+            <a:pPr marL="0" marR="0" lvl="0" indent="0" algn="ctr" defTabSz="914400" rtl="0" eaLnBrk="1" fontAlgn="auto" latinLnBrk="0" hangingPunct="1">
+              <a:lnSpc>
+                <a:spcPct val="100000"/>
+              </a:lnSpc>
+              <a:spcBef>
+                <a:spcPts val="0"/>
+              </a:spcBef>
+              <a:spcAft>
+                <a:spcPts val="0"/>
+              </a:spcAft>
+              <a:buClrTx/>
+              <a:buSzTx/>
+              <a:buFontTx/>
+              <a:buNone/>
+              <a:tabLst/>
+              <a:defRPr/>
+            </a:pPr>
+            <a:endParaRPr kumimoji="0" lang="en-US" sz="1800" b="0" i="0" u="none" strike="noStrike" kern="1200" cap="none" spc="0" normalizeH="0" baseline="0" noProof="0">
+              <a:ln>
+                <a:noFill/>
+              </a:ln>
+              <a:solidFill>
+                <a:prstClr val="white"/>
+              </a:solidFill>
+              <a:effectLst/>
+              <a:uLnTx/>
+              <a:uFillTx/>
+              <a:latin typeface="Calibri" panose="020F0502020204030204"/>
+              <a:ea typeface="+mn-ea"/>
+              <a:cs typeface="+mn-cs"/>
+            </a:endParaRPr>
+          </a:p>
+        </p:txBody>
+      </p:sp>
+      <p:sp>
+        <p:nvSpPr>
+          <p:cNvPr id="2" name="Title 1">
+            <a:extLst>
+              <a:ext uri="{FF2B5EF4-FFF2-40B4-BE49-F238E27FC236}">
+                <a16:creationId xmlns:a16="http://schemas.microsoft.com/office/drawing/2014/main" id="{BC645A13-F9C7-47E6-A9E9-3A3459393CF6}"/>
+              </a:ext>
+            </a:extLst>
+          </p:cNvPr>
+          <p:cNvSpPr>
+            <a:spLocks noGrp="1"/>
+          </p:cNvSpPr>
+          <p:nvPr>
+            <p:ph type="title"/>
+          </p:nvPr>
+        </p:nvSpPr>
+        <p:spPr>
+          <a:xfrm>
+            <a:off x="966952" y="1204108"/>
+            <a:ext cx="2669406" cy="1781175"/>
+          </a:xfrm>
+        </p:spPr>
+        <p:txBody>
+          <a:bodyPr>
+            <a:normAutofit/>
+          </a:bodyPr>
+          <a:lstStyle/>
+          <a:p>
+            <a:r>
+              <a:rPr lang="en-US" sz="3200" dirty="0">
+                <a:solidFill>
+                  <a:srgbClr val="FFFFFF"/>
+                </a:solidFill>
+              </a:rPr>
+              <a:t>Data Visualization (Bar plot)</a:t>
+            </a:r>
+          </a:p>
+        </p:txBody>
+      </p:sp>
+      <p:sp>
+        <p:nvSpPr>
+          <p:cNvPr id="3" name="Content Placeholder 2">
+            <a:extLst>
+              <a:ext uri="{FF2B5EF4-FFF2-40B4-BE49-F238E27FC236}">
+                <a16:creationId xmlns:a16="http://schemas.microsoft.com/office/drawing/2014/main" id="{D977EED1-129B-4422-96EC-A881DE76C7EB}"/>
+              </a:ext>
+            </a:extLst>
+          </p:cNvPr>
+          <p:cNvSpPr>
+            <a:spLocks noGrp="1"/>
+          </p:cNvSpPr>
+          <p:nvPr>
+            <p:ph idx="1"/>
+          </p:nvPr>
+        </p:nvSpPr>
+        <p:spPr>
+          <a:xfrm>
+            <a:off x="966951" y="3355130"/>
+            <a:ext cx="2669407" cy="2427333"/>
+          </a:xfrm>
+        </p:spPr>
+        <p:txBody>
+          <a:bodyPr>
+            <a:normAutofit/>
+          </a:bodyPr>
+          <a:lstStyle/>
+          <a:p>
+            <a:r>
+              <a:rPr lang="en-US" sz="1600" dirty="0"/>
+              <a:t>Classification Analysis, Binary TV “trial” is imbalance</a:t>
+            </a:r>
+            <a:br>
+              <a:rPr lang="en-US" sz="1600" dirty="0"/>
+            </a:br>
+            <a:r>
+              <a:rPr lang="en-US" sz="1600" dirty="0"/>
+              <a:t>0 – 329,713</a:t>
+            </a:r>
+            <a:br>
+              <a:rPr lang="en-US" sz="1600" dirty="0"/>
+            </a:br>
+            <a:r>
+              <a:rPr lang="en-US" sz="1600" dirty="0"/>
+              <a:t>1 – 17,216</a:t>
+            </a:r>
+          </a:p>
+        </p:txBody>
+      </p:sp>
+      <p:pic>
+        <p:nvPicPr>
+          <p:cNvPr id="8" name="Picture 7" descr="Plot Zoom">
+            <a:extLst>
+              <a:ext uri="{FF2B5EF4-FFF2-40B4-BE49-F238E27FC236}">
+                <a16:creationId xmlns:a16="http://schemas.microsoft.com/office/drawing/2014/main" id="{CBA894D7-A65F-421A-B47F-D5E4B1DFF3B8}"/>
+              </a:ext>
+            </a:extLst>
+          </p:cNvPr>
+          <p:cNvPicPr>
+            <a:picLocks noChangeAspect="1"/>
+          </p:cNvPicPr>
+          <p:nvPr/>
+        </p:nvPicPr>
+        <p:blipFill>
+          <a:blip r:embed="rId2">
+            <a:extLst>
+              <a:ext uri="{28A0092B-C50C-407E-A947-70E740481C1C}">
+                <a14:useLocalDpi xmlns:a14="http://schemas.microsoft.com/office/drawing/2010/main" val="0"/>
+              </a:ext>
+            </a:extLst>
+          </a:blip>
+          <a:stretch>
+            <a:fillRect/>
+          </a:stretch>
+        </p:blipFill>
+        <p:spPr>
+          <a:xfrm>
+            <a:off x="4987774" y="952500"/>
+            <a:ext cx="6252379" cy="4829963"/>
+          </a:xfrm>
+          <a:prstGeom prst="rect">
+            <a:avLst/>
+          </a:prstGeom>
+        </p:spPr>
+      </p:pic>
+    </p:spTree>
+    <p:extLst>
+      <p:ext uri="{BB962C8B-B14F-4D97-AF65-F5344CB8AC3E}">
+        <p14:creationId xmlns:p14="http://schemas.microsoft.com/office/powerpoint/2010/main" val="19784179"/>
+      </p:ext>
+    </p:extLst>
+  </p:cSld>
+  <p:clrMapOvr>
+    <a:masterClrMapping/>
+  </p:clrMapOvr>
+</p:sld>
+</file>
+
+<file path=ppt/slides/slide7.xml><?xml version="1.0" encoding="utf-8"?>
+<p:sld xmlns:a="http://schemas.openxmlformats.org/drawingml/2006/main" xmlns:r="http://schemas.openxmlformats.org/officeDocument/2006/relationships" xmlns:p="http://schemas.openxmlformats.org/presentationml/2006/main">
+  <p:cSld>
+    <p:bg>
+      <p:bgPr>
+        <a:solidFill>
+          <a:schemeClr val="bg1"/>
+        </a:solidFill>
+        <a:effectLst/>
+      </p:bgPr>
+    </p:bg>
+    <p:spTree>
+      <p:nvGrpSpPr>
+        <p:cNvPr id="1" name=""/>
+        <p:cNvGrpSpPr/>
+        <p:nvPr/>
+      </p:nvGrpSpPr>
+      <p:grpSpPr>
+        <a:xfrm>
+          <a:off x="0" y="0"/>
+          <a:ext cx="0" cy="0"/>
+          <a:chOff x="0" y="0"/>
+          <a:chExt cx="0" cy="0"/>
+        </a:xfrm>
+      </p:grpSpPr>
+      <p:sp>
+        <p:nvSpPr>
+          <p:cNvPr id="16" name="Down Arrow 7">
+            <a:extLst>
+              <a:ext uri="{FF2B5EF4-FFF2-40B4-BE49-F238E27FC236}">
+                <a16:creationId xmlns:a16="http://schemas.microsoft.com/office/drawing/2014/main" id="{73DE2CFE-42F2-48F0-8706-5264E012B10C}"/>
+              </a:ext>
+              <a:ext uri="{C183D7F6-B498-43B3-948B-1728B52AA6E4}">
+                <adec:decorative xmlns:adec="http://schemas.microsoft.com/office/drawing/2017/decorative" val="1"/>
+              </a:ext>
+            </a:extLst>
+          </p:cNvPr>
+          <p:cNvSpPr>
+            <a:spLocks noGrp="1" noRot="1" noChangeAspect="1" noMove="1" noResize="1" noEditPoints="1" noAdjustHandles="1" noChangeArrowheads="1" noChangeShapeType="1" noTextEdit="1"/>
+          </p:cNvSpPr>
+          <p:nvPr>
+            <p:extLst>
+              <p:ext uri="{386F3935-93C4-4BCD-93E2-E3B085C9AB24}">
+                <p16:designElem xmlns:p16="http://schemas.microsoft.com/office/powerpoint/2015/main" val="1"/>
+              </p:ext>
+            </p:extLst>
+          </p:nvPr>
+        </p:nvSpPr>
+        <p:spPr>
+          <a:xfrm rot="16200000">
+            <a:off x="1288521" y="381403"/>
+            <a:ext cx="2200313" cy="3342508"/>
+          </a:xfrm>
+          <a:prstGeom prst="downArrow">
+            <a:avLst>
+              <a:gd name="adj1" fmla="val 100000"/>
+              <a:gd name="adj2" fmla="val 15788"/>
+            </a:avLst>
+          </a:prstGeom>
+          <a:solidFill>
+            <a:srgbClr val="404040"/>
+          </a:solidFill>
+          <a:ln w="53975">
+            <a:noFill/>
+          </a:ln>
+        </p:spPr>
+        <p:style>
+          <a:lnRef idx="2">
+            <a:schemeClr val="accent1">
+              <a:shade val="50000"/>
+            </a:schemeClr>
+          </a:lnRef>
+          <a:fillRef idx="1">
+            <a:schemeClr val="accent1"/>
+          </a:fillRef>
+          <a:effectRef idx="0">
+            <a:schemeClr val="accent1"/>
+          </a:effectRef>
+          <a:fontRef idx="minor">
+            <a:schemeClr val="lt1"/>
+          </a:fontRef>
+        </p:style>
+        <p:txBody>
+          <a:bodyPr rtlCol="0" anchor="ctr"/>
+          <a:lstStyle/>
+          <a:p>
+            <a:pPr marL="0" marR="0" lvl="0" indent="0" algn="ctr" defTabSz="914400" rtl="0" eaLnBrk="1" fontAlgn="auto" latinLnBrk="0" hangingPunct="1">
+              <a:lnSpc>
+                <a:spcPct val="100000"/>
+              </a:lnSpc>
+              <a:spcBef>
+                <a:spcPts val="0"/>
+              </a:spcBef>
+              <a:spcAft>
+                <a:spcPts val="0"/>
+              </a:spcAft>
+              <a:buClrTx/>
+              <a:buSzTx/>
+              <a:buFontTx/>
+              <a:buNone/>
+              <a:tabLst/>
+              <a:defRPr/>
+            </a:pPr>
+            <a:endParaRPr kumimoji="0" lang="en-US" sz="1800" b="0" i="0" u="none" strike="noStrike" kern="1200" cap="none" spc="0" normalizeH="0" baseline="0" noProof="0">
+              <a:ln>
+                <a:noFill/>
+              </a:ln>
+              <a:solidFill>
+                <a:prstClr val="white"/>
+              </a:solidFill>
+              <a:effectLst/>
+              <a:uLnTx/>
+              <a:uFillTx/>
+              <a:latin typeface="Calibri" panose="020F0502020204030204"/>
+              <a:ea typeface="+mn-ea"/>
+              <a:cs typeface="+mn-cs"/>
+            </a:endParaRPr>
+          </a:p>
+        </p:txBody>
+      </p:sp>
+      <p:sp>
+        <p:nvSpPr>
+          <p:cNvPr id="2" name="Title 1">
+            <a:extLst>
+              <a:ext uri="{FF2B5EF4-FFF2-40B4-BE49-F238E27FC236}">
+                <a16:creationId xmlns:a16="http://schemas.microsoft.com/office/drawing/2014/main" id="{BC645A13-F9C7-47E6-A9E9-3A3459393CF6}"/>
+              </a:ext>
+            </a:extLst>
+          </p:cNvPr>
+          <p:cNvSpPr>
+            <a:spLocks noGrp="1"/>
+          </p:cNvSpPr>
+          <p:nvPr>
+            <p:ph type="title"/>
+          </p:nvPr>
+        </p:nvSpPr>
+        <p:spPr>
+          <a:xfrm>
+            <a:off x="966952" y="1204108"/>
+            <a:ext cx="2669406" cy="1781175"/>
+          </a:xfrm>
+        </p:spPr>
+        <p:txBody>
+          <a:bodyPr>
+            <a:normAutofit/>
+          </a:bodyPr>
+          <a:lstStyle/>
+          <a:p>
+            <a:r>
+              <a:rPr lang="en-US" sz="3200" dirty="0">
+                <a:solidFill>
+                  <a:srgbClr val="FFFFFF"/>
+                </a:solidFill>
+              </a:rPr>
+              <a:t>Data Visualization (Bar plot)</a:t>
+            </a:r>
+          </a:p>
+        </p:txBody>
+      </p:sp>
+      <p:sp>
+        <p:nvSpPr>
+          <p:cNvPr id="9" name="Title 1">
+            <a:extLst>
+              <a:ext uri="{FF2B5EF4-FFF2-40B4-BE49-F238E27FC236}">
+                <a16:creationId xmlns:a16="http://schemas.microsoft.com/office/drawing/2014/main" id="{90A955DC-7DFC-402F-B0E4-C11C1E9D56BC}"/>
+              </a:ext>
+            </a:extLst>
+          </p:cNvPr>
+          <p:cNvSpPr txBox="1">
+            <a:spLocks/>
+          </p:cNvSpPr>
+          <p:nvPr/>
+        </p:nvSpPr>
+        <p:spPr>
+          <a:xfrm>
+            <a:off x="966951" y="3355130"/>
+            <a:ext cx="2669407" cy="2427333"/>
+          </a:xfrm>
+          <a:prstGeom prst="rect">
+            <a:avLst/>
+          </a:prstGeom>
+        </p:spPr>
+        <p:txBody>
+          <a:bodyPr vert="horz" lIns="91440" tIns="45720" rIns="91440" bIns="45720" rtlCol="0">
+            <a:normAutofit/>
+          </a:bodyPr>
+          <a:lstStyle>
+            <a:lvl1pPr algn="l" defTabSz="914400" rtl="0" eaLnBrk="1" latinLnBrk="0" hangingPunct="1">
+              <a:lnSpc>
+                <a:spcPct val="90000"/>
+              </a:lnSpc>
+              <a:spcBef>
+                <a:spcPct val="0"/>
+              </a:spcBef>
+              <a:buNone/>
+              <a:defRPr sz="4400" kern="1200">
+                <a:solidFill>
+                  <a:schemeClr val="tx1"/>
+                </a:solidFill>
+                <a:latin typeface="+mj-lt"/>
+                <a:ea typeface="+mj-ea"/>
+                <a:cs typeface="+mj-cs"/>
+              </a:defRPr>
+            </a:lvl1pPr>
+          </a:lstStyle>
+          <a:p>
+            <a:pPr>
+              <a:spcAft>
+                <a:spcPts val="600"/>
+              </a:spcAft>
+            </a:pPr>
+            <a:r>
+              <a:rPr lang="en-US" sz="1600" dirty="0"/>
+              <a:t>Numeric Age vs categorical gender (M/F)</a:t>
+            </a:r>
+          </a:p>
+        </p:txBody>
+      </p:sp>
+      <p:pic>
+        <p:nvPicPr>
+          <p:cNvPr id="11" name="Picture 10" descr="Plot Zoom">
+            <a:extLst>
+              <a:ext uri="{FF2B5EF4-FFF2-40B4-BE49-F238E27FC236}">
+                <a16:creationId xmlns:a16="http://schemas.microsoft.com/office/drawing/2014/main" id="{8420F428-C630-4327-B783-4F234479146E}"/>
+              </a:ext>
+            </a:extLst>
+          </p:cNvPr>
+          <p:cNvPicPr>
+            <a:picLocks noChangeAspect="1"/>
+          </p:cNvPicPr>
+          <p:nvPr/>
+        </p:nvPicPr>
+        <p:blipFill>
+          <a:blip r:embed="rId2">
+            <a:extLst>
+              <a:ext uri="{28A0092B-C50C-407E-A947-70E740481C1C}">
+                <a14:useLocalDpi xmlns:a14="http://schemas.microsoft.com/office/drawing/2010/main" val="0"/>
+              </a:ext>
+            </a:extLst>
+          </a:blip>
+          <a:stretch>
+            <a:fillRect/>
+          </a:stretch>
+        </p:blipFill>
+        <p:spPr>
+          <a:xfrm>
+            <a:off x="4987774" y="952500"/>
+            <a:ext cx="6252379" cy="4829963"/>
+          </a:xfrm>
+          <a:prstGeom prst="rect">
+            <a:avLst/>
+          </a:prstGeom>
+        </p:spPr>
+      </p:pic>
+      <p:sp>
+        <p:nvSpPr>
+          <p:cNvPr id="4" name="AutoShape 2" descr="http://127.0.0.1:30326/graphics/plot_zoom_png?width=1200&amp;height=900">
+            <a:extLst>
+              <a:ext uri="{FF2B5EF4-FFF2-40B4-BE49-F238E27FC236}">
+                <a16:creationId xmlns:a16="http://schemas.microsoft.com/office/drawing/2014/main" id="{9045A9A7-9151-4DD5-A8B8-51B106B5AE0B}"/>
+              </a:ext>
+            </a:extLst>
+          </p:cNvPr>
+          <p:cNvSpPr>
+            <a:spLocks noChangeAspect="1" noChangeArrowheads="1"/>
+          </p:cNvSpPr>
+          <p:nvPr/>
+        </p:nvSpPr>
+        <p:spPr bwMode="auto">
+          <a:xfrm>
+            <a:off x="5943600" y="3276600"/>
+            <a:ext cx="304800" cy="304800"/>
+          </a:xfrm>
+          <a:prstGeom prst="rect">
+            <a:avLst/>
+          </a:prstGeom>
+          <a:noFill/>
+          <a:extLst>
+            <a:ext uri="{909E8E84-426E-40DD-AFC4-6F175D3DCCD1}">
+              <a14:hiddenFill xmlns:a14="http://schemas.microsoft.com/office/drawing/2010/main">
+                <a:solidFill>
+                  <a:srgbClr val="FFFFFF"/>
+                </a:solidFill>
+              </a14:hiddenFill>
+            </a:ext>
+          </a:extLst>
+        </p:spPr>
+        <p:txBody>
+          <a:bodyPr vert="horz" wrap="square" lIns="91440" tIns="45720" rIns="91440" bIns="45720" numCol="1" anchor="t" anchorCtr="0" compatLnSpc="1">
+            <a:prstTxWarp prst="textNoShape">
+              <a:avLst/>
+            </a:prstTxWarp>
+          </a:bodyPr>
+          <a:lstStyle/>
+          <a:p>
+            <a:endParaRPr lang="en-US"/>
+          </a:p>
+        </p:txBody>
+      </p:sp>
+    </p:spTree>
+    <p:extLst>
+      <p:ext uri="{BB962C8B-B14F-4D97-AF65-F5344CB8AC3E}">
+        <p14:creationId xmlns:p14="http://schemas.microsoft.com/office/powerpoint/2010/main" val="966296879"/>
+      </p:ext>
+    </p:extLst>
+  </p:cSld>
+  <p:clrMapOvr>
+    <a:masterClrMapping/>
+  </p:clrMapOvr>
+</p:sld>
+</file>
+
+<file path=ppt/slides/slide8.xml><?xml version="1.0" encoding="utf-8"?>
+<p:sld xmlns:a="http://schemas.openxmlformats.org/drawingml/2006/main" xmlns:r="http://schemas.openxmlformats.org/officeDocument/2006/relationships" xmlns:p="http://schemas.openxmlformats.org/presentationml/2006/main">
+  <p:cSld>
+    <p:bg>
+      <p:bgPr>
+        <a:solidFill>
+          <a:schemeClr val="bg1"/>
+        </a:solidFill>
+        <a:effectLst/>
+      </p:bgPr>
+    </p:bg>
+    <p:spTree>
+      <p:nvGrpSpPr>
+        <p:cNvPr id="1" name=""/>
+        <p:cNvGrpSpPr/>
+        <p:nvPr/>
+      </p:nvGrpSpPr>
+      <p:grpSpPr>
+        <a:xfrm>
+          <a:off x="0" y="0"/>
+          <a:ext cx="0" cy="0"/>
+          <a:chOff x="0" y="0"/>
+          <a:chExt cx="0" cy="0"/>
+        </a:xfrm>
+      </p:grpSpPr>
+      <p:sp>
+        <p:nvSpPr>
+          <p:cNvPr id="8" name="Rectangle 7">
+            <a:extLst>
+              <a:ext uri="{FF2B5EF4-FFF2-40B4-BE49-F238E27FC236}">
+                <a16:creationId xmlns:a16="http://schemas.microsoft.com/office/drawing/2014/main" id="{F98ED85F-DCEE-4B50-802E-71A6E3E12B04}"/>
+              </a:ext>
+              <a:ext uri="{C183D7F6-B498-43B3-948B-1728B52AA6E4}">
+                <adec:decorative xmlns:adec="http://schemas.microsoft.com/office/drawing/2017/decorative" val="1"/>
+              </a:ext>
+            </a:extLst>
+          </p:cNvPr>
+          <p:cNvSpPr>
+            <a:spLocks noGrp="1" noRot="1" noChangeAspect="1" noMove="1" noResize="1" noEditPoints="1" noAdjustHandles="1" noChangeArrowheads="1" noChangeShapeType="1" noTextEdit="1"/>
+          </p:cNvSpPr>
+          <p:nvPr>
+            <p:extLst>
+              <p:ext uri="{386F3935-93C4-4BCD-93E2-E3B085C9AB24}">
+                <p16:designElem xmlns:p16="http://schemas.microsoft.com/office/powerpoint/2015/main" val="1"/>
+              </p:ext>
+            </p:extLst>
+          </p:nvPr>
+        </p:nvSpPr>
+        <p:spPr bwMode="ltGray">
+          <a:xfrm>
+            <a:off x="321564" y="320040"/>
+            <a:ext cx="11548872" cy="6217920"/>
+          </a:xfrm>
+          <a:prstGeom prst="rect">
+            <a:avLst/>
+          </a:prstGeom>
+          <a:solidFill>
+            <a:schemeClr val="tx1">
+              <a:alpha val="14000"/>
+            </a:schemeClr>
+          </a:solidFill>
+          <a:ln w="127000" cap="sq" cmpd="thinThick">
+            <a:solidFill>
+              <a:schemeClr val="tx1">
+                <a:lumMod val="85000"/>
+                <a:lumOff val="15000"/>
+                <a:alpha val="15000"/>
+              </a:schemeClr>
+            </a:solidFill>
+          </a:ln>
+        </p:spPr>
+        <p:style>
+          <a:lnRef idx="2">
+            <a:schemeClr val="accent1">
+              <a:shade val="50000"/>
+            </a:schemeClr>
+          </a:lnRef>
+          <a:fillRef idx="1">
+            <a:schemeClr val="accent1"/>
+          </a:fillRef>
+          <a:effectRef idx="0">
+            <a:schemeClr val="accent1"/>
+          </a:effectRef>
+          <a:fontRef idx="minor">
+            <a:schemeClr val="lt1"/>
+          </a:fontRef>
+        </p:style>
+        <p:txBody>
+          <a:bodyPr rtlCol="0" anchor="ctr"/>
+          <a:lstStyle/>
+          <a:p>
+            <a:pPr algn="ctr"/>
+            <a:endParaRPr lang="en-US"/>
+          </a:p>
+        </p:txBody>
+      </p:sp>
+      <p:sp>
+        <p:nvSpPr>
+          <p:cNvPr id="2" name="Title 1">
+            <a:extLst>
+              <a:ext uri="{FF2B5EF4-FFF2-40B4-BE49-F238E27FC236}">
+                <a16:creationId xmlns:a16="http://schemas.microsoft.com/office/drawing/2014/main" id="{BC811EBA-F212-48F8-8DC6-A126A913798C}"/>
+              </a:ext>
+            </a:extLst>
+          </p:cNvPr>
+          <p:cNvSpPr>
+            <a:spLocks noGrp="1"/>
+          </p:cNvSpPr>
+          <p:nvPr>
+            <p:ph type="title"/>
+          </p:nvPr>
+        </p:nvSpPr>
+        <p:spPr>
+          <a:xfrm>
+            <a:off x="838200" y="631825"/>
+            <a:ext cx="10515600" cy="1325563"/>
+          </a:xfrm>
+        </p:spPr>
+        <p:txBody>
+          <a:bodyPr>
+            <a:normAutofit/>
+          </a:bodyPr>
+          <a:lstStyle/>
+          <a:p>
+            <a:r>
+              <a:rPr lang="en-US"/>
+              <a:t>How to fix Data Quality Issues</a:t>
+            </a:r>
+            <a:endParaRPr lang="en-US" dirty="0"/>
+          </a:p>
+        </p:txBody>
+      </p:sp>
+      <p:sp>
+        <p:nvSpPr>
+          <p:cNvPr id="12" name="Content Placeholder 2">
+            <a:extLst>
+              <a:ext uri="{FF2B5EF4-FFF2-40B4-BE49-F238E27FC236}">
+                <a16:creationId xmlns:a16="http://schemas.microsoft.com/office/drawing/2014/main" id="{D48F1292-B3FE-4C00-9BF9-0962E5690F97}"/>
+              </a:ext>
+            </a:extLst>
+          </p:cNvPr>
+          <p:cNvSpPr>
+            <a:spLocks noGrp="1"/>
+          </p:cNvSpPr>
+          <p:nvPr>
+            <p:ph idx="1"/>
+          </p:nvPr>
+        </p:nvSpPr>
+        <p:spPr>
+          <a:xfrm>
+            <a:off x="838200" y="2057400"/>
+            <a:ext cx="10515600" cy="3871762"/>
+          </a:xfrm>
+        </p:spPr>
+        <p:txBody>
+          <a:bodyPr>
+            <a:normAutofit/>
+          </a:bodyPr>
+          <a:lstStyle/>
+          <a:p>
+            <a:pPr marL="342900" indent="-342900">
+              <a:buFont typeface="+mj-lt"/>
+              <a:buAutoNum type="arabicPeriod"/>
+            </a:pPr>
+            <a:r>
+              <a:rPr lang="en-US" sz="1500" b="1" dirty="0">
+                <a:solidFill>
+                  <a:srgbClr val="FF0000"/>
+                </a:solidFill>
+              </a:rPr>
+              <a:t>Issue:</a:t>
+            </a:r>
+            <a:r>
+              <a:rPr lang="en-US" sz="1500" dirty="0"/>
+              <a:t> 3071 Missing observations</a:t>
+            </a:r>
+          </a:p>
+          <a:p>
+            <a:pPr lvl="1"/>
+            <a:r>
+              <a:rPr lang="en-US" sz="1500" b="1" dirty="0">
+                <a:solidFill>
+                  <a:srgbClr val="00B050"/>
+                </a:solidFill>
+              </a:rPr>
+              <a:t>Fix:</a:t>
+            </a:r>
+            <a:r>
+              <a:rPr lang="en-US" sz="1500" dirty="0"/>
+              <a:t> Live with it, sufficient observations  346,929</a:t>
+            </a:r>
+          </a:p>
+          <a:p>
+            <a:pPr marL="342900" indent="-342900">
+              <a:buFont typeface="+mj-lt"/>
+              <a:buAutoNum type="arabicPeriod"/>
+            </a:pPr>
+            <a:r>
+              <a:rPr lang="en-US" sz="1500" b="1" dirty="0">
+                <a:solidFill>
+                  <a:srgbClr val="FF0000"/>
+                </a:solidFill>
+              </a:rPr>
+              <a:t>Issue: </a:t>
+            </a:r>
+            <a:r>
+              <a:rPr lang="en-US" sz="1500" dirty="0"/>
+              <a:t>Target variable type incorrect “int”</a:t>
+            </a:r>
+          </a:p>
+          <a:p>
+            <a:pPr lvl="1"/>
+            <a:r>
+              <a:rPr lang="en-US" sz="1500" b="1" dirty="0">
+                <a:solidFill>
+                  <a:srgbClr val="00B050"/>
+                </a:solidFill>
+              </a:rPr>
+              <a:t>Fix: </a:t>
+            </a:r>
+            <a:r>
+              <a:rPr lang="en-US" sz="1500" dirty="0"/>
+              <a:t>convert to factor in R using factor(trial, level = c(0,1))</a:t>
+            </a:r>
+          </a:p>
+          <a:p>
+            <a:pPr marL="342900" indent="-342900">
+              <a:buFont typeface="+mj-lt"/>
+              <a:buAutoNum type="arabicPeriod"/>
+            </a:pPr>
+            <a:r>
+              <a:rPr lang="en-US" sz="1500" b="1" dirty="0">
+                <a:solidFill>
+                  <a:srgbClr val="FF0000"/>
+                </a:solidFill>
+              </a:rPr>
+              <a:t>Issue:</a:t>
+            </a:r>
+            <a:r>
+              <a:rPr lang="en-US" sz="1500" dirty="0"/>
+              <a:t> 356 Missing values of “gender”, “age” &amp; “</a:t>
+            </a:r>
+            <a:r>
+              <a:rPr lang="en-US" sz="1500" dirty="0" err="1"/>
+              <a:t>industry_code</a:t>
+            </a:r>
+            <a:r>
+              <a:rPr lang="en-US" sz="1500" dirty="0"/>
+              <a:t>”</a:t>
+            </a:r>
+          </a:p>
+          <a:p>
+            <a:pPr lvl="1"/>
+            <a:r>
+              <a:rPr lang="en-US" sz="1500" b="1" dirty="0">
+                <a:solidFill>
+                  <a:srgbClr val="00B050"/>
+                </a:solidFill>
+              </a:rPr>
+              <a:t>Fix: </a:t>
+            </a:r>
+            <a:r>
+              <a:rPr lang="en-US" sz="1500" dirty="0"/>
+              <a:t>Ignore missing values, just 0.1 % of total observations</a:t>
+            </a:r>
+          </a:p>
+          <a:p>
+            <a:pPr marL="342900" indent="-342900">
+              <a:buFont typeface="+mj-lt"/>
+              <a:buAutoNum type="arabicPeriod"/>
+            </a:pPr>
+            <a:r>
+              <a:rPr lang="en-US" sz="1500" b="1" dirty="0">
+                <a:solidFill>
+                  <a:srgbClr val="FF0000"/>
+                </a:solidFill>
+              </a:rPr>
+              <a:t>Issue:</a:t>
+            </a:r>
+            <a:r>
+              <a:rPr lang="en-US" sz="1500" dirty="0"/>
+              <a:t> 9691 “Unknown” type of “payee”</a:t>
+            </a:r>
+          </a:p>
+          <a:p>
+            <a:pPr lvl="1"/>
+            <a:r>
+              <a:rPr lang="en-US" sz="1500" b="1" dirty="0">
+                <a:solidFill>
+                  <a:srgbClr val="00B050"/>
+                </a:solidFill>
+              </a:rPr>
+              <a:t>Fix: </a:t>
+            </a:r>
+            <a:r>
+              <a:rPr lang="en-US" sz="1500" dirty="0"/>
+              <a:t>???</a:t>
+            </a:r>
+          </a:p>
+          <a:p>
+            <a:pPr marL="342900" indent="-342900">
+              <a:buFont typeface="+mj-lt"/>
+              <a:buAutoNum type="arabicPeriod"/>
+            </a:pPr>
+            <a:r>
+              <a:rPr lang="en-US" sz="1500" b="1" dirty="0">
+                <a:solidFill>
+                  <a:srgbClr val="FF0000"/>
+                </a:solidFill>
+              </a:rPr>
+              <a:t>Issue: </a:t>
+            </a:r>
+            <a:r>
+              <a:rPr lang="en-US" sz="1500" dirty="0"/>
+              <a:t>Age is positive skewed (0.74)</a:t>
+            </a:r>
+          </a:p>
+          <a:p>
+            <a:pPr lvl="1"/>
+            <a:r>
+              <a:rPr lang="en-US" sz="1500" b="1" dirty="0">
+                <a:solidFill>
+                  <a:srgbClr val="00B050"/>
+                </a:solidFill>
+              </a:rPr>
+              <a:t>Fix: </a:t>
+            </a:r>
+            <a:r>
+              <a:rPr lang="en-US" sz="1500" dirty="0"/>
+              <a:t>Use John Tukey ladder to get skewness close to 0</a:t>
+            </a:r>
+          </a:p>
+          <a:p>
+            <a:pPr marL="342900" indent="-342900">
+              <a:buFont typeface="+mj-lt"/>
+              <a:buAutoNum type="arabicPeriod"/>
+            </a:pPr>
+            <a:r>
+              <a:rPr lang="en-US" sz="1500" b="1" dirty="0">
+                <a:solidFill>
+                  <a:srgbClr val="FF0000"/>
+                </a:solidFill>
+              </a:rPr>
+              <a:t>Issue: </a:t>
+            </a:r>
+            <a:r>
+              <a:rPr lang="en-US" sz="1500" dirty="0"/>
+              <a:t>Imbalance binary Target Variable “trial” for classification analysis</a:t>
+            </a:r>
+          </a:p>
+          <a:p>
+            <a:pPr lvl="1"/>
+            <a:r>
+              <a:rPr lang="en-US" sz="1500" b="1" dirty="0">
+                <a:solidFill>
+                  <a:srgbClr val="00B050"/>
+                </a:solidFill>
+              </a:rPr>
+              <a:t>Fix: </a:t>
+            </a:r>
+            <a:r>
+              <a:rPr lang="en-US" sz="1500" dirty="0"/>
+              <a:t>Over under sampling</a:t>
+            </a:r>
+          </a:p>
+          <a:p>
+            <a:endParaRPr lang="en-US" sz="1500" dirty="0"/>
+          </a:p>
+        </p:txBody>
+      </p:sp>
+    </p:spTree>
+    <p:extLst>
+      <p:ext uri="{BB962C8B-B14F-4D97-AF65-F5344CB8AC3E}">
+        <p14:creationId xmlns:p14="http://schemas.microsoft.com/office/powerpoint/2010/main" val="4190458902"/>
       </p:ext>
     </p:extLst>
   </p:cSld>
